--- a/презентации/мобильная платформа.pptx
+++ b/презентации/мобильная платформа.pptx
@@ -16,6 +16,7 @@
     <p:sldId id="267" r:id="rId10"/>
     <p:sldId id="269" r:id="rId11"/>
     <p:sldId id="273" r:id="rId12"/>
+    <p:sldId id="274" r:id="rId13"/>
   </p:sldIdLst>
   <p:sldSz cx="9144000" cy="6858000" type="screen4x3"/>
   <p:notesSz cx="6858000" cy="9144000"/>
@@ -3557,7 +3558,7 @@
           <a:p>
             <a:fld id="{5BCAD085-E8A6-8845-BD4E-CB4CCA059FC4}" type="datetimeFigureOut">
               <a:rPr lang="en-US" smtClean="0"/>
-              <a:t>3/10/2025</a:t>
+              <a:t>3/11/2025</a:t>
             </a:fld>
             <a:endParaRPr lang="en-US"/>
           </a:p>
@@ -3725,7 +3726,7 @@
           <a:p>
             <a:fld id="{5BCAD085-E8A6-8845-BD4E-CB4CCA059FC4}" type="datetimeFigureOut">
               <a:rPr lang="en-US" smtClean="0"/>
-              <a:t>3/10/2025</a:t>
+              <a:t>3/11/2025</a:t>
             </a:fld>
             <a:endParaRPr lang="en-US"/>
           </a:p>
@@ -3903,7 +3904,7 @@
           <a:p>
             <a:fld id="{5BCAD085-E8A6-8845-BD4E-CB4CCA059FC4}" type="datetimeFigureOut">
               <a:rPr lang="en-US" smtClean="0"/>
-              <a:t>3/10/2025</a:t>
+              <a:t>3/11/2025</a:t>
             </a:fld>
             <a:endParaRPr lang="en-US"/>
           </a:p>
@@ -4071,7 +4072,7 @@
           <a:p>
             <a:fld id="{5BCAD085-E8A6-8845-BD4E-CB4CCA059FC4}" type="datetimeFigureOut">
               <a:rPr lang="en-US" smtClean="0"/>
-              <a:t>3/10/2025</a:t>
+              <a:t>3/11/2025</a:t>
             </a:fld>
             <a:endParaRPr lang="en-US"/>
           </a:p>
@@ -4316,7 +4317,7 @@
           <a:p>
             <a:fld id="{5BCAD085-E8A6-8845-BD4E-CB4CCA059FC4}" type="datetimeFigureOut">
               <a:rPr lang="en-US" smtClean="0"/>
-              <a:t>3/10/2025</a:t>
+              <a:t>3/11/2025</a:t>
             </a:fld>
             <a:endParaRPr lang="en-US"/>
           </a:p>
@@ -4601,7 +4602,7 @@
           <a:p>
             <a:fld id="{5BCAD085-E8A6-8845-BD4E-CB4CCA059FC4}" type="datetimeFigureOut">
               <a:rPr lang="en-US" smtClean="0"/>
-              <a:t>3/10/2025</a:t>
+              <a:t>3/11/2025</a:t>
             </a:fld>
             <a:endParaRPr lang="en-US"/>
           </a:p>
@@ -5020,7 +5021,7 @@
           <a:p>
             <a:fld id="{5BCAD085-E8A6-8845-BD4E-CB4CCA059FC4}" type="datetimeFigureOut">
               <a:rPr lang="en-US" smtClean="0"/>
-              <a:t>3/10/2025</a:t>
+              <a:t>3/11/2025</a:t>
             </a:fld>
             <a:endParaRPr lang="en-US"/>
           </a:p>
@@ -5137,7 +5138,7 @@
           <a:p>
             <a:fld id="{5BCAD085-E8A6-8845-BD4E-CB4CCA059FC4}" type="datetimeFigureOut">
               <a:rPr lang="en-US" smtClean="0"/>
-              <a:t>3/10/2025</a:t>
+              <a:t>3/11/2025</a:t>
             </a:fld>
             <a:endParaRPr lang="en-US"/>
           </a:p>
@@ -5232,7 +5233,7 @@
           <a:p>
             <a:fld id="{5BCAD085-E8A6-8845-BD4E-CB4CCA059FC4}" type="datetimeFigureOut">
               <a:rPr lang="en-US" smtClean="0"/>
-              <a:t>3/10/2025</a:t>
+              <a:t>3/11/2025</a:t>
             </a:fld>
             <a:endParaRPr lang="en-US"/>
           </a:p>
@@ -5507,7 +5508,7 @@
           <a:p>
             <a:fld id="{5BCAD085-E8A6-8845-BD4E-CB4CCA059FC4}" type="datetimeFigureOut">
               <a:rPr lang="en-US" smtClean="0"/>
-              <a:t>3/10/2025</a:t>
+              <a:t>3/11/2025</a:t>
             </a:fld>
             <a:endParaRPr lang="en-US"/>
           </a:p>
@@ -5759,7 +5760,7 @@
           <a:p>
             <a:fld id="{5BCAD085-E8A6-8845-BD4E-CB4CCA059FC4}" type="datetimeFigureOut">
               <a:rPr lang="en-US" smtClean="0"/>
-              <a:t>3/10/2025</a:t>
+              <a:t>3/11/2025</a:t>
             </a:fld>
             <a:endParaRPr lang="en-US"/>
           </a:p>
@@ -5973,7 +5974,7 @@
           <a:p>
             <a:fld id="{5BCAD085-E8A6-8845-BD4E-CB4CCA059FC4}" type="datetimeFigureOut">
               <a:rPr lang="en-US" smtClean="0"/>
-              <a:t>3/10/2025</a:t>
+              <a:t>3/11/2025</a:t>
             </a:fld>
             <a:endParaRPr lang="en-US"/>
           </a:p>
@@ -7902,6 +7903,86 @@
     <p:extLst>
       <p:ext uri="{BB962C8B-B14F-4D97-AF65-F5344CB8AC3E}">
         <p14:creationId xmlns:p14="http://schemas.microsoft.com/office/powerpoint/2010/main" val="230865693"/>
+      </p:ext>
+    </p:extLst>
+  </p:cSld>
+  <p:clrMapOvr>
+    <a:masterClrMapping/>
+  </p:clrMapOvr>
+</p:sld>
+</file>
+
+<file path=ppt/slides/slide12.xml><?xml version="1.0" encoding="utf-8"?>
+<p:sld xmlns:a="http://schemas.openxmlformats.org/drawingml/2006/main" xmlns:r="http://schemas.openxmlformats.org/officeDocument/2006/relationships" xmlns:p="http://schemas.openxmlformats.org/presentationml/2006/main">
+  <p:cSld>
+    <p:spTree>
+      <p:nvGrpSpPr>
+        <p:cNvPr id="1" name=""/>
+        <p:cNvGrpSpPr/>
+        <p:nvPr/>
+      </p:nvGrpSpPr>
+      <p:grpSpPr>
+        <a:xfrm>
+          <a:off x="0" y="0"/>
+          <a:ext cx="0" cy="0"/>
+          <a:chOff x="0" y="0"/>
+          <a:chExt cx="0" cy="0"/>
+        </a:xfrm>
+      </p:grpSpPr>
+      <p:sp>
+        <p:nvSpPr>
+          <p:cNvPr id="2" name="Заголовок 1">
+            <a:extLst>
+              <a:ext uri="{FF2B5EF4-FFF2-40B4-BE49-F238E27FC236}">
+                <a16:creationId xmlns:a16="http://schemas.microsoft.com/office/drawing/2014/main" id="{002D2464-A5FE-A699-E921-406BBB480D5D}"/>
+              </a:ext>
+            </a:extLst>
+          </p:cNvPr>
+          <p:cNvSpPr>
+            <a:spLocks noGrp="1"/>
+          </p:cNvSpPr>
+          <p:nvPr>
+            <p:ph type="title"/>
+          </p:nvPr>
+        </p:nvSpPr>
+        <p:spPr/>
+        <p:txBody>
+          <a:bodyPr/>
+          <a:lstStyle/>
+          <a:p>
+            <a:endParaRPr lang="ru-RU"/>
+          </a:p>
+        </p:txBody>
+      </p:sp>
+      <p:sp>
+        <p:nvSpPr>
+          <p:cNvPr id="3" name="Объект 2">
+            <a:extLst>
+              <a:ext uri="{FF2B5EF4-FFF2-40B4-BE49-F238E27FC236}">
+                <a16:creationId xmlns:a16="http://schemas.microsoft.com/office/drawing/2014/main" id="{0AAC75ED-1D66-4547-5A0A-6332C76DAEA3}"/>
+              </a:ext>
+            </a:extLst>
+          </p:cNvPr>
+          <p:cNvSpPr>
+            <a:spLocks noGrp="1"/>
+          </p:cNvSpPr>
+          <p:nvPr>
+            <p:ph idx="1"/>
+          </p:nvPr>
+        </p:nvSpPr>
+        <p:spPr/>
+        <p:txBody>
+          <a:bodyPr/>
+          <a:lstStyle/>
+          <a:p>
+            <a:endParaRPr lang="ru-RU"/>
+          </a:p>
+        </p:txBody>
+      </p:sp>
+    </p:spTree>
+    <p:extLst>
+      <p:ext uri="{BB962C8B-B14F-4D97-AF65-F5344CB8AC3E}">
+        <p14:creationId xmlns:p14="http://schemas.microsoft.com/office/powerpoint/2010/main" val="194747408"/>
       </p:ext>
     </p:extLst>
   </p:cSld>

--- a/презентации/мобильная платформа.pptx
+++ b/презентации/мобильная платформа.pptx
@@ -1,9 +1,12 @@
 
 <file path=ppt/presentation.xml><?xml version="1.0" encoding="utf-8"?>
-<p:presentation xmlns:a="http://schemas.openxmlformats.org/drawingml/2006/main" xmlns:r="http://schemas.openxmlformats.org/officeDocument/2006/relationships" xmlns:p="http://schemas.openxmlformats.org/presentationml/2006/main" saveSubsetFonts="1" autoCompressPictures="0">
+<p:presentation xmlns:a="http://schemas.openxmlformats.org/drawingml/2006/main" xmlns:r="http://schemas.openxmlformats.org/officeDocument/2006/relationships" xmlns:p="http://schemas.openxmlformats.org/presentationml/2006/main" showSpecialPlsOnTitleSld="0" saveSubsetFonts="1" autoCompressPictures="0">
   <p:sldMasterIdLst>
     <p:sldMasterId id="2147483648" r:id="rId1"/>
   </p:sldMasterIdLst>
+  <p:notesMasterIdLst>
+    <p:notesMasterId r:id="rId14"/>
+  </p:notesMasterIdLst>
   <p:sldIdLst>
     <p:sldId id="256" r:id="rId2"/>
     <p:sldId id="258" r:id="rId3"/>
@@ -11,7 +14,7 @@
     <p:sldId id="259" r:id="rId5"/>
     <p:sldId id="265" r:id="rId6"/>
     <p:sldId id="264" r:id="rId7"/>
-    <p:sldId id="263" r:id="rId8"/>
+    <p:sldId id="275" r:id="rId8"/>
     <p:sldId id="266" r:id="rId9"/>
     <p:sldId id="267" r:id="rId10"/>
     <p:sldId id="269" r:id="rId11"/>
@@ -3379,6 +3382,355 @@
 </dgm:styleDef>
 </file>
 
+<file path=ppt/notesMasters/notesMaster1.xml><?xml version="1.0" encoding="utf-8"?>
+<p:notesMaster xmlns:a="http://schemas.openxmlformats.org/drawingml/2006/main" xmlns:r="http://schemas.openxmlformats.org/officeDocument/2006/relationships" xmlns:p="http://schemas.openxmlformats.org/presentationml/2006/main">
+  <p:cSld>
+    <p:bg>
+      <p:bgRef idx="1001">
+        <a:schemeClr val="bg1"/>
+      </p:bgRef>
+    </p:bg>
+    <p:spTree>
+      <p:nvGrpSpPr>
+        <p:cNvPr id="1" name=""/>
+        <p:cNvGrpSpPr/>
+        <p:nvPr/>
+      </p:nvGrpSpPr>
+      <p:grpSpPr>
+        <a:xfrm>
+          <a:off x="0" y="0"/>
+          <a:ext cx="0" cy="0"/>
+          <a:chOff x="0" y="0"/>
+          <a:chExt cx="0" cy="0"/>
+        </a:xfrm>
+      </p:grpSpPr>
+      <p:sp>
+        <p:nvSpPr>
+          <p:cNvPr id="2" name="Верхний колонтитул 1"/>
+          <p:cNvSpPr>
+            <a:spLocks noGrp="1"/>
+          </p:cNvSpPr>
+          <p:nvPr>
+            <p:ph type="hdr" sz="quarter"/>
+          </p:nvPr>
+        </p:nvSpPr>
+        <p:spPr>
+          <a:xfrm>
+            <a:off x="0" y="0"/>
+            <a:ext cx="2971800" cy="458788"/>
+          </a:xfrm>
+          <a:prstGeom prst="rect">
+            <a:avLst/>
+          </a:prstGeom>
+        </p:spPr>
+        <p:txBody>
+          <a:bodyPr vert="horz" lIns="91440" tIns="45720" rIns="91440" bIns="45720" rtlCol="0"/>
+          <a:lstStyle>
+            <a:lvl1pPr algn="l">
+              <a:defRPr sz="1200"/>
+            </a:lvl1pPr>
+          </a:lstStyle>
+          <a:p>
+            <a:endParaRPr lang="ru-RU"/>
+          </a:p>
+        </p:txBody>
+      </p:sp>
+      <p:sp>
+        <p:nvSpPr>
+          <p:cNvPr id="3" name="Дата 2"/>
+          <p:cNvSpPr>
+            <a:spLocks noGrp="1"/>
+          </p:cNvSpPr>
+          <p:nvPr>
+            <p:ph type="dt" idx="1"/>
+          </p:nvPr>
+        </p:nvSpPr>
+        <p:spPr>
+          <a:xfrm>
+            <a:off x="3884613" y="0"/>
+            <a:ext cx="2971800" cy="458788"/>
+          </a:xfrm>
+          <a:prstGeom prst="rect">
+            <a:avLst/>
+          </a:prstGeom>
+        </p:spPr>
+        <p:txBody>
+          <a:bodyPr vert="horz" lIns="91440" tIns="45720" rIns="91440" bIns="45720" rtlCol="0"/>
+          <a:lstStyle>
+            <a:lvl1pPr algn="r">
+              <a:defRPr sz="1200"/>
+            </a:lvl1pPr>
+          </a:lstStyle>
+          <a:p>
+            <a:fld id="{5E8C7F5D-C1EC-42DC-8C88-ED95F9B54956}" type="datetimeFigureOut">
+              <a:rPr lang="ru-RU" smtClean="0"/>
+              <a:t>12.03.2025</a:t>
+            </a:fld>
+            <a:endParaRPr lang="ru-RU"/>
+          </a:p>
+        </p:txBody>
+      </p:sp>
+      <p:sp>
+        <p:nvSpPr>
+          <p:cNvPr id="4" name="Образ слайда 3"/>
+          <p:cNvSpPr>
+            <a:spLocks noGrp="1" noRot="1" noChangeAspect="1"/>
+          </p:cNvSpPr>
+          <p:nvPr>
+            <p:ph type="sldImg" idx="2"/>
+          </p:nvPr>
+        </p:nvSpPr>
+        <p:spPr>
+          <a:xfrm>
+            <a:off x="1371600" y="1143000"/>
+            <a:ext cx="4114800" cy="3086100"/>
+          </a:xfrm>
+          <a:prstGeom prst="rect">
+            <a:avLst/>
+          </a:prstGeom>
+          <a:noFill/>
+          <a:ln w="12700">
+            <a:solidFill>
+              <a:prstClr val="black"/>
+            </a:solidFill>
+          </a:ln>
+        </p:spPr>
+        <p:txBody>
+          <a:bodyPr vert="horz" lIns="91440" tIns="45720" rIns="91440" bIns="45720" rtlCol="0" anchor="ctr"/>
+          <a:lstStyle/>
+          <a:p>
+            <a:endParaRPr lang="ru-RU"/>
+          </a:p>
+        </p:txBody>
+      </p:sp>
+      <p:sp>
+        <p:nvSpPr>
+          <p:cNvPr id="5" name="Заметки 4"/>
+          <p:cNvSpPr>
+            <a:spLocks noGrp="1"/>
+          </p:cNvSpPr>
+          <p:nvPr>
+            <p:ph type="body" sz="quarter" idx="3"/>
+          </p:nvPr>
+        </p:nvSpPr>
+        <p:spPr>
+          <a:xfrm>
+            <a:off x="685800" y="4400550"/>
+            <a:ext cx="5486400" cy="3600450"/>
+          </a:xfrm>
+          <a:prstGeom prst="rect">
+            <a:avLst/>
+          </a:prstGeom>
+        </p:spPr>
+        <p:txBody>
+          <a:bodyPr vert="horz" lIns="91440" tIns="45720" rIns="91440" bIns="45720" rtlCol="0"/>
+          <a:lstStyle/>
+          <a:p>
+            <a:pPr lvl="0"/>
+            <a:r>
+              <a:rPr lang="ru-RU"/>
+              <a:t>Образец текста</a:t>
+            </a:r>
+          </a:p>
+          <a:p>
+            <a:pPr lvl="1"/>
+            <a:r>
+              <a:rPr lang="ru-RU"/>
+              <a:t>Второй уровень</a:t>
+            </a:r>
+          </a:p>
+          <a:p>
+            <a:pPr lvl="2"/>
+            <a:r>
+              <a:rPr lang="ru-RU"/>
+              <a:t>Третий уровень</a:t>
+            </a:r>
+          </a:p>
+          <a:p>
+            <a:pPr lvl="3"/>
+            <a:r>
+              <a:rPr lang="ru-RU"/>
+              <a:t>Четвертый уровень</a:t>
+            </a:r>
+          </a:p>
+          <a:p>
+            <a:pPr lvl="4"/>
+            <a:r>
+              <a:rPr lang="ru-RU"/>
+              <a:t>Пятый уровень</a:t>
+            </a:r>
+          </a:p>
+        </p:txBody>
+      </p:sp>
+      <p:sp>
+        <p:nvSpPr>
+          <p:cNvPr id="6" name="Нижний колонтитул 5"/>
+          <p:cNvSpPr>
+            <a:spLocks noGrp="1"/>
+          </p:cNvSpPr>
+          <p:nvPr>
+            <p:ph type="ftr" sz="quarter" idx="4"/>
+          </p:nvPr>
+        </p:nvSpPr>
+        <p:spPr>
+          <a:xfrm>
+            <a:off x="0" y="8685213"/>
+            <a:ext cx="2971800" cy="458787"/>
+          </a:xfrm>
+          <a:prstGeom prst="rect">
+            <a:avLst/>
+          </a:prstGeom>
+        </p:spPr>
+        <p:txBody>
+          <a:bodyPr vert="horz" lIns="91440" tIns="45720" rIns="91440" bIns="45720" rtlCol="0" anchor="b"/>
+          <a:lstStyle>
+            <a:lvl1pPr algn="l">
+              <a:defRPr sz="1200"/>
+            </a:lvl1pPr>
+          </a:lstStyle>
+          <a:p>
+            <a:endParaRPr lang="ru-RU"/>
+          </a:p>
+        </p:txBody>
+      </p:sp>
+      <p:sp>
+        <p:nvSpPr>
+          <p:cNvPr id="7" name="Номер слайда 6"/>
+          <p:cNvSpPr>
+            <a:spLocks noGrp="1"/>
+          </p:cNvSpPr>
+          <p:nvPr>
+            <p:ph type="sldNum" sz="quarter" idx="5"/>
+          </p:nvPr>
+        </p:nvSpPr>
+        <p:spPr>
+          <a:xfrm>
+            <a:off x="3884613" y="8685213"/>
+            <a:ext cx="2971800" cy="458787"/>
+          </a:xfrm>
+          <a:prstGeom prst="rect">
+            <a:avLst/>
+          </a:prstGeom>
+        </p:spPr>
+        <p:txBody>
+          <a:bodyPr vert="horz" lIns="91440" tIns="45720" rIns="91440" bIns="45720" rtlCol="0" anchor="b"/>
+          <a:lstStyle>
+            <a:lvl1pPr algn="r">
+              <a:defRPr sz="1200"/>
+            </a:lvl1pPr>
+          </a:lstStyle>
+          <a:p>
+            <a:fld id="{36E10FBB-251C-4FB5-B316-A2D5FDEDA1B0}" type="slidenum">
+              <a:rPr lang="ru-RU" smtClean="0"/>
+              <a:t>‹#›</a:t>
+            </a:fld>
+            <a:endParaRPr lang="ru-RU"/>
+          </a:p>
+        </p:txBody>
+      </p:sp>
+    </p:spTree>
+    <p:extLst>
+      <p:ext uri="{BB962C8B-B14F-4D97-AF65-F5344CB8AC3E}">
+        <p14:creationId xmlns:p14="http://schemas.microsoft.com/office/powerpoint/2010/main" val="3509114536"/>
+      </p:ext>
+    </p:extLst>
+  </p:cSld>
+  <p:clrMap bg1="lt1" tx1="dk1" bg2="lt2" tx2="dk2" accent1="accent1" accent2="accent2" accent3="accent3" accent4="accent4" accent5="accent5" accent6="accent6" hlink="hlink" folHlink="folHlink"/>
+  <p:notesStyle>
+    <a:lvl1pPr marL="0" algn="l" defTabSz="914400" rtl="0" eaLnBrk="1" latinLnBrk="0" hangingPunct="1">
+      <a:defRPr sz="1200" kern="1200">
+        <a:solidFill>
+          <a:schemeClr val="tx1"/>
+        </a:solidFill>
+        <a:latin typeface="+mn-lt"/>
+        <a:ea typeface="+mn-ea"/>
+        <a:cs typeface="+mn-cs"/>
+      </a:defRPr>
+    </a:lvl1pPr>
+    <a:lvl2pPr marL="457200" algn="l" defTabSz="914400" rtl="0" eaLnBrk="1" latinLnBrk="0" hangingPunct="1">
+      <a:defRPr sz="1200" kern="1200">
+        <a:solidFill>
+          <a:schemeClr val="tx1"/>
+        </a:solidFill>
+        <a:latin typeface="+mn-lt"/>
+        <a:ea typeface="+mn-ea"/>
+        <a:cs typeface="+mn-cs"/>
+      </a:defRPr>
+    </a:lvl2pPr>
+    <a:lvl3pPr marL="914400" algn="l" defTabSz="914400" rtl="0" eaLnBrk="1" latinLnBrk="0" hangingPunct="1">
+      <a:defRPr sz="1200" kern="1200">
+        <a:solidFill>
+          <a:schemeClr val="tx1"/>
+        </a:solidFill>
+        <a:latin typeface="+mn-lt"/>
+        <a:ea typeface="+mn-ea"/>
+        <a:cs typeface="+mn-cs"/>
+      </a:defRPr>
+    </a:lvl3pPr>
+    <a:lvl4pPr marL="1371600" algn="l" defTabSz="914400" rtl="0" eaLnBrk="1" latinLnBrk="0" hangingPunct="1">
+      <a:defRPr sz="1200" kern="1200">
+        <a:solidFill>
+          <a:schemeClr val="tx1"/>
+        </a:solidFill>
+        <a:latin typeface="+mn-lt"/>
+        <a:ea typeface="+mn-ea"/>
+        <a:cs typeface="+mn-cs"/>
+      </a:defRPr>
+    </a:lvl4pPr>
+    <a:lvl5pPr marL="1828800" algn="l" defTabSz="914400" rtl="0" eaLnBrk="1" latinLnBrk="0" hangingPunct="1">
+      <a:defRPr sz="1200" kern="1200">
+        <a:solidFill>
+          <a:schemeClr val="tx1"/>
+        </a:solidFill>
+        <a:latin typeface="+mn-lt"/>
+        <a:ea typeface="+mn-ea"/>
+        <a:cs typeface="+mn-cs"/>
+      </a:defRPr>
+    </a:lvl5pPr>
+    <a:lvl6pPr marL="2286000" algn="l" defTabSz="914400" rtl="0" eaLnBrk="1" latinLnBrk="0" hangingPunct="1">
+      <a:defRPr sz="1200" kern="1200">
+        <a:solidFill>
+          <a:schemeClr val="tx1"/>
+        </a:solidFill>
+        <a:latin typeface="+mn-lt"/>
+        <a:ea typeface="+mn-ea"/>
+        <a:cs typeface="+mn-cs"/>
+      </a:defRPr>
+    </a:lvl6pPr>
+    <a:lvl7pPr marL="2743200" algn="l" defTabSz="914400" rtl="0" eaLnBrk="1" latinLnBrk="0" hangingPunct="1">
+      <a:defRPr sz="1200" kern="1200">
+        <a:solidFill>
+          <a:schemeClr val="tx1"/>
+        </a:solidFill>
+        <a:latin typeface="+mn-lt"/>
+        <a:ea typeface="+mn-ea"/>
+        <a:cs typeface="+mn-cs"/>
+      </a:defRPr>
+    </a:lvl7pPr>
+    <a:lvl8pPr marL="3200400" algn="l" defTabSz="914400" rtl="0" eaLnBrk="1" latinLnBrk="0" hangingPunct="1">
+      <a:defRPr sz="1200" kern="1200">
+        <a:solidFill>
+          <a:schemeClr val="tx1"/>
+        </a:solidFill>
+        <a:latin typeface="+mn-lt"/>
+        <a:ea typeface="+mn-ea"/>
+        <a:cs typeface="+mn-cs"/>
+      </a:defRPr>
+    </a:lvl8pPr>
+    <a:lvl9pPr marL="3657600" algn="l" defTabSz="914400" rtl="0" eaLnBrk="1" latinLnBrk="0" hangingPunct="1">
+      <a:defRPr sz="1200" kern="1200">
+        <a:solidFill>
+          <a:schemeClr val="tx1"/>
+        </a:solidFill>
+        <a:latin typeface="+mn-lt"/>
+        <a:ea typeface="+mn-ea"/>
+        <a:cs typeface="+mn-cs"/>
+      </a:defRPr>
+    </a:lvl9pPr>
+  </p:notesStyle>
+</p:notesMaster>
+</file>
+
 <file path=ppt/slideLayouts/slideLayout1.xml><?xml version="1.0" encoding="utf-8"?>
 <p:sldLayout xmlns:a="http://schemas.openxmlformats.org/drawingml/2006/main" xmlns:r="http://schemas.openxmlformats.org/officeDocument/2006/relationships" xmlns:p="http://schemas.openxmlformats.org/presentationml/2006/main" type="title" preserve="1">
   <p:cSld name="Title Slide">
@@ -3556,9 +3908,9 @@
           <a:bodyPr/>
           <a:lstStyle/>
           <a:p>
-            <a:fld id="{5BCAD085-E8A6-8845-BD4E-CB4CCA059FC4}" type="datetimeFigureOut">
+            <a:fld id="{56ED42E5-497E-4B13-892A-B07E48017FD4}" type="datetime1">
               <a:rPr lang="en-US" smtClean="0"/>
-              <a:t>3/11/2025</a:t>
+              <a:t>3/12/2025</a:t>
             </a:fld>
             <a:endParaRPr lang="en-US"/>
           </a:p>
@@ -3724,9 +4076,9 @@
           <a:bodyPr/>
           <a:lstStyle/>
           <a:p>
-            <a:fld id="{5BCAD085-E8A6-8845-BD4E-CB4CCA059FC4}" type="datetimeFigureOut">
+            <a:fld id="{CFF2026A-7B3F-4B1F-914D-1E8356FB8E9F}" type="datetime1">
               <a:rPr lang="en-US" smtClean="0"/>
-              <a:t>3/11/2025</a:t>
+              <a:t>3/12/2025</a:t>
             </a:fld>
             <a:endParaRPr lang="en-US"/>
           </a:p>
@@ -3902,9 +4254,9 @@
           <a:bodyPr/>
           <a:lstStyle/>
           <a:p>
-            <a:fld id="{5BCAD085-E8A6-8845-BD4E-CB4CCA059FC4}" type="datetimeFigureOut">
+            <a:fld id="{7AE14161-7636-4F8D-87D3-6A03DADF8E41}" type="datetime1">
               <a:rPr lang="en-US" smtClean="0"/>
-              <a:t>3/11/2025</a:t>
+              <a:t>3/12/2025</a:t>
             </a:fld>
             <a:endParaRPr lang="en-US"/>
           </a:p>
@@ -4070,9 +4422,9 @@
           <a:bodyPr/>
           <a:lstStyle/>
           <a:p>
-            <a:fld id="{5BCAD085-E8A6-8845-BD4E-CB4CCA059FC4}" type="datetimeFigureOut">
+            <a:fld id="{4C71FABA-3A12-4D4A-990E-C57EB7D661BA}" type="datetime1">
               <a:rPr lang="en-US" smtClean="0"/>
-              <a:t>3/11/2025</a:t>
+              <a:t>3/12/2025</a:t>
             </a:fld>
             <a:endParaRPr lang="en-US"/>
           </a:p>
@@ -4315,9 +4667,9 @@
           <a:bodyPr/>
           <a:lstStyle/>
           <a:p>
-            <a:fld id="{5BCAD085-E8A6-8845-BD4E-CB4CCA059FC4}" type="datetimeFigureOut">
+            <a:fld id="{1EF30C67-C3B8-4999-A365-02ED13AB639D}" type="datetime1">
               <a:rPr lang="en-US" smtClean="0"/>
-              <a:t>3/11/2025</a:t>
+              <a:t>3/12/2025</a:t>
             </a:fld>
             <a:endParaRPr lang="en-US"/>
           </a:p>
@@ -4600,9 +4952,9 @@
           <a:bodyPr/>
           <a:lstStyle/>
           <a:p>
-            <a:fld id="{5BCAD085-E8A6-8845-BD4E-CB4CCA059FC4}" type="datetimeFigureOut">
+            <a:fld id="{0AB4746E-7A0F-4157-B263-8310D342CDD2}" type="datetime1">
               <a:rPr lang="en-US" smtClean="0"/>
-              <a:t>3/11/2025</a:t>
+              <a:t>3/12/2025</a:t>
             </a:fld>
             <a:endParaRPr lang="en-US"/>
           </a:p>
@@ -5019,9 +5371,9 @@
           <a:bodyPr/>
           <a:lstStyle/>
           <a:p>
-            <a:fld id="{5BCAD085-E8A6-8845-BD4E-CB4CCA059FC4}" type="datetimeFigureOut">
+            <a:fld id="{CA6E2E77-1798-4E72-92DE-51B41968D635}" type="datetime1">
               <a:rPr lang="en-US" smtClean="0"/>
-              <a:t>3/11/2025</a:t>
+              <a:t>3/12/2025</a:t>
             </a:fld>
             <a:endParaRPr lang="en-US"/>
           </a:p>
@@ -5136,9 +5488,9 @@
           <a:bodyPr/>
           <a:lstStyle/>
           <a:p>
-            <a:fld id="{5BCAD085-E8A6-8845-BD4E-CB4CCA059FC4}" type="datetimeFigureOut">
+            <a:fld id="{55DDDA39-2B7A-44DA-A579-8FEC7A474B91}" type="datetime1">
               <a:rPr lang="en-US" smtClean="0"/>
-              <a:t>3/11/2025</a:t>
+              <a:t>3/12/2025</a:t>
             </a:fld>
             <a:endParaRPr lang="en-US"/>
           </a:p>
@@ -5231,9 +5583,9 @@
           <a:bodyPr/>
           <a:lstStyle/>
           <a:p>
-            <a:fld id="{5BCAD085-E8A6-8845-BD4E-CB4CCA059FC4}" type="datetimeFigureOut">
+            <a:fld id="{F5D3C86C-5D3C-456B-9223-E718868EE874}" type="datetime1">
               <a:rPr lang="en-US" smtClean="0"/>
-              <a:t>3/11/2025</a:t>
+              <a:t>3/12/2025</a:t>
             </a:fld>
             <a:endParaRPr lang="en-US"/>
           </a:p>
@@ -5506,9 +5858,9 @@
           <a:bodyPr/>
           <a:lstStyle/>
           <a:p>
-            <a:fld id="{5BCAD085-E8A6-8845-BD4E-CB4CCA059FC4}" type="datetimeFigureOut">
+            <a:fld id="{CD8F0B18-AF05-4CE1-AC0E-FBBEEAB8057A}" type="datetime1">
               <a:rPr lang="en-US" smtClean="0"/>
-              <a:t>3/11/2025</a:t>
+              <a:t>3/12/2025</a:t>
             </a:fld>
             <a:endParaRPr lang="en-US"/>
           </a:p>
@@ -5758,9 +6110,9 @@
           <a:bodyPr/>
           <a:lstStyle/>
           <a:p>
-            <a:fld id="{5BCAD085-E8A6-8845-BD4E-CB4CCA059FC4}" type="datetimeFigureOut">
+            <a:fld id="{CE1C0286-1921-4A24-94D1-BFB494B4217F}" type="datetime1">
               <a:rPr lang="en-US" smtClean="0"/>
-              <a:t>3/11/2025</a:t>
+              <a:t>3/12/2025</a:t>
             </a:fld>
             <a:endParaRPr lang="en-US"/>
           </a:p>
@@ -5972,9 +6324,9 @@
             </a:lvl1pPr>
           </a:lstStyle>
           <a:p>
-            <a:fld id="{5BCAD085-E8A6-8845-BD4E-CB4CCA059FC4}" type="datetimeFigureOut">
+            <a:fld id="{FF7CA5E8-8F2C-4469-BBCF-29BC4FAF5E5D}" type="datetime1">
               <a:rPr lang="en-US" smtClean="0"/>
-              <a:t>3/11/2025</a:t>
+              <a:t>3/12/2025</a:t>
             </a:fld>
             <a:endParaRPr lang="en-US"/>
           </a:p>
@@ -6079,6 +6431,7 @@
     <p:sldLayoutId id="2147483658" r:id="rId10"/>
     <p:sldLayoutId id="2147483659" r:id="rId11"/>
   </p:sldLayoutIdLst>
+  <p:hf hdr="0" ftr="0" dt="0"/>
   <p:txStyles>
     <p:titleStyle>
       <a:lvl1pPr algn="ctr" defTabSz="457200" rtl="0" eaLnBrk="1" latinLnBrk="0" hangingPunct="1">
@@ -7433,6 +7786,43 @@
           </a:ln>
         </p:spPr>
       </p:pic>
+      <p:sp>
+        <p:nvSpPr>
+          <p:cNvPr id="4" name="Номер слайда 3">
+            <a:extLst>
+              <a:ext uri="{FF2B5EF4-FFF2-40B4-BE49-F238E27FC236}">
+                <a16:creationId xmlns:a16="http://schemas.microsoft.com/office/drawing/2014/main" id="{68958925-5E9A-DB82-61E6-E14F3AEEFA35}"/>
+              </a:ext>
+            </a:extLst>
+          </p:cNvPr>
+          <p:cNvSpPr>
+            <a:spLocks noGrp="1"/>
+          </p:cNvSpPr>
+          <p:nvPr>
+            <p:ph type="sldNum" sz="quarter" idx="12"/>
+          </p:nvPr>
+        </p:nvSpPr>
+        <p:spPr/>
+        <p:txBody>
+          <a:bodyPr/>
+          <a:lstStyle/>
+          <a:p>
+            <a:fld id="{C1FF6DA9-008F-8B48-92A6-B652298478BF}" type="slidenum">
+              <a:rPr lang="en-US" sz="1400" b="1" smtClean="0">
+                <a:solidFill>
+                  <a:schemeClr val="tx1"/>
+                </a:solidFill>
+              </a:rPr>
+              <a:t>10</a:t>
+            </a:fld>
+            <a:endParaRPr lang="en-US" b="1" dirty="0">
+              <a:solidFill>
+                <a:schemeClr val="tx1"/>
+              </a:solidFill>
+            </a:endParaRPr>
+          </a:p>
+        </p:txBody>
+      </p:sp>
     </p:spTree>
     <p:extLst>
       <p:ext uri="{BB962C8B-B14F-4D97-AF65-F5344CB8AC3E}">
@@ -7867,12 +8257,594 @@
           </a:p>
         </p:txBody>
       </p:sp>
+      <p:sp>
+        <p:nvSpPr>
+          <p:cNvPr id="5" name="Объект 4">
+            <a:extLst>
+              <a:ext uri="{FF2B5EF4-FFF2-40B4-BE49-F238E27FC236}">
+                <a16:creationId xmlns:a16="http://schemas.microsoft.com/office/drawing/2014/main" id="{FF9340BE-E0F1-FC4A-F400-3579387462E0}"/>
+              </a:ext>
+            </a:extLst>
+          </p:cNvPr>
+          <p:cNvSpPr>
+            <a:spLocks noGrp="1"/>
+          </p:cNvSpPr>
+          <p:nvPr>
+            <p:ph idx="1"/>
+          </p:nvPr>
+        </p:nvSpPr>
+        <p:spPr/>
+        <p:txBody>
+          <a:bodyPr>
+            <a:normAutofit fontScale="92500" lnSpcReduction="20000"/>
+          </a:bodyPr>
+          <a:lstStyle/>
+          <a:p>
+            <a:pPr marL="342900" lvl="0" indent="-342900" algn="just">
+              <a:lnSpc>
+                <a:spcPct val="150000"/>
+              </a:lnSpc>
+              <a:buFont typeface="Symbol" panose="05050102010706020507" pitchFamily="18" charset="2"/>
+              <a:buChar char=""/>
+            </a:pPr>
+            <a:r>
+              <a:rPr lang="ru-RU" sz="1700" dirty="0">
+                <a:effectLst/>
+                <a:latin typeface="Times New Roman" panose="02020603050405020304" pitchFamily="18" charset="0"/>
+                <a:ea typeface="Times New Roman" panose="02020603050405020304" pitchFamily="18" charset="0"/>
+              </a:rPr>
+              <a:t>Был проведён анализ современных мобильных платформ, на основе которых сформулированы требования к разрабатываемой платформе.</a:t>
+            </a:r>
+          </a:p>
+          <a:p>
+            <a:pPr marL="342900" lvl="0" indent="-342900" algn="just">
+              <a:lnSpc>
+                <a:spcPct val="150000"/>
+              </a:lnSpc>
+              <a:buFont typeface="Symbol" panose="05050102010706020507" pitchFamily="18" charset="2"/>
+              <a:buChar char=""/>
+            </a:pPr>
+            <a:r>
+              <a:rPr lang="ru-RU" sz="1700" dirty="0">
+                <a:effectLst/>
+                <a:latin typeface="Times New Roman" panose="02020603050405020304" pitchFamily="18" charset="0"/>
+                <a:ea typeface="Times New Roman" panose="02020603050405020304" pitchFamily="18" charset="0"/>
+              </a:rPr>
+              <a:t>Реализована трехуровневая система управления, включающая верхний уровень (управляющий компьютер), средний уровень (микроконтроллер) и нижний уровень (аппаратная часть). Это позволяет эффективно управлять движением платформы, обрабатывать данные с сенсоров и реализовывать алгоритмы навигации.</a:t>
+            </a:r>
+          </a:p>
+          <a:p>
+            <a:pPr marL="342900" lvl="0" indent="-342900" algn="just">
+              <a:lnSpc>
+                <a:spcPct val="150000"/>
+              </a:lnSpc>
+              <a:buFont typeface="Symbol" panose="05050102010706020507" pitchFamily="18" charset="2"/>
+              <a:buChar char=""/>
+            </a:pPr>
+            <a:r>
+              <a:rPr lang="ru-RU" sz="1700" dirty="0">
+                <a:effectLst/>
+                <a:latin typeface="Times New Roman" panose="02020603050405020304" pitchFamily="18" charset="0"/>
+                <a:ea typeface="Times New Roman" panose="02020603050405020304" pitchFamily="18" charset="0"/>
+              </a:rPr>
+              <a:t>Разработана конструкция мобильной платформы с использованием всенаправленных колёс типа "</a:t>
+            </a:r>
+            <a:r>
+              <a:rPr lang="ru-RU" sz="1700" dirty="0" err="1">
+                <a:effectLst/>
+                <a:latin typeface="Times New Roman" panose="02020603050405020304" pitchFamily="18" charset="0"/>
+                <a:ea typeface="Times New Roman" panose="02020603050405020304" pitchFamily="18" charset="0"/>
+              </a:rPr>
+              <a:t>Меканум</a:t>
+            </a:r>
+            <a:r>
+              <a:rPr lang="ru-RU" sz="1700" dirty="0">
+                <a:effectLst/>
+                <a:latin typeface="Times New Roman" panose="02020603050405020304" pitchFamily="18" charset="0"/>
+                <a:ea typeface="Times New Roman" panose="02020603050405020304" pitchFamily="18" charset="0"/>
+              </a:rPr>
+              <a:t>", что обеспечивает высокую маневренность и возможность движения в любом направлении. А также подобраны компоненты для системы управления.</a:t>
+            </a:r>
+          </a:p>
+          <a:p>
+            <a:pPr marL="342900" lvl="0" indent="-342900" algn="just">
+              <a:lnSpc>
+                <a:spcPct val="150000"/>
+              </a:lnSpc>
+              <a:buFont typeface="Symbol" panose="05050102010706020507" pitchFamily="18" charset="2"/>
+              <a:buChar char=""/>
+            </a:pPr>
+            <a:r>
+              <a:rPr lang="ru-RU" sz="1700" dirty="0">
+                <a:effectLst/>
+                <a:latin typeface="Times New Roman" panose="02020603050405020304" pitchFamily="18" charset="0"/>
+                <a:ea typeface="Times New Roman" panose="02020603050405020304" pitchFamily="18" charset="0"/>
+              </a:rPr>
+              <a:t>Создан план обучения, который включает изучение основ Linux, ROS, SLAM-навигации и управления роботом. А также разработана практическая задача для демонстрации возможностей робота.</a:t>
+            </a:r>
+          </a:p>
+          <a:p>
+            <a:endParaRPr lang="ru-RU" dirty="0"/>
+          </a:p>
+        </p:txBody>
+      </p:sp>
+      <p:sp>
+        <p:nvSpPr>
+          <p:cNvPr id="7" name="Номер слайда 6">
+            <a:extLst>
+              <a:ext uri="{FF2B5EF4-FFF2-40B4-BE49-F238E27FC236}">
+                <a16:creationId xmlns:a16="http://schemas.microsoft.com/office/drawing/2014/main" id="{9DC1D269-66BE-C87B-DBE0-D211A31E8D54}"/>
+              </a:ext>
+            </a:extLst>
+          </p:cNvPr>
+          <p:cNvSpPr>
+            <a:spLocks noGrp="1"/>
+          </p:cNvSpPr>
+          <p:nvPr>
+            <p:ph type="sldNum" sz="quarter" idx="12"/>
+          </p:nvPr>
+        </p:nvSpPr>
+        <p:spPr/>
+        <p:txBody>
+          <a:bodyPr/>
+          <a:lstStyle/>
+          <a:p>
+            <a:fld id="{C1FF6DA9-008F-8B48-92A6-B652298478BF}" type="slidenum">
+              <a:rPr lang="en-US" sz="1400" b="1" smtClean="0">
+                <a:solidFill>
+                  <a:schemeClr val="tx1"/>
+                </a:solidFill>
+              </a:rPr>
+              <a:t>11</a:t>
+            </a:fld>
+            <a:endParaRPr lang="en-US" sz="1400" b="1" dirty="0">
+              <a:solidFill>
+                <a:schemeClr val="tx1"/>
+              </a:solidFill>
+            </a:endParaRPr>
+          </a:p>
+        </p:txBody>
+      </p:sp>
+    </p:spTree>
+    <p:extLst>
+      <p:ext uri="{BB962C8B-B14F-4D97-AF65-F5344CB8AC3E}">
+        <p14:creationId xmlns:p14="http://schemas.microsoft.com/office/powerpoint/2010/main" val="230865693"/>
+      </p:ext>
+    </p:extLst>
+  </p:cSld>
+  <p:clrMapOvr>
+    <a:masterClrMapping/>
+  </p:clrMapOvr>
+</p:sld>
+</file>
+
+<file path=ppt/slides/slide12.xml><?xml version="1.0" encoding="utf-8"?>
+<p:sld xmlns:a="http://schemas.openxmlformats.org/drawingml/2006/main" xmlns:r="http://schemas.openxmlformats.org/officeDocument/2006/relationships" xmlns:p="http://schemas.openxmlformats.org/presentationml/2006/main">
+  <p:cSld>
+    <p:bg>
+      <p:bgPr>
+        <a:solidFill>
+          <a:schemeClr val="bg1"/>
+        </a:solidFill>
+        <a:effectLst/>
+      </p:bgPr>
+    </p:bg>
+    <p:spTree>
+      <p:nvGrpSpPr>
+        <p:cNvPr id="1" name="">
+          <a:extLst>
+            <a:ext uri="{FF2B5EF4-FFF2-40B4-BE49-F238E27FC236}">
+              <a16:creationId xmlns:a16="http://schemas.microsoft.com/office/drawing/2014/main" id="{FE35A5B7-9517-8C8C-3480-70DC1BCCE1F9}"/>
+            </a:ext>
+          </a:extLst>
+        </p:cNvPr>
+        <p:cNvGrpSpPr/>
+        <p:nvPr/>
+      </p:nvGrpSpPr>
+      <p:grpSpPr>
+        <a:xfrm>
+          <a:off x="0" y="0"/>
+          <a:ext cx="0" cy="0"/>
+          <a:chOff x="0" y="0"/>
+          <a:chExt cx="0" cy="0"/>
+        </a:xfrm>
+      </p:grpSpPr>
+      <p:sp useBgFill="1">
+        <p:nvSpPr>
+          <p:cNvPr id="34" name="Rectangle 33">
+            <a:extLst>
+              <a:ext uri="{FF2B5EF4-FFF2-40B4-BE49-F238E27FC236}">
+                <a16:creationId xmlns:a16="http://schemas.microsoft.com/office/drawing/2014/main" id="{B654037F-F013-6DF8-0E8A-FDB04757015E}"/>
+              </a:ext>
+              <a:ext uri="{C183D7F6-B498-43B3-948B-1728B52AA6E4}">
+                <adec:decorative xmlns:adec="http://schemas.microsoft.com/office/drawing/2017/decorative" val="1"/>
+              </a:ext>
+            </a:extLst>
+          </p:cNvPr>
+          <p:cNvSpPr>
+            <a:spLocks noGrp="1" noRot="1" noChangeAspect="1" noMove="1" noResize="1" noEditPoints="1" noAdjustHandles="1" noChangeArrowheads="1" noChangeShapeType="1" noTextEdit="1"/>
+          </p:cNvSpPr>
+          <p:nvPr>
+            <p:extLst>
+              <p:ext uri="{386F3935-93C4-4BCD-93E2-E3B085C9AB24}">
+                <p16:designElem xmlns:p16="http://schemas.microsoft.com/office/powerpoint/2015/main" val="1"/>
+              </p:ext>
+            </p:extLst>
+          </p:nvPr>
+        </p:nvSpPr>
+        <p:spPr>
+          <a:xfrm>
+            <a:off x="0" y="0"/>
+            <a:ext cx="9144000" cy="6858000"/>
+          </a:xfrm>
+          <a:prstGeom prst="rect">
+            <a:avLst/>
+          </a:prstGeom>
+          <a:ln w="12700" cap="flat" cmpd="sng" algn="ctr">
+            <a:noFill/>
+            <a:prstDash val="solid"/>
+            <a:miter lim="800000"/>
+          </a:ln>
+          <a:effectLst/>
+          <a:extLst>
+            <a:ext uri="{91240B29-F687-4F45-9708-019B960494DF}">
+              <a14:hiddenLine xmlns:a14="http://schemas.microsoft.com/office/drawing/2010/main" w="12700" cap="flat" cmpd="sng" algn="ctr">
+                <a:solidFill>
+                  <a:schemeClr val="accent1">
+                    <a:shade val="50000"/>
+                  </a:schemeClr>
+                </a:solidFill>
+                <a:prstDash val="solid"/>
+                <a:miter lim="800000"/>
+              </a14:hiddenLine>
+            </a:ext>
+          </a:extLst>
+        </p:spPr>
+        <p:style>
+          <a:lnRef idx="2">
+            <a:schemeClr val="accent1">
+              <a:shade val="50000"/>
+            </a:schemeClr>
+          </a:lnRef>
+          <a:fillRef idx="1">
+            <a:schemeClr val="accent1"/>
+          </a:fillRef>
+          <a:effectRef idx="0">
+            <a:schemeClr val="accent1"/>
+          </a:effectRef>
+          <a:fontRef idx="minor">
+            <a:schemeClr val="lt1"/>
+          </a:fontRef>
+        </p:style>
+        <p:txBody>
+          <a:bodyPr rtlCol="0" anchor="ctr"/>
+          <a:lstStyle/>
+          <a:p>
+            <a:pPr algn="ctr"/>
+            <a:endParaRPr lang="en-US"/>
+          </a:p>
+        </p:txBody>
+      </p:sp>
+      <p:grpSp>
+        <p:nvGrpSpPr>
+          <p:cNvPr id="36" name="Group 35">
+            <a:extLst>
+              <a:ext uri="{FF2B5EF4-FFF2-40B4-BE49-F238E27FC236}">
+                <a16:creationId xmlns:a16="http://schemas.microsoft.com/office/drawing/2014/main" id="{3FC5FB85-5417-3917-604A-270C77AC3C2C}"/>
+              </a:ext>
+              <a:ext uri="{C183D7F6-B498-43B3-948B-1728B52AA6E4}">
+                <adec:decorative xmlns:adec="http://schemas.microsoft.com/office/drawing/2017/decorative" val="1"/>
+              </a:ext>
+            </a:extLst>
+          </p:cNvPr>
+          <p:cNvGrpSpPr>
+            <a:grpSpLocks noGrp="1" noUngrp="1" noRot="1" noChangeAspect="1" noMove="1" noResize="1"/>
+          </p:cNvGrpSpPr>
+          <p:nvPr>
+            <p:extLst>
+              <p:ext uri="{386F3935-93C4-4BCD-93E2-E3B085C9AB24}">
+                <p16:designElem xmlns:p16="http://schemas.microsoft.com/office/powerpoint/2015/main" val="1"/>
+              </p:ext>
+            </p:extLst>
+          </p:nvPr>
+        </p:nvGrpSpPr>
+        <p:grpSpPr>
+          <a:xfrm>
+            <a:off x="0" y="0"/>
+            <a:ext cx="9144001" cy="1576446"/>
+            <a:chOff x="0" y="0"/>
+            <a:chExt cx="12192002" cy="1576446"/>
+          </a:xfrm>
+        </p:grpSpPr>
+        <p:sp>
+          <p:nvSpPr>
+            <p:cNvPr id="37" name="Rectangle 36">
+              <a:extLst>
+                <a:ext uri="{FF2B5EF4-FFF2-40B4-BE49-F238E27FC236}">
+                  <a16:creationId xmlns:a16="http://schemas.microsoft.com/office/drawing/2014/main" id="{8630D45F-69C9-3574-8D2A-23DDF676058F}"/>
+                </a:ext>
+                <a:ext uri="{C183D7F6-B498-43B3-948B-1728B52AA6E4}">
+                  <adec:decorative xmlns:adec="http://schemas.microsoft.com/office/drawing/2017/decorative" val="1"/>
+                </a:ext>
+              </a:extLst>
+            </p:cNvPr>
+            <p:cNvSpPr/>
+            <p:nvPr>
+              <p:extLst>
+                <p:ext uri="{386F3935-93C4-4BCD-93E2-E3B085C9AB24}">
+                  <p16:designElem xmlns:p16="http://schemas.microsoft.com/office/powerpoint/2015/main" val="1"/>
+                </p:ext>
+              </p:extLst>
+            </p:nvPr>
+          </p:nvSpPr>
+          <p:spPr>
+            <a:xfrm rot="10800000" flipH="1">
+              <a:off x="2" y="0"/>
+              <a:ext cx="12191998" cy="1575955"/>
+            </a:xfrm>
+            <a:prstGeom prst="rect">
+              <a:avLst/>
+            </a:prstGeom>
+            <a:gradFill>
+              <a:gsLst>
+                <a:gs pos="0">
+                  <a:srgbClr val="000000">
+                    <a:alpha val="96000"/>
+                  </a:srgbClr>
+                </a:gs>
+                <a:gs pos="100000">
+                  <a:schemeClr val="accent1">
+                    <a:lumMod val="75000"/>
+                  </a:schemeClr>
+                </a:gs>
+              </a:gsLst>
+              <a:lin ang="8400000" scaled="0"/>
+            </a:gradFill>
+            <a:ln>
+              <a:noFill/>
+            </a:ln>
+          </p:spPr>
+          <p:style>
+            <a:lnRef idx="2">
+              <a:schemeClr val="accent1">
+                <a:shade val="50000"/>
+              </a:schemeClr>
+            </a:lnRef>
+            <a:fillRef idx="1">
+              <a:schemeClr val="accent1"/>
+            </a:fillRef>
+            <a:effectRef idx="0">
+              <a:schemeClr val="accent1"/>
+            </a:effectRef>
+            <a:fontRef idx="minor">
+              <a:schemeClr val="lt1"/>
+            </a:fontRef>
+          </p:style>
+          <p:txBody>
+            <a:bodyPr rtlCol="0" anchor="ctr"/>
+            <a:lstStyle/>
+            <a:p>
+              <a:pPr algn="ctr"/>
+              <a:endParaRPr lang="en-US"/>
+            </a:p>
+          </p:txBody>
+        </p:sp>
+        <p:sp>
+          <p:nvSpPr>
+            <p:cNvPr id="38" name="Rectangle 37">
+              <a:extLst>
+                <a:ext uri="{FF2B5EF4-FFF2-40B4-BE49-F238E27FC236}">
+                  <a16:creationId xmlns:a16="http://schemas.microsoft.com/office/drawing/2014/main" id="{47FA90AD-7203-08D4-698B-6E1F220C7F86}"/>
+                </a:ext>
+                <a:ext uri="{C183D7F6-B498-43B3-948B-1728B52AA6E4}">
+                  <adec:decorative xmlns:adec="http://schemas.microsoft.com/office/drawing/2017/decorative" val="1"/>
+                </a:ext>
+              </a:extLst>
+            </p:cNvPr>
+            <p:cNvSpPr/>
+            <p:nvPr>
+              <p:extLst>
+                <p:ext uri="{386F3935-93C4-4BCD-93E2-E3B085C9AB24}">
+                  <p16:designElem xmlns:p16="http://schemas.microsoft.com/office/powerpoint/2015/main" val="1"/>
+                </p:ext>
+              </p:extLst>
+            </p:nvPr>
+          </p:nvSpPr>
+          <p:spPr>
+            <a:xfrm rot="16200000">
+              <a:off x="5307778" y="-5307778"/>
+              <a:ext cx="1576446" cy="12192002"/>
+            </a:xfrm>
+            <a:prstGeom prst="rect">
+              <a:avLst/>
+            </a:prstGeom>
+            <a:gradFill>
+              <a:gsLst>
+                <a:gs pos="45000">
+                  <a:schemeClr val="accent1">
+                    <a:alpha val="0"/>
+                  </a:schemeClr>
+                </a:gs>
+                <a:gs pos="99000">
+                  <a:srgbClr val="000000">
+                    <a:alpha val="74000"/>
+                  </a:srgbClr>
+                </a:gs>
+              </a:gsLst>
+              <a:lin ang="11400000" scaled="0"/>
+            </a:gradFill>
+            <a:ln>
+              <a:noFill/>
+            </a:ln>
+          </p:spPr>
+          <p:style>
+            <a:lnRef idx="2">
+              <a:schemeClr val="accent1">
+                <a:shade val="50000"/>
+              </a:schemeClr>
+            </a:lnRef>
+            <a:fillRef idx="1">
+              <a:schemeClr val="accent1"/>
+            </a:fillRef>
+            <a:effectRef idx="0">
+              <a:schemeClr val="accent1"/>
+            </a:effectRef>
+            <a:fontRef idx="minor">
+              <a:schemeClr val="lt1"/>
+            </a:fontRef>
+          </p:style>
+          <p:txBody>
+            <a:bodyPr rtlCol="0" anchor="ctr"/>
+            <a:lstStyle/>
+            <a:p>
+              <a:pPr algn="ctr"/>
+              <a:endParaRPr lang="en-US" dirty="0"/>
+            </a:p>
+          </p:txBody>
+        </p:sp>
+        <p:sp>
+          <p:nvSpPr>
+            <p:cNvPr id="39" name="Rectangle 38">
+              <a:extLst>
+                <a:ext uri="{FF2B5EF4-FFF2-40B4-BE49-F238E27FC236}">
+                  <a16:creationId xmlns:a16="http://schemas.microsoft.com/office/drawing/2014/main" id="{2C3274A3-1EAC-F348-05D2-1199A09CA3EB}"/>
+                </a:ext>
+                <a:ext uri="{C183D7F6-B498-43B3-948B-1728B52AA6E4}">
+                  <adec:decorative xmlns:adec="http://schemas.microsoft.com/office/drawing/2017/decorative" val="1"/>
+                </a:ext>
+              </a:extLst>
+            </p:cNvPr>
+            <p:cNvSpPr/>
+            <p:nvPr>
+              <p:extLst>
+                <p:ext uri="{386F3935-93C4-4BCD-93E2-E3B085C9AB24}">
+                  <p16:designElem xmlns:p16="http://schemas.microsoft.com/office/powerpoint/2015/main" val="1"/>
+                </p:ext>
+              </p:extLst>
+            </p:nvPr>
+          </p:nvSpPr>
+          <p:spPr>
+            <a:xfrm>
+              <a:off x="3825434" y="0"/>
+              <a:ext cx="4303422" cy="1575461"/>
+            </a:xfrm>
+            <a:prstGeom prst="rect">
+              <a:avLst/>
+            </a:prstGeom>
+            <a:gradFill>
+              <a:gsLst>
+                <a:gs pos="0">
+                  <a:schemeClr val="accent1">
+                    <a:alpha val="17000"/>
+                  </a:schemeClr>
+                </a:gs>
+                <a:gs pos="74000">
+                  <a:schemeClr val="accent1">
+                    <a:lumMod val="50000"/>
+                    <a:alpha val="0"/>
+                  </a:schemeClr>
+                </a:gs>
+              </a:gsLst>
+              <a:lin ang="14400000" scaled="0"/>
+            </a:gradFill>
+            <a:ln>
+              <a:noFill/>
+            </a:ln>
+          </p:spPr>
+          <p:style>
+            <a:lnRef idx="2">
+              <a:schemeClr val="accent1">
+                <a:shade val="50000"/>
+              </a:schemeClr>
+            </a:lnRef>
+            <a:fillRef idx="1">
+              <a:schemeClr val="accent1"/>
+            </a:fillRef>
+            <a:effectRef idx="0">
+              <a:schemeClr val="accent1"/>
+            </a:effectRef>
+            <a:fontRef idx="minor">
+              <a:schemeClr val="lt1"/>
+            </a:fontRef>
+          </p:style>
+          <p:txBody>
+            <a:bodyPr rtlCol="0" anchor="ctr"/>
+            <a:lstStyle/>
+            <a:p>
+              <a:pPr algn="ctr"/>
+              <a:endParaRPr lang="en-US"/>
+            </a:p>
+          </p:txBody>
+        </p:sp>
+      </p:grpSp>
+      <p:sp>
+        <p:nvSpPr>
+          <p:cNvPr id="2" name="Заголовок 1">
+            <a:extLst>
+              <a:ext uri="{FF2B5EF4-FFF2-40B4-BE49-F238E27FC236}">
+                <a16:creationId xmlns:a16="http://schemas.microsoft.com/office/drawing/2014/main" id="{D28D1647-7E64-7DAE-F681-041D29F9DB91}"/>
+              </a:ext>
+            </a:extLst>
+          </p:cNvPr>
+          <p:cNvSpPr>
+            <a:spLocks noGrp="1"/>
+          </p:cNvSpPr>
+          <p:nvPr>
+            <p:ph type="title"/>
+          </p:nvPr>
+        </p:nvSpPr>
+        <p:spPr>
+          <a:xfrm>
+            <a:off x="304801" y="407695"/>
+            <a:ext cx="8662218" cy="834251"/>
+          </a:xfrm>
+        </p:spPr>
+        <p:txBody>
+          <a:bodyPr vert="horz" lIns="91440" tIns="45720" rIns="91440" bIns="45720" rtlCol="0" anchor="ctr">
+            <a:normAutofit fontScale="90000"/>
+          </a:bodyPr>
+          <a:lstStyle/>
+          <a:p>
+            <a:pPr defTabSz="914400"/>
+            <a:r>
+              <a:rPr lang="ru-RU" sz="3600" b="1" kern="0" dirty="0">
+                <a:solidFill>
+                  <a:schemeClr val="bg1"/>
+                </a:solidFill>
+                <a:effectLst/>
+                <a:ea typeface="Times New Roman" panose="02020603050405020304" pitchFamily="18" charset="0"/>
+                <a:cs typeface="Times New Roman" panose="02020603050405020304" pitchFamily="18" charset="0"/>
+              </a:rPr>
+              <a:t>Заключение</a:t>
+            </a:r>
+            <a:br>
+              <a:rPr lang="ru-RU" sz="1800" b="1" kern="0" dirty="0">
+                <a:solidFill>
+                  <a:srgbClr val="000000"/>
+                </a:solidFill>
+                <a:effectLst/>
+                <a:latin typeface="Times New Roman" panose="02020603050405020304" pitchFamily="18" charset="0"/>
+                <a:ea typeface="Times New Roman" panose="02020603050405020304" pitchFamily="18" charset="0"/>
+                <a:cs typeface="Times New Roman" panose="02020603050405020304" pitchFamily="18" charset="0"/>
+              </a:rPr>
+            </a:br>
+            <a:endParaRPr lang="en-US" sz="3500" kern="1200" dirty="0">
+              <a:solidFill>
+                <a:srgbClr val="FFFFFF"/>
+              </a:solidFill>
+              <a:latin typeface="+mj-lt"/>
+              <a:ea typeface="+mj-ea"/>
+              <a:cs typeface="+mj-cs"/>
+            </a:endParaRPr>
+          </a:p>
+        </p:txBody>
+      </p:sp>
       <p:pic>
         <p:nvPicPr>
           <p:cNvPr id="3" name="Объект 2">
             <a:extLst>
               <a:ext uri="{FF2B5EF4-FFF2-40B4-BE49-F238E27FC236}">
-                <a16:creationId xmlns:a16="http://schemas.microsoft.com/office/drawing/2014/main" id="{6F695A00-27A3-AFF2-C611-48878AD63C98}"/>
+                <a16:creationId xmlns:a16="http://schemas.microsoft.com/office/drawing/2014/main" id="{B3637A5B-84FB-2E60-856C-818D6E3952A2}"/>
               </a:ext>
             </a:extLst>
           </p:cNvPr>
@@ -7899,42 +8871,12 @@
           </a:prstGeom>
         </p:spPr>
       </p:pic>
-    </p:spTree>
-    <p:extLst>
-      <p:ext uri="{BB962C8B-B14F-4D97-AF65-F5344CB8AC3E}">
-        <p14:creationId xmlns:p14="http://schemas.microsoft.com/office/powerpoint/2010/main" val="230865693"/>
-      </p:ext>
-    </p:extLst>
-  </p:cSld>
-  <p:clrMapOvr>
-    <a:masterClrMapping/>
-  </p:clrMapOvr>
-</p:sld>
-</file>
-
-<file path=ppt/slides/slide12.xml><?xml version="1.0" encoding="utf-8"?>
-<p:sld xmlns:a="http://schemas.openxmlformats.org/drawingml/2006/main" xmlns:r="http://schemas.openxmlformats.org/officeDocument/2006/relationships" xmlns:p="http://schemas.openxmlformats.org/presentationml/2006/main">
-  <p:cSld>
-    <p:spTree>
-      <p:nvGrpSpPr>
-        <p:cNvPr id="1" name=""/>
-        <p:cNvGrpSpPr/>
-        <p:nvPr/>
-      </p:nvGrpSpPr>
-      <p:grpSpPr>
-        <a:xfrm>
-          <a:off x="0" y="0"/>
-          <a:ext cx="0" cy="0"/>
-          <a:chOff x="0" y="0"/>
-          <a:chExt cx="0" cy="0"/>
-        </a:xfrm>
-      </p:grpSpPr>
       <p:sp>
         <p:nvSpPr>
-          <p:cNvPr id="2" name="Заголовок 1">
+          <p:cNvPr id="5" name="Номер слайда 4">
             <a:extLst>
               <a:ext uri="{FF2B5EF4-FFF2-40B4-BE49-F238E27FC236}">
-                <a16:creationId xmlns:a16="http://schemas.microsoft.com/office/drawing/2014/main" id="{002D2464-A5FE-A699-E921-406BBB480D5D}"/>
+                <a16:creationId xmlns:a16="http://schemas.microsoft.com/office/drawing/2014/main" id="{8B5DA505-3D08-1D94-91C2-AC12EA6BC714}"/>
               </a:ext>
             </a:extLst>
           </p:cNvPr>
@@ -7942,7 +8884,7 @@
             <a:spLocks noGrp="1"/>
           </p:cNvSpPr>
           <p:nvPr>
-            <p:ph type="title"/>
+            <p:ph type="sldNum" sz="quarter" idx="12"/>
           </p:nvPr>
         </p:nvSpPr>
         <p:spPr/>
@@ -7950,39 +8892,26 @@
           <a:bodyPr/>
           <a:lstStyle/>
           <a:p>
-            <a:endParaRPr lang="ru-RU"/>
-          </a:p>
-        </p:txBody>
-      </p:sp>
-      <p:sp>
-        <p:nvSpPr>
-          <p:cNvPr id="3" name="Объект 2">
-            <a:extLst>
-              <a:ext uri="{FF2B5EF4-FFF2-40B4-BE49-F238E27FC236}">
-                <a16:creationId xmlns:a16="http://schemas.microsoft.com/office/drawing/2014/main" id="{0AAC75ED-1D66-4547-5A0A-6332C76DAEA3}"/>
-              </a:ext>
-            </a:extLst>
-          </p:cNvPr>
-          <p:cNvSpPr>
-            <a:spLocks noGrp="1"/>
-          </p:cNvSpPr>
-          <p:nvPr>
-            <p:ph idx="1"/>
-          </p:nvPr>
-        </p:nvSpPr>
-        <p:spPr/>
-        <p:txBody>
-          <a:bodyPr/>
-          <a:lstStyle/>
-          <a:p>
-            <a:endParaRPr lang="ru-RU"/>
+            <a:fld id="{C1FF6DA9-008F-8B48-92A6-B652298478BF}" type="slidenum">
+              <a:rPr lang="en-US" sz="1400" b="1" smtClean="0">
+                <a:solidFill>
+                  <a:schemeClr val="tx1"/>
+                </a:solidFill>
+              </a:rPr>
+              <a:t>12</a:t>
+            </a:fld>
+            <a:endParaRPr lang="en-US" b="1" dirty="0">
+              <a:solidFill>
+                <a:schemeClr val="tx1"/>
+              </a:solidFill>
+            </a:endParaRPr>
           </a:p>
         </p:txBody>
       </p:sp>
     </p:spTree>
     <p:extLst>
       <p:ext uri="{BB962C8B-B14F-4D97-AF65-F5344CB8AC3E}">
-        <p14:creationId xmlns:p14="http://schemas.microsoft.com/office/powerpoint/2010/main" val="194747408"/>
+        <p14:creationId xmlns:p14="http://schemas.microsoft.com/office/powerpoint/2010/main" val="1282475539"/>
       </p:ext>
     </p:extLst>
   </p:cSld>
@@ -8961,6 +9890,43 @@
           </a:p>
         </p:txBody>
       </p:sp>
+      <p:sp>
+        <p:nvSpPr>
+          <p:cNvPr id="8" name="Номер слайда 7">
+            <a:extLst>
+              <a:ext uri="{FF2B5EF4-FFF2-40B4-BE49-F238E27FC236}">
+                <a16:creationId xmlns:a16="http://schemas.microsoft.com/office/drawing/2014/main" id="{345B1EAA-6280-918D-4D28-71FA09F39B4B}"/>
+              </a:ext>
+            </a:extLst>
+          </p:cNvPr>
+          <p:cNvSpPr>
+            <a:spLocks noGrp="1"/>
+          </p:cNvSpPr>
+          <p:nvPr>
+            <p:ph type="sldNum" sz="quarter" idx="12"/>
+          </p:nvPr>
+        </p:nvSpPr>
+        <p:spPr/>
+        <p:txBody>
+          <a:bodyPr/>
+          <a:lstStyle/>
+          <a:p>
+            <a:fld id="{C1FF6DA9-008F-8B48-92A6-B652298478BF}" type="slidenum">
+              <a:rPr lang="en-US" sz="1400" b="1" smtClean="0">
+                <a:solidFill>
+                  <a:schemeClr val="tx1"/>
+                </a:solidFill>
+              </a:rPr>
+              <a:t>2</a:t>
+            </a:fld>
+            <a:endParaRPr lang="en-US" sz="1400" b="1" dirty="0">
+              <a:solidFill>
+                <a:schemeClr val="tx1"/>
+              </a:solidFill>
+            </a:endParaRPr>
+          </a:p>
+        </p:txBody>
+      </p:sp>
     </p:spTree>
   </p:cSld>
   <p:clrMapOvr>
@@ -9478,6 +10444,37 @@
             </a:endParaRPr>
           </a:p>
           <a:p>
+            <a:pPr algn="just">
+              <a:lnSpc>
+                <a:spcPct val="150000"/>
+              </a:lnSpc>
+              <a:buFont typeface="+mj-lt"/>
+              <a:buAutoNum type="arabicPeriod"/>
+              <a:tabLst>
+                <a:tab pos="457200" algn="l"/>
+              </a:tabLst>
+            </a:pPr>
+            <a:r>
+              <a:rPr lang="ru-RU" sz="1400" dirty="0">
+                <a:effectLst/>
+                <a:highlight>
+                  <a:srgbClr val="00FF00"/>
+                </a:highlight>
+                <a:latin typeface="Times New Roman" panose="02020603050405020304" pitchFamily="18" charset="0"/>
+                <a:ea typeface="Times New Roman" panose="02020603050405020304" pitchFamily="18" charset="0"/>
+              </a:rPr>
+              <a:t>Изучение и анализ современных мобильных платформ с учетом их конструктивных особенностей и функциональных характеристик, а также разработка технического задания на основе полученных данных.</a:t>
+            </a:r>
+            <a:endParaRPr lang="en-US" sz="1400" dirty="0">
+              <a:effectLst/>
+              <a:highlight>
+                <a:srgbClr val="00FF00"/>
+              </a:highlight>
+              <a:latin typeface="Times New Roman" panose="02020603050405020304" pitchFamily="18" charset="0"/>
+              <a:ea typeface="Times New Roman" panose="02020603050405020304" pitchFamily="18" charset="0"/>
+            </a:endParaRPr>
+          </a:p>
+          <a:p>
             <a:pPr marL="342900" lvl="0" indent="-342900" algn="just">
               <a:lnSpc>
                 <a:spcPct val="150000"/>
@@ -9491,10 +10488,13 @@
             <a:r>
               <a:rPr lang="ru-RU" sz="1400" dirty="0">
                 <a:effectLst/>
+                <a:highlight>
+                  <a:srgbClr val="00FF00"/>
+                </a:highlight>
                 <a:latin typeface="Times New Roman" panose="02020603050405020304" pitchFamily="18" charset="0"/>
                 <a:ea typeface="Times New Roman" panose="02020603050405020304" pitchFamily="18" charset="0"/>
               </a:rPr>
-              <a:t>Исследование и сравнительный анализ существующих мобильных платформ, включая их конструктивные особенности и функциональные возможности.</a:t>
+              <a:t>Разработка методики обучения и демонстрационного поля с использованием мобильной платформы. </a:t>
             </a:r>
           </a:p>
           <a:p>
@@ -9511,10 +10511,13 @@
             <a:r>
               <a:rPr lang="ru-RU" sz="1400" dirty="0">
                 <a:effectLst/>
+                <a:highlight>
+                  <a:srgbClr val="00FF00"/>
+                </a:highlight>
                 <a:latin typeface="Times New Roman" panose="02020603050405020304" pitchFamily="18" charset="0"/>
                 <a:ea typeface="Times New Roman" panose="02020603050405020304" pitchFamily="18" charset="0"/>
               </a:rPr>
-              <a:t>Создание демонстрационного поля и составления технического задания.</a:t>
+              <a:t>Разработка структурной схемы мобильной платформы.</a:t>
             </a:r>
           </a:p>
           <a:p>
@@ -9531,10 +10534,13 @@
             <a:r>
               <a:rPr lang="ru-RU" sz="1400" dirty="0">
                 <a:effectLst/>
+                <a:highlight>
+                  <a:srgbClr val="00FF00"/>
+                </a:highlight>
                 <a:latin typeface="Times New Roman" panose="02020603050405020304" pitchFamily="18" charset="0"/>
                 <a:ea typeface="Times New Roman" panose="02020603050405020304" pitchFamily="18" charset="0"/>
               </a:rPr>
-              <a:t>Разработка структурной схемы мобильной платформы.</a:t>
+              <a:t>Проектирование конструкции мобильной платформы и её компонентов. </a:t>
             </a:r>
           </a:p>
           <a:p>
@@ -9551,10 +10557,13 @@
             <a:r>
               <a:rPr lang="ru-RU" sz="1400" dirty="0">
                 <a:effectLst/>
+                <a:highlight>
+                  <a:srgbClr val="00FF00"/>
+                </a:highlight>
                 <a:latin typeface="Times New Roman" panose="02020603050405020304" pitchFamily="18" charset="0"/>
                 <a:ea typeface="Times New Roman" panose="02020603050405020304" pitchFamily="18" charset="0"/>
               </a:rPr>
-              <a:t>Проектирование конструкции мобильной платформы и её компонентов. </a:t>
+              <a:t>Выбор электроники и дополнительных компонентов.</a:t>
             </a:r>
           </a:p>
           <a:p>
@@ -9574,7 +10583,23 @@
                 <a:latin typeface="Times New Roman" panose="02020603050405020304" pitchFamily="18" charset="0"/>
                 <a:ea typeface="Times New Roman" panose="02020603050405020304" pitchFamily="18" charset="0"/>
               </a:rPr>
-              <a:t>Выбор электроники и дополнительных компонентов.</a:t>
+              <a:t>Разработка алгоритмов управления для демонстрационной задачи на основе </a:t>
+            </a:r>
+            <a:r>
+              <a:rPr lang="en-US" sz="1400" dirty="0">
+                <a:effectLst/>
+                <a:latin typeface="Times New Roman" panose="02020603050405020304" pitchFamily="18" charset="0"/>
+                <a:ea typeface="Times New Roman" panose="02020603050405020304" pitchFamily="18" charset="0"/>
+              </a:rPr>
+              <a:t>SLAM</a:t>
+            </a:r>
+            <a:r>
+              <a:rPr lang="ru-RU" sz="1400" dirty="0">
+                <a:effectLst/>
+                <a:latin typeface="Times New Roman" panose="02020603050405020304" pitchFamily="18" charset="0"/>
+                <a:ea typeface="Times New Roman" panose="02020603050405020304" pitchFamily="18" charset="0"/>
+              </a:rPr>
+              <a:t>-навигации и их симуляция в виртуальной среде.</a:t>
             </a:r>
           </a:p>
           <a:p>
@@ -9589,67 +10614,6 @@
               </a:tabLst>
             </a:pPr>
             <a:r>
-              <a:rPr lang="ru-RU" sz="1400" b="0" dirty="0">
-                <a:effectLst/>
-                <a:latin typeface="Times New Roman" panose="02020603050405020304" pitchFamily="18" charset="0"/>
-                <a:ea typeface="Times New Roman" panose="02020603050405020304" pitchFamily="18" charset="0"/>
-              </a:rPr>
-              <a:t>Создание возможного подхода для обучения на мобильной платформе.</a:t>
-            </a:r>
-            <a:endParaRPr lang="ru-RU" sz="1400" dirty="0">
-              <a:effectLst/>
-              <a:latin typeface="Times New Roman" panose="02020603050405020304" pitchFamily="18" charset="0"/>
-              <a:ea typeface="Times New Roman" panose="02020603050405020304" pitchFamily="18" charset="0"/>
-            </a:endParaRPr>
-          </a:p>
-          <a:p>
-            <a:pPr marL="342900" lvl="0" indent="-342900" algn="just">
-              <a:lnSpc>
-                <a:spcPct val="150000"/>
-              </a:lnSpc>
-              <a:buFont typeface="+mj-lt"/>
-              <a:buAutoNum type="arabicPeriod"/>
-              <a:tabLst>
-                <a:tab pos="457200" algn="l"/>
-              </a:tabLst>
-            </a:pPr>
-            <a:r>
-              <a:rPr lang="ru-RU" sz="1400" dirty="0">
-                <a:effectLst/>
-                <a:latin typeface="Times New Roman" panose="02020603050405020304" pitchFamily="18" charset="0"/>
-                <a:ea typeface="Times New Roman" panose="02020603050405020304" pitchFamily="18" charset="0"/>
-              </a:rPr>
-              <a:t>Разработка алгоритмов управления для демонстрационной задачи на основе </a:t>
-            </a:r>
-            <a:r>
-              <a:rPr lang="en-US" sz="1400" dirty="0">
-                <a:effectLst/>
-                <a:latin typeface="Times New Roman" panose="02020603050405020304" pitchFamily="18" charset="0"/>
-                <a:ea typeface="Times New Roman" panose="02020603050405020304" pitchFamily="18" charset="0"/>
-              </a:rPr>
-              <a:t>SLAM</a:t>
-            </a:r>
-            <a:r>
-              <a:rPr lang="ru-RU" sz="1400" dirty="0">
-                <a:effectLst/>
-                <a:latin typeface="Times New Roman" panose="02020603050405020304" pitchFamily="18" charset="0"/>
-                <a:ea typeface="Times New Roman" panose="02020603050405020304" pitchFamily="18" charset="0"/>
-              </a:rPr>
-              <a:t>-навигации и их симуляция в виртуальной среде.</a:t>
-            </a:r>
-          </a:p>
-          <a:p>
-            <a:pPr marL="342900" lvl="0" indent="-342900" algn="just">
-              <a:lnSpc>
-                <a:spcPct val="150000"/>
-              </a:lnSpc>
-              <a:buFont typeface="+mj-lt"/>
-              <a:buAutoNum type="arabicPeriod"/>
-              <a:tabLst>
-                <a:tab pos="457200" algn="l"/>
-              </a:tabLst>
-            </a:pPr>
-            <a:r>
               <a:rPr lang="ru-RU" sz="1400" dirty="0">
                 <a:effectLst/>
                 <a:latin typeface="Times New Roman" panose="02020603050405020304" pitchFamily="18" charset="0"/>
@@ -9666,6 +10630,43 @@
               <a:buNone/>
             </a:pPr>
             <a:endParaRPr lang="ru-RU" sz="1400" dirty="0"/>
+          </a:p>
+        </p:txBody>
+      </p:sp>
+      <p:sp>
+        <p:nvSpPr>
+          <p:cNvPr id="5" name="Номер слайда 4">
+            <a:extLst>
+              <a:ext uri="{FF2B5EF4-FFF2-40B4-BE49-F238E27FC236}">
+                <a16:creationId xmlns:a16="http://schemas.microsoft.com/office/drawing/2014/main" id="{C5D849F1-DBBA-B6BB-EC8C-FEA0CE212DF2}"/>
+              </a:ext>
+            </a:extLst>
+          </p:cNvPr>
+          <p:cNvSpPr>
+            <a:spLocks noGrp="1"/>
+          </p:cNvSpPr>
+          <p:nvPr>
+            <p:ph type="sldNum" sz="quarter" idx="12"/>
+          </p:nvPr>
+        </p:nvSpPr>
+        <p:spPr/>
+        <p:txBody>
+          <a:bodyPr/>
+          <a:lstStyle/>
+          <a:p>
+            <a:fld id="{C1FF6DA9-008F-8B48-92A6-B652298478BF}" type="slidenum">
+              <a:rPr lang="en-US" sz="1400" b="1" smtClean="0">
+                <a:solidFill>
+                  <a:schemeClr val="tx1"/>
+                </a:solidFill>
+              </a:rPr>
+              <a:t>3</a:t>
+            </a:fld>
+            <a:endParaRPr lang="en-US" sz="1400" b="1" dirty="0">
+              <a:solidFill>
+                <a:schemeClr val="tx1"/>
+              </a:solidFill>
+            </a:endParaRPr>
           </a:p>
         </p:txBody>
       </p:sp>
@@ -9756,6 +10757,43 @@
           </a:graphicData>
         </a:graphic>
       </p:graphicFrame>
+      <p:sp>
+        <p:nvSpPr>
+          <p:cNvPr id="4" name="Номер слайда 3">
+            <a:extLst>
+              <a:ext uri="{FF2B5EF4-FFF2-40B4-BE49-F238E27FC236}">
+                <a16:creationId xmlns:a16="http://schemas.microsoft.com/office/drawing/2014/main" id="{291A8915-507D-7551-5AB6-4102A35FC944}"/>
+              </a:ext>
+            </a:extLst>
+          </p:cNvPr>
+          <p:cNvSpPr>
+            <a:spLocks noGrp="1"/>
+          </p:cNvSpPr>
+          <p:nvPr>
+            <p:ph type="sldNum" sz="quarter" idx="12"/>
+          </p:nvPr>
+        </p:nvSpPr>
+        <p:spPr/>
+        <p:txBody>
+          <a:bodyPr/>
+          <a:lstStyle/>
+          <a:p>
+            <a:fld id="{C1FF6DA9-008F-8B48-92A6-B652298478BF}" type="slidenum">
+              <a:rPr lang="en-US" sz="1400" b="1" smtClean="0">
+                <a:solidFill>
+                  <a:schemeClr val="tx1"/>
+                </a:solidFill>
+              </a:rPr>
+              <a:t>4</a:t>
+            </a:fld>
+            <a:endParaRPr lang="en-US" sz="1400" b="1" dirty="0">
+              <a:solidFill>
+                <a:schemeClr val="tx1"/>
+              </a:solidFill>
+            </a:endParaRPr>
+          </a:p>
+        </p:txBody>
+      </p:sp>
     </p:spTree>
   </p:cSld>
   <p:clrMapOvr>
@@ -10650,7 +11688,7 @@
         </p:blipFill>
         <p:spPr>
           <a:xfrm>
-            <a:off x="3030556" y="5582190"/>
+            <a:off x="3571952" y="5586158"/>
             <a:ext cx="3681095" cy="1223645"/>
           </a:xfrm>
           <a:prstGeom prst="rect">
@@ -10690,6 +11728,48 @@
               <a:rPr lang="ru-RU" dirty="0"/>
               <a:t>Прямая и обратная задача кинематики</a:t>
             </a:r>
+          </a:p>
+        </p:txBody>
+      </p:sp>
+      <p:sp>
+        <p:nvSpPr>
+          <p:cNvPr id="13" name="Номер слайда 3">
+            <a:extLst>
+              <a:ext uri="{FF2B5EF4-FFF2-40B4-BE49-F238E27FC236}">
+                <a16:creationId xmlns:a16="http://schemas.microsoft.com/office/drawing/2014/main" id="{1FFAF246-E4BB-17AA-66C3-633E79CB6546}"/>
+              </a:ext>
+            </a:extLst>
+          </p:cNvPr>
+          <p:cNvSpPr>
+            <a:spLocks noGrp="1"/>
+          </p:cNvSpPr>
+          <p:nvPr>
+            <p:ph type="sldNum" sz="quarter" idx="12"/>
+          </p:nvPr>
+        </p:nvSpPr>
+        <p:spPr>
+          <a:xfrm>
+            <a:off x="6651497" y="6356350"/>
+            <a:ext cx="2133600" cy="365125"/>
+          </a:xfrm>
+        </p:spPr>
+        <p:txBody>
+          <a:bodyPr/>
+          <a:lstStyle/>
+          <a:p>
+            <a:fld id="{C1FF6DA9-008F-8B48-92A6-B652298478BF}" type="slidenum">
+              <a:rPr lang="en-US" sz="1400" b="1" smtClean="0">
+                <a:solidFill>
+                  <a:schemeClr val="tx1"/>
+                </a:solidFill>
+              </a:rPr>
+              <a:t>5</a:t>
+            </a:fld>
+            <a:endParaRPr lang="en-US" sz="1400" b="1" dirty="0">
+              <a:solidFill>
+                <a:schemeClr val="tx1"/>
+              </a:solidFill>
+            </a:endParaRPr>
           </a:p>
         </p:txBody>
       </p:sp>
@@ -11171,8 +12251,8 @@
         </p:nvSpPr>
         <p:spPr>
           <a:xfrm>
-            <a:off x="3333285" y="4999237"/>
-            <a:ext cx="1790891" cy="369332"/>
+            <a:off x="3540287" y="4931105"/>
+            <a:ext cx="1827841" cy="369332"/>
           </a:xfrm>
           <a:prstGeom prst="rect">
             <a:avLst/>
@@ -11186,30 +12266,49 @@
           <a:lstStyle/>
           <a:p>
             <a:r>
-              <a:rPr lang="ru-RU" sz="1800" kern="0" dirty="0">
+              <a:rPr lang="ru-RU" sz="1800" dirty="0" err="1">
+                <a:solidFill>
+                  <a:srgbClr val="000000"/>
+                </a:solidFill>
                 <a:effectLst/>
                 <a:latin typeface="Times New Roman" panose="02020603050405020304" pitchFamily="18" charset="0"/>
-                <a:ea typeface="Times New Roman" panose="02020603050405020304" pitchFamily="18" charset="0"/>
+                <a:ea typeface="Calibri" panose="020F0502020204030204" pitchFamily="34" charset="0"/>
               </a:rPr>
-              <a:t>RP-</a:t>
-            </a:r>
-            <a:r>
-              <a:rPr lang="ru-RU" sz="1800" kern="0" dirty="0" err="1">
+              <a:t>Raspberry</a:t>
+            </a:r>
+            <a:r>
+              <a:rPr lang="ru-RU" sz="1800" dirty="0">
+                <a:solidFill>
+                  <a:srgbClr val="000000"/>
+                </a:solidFill>
                 <a:effectLst/>
                 <a:latin typeface="Times New Roman" panose="02020603050405020304" pitchFamily="18" charset="0"/>
-                <a:ea typeface="Times New Roman" panose="02020603050405020304" pitchFamily="18" charset="0"/>
+                <a:ea typeface="Calibri" panose="020F0502020204030204" pitchFamily="34" charset="0"/>
               </a:rPr>
-              <a:t>Lidar</a:t>
-            </a:r>
-            <a:r>
-              <a:rPr lang="ru-RU" sz="1800" kern="0" dirty="0">
+              <a:t> </a:t>
+            </a:r>
+            <a:r>
+              <a:rPr lang="ru-RU" sz="1800" dirty="0" err="1">
+                <a:solidFill>
+                  <a:srgbClr val="000000"/>
+                </a:solidFill>
                 <a:effectLst/>
                 <a:latin typeface="Times New Roman" panose="02020603050405020304" pitchFamily="18" charset="0"/>
-                <a:ea typeface="Times New Roman" panose="02020603050405020304" pitchFamily="18" charset="0"/>
+                <a:ea typeface="Calibri" panose="020F0502020204030204" pitchFamily="34" charset="0"/>
               </a:rPr>
-              <a:t> A1</a:t>
-            </a:r>
-            <a:endParaRPr lang="ru-RU" dirty="0"/>
+              <a:t>Pi</a:t>
+            </a:r>
+            <a:r>
+              <a:rPr lang="ru-RU" sz="1800" dirty="0">
+                <a:solidFill>
+                  <a:srgbClr val="000000"/>
+                </a:solidFill>
+                <a:effectLst/>
+                <a:latin typeface="Times New Roman" panose="02020603050405020304" pitchFamily="18" charset="0"/>
+                <a:ea typeface="Calibri" panose="020F0502020204030204" pitchFamily="34" charset="0"/>
+              </a:rPr>
+              <a:t> 5</a:t>
+            </a:r>
           </a:p>
         </p:txBody>
       </p:sp>
@@ -11782,7 +12881,7 @@
         </p:nvSpPr>
         <p:spPr>
           <a:xfrm>
-            <a:off x="6689490" y="6457927"/>
+            <a:off x="6254858" y="6456060"/>
             <a:ext cx="2149328" cy="369332"/>
           </a:xfrm>
           <a:prstGeom prst="rect">
@@ -11862,7 +12961,7 @@
         </p:blipFill>
         <p:spPr>
           <a:xfrm>
-            <a:off x="6689490" y="5257609"/>
+            <a:off x="6497424" y="5257609"/>
             <a:ext cx="1228896" cy="1200318"/>
           </a:xfrm>
           <a:prstGeom prst="rect">
@@ -11870,6 +12969,43 @@
           </a:prstGeom>
         </p:spPr>
       </p:pic>
+      <p:sp>
+        <p:nvSpPr>
+          <p:cNvPr id="4" name="Номер слайда 3">
+            <a:extLst>
+              <a:ext uri="{FF2B5EF4-FFF2-40B4-BE49-F238E27FC236}">
+                <a16:creationId xmlns:a16="http://schemas.microsoft.com/office/drawing/2014/main" id="{4DA21946-2734-4983-66C1-F0448FE8CD67}"/>
+              </a:ext>
+            </a:extLst>
+          </p:cNvPr>
+          <p:cNvSpPr>
+            <a:spLocks noGrp="1"/>
+          </p:cNvSpPr>
+          <p:nvPr>
+            <p:ph type="sldNum" sz="quarter" idx="12"/>
+          </p:nvPr>
+        </p:nvSpPr>
+        <p:spPr/>
+        <p:txBody>
+          <a:bodyPr/>
+          <a:lstStyle/>
+          <a:p>
+            <a:fld id="{C1FF6DA9-008F-8B48-92A6-B652298478BF}" type="slidenum">
+              <a:rPr lang="en-US" sz="1400" b="1" smtClean="0">
+                <a:solidFill>
+                  <a:schemeClr val="tx1"/>
+                </a:solidFill>
+              </a:rPr>
+              <a:t>6</a:t>
+            </a:fld>
+            <a:endParaRPr lang="en-US" sz="1400" b="1" dirty="0">
+              <a:solidFill>
+                <a:schemeClr val="tx1"/>
+              </a:solidFill>
+            </a:endParaRPr>
+          </a:p>
+        </p:txBody>
+      </p:sp>
     </p:spTree>
     <p:extLst>
       <p:ext uri="{BB962C8B-B14F-4D97-AF65-F5344CB8AC3E}">
@@ -11886,9 +13022,23 @@
 <file path=ppt/slides/slide7.xml><?xml version="1.0" encoding="utf-8"?>
 <p:sld xmlns:a="http://schemas.openxmlformats.org/drawingml/2006/main" xmlns:r="http://schemas.openxmlformats.org/officeDocument/2006/relationships" xmlns:p="http://schemas.openxmlformats.org/presentationml/2006/main">
   <p:cSld>
+    <p:bg>
+      <p:bgPr>
+        <a:solidFill>
+          <a:schemeClr val="bg1"/>
+        </a:solidFill>
+        <a:effectLst/>
+      </p:bgPr>
+    </p:bg>
     <p:spTree>
       <p:nvGrpSpPr>
-        <p:cNvPr id="1" name=""/>
+        <p:cNvPr id="1" name="">
+          <a:extLst>
+            <a:ext uri="{FF2B5EF4-FFF2-40B4-BE49-F238E27FC236}">
+              <a16:creationId xmlns:a16="http://schemas.microsoft.com/office/drawing/2014/main" id="{DD3D2312-4270-1701-CAD9-7B1635FC70CA}"/>
+            </a:ext>
+          </a:extLst>
+        </p:cNvPr>
         <p:cNvGrpSpPr/>
         <p:nvPr/>
       </p:nvGrpSpPr>
@@ -11902,7 +13052,7 @@
       </p:grpSpPr>
       <p:sp useBgFill="1">
         <p:nvSpPr>
-          <p:cNvPr id="9" name="Rectangle 8">
+          <p:cNvPr id="21" name="Rectangle 20">
             <a:extLst>
               <a:ext uri="{FF2B5EF4-FFF2-40B4-BE49-F238E27FC236}">
                 <a16:creationId xmlns:a16="http://schemas.microsoft.com/office/drawing/2014/main" id="{A8384FB5-9ADC-4DDC-881B-597D56F5B15D}"/>
@@ -11978,10 +13128,10 @@
       </p:sp>
       <p:sp>
         <p:nvSpPr>
-          <p:cNvPr id="11" name="Rectangle 10">
+          <p:cNvPr id="23" name="Rectangle 22">
             <a:extLst>
               <a:ext uri="{FF2B5EF4-FFF2-40B4-BE49-F238E27FC236}">
-                <a16:creationId xmlns:a16="http://schemas.microsoft.com/office/drawing/2014/main" id="{91E5A9A7-95C6-4F4F-B00E-C82E07FE62EF}"/>
+                <a16:creationId xmlns:a16="http://schemas.microsoft.com/office/drawing/2014/main" id="{1199E1B1-A8C0-4FE8-A5A8-1CB41D69F857}"/>
               </a:ext>
               <a:ext uri="{C183D7F6-B498-43B3-948B-1728B52AA6E4}">
                 <adec:decorative xmlns:adec="http://schemas.microsoft.com/office/drawing/2017/decorative" val="1"/>
@@ -12000,9 +13150,9 @@
           </p:nvPr>
         </p:nvSpPr>
         <p:spPr>
-          <a:xfrm rot="5400000" flipH="1">
-            <a:off x="-1922632" y="1922631"/>
-            <a:ext cx="6875818" cy="3030558"/>
+          <a:xfrm rot="10800000" flipH="1">
+            <a:off x="1" y="0"/>
+            <a:ext cx="9143999" cy="1575955"/>
           </a:xfrm>
           <a:prstGeom prst="rect">
             <a:avLst/>
@@ -12010,7 +13160,9 @@
           <a:gradFill>
             <a:gsLst>
               <a:gs pos="0">
-                <a:srgbClr val="000000"/>
+                <a:srgbClr val="000000">
+                  <a:alpha val="96000"/>
+                </a:srgbClr>
               </a:gs>
               <a:gs pos="100000">
                 <a:schemeClr val="accent1">
@@ -12018,7 +13170,7 @@
                 </a:schemeClr>
               </a:gs>
             </a:gsLst>
-            <a:lin ang="18600000" scaled="0"/>
+            <a:lin ang="6000000" scaled="0"/>
           </a:gradFill>
           <a:ln>
             <a:noFill/>
@@ -12045,16 +13197,16 @@
           <a:lstStyle/>
           <a:p>
             <a:pPr algn="ctr"/>
-            <a:endParaRPr lang="en-US" dirty="0"/>
+            <a:endParaRPr lang="en-US"/>
           </a:p>
         </p:txBody>
       </p:sp>
       <p:sp>
         <p:nvSpPr>
-          <p:cNvPr id="13" name="Rectangle 12">
+          <p:cNvPr id="25" name="Rectangle 24">
             <a:extLst>
               <a:ext uri="{FF2B5EF4-FFF2-40B4-BE49-F238E27FC236}">
-                <a16:creationId xmlns:a16="http://schemas.microsoft.com/office/drawing/2014/main" id="{D07DD2DE-F619-49DD-B5E7-03A290FF4ED1}"/>
+                <a16:creationId xmlns:a16="http://schemas.microsoft.com/office/drawing/2014/main" id="{84A8DE83-DE75-4B41-9DB4-A7EC0B0DEC0B}"/>
               </a:ext>
               <a:ext uri="{C183D7F6-B498-43B3-948B-1728B52AA6E4}">
                 <adec:decorative xmlns:adec="http://schemas.microsoft.com/office/drawing/2017/decorative" val="1"/>
@@ -12073,9 +13225,9 @@
           </p:nvPr>
         </p:nvSpPr>
         <p:spPr>
-          <a:xfrm rot="16200000">
-            <a:off x="-663321" y="3165298"/>
-            <a:ext cx="4355594" cy="3028952"/>
+          <a:xfrm>
+            <a:off x="0" y="0"/>
+            <a:ext cx="6096642" cy="1575461"/>
           </a:xfrm>
           <a:prstGeom prst="rect">
             <a:avLst/>
@@ -12084,17 +13236,18 @@
             <a:gsLst>
               <a:gs pos="0">
                 <a:schemeClr val="accent1">
-                  <a:alpha val="50000"/>
+                  <a:alpha val="41000"/>
                 </a:schemeClr>
               </a:gs>
-              <a:gs pos="100000">
+              <a:gs pos="74000">
                 <a:schemeClr val="accent1">
-                  <a:lumMod val="50000"/>
+                  <a:lumMod val="60000"/>
+                  <a:lumOff val="40000"/>
                   <a:alpha val="0"/>
                 </a:schemeClr>
               </a:gs>
             </a:gsLst>
-            <a:lin ang="11400000" scaled="0"/>
+            <a:lin ang="8400000" scaled="0"/>
           </a:gradFill>
           <a:ln>
             <a:noFill/>
@@ -12127,10 +13280,10 @@
       </p:sp>
       <p:sp>
         <p:nvSpPr>
-          <p:cNvPr id="15" name="Rectangle 14">
+          <p:cNvPr id="27" name="Rectangle 26">
             <a:extLst>
               <a:ext uri="{FF2B5EF4-FFF2-40B4-BE49-F238E27FC236}">
-                <a16:creationId xmlns:a16="http://schemas.microsoft.com/office/drawing/2014/main" id="{85149191-5F60-4A28-AAFF-039F96B0F3EC}"/>
+                <a16:creationId xmlns:a16="http://schemas.microsoft.com/office/drawing/2014/main" id="{A7009A0A-BEF5-4EAC-AF15-E4F9F002E239}"/>
               </a:ext>
               <a:ext uri="{C183D7F6-B498-43B3-948B-1728B52AA6E4}">
                 <adec:decorative xmlns:adec="http://schemas.microsoft.com/office/drawing/2017/decorative" val="1"/>
@@ -12149,9 +13302,9 @@
           </p:nvPr>
         </p:nvSpPr>
         <p:spPr>
-          <a:xfrm rot="16200000" flipH="1">
-            <a:off x="-1742858" y="2085760"/>
-            <a:ext cx="6857572" cy="2686051"/>
+          <a:xfrm flipH="1">
+            <a:off x="-2" y="-1"/>
+            <a:ext cx="9144001" cy="1574311"/>
           </a:xfrm>
           <a:prstGeom prst="rect">
             <a:avLst/>
@@ -12160,16 +13313,16 @@
             <a:gsLst>
               <a:gs pos="0">
                 <a:srgbClr val="000000">
-                  <a:alpha val="59000"/>
+                  <a:alpha val="63000"/>
                 </a:srgbClr>
               </a:gs>
-              <a:gs pos="69000">
+              <a:gs pos="78000">
                 <a:schemeClr val="accent1">
-                  <a:alpha val="0"/>
+                  <a:alpha val="15000"/>
                 </a:schemeClr>
               </a:gs>
             </a:gsLst>
-            <a:lin ang="13200000" scaled="0"/>
+            <a:lin ang="15600000" scaled="0"/>
           </a:gradFill>
           <a:ln>
             <a:noFill/>
@@ -12196,180 +13349,7 @@
           <a:lstStyle/>
           <a:p>
             <a:pPr algn="ctr"/>
-            <a:endParaRPr lang="en-US" dirty="0"/>
-          </a:p>
-        </p:txBody>
-      </p:sp>
-      <p:sp>
-        <p:nvSpPr>
-          <p:cNvPr id="17" name="Freeform: Shape 16">
-            <a:extLst>
-              <a:ext uri="{FF2B5EF4-FFF2-40B4-BE49-F238E27FC236}">
-                <a16:creationId xmlns:a16="http://schemas.microsoft.com/office/drawing/2014/main" id="{F8260ED5-17F7-4158-B241-D51DD4CF1B7E}"/>
-              </a:ext>
-              <a:ext uri="{C183D7F6-B498-43B3-948B-1728B52AA6E4}">
-                <adec:decorative xmlns:adec="http://schemas.microsoft.com/office/drawing/2017/decorative" val="1"/>
-              </a:ext>
-            </a:extLst>
-          </p:cNvPr>
-          <p:cNvSpPr>
-            <a:spLocks noGrp="1" noRot="1" noChangeAspect="1" noMove="1" noResize="1" noEditPoints="1" noAdjustHandles="1" noChangeArrowheads="1" noChangeShapeType="1" noTextEdit="1"/>
-          </p:cNvSpPr>
-          <p:nvPr>
-            <p:extLst>
-              <p:ext uri="{386F3935-93C4-4BCD-93E2-E3B085C9AB24}">
-                <p16:designElem xmlns:p16="http://schemas.microsoft.com/office/powerpoint/2015/main" val="1"/>
-              </p:ext>
-            </p:extLst>
-          </p:nvPr>
-        </p:nvSpPr>
-        <p:spPr>
-          <a:xfrm rot="6097846">
-            <a:off x="-1161554" y="1712395"/>
-            <a:ext cx="4808302" cy="3066500"/>
-          </a:xfrm>
-          <a:custGeom>
-            <a:avLst/>
-            <a:gdLst>
-              <a:gd name="connsiteX0" fmla="*/ 48844 w 4808302"/>
-              <a:gd name="connsiteY0" fmla="*/ 2888671 h 4088666"/>
-              <a:gd name="connsiteX1" fmla="*/ 0 w 4808302"/>
-              <a:gd name="connsiteY1" fmla="*/ 2404151 h 4088666"/>
-              <a:gd name="connsiteX2" fmla="*/ 2404151 w 4808302"/>
-              <a:gd name="connsiteY2" fmla="*/ 0 h 4088666"/>
-              <a:gd name="connsiteX3" fmla="*/ 4808302 w 4808302"/>
-              <a:gd name="connsiteY3" fmla="*/ 2404151 h 4088666"/>
-              <a:gd name="connsiteX4" fmla="*/ 4700216 w 4808302"/>
-              <a:gd name="connsiteY4" fmla="*/ 3119072 h 4088666"/>
-              <a:gd name="connsiteX5" fmla="*/ 4643143 w 4808302"/>
-              <a:gd name="connsiteY5" fmla="*/ 3275009 h 4088666"/>
-              <a:gd name="connsiteX6" fmla="*/ 690093 w 4808302"/>
-              <a:gd name="connsiteY6" fmla="*/ 4088666 h 4088666"/>
-              <a:gd name="connsiteX7" fmla="*/ 548991 w 4808302"/>
-              <a:gd name="connsiteY7" fmla="*/ 3933414 h 4088666"/>
-              <a:gd name="connsiteX8" fmla="*/ 48844 w 4808302"/>
-              <a:gd name="connsiteY8" fmla="*/ 2888671 h 4088666"/>
-            </a:gdLst>
-            <a:ahLst/>
-            <a:cxnLst>
-              <a:cxn ang="0">
-                <a:pos x="connsiteX0" y="connsiteY0"/>
-              </a:cxn>
-              <a:cxn ang="0">
-                <a:pos x="connsiteX1" y="connsiteY1"/>
-              </a:cxn>
-              <a:cxn ang="0">
-                <a:pos x="connsiteX2" y="connsiteY2"/>
-              </a:cxn>
-              <a:cxn ang="0">
-                <a:pos x="connsiteX3" y="connsiteY3"/>
-              </a:cxn>
-              <a:cxn ang="0">
-                <a:pos x="connsiteX4" y="connsiteY4"/>
-              </a:cxn>
-              <a:cxn ang="0">
-                <a:pos x="connsiteX5" y="connsiteY5"/>
-              </a:cxn>
-              <a:cxn ang="0">
-                <a:pos x="connsiteX6" y="connsiteY6"/>
-              </a:cxn>
-              <a:cxn ang="0">
-                <a:pos x="connsiteX7" y="connsiteY7"/>
-              </a:cxn>
-              <a:cxn ang="0">
-                <a:pos x="connsiteX8" y="connsiteY8"/>
-              </a:cxn>
-            </a:cxnLst>
-            <a:rect l="l" t="t" r="r" b="b"/>
-            <a:pathLst>
-              <a:path w="4808302" h="4088666">
-                <a:moveTo>
-                  <a:pt x="48844" y="2888671"/>
-                </a:moveTo>
-                <a:cubicBezTo>
-                  <a:pt x="16818" y="2732167"/>
-                  <a:pt x="0" y="2570123"/>
-                  <a:pt x="0" y="2404151"/>
-                </a:cubicBezTo>
-                <a:cubicBezTo>
-                  <a:pt x="0" y="1076375"/>
-                  <a:pt x="1076375" y="0"/>
-                  <a:pt x="2404151" y="0"/>
-                </a:cubicBezTo>
-                <a:cubicBezTo>
-                  <a:pt x="3731927" y="0"/>
-                  <a:pt x="4808302" y="1076375"/>
-                  <a:pt x="4808302" y="2404151"/>
-                </a:cubicBezTo>
-                <a:cubicBezTo>
-                  <a:pt x="4808302" y="2653109"/>
-                  <a:pt x="4770461" y="2893229"/>
-                  <a:pt x="4700216" y="3119072"/>
-                </a:cubicBezTo>
-                <a:lnTo>
-                  <a:pt x="4643143" y="3275009"/>
-                </a:lnTo>
-                <a:lnTo>
-                  <a:pt x="690093" y="4088666"/>
-                </a:lnTo>
-                <a:lnTo>
-                  <a:pt x="548991" y="3933414"/>
-                </a:lnTo>
-                <a:cubicBezTo>
-                  <a:pt x="304015" y="3636572"/>
-                  <a:pt x="128908" y="3279932"/>
-                  <a:pt x="48844" y="2888671"/>
-                </a:cubicBezTo>
-                <a:close/>
-              </a:path>
-            </a:pathLst>
-          </a:custGeom>
-          <a:gradFill>
-            <a:gsLst>
-              <a:gs pos="39000">
-                <a:schemeClr val="accent1">
-                  <a:lumMod val="60000"/>
-                  <a:lumOff val="40000"/>
-                  <a:alpha val="0"/>
-                </a:schemeClr>
-              </a:gs>
-              <a:gs pos="100000">
-                <a:schemeClr val="accent1">
-                  <a:lumMod val="75000"/>
-                  <a:alpha val="26000"/>
-                </a:schemeClr>
-              </a:gs>
-            </a:gsLst>
-            <a:lin ang="18600000" scaled="0"/>
-          </a:gradFill>
-          <a:ln>
-            <a:noFill/>
-          </a:ln>
-        </p:spPr>
-        <p:style>
-          <a:lnRef idx="2">
-            <a:schemeClr val="accent1">
-              <a:shade val="50000"/>
-            </a:schemeClr>
-          </a:lnRef>
-          <a:fillRef idx="1">
-            <a:schemeClr val="accent1"/>
-          </a:fillRef>
-          <a:effectRef idx="0">
-            <a:schemeClr val="accent1"/>
-          </a:effectRef>
-          <a:fontRef idx="minor">
-            <a:schemeClr val="lt1"/>
-          </a:fontRef>
-        </p:style>
-        <p:txBody>
-          <a:bodyPr wrap="square" rtlCol="0" anchor="ctr">
-            <a:noAutofit/>
-          </a:bodyPr>
-          <a:lstStyle/>
-          <a:p>
-            <a:pPr algn="ctr"/>
-            <a:endParaRPr lang="en-US" dirty="0"/>
+            <a:endParaRPr lang="en-US"/>
           </a:p>
         </p:txBody>
       </p:sp>
@@ -12378,7 +13358,7 @@
           <p:cNvPr id="2" name="Заголовок 1">
             <a:extLst>
               <a:ext uri="{FF2B5EF4-FFF2-40B4-BE49-F238E27FC236}">
-                <a16:creationId xmlns:a16="http://schemas.microsoft.com/office/drawing/2014/main" id="{D9FBBC8E-21DC-0949-C370-D45672E2D4F0}"/>
+                <a16:creationId xmlns:a16="http://schemas.microsoft.com/office/drawing/2014/main" id="{E7C1CBCB-2ACB-D54F-8667-BCD259451B20}"/>
               </a:ext>
             </a:extLst>
           </p:cNvPr>
@@ -12391,79 +13371,36 @@
         </p:nvSpPr>
         <p:spPr>
           <a:xfrm>
-            <a:off x="342902" y="2767105"/>
-            <a:ext cx="2312749" cy="3358391"/>
+            <a:off x="524784" y="248038"/>
+            <a:ext cx="8501229" cy="1159200"/>
           </a:xfrm>
         </p:spPr>
         <p:txBody>
-          <a:bodyPr vert="horz" lIns="91440" tIns="45720" rIns="91440" bIns="45720" rtlCol="0" anchor="t">
+          <a:bodyPr vert="horz" lIns="91440" tIns="45720" rIns="91440" bIns="45720" rtlCol="0" anchor="ctr">
             <a:normAutofit/>
           </a:bodyPr>
           <a:lstStyle/>
           <a:p>
-            <a:pPr algn="l" defTabSz="914400">
+            <a:pPr defTabSz="914400">
               <a:lnSpc>
                 <a:spcPct val="90000"/>
               </a:lnSpc>
             </a:pPr>
             <a:r>
-              <a:rPr lang="en-US" sz="3200" b="1" kern="1200" dirty="0" err="1">
+              <a:rPr lang="en-US" sz="3200" b="1" kern="1200" dirty="0">
                 <a:solidFill>
-                  <a:schemeClr val="bg1"/>
+                  <a:srgbClr val="FFFFFF"/>
                 </a:solidFill>
+                <a:effectLst/>
                 <a:latin typeface="+mj-lt"/>
                 <a:ea typeface="+mj-ea"/>
                 <a:cs typeface="+mj-cs"/>
               </a:rPr>
-              <a:t>Структура</a:t>
-            </a:r>
-            <a:r>
-              <a:rPr lang="en-US" sz="3200" b="1" kern="1200" dirty="0">
-                <a:solidFill>
-                  <a:schemeClr val="bg1"/>
-                </a:solidFill>
-                <a:latin typeface="+mj-lt"/>
-                <a:ea typeface="+mj-ea"/>
-                <a:cs typeface="+mj-cs"/>
-              </a:rPr>
-              <a:t> </a:t>
-            </a:r>
-            <a:r>
-              <a:rPr lang="en-US" sz="3200" b="1" kern="1200" dirty="0" err="1">
-                <a:solidFill>
-                  <a:schemeClr val="bg1"/>
-                </a:solidFill>
-                <a:latin typeface="+mj-lt"/>
-                <a:ea typeface="+mj-ea"/>
-                <a:cs typeface="+mj-cs"/>
-              </a:rPr>
-              <a:t>системы</a:t>
-            </a:r>
-            <a:r>
-              <a:rPr lang="en-US" sz="3200" b="1" kern="1200" dirty="0">
-                <a:solidFill>
-                  <a:schemeClr val="bg1"/>
-                </a:solidFill>
-                <a:latin typeface="+mj-lt"/>
-                <a:ea typeface="+mj-ea"/>
-                <a:cs typeface="+mj-cs"/>
-              </a:rPr>
-              <a:t> </a:t>
-            </a:r>
-            <a:r>
-              <a:rPr lang="en-US" sz="3200" b="1" kern="1200" dirty="0" err="1">
-                <a:solidFill>
-                  <a:schemeClr val="bg1"/>
-                </a:solidFill>
-                <a:latin typeface="+mj-lt"/>
-                <a:ea typeface="+mj-ea"/>
-                <a:cs typeface="+mj-cs"/>
-              </a:rPr>
-              <a:t>управления</a:t>
-            </a:r>
-            <a:endParaRPr lang="en-US" sz="3200" b="1" kern="1200" dirty="0">
+              <a:t>СТРУКТУРА СИСТЕМЫ УПРАВЛЕНИЯ</a:t>
+            </a:r>
+            <a:endParaRPr lang="en-US" sz="3200" kern="1200" dirty="0">
               <a:solidFill>
-                <a:schemeClr val="bg1"/>
+                <a:srgbClr val="FFFFFF"/>
               </a:solidFill>
               <a:latin typeface="+mj-lt"/>
               <a:ea typeface="+mj-ea"/>
@@ -12474,47 +13411,92 @@
       </p:sp>
       <p:pic>
         <p:nvPicPr>
-          <p:cNvPr id="4" name="Объект 3" descr="Изображение выглядит как текст, диаграмма, снимок экрана, План&#10;&#10;Контент, сгенерированный ИИ, может содержать ошибки.">
+          <p:cNvPr id="3" name="Объект 9" descr="Изображение выглядит как текст, диаграмма, снимок экрана, черно-белый&#10;&#10;Контент, сгенерированный ИИ, может содержать ошибки.">
             <a:extLst>
               <a:ext uri="{FF2B5EF4-FFF2-40B4-BE49-F238E27FC236}">
-                <a16:creationId xmlns:a16="http://schemas.microsoft.com/office/drawing/2014/main" id="{D9F5A8D1-F738-8658-6A5C-B0A7B671F3B9}"/>
+                <a16:creationId xmlns:a16="http://schemas.microsoft.com/office/drawing/2014/main" id="{EBA983C1-66BB-2DD8-E286-3AA96770E62F}"/>
               </a:ext>
             </a:extLst>
           </p:cNvPr>
           <p:cNvPicPr>
-            <a:picLocks noGrp="1" noChangeAspect="1"/>
+            <a:picLocks noChangeAspect="1"/>
           </p:cNvPicPr>
-          <p:nvPr>
-            <p:ph idx="1"/>
-          </p:nvPr>
+          <p:nvPr/>
         </p:nvPicPr>
         <p:blipFill>
-          <a:blip r:embed="rId2" cstate="print">
-            <a:extLst>
-              <a:ext uri="{28A0092B-C50C-407E-A947-70E740481C1C}">
-                <a14:useLocalDpi xmlns:a14="http://schemas.microsoft.com/office/drawing/2010/main" val="0"/>
-              </a:ext>
-            </a:extLst>
-          </a:blip>
+          <a:blip r:embed="rId2"/>
           <a:stretch>
             <a:fillRect/>
           </a:stretch>
         </p:blipFill>
-        <p:spPr bwMode="auto">
+        <p:spPr>
           <a:xfrm>
-            <a:off x="3229052" y="67325"/>
-            <a:ext cx="5789247" cy="6648107"/>
+            <a:off x="422787" y="1580622"/>
+            <a:ext cx="8355452" cy="5259399"/>
           </a:xfrm>
           <a:prstGeom prst="rect">
             <a:avLst/>
           </a:prstGeom>
-          <a:noFill/>
         </p:spPr>
       </p:pic>
+      <p:sp>
+        <p:nvSpPr>
+          <p:cNvPr id="4" name="Номер слайда 3">
+            <a:extLst>
+              <a:ext uri="{FF2B5EF4-FFF2-40B4-BE49-F238E27FC236}">
+                <a16:creationId xmlns:a16="http://schemas.microsoft.com/office/drawing/2014/main" id="{C1CA285C-3B77-33D8-64A7-4E93AD3E7F0C}"/>
+              </a:ext>
+            </a:extLst>
+          </p:cNvPr>
+          <p:cNvSpPr>
+            <a:spLocks noGrp="1"/>
+          </p:cNvSpPr>
+          <p:nvPr>
+            <p:ph type="sldNum" sz="quarter" idx="12"/>
+          </p:nvPr>
+        </p:nvSpPr>
+        <p:spPr>
+          <a:xfrm>
+            <a:off x="8778239" y="6455664"/>
+            <a:ext cx="336042" cy="365125"/>
+          </a:xfrm>
+        </p:spPr>
+        <p:txBody>
+          <a:bodyPr vert="horz" lIns="91440" tIns="45720" rIns="91440" bIns="45720" rtlCol="0" anchor="ctr">
+            <a:normAutofit/>
+          </a:bodyPr>
+          <a:lstStyle/>
+          <a:p>
+            <a:pPr defTabSz="914400">
+              <a:spcAft>
+                <a:spcPts val="600"/>
+              </a:spcAft>
+            </a:pPr>
+            <a:fld id="{C1FF6DA9-008F-8B48-92A6-B652298478BF}" type="slidenum">
+              <a:rPr lang="en-US" sz="1400" b="1">
+                <a:solidFill>
+                  <a:schemeClr val="tx1"/>
+                </a:solidFill>
+              </a:rPr>
+              <a:pPr defTabSz="914400">
+                <a:spcAft>
+                  <a:spcPts val="600"/>
+                </a:spcAft>
+              </a:pPr>
+              <a:t>7</a:t>
+            </a:fld>
+            <a:endParaRPr lang="en-US" sz="1400" b="1" dirty="0">
+              <a:solidFill>
+                <a:schemeClr val="tx1"/>
+              </a:solidFill>
+            </a:endParaRPr>
+          </a:p>
+        </p:txBody>
+      </p:sp>
     </p:spTree>
     <p:extLst>
       <p:ext uri="{BB962C8B-B14F-4D97-AF65-F5344CB8AC3E}">
-        <p14:creationId xmlns:p14="http://schemas.microsoft.com/office/powerpoint/2010/main" val="22114748"/>
+        <p14:creationId xmlns:p14="http://schemas.microsoft.com/office/powerpoint/2010/main" val="3476259911"/>
       </p:ext>
     </p:extLst>
   </p:cSld>
@@ -12999,7 +13981,7 @@
         </p:blipFill>
         <p:spPr>
           <a:xfrm>
-            <a:off x="5715220" y="4337848"/>
+            <a:off x="5715218" y="4247983"/>
             <a:ext cx="3428779" cy="2520152"/>
           </a:xfrm>
           <a:prstGeom prst="rect">
@@ -13065,6 +14047,43 @@
           <a:lstStyle/>
           <a:p>
             <a:endParaRPr lang="ru-RU" sz="1700" dirty="0"/>
+          </a:p>
+        </p:txBody>
+      </p:sp>
+      <p:sp>
+        <p:nvSpPr>
+          <p:cNvPr id="4" name="Номер слайда 3">
+            <a:extLst>
+              <a:ext uri="{FF2B5EF4-FFF2-40B4-BE49-F238E27FC236}">
+                <a16:creationId xmlns:a16="http://schemas.microsoft.com/office/drawing/2014/main" id="{0375C969-EAB3-5803-0C32-6267143999D8}"/>
+              </a:ext>
+            </a:extLst>
+          </p:cNvPr>
+          <p:cNvSpPr>
+            <a:spLocks noGrp="1"/>
+          </p:cNvSpPr>
+          <p:nvPr>
+            <p:ph type="sldNum" sz="quarter" idx="12"/>
+          </p:nvPr>
+        </p:nvSpPr>
+        <p:spPr/>
+        <p:txBody>
+          <a:bodyPr/>
+          <a:lstStyle/>
+          <a:p>
+            <a:fld id="{C1FF6DA9-008F-8B48-92A6-B652298478BF}" type="slidenum">
+              <a:rPr lang="en-US" sz="1400" b="1" smtClean="0">
+                <a:solidFill>
+                  <a:schemeClr val="tx1"/>
+                </a:solidFill>
+              </a:rPr>
+              <a:t>8</a:t>
+            </a:fld>
+            <a:endParaRPr lang="en-US" sz="1400" b="1" dirty="0">
+              <a:solidFill>
+                <a:schemeClr val="tx1"/>
+              </a:solidFill>
+            </a:endParaRPr>
           </a:p>
         </p:txBody>
       </p:sp>
@@ -13590,6 +14609,43 @@
           </a:prstGeom>
         </p:spPr>
       </p:pic>
+      <p:sp>
+        <p:nvSpPr>
+          <p:cNvPr id="6" name="Номер слайда 5">
+            <a:extLst>
+              <a:ext uri="{FF2B5EF4-FFF2-40B4-BE49-F238E27FC236}">
+                <a16:creationId xmlns:a16="http://schemas.microsoft.com/office/drawing/2014/main" id="{0B054A4C-1E87-4D51-6471-7287192C2343}"/>
+              </a:ext>
+            </a:extLst>
+          </p:cNvPr>
+          <p:cNvSpPr>
+            <a:spLocks noGrp="1"/>
+          </p:cNvSpPr>
+          <p:nvPr>
+            <p:ph type="sldNum" sz="quarter" idx="12"/>
+          </p:nvPr>
+        </p:nvSpPr>
+        <p:spPr/>
+        <p:txBody>
+          <a:bodyPr/>
+          <a:lstStyle/>
+          <a:p>
+            <a:fld id="{C1FF6DA9-008F-8B48-92A6-B652298478BF}" type="slidenum">
+              <a:rPr lang="en-US" sz="1400" b="1" smtClean="0">
+                <a:solidFill>
+                  <a:schemeClr val="tx1"/>
+                </a:solidFill>
+              </a:rPr>
+              <a:t>9</a:t>
+            </a:fld>
+            <a:endParaRPr lang="en-US" sz="1400" b="1" dirty="0">
+              <a:solidFill>
+                <a:schemeClr val="tx1"/>
+              </a:solidFill>
+            </a:endParaRPr>
+          </a:p>
+        </p:txBody>
+      </p:sp>
     </p:spTree>
     <p:extLst>
       <p:ext uri="{BB962C8B-B14F-4D97-AF65-F5344CB8AC3E}">
@@ -13921,4 +14977,319 @@
   </a:objectDefaults>
   <a:extraClrSchemeLst/>
 </a:theme>
+</file>
+
+<file path=ppt/theme/theme2.xml><?xml version="1.0" encoding="utf-8"?>
+<a:theme xmlns:a="http://schemas.openxmlformats.org/drawingml/2006/main" name="Тема Office">
+  <a:themeElements>
+    <a:clrScheme name="Стандартная">
+      <a:dk1>
+        <a:sysClr val="windowText" lastClr="000000"/>
+      </a:dk1>
+      <a:lt1>
+        <a:sysClr val="window" lastClr="FFFFFF"/>
+      </a:lt1>
+      <a:dk2>
+        <a:srgbClr val="0E2841"/>
+      </a:dk2>
+      <a:lt2>
+        <a:srgbClr val="E8E8E8"/>
+      </a:lt2>
+      <a:accent1>
+        <a:srgbClr val="156082"/>
+      </a:accent1>
+      <a:accent2>
+        <a:srgbClr val="E97132"/>
+      </a:accent2>
+      <a:accent3>
+        <a:srgbClr val="196B24"/>
+      </a:accent3>
+      <a:accent4>
+        <a:srgbClr val="0F9ED5"/>
+      </a:accent4>
+      <a:accent5>
+        <a:srgbClr val="A02B93"/>
+      </a:accent5>
+      <a:accent6>
+        <a:srgbClr val="4EA72E"/>
+      </a:accent6>
+      <a:hlink>
+        <a:srgbClr val="467886"/>
+      </a:hlink>
+      <a:folHlink>
+        <a:srgbClr val="96607D"/>
+      </a:folHlink>
+    </a:clrScheme>
+    <a:fontScheme name="Стандартная">
+      <a:majorFont>
+        <a:latin typeface="Aptos Display" panose="02110004020202020204"/>
+        <a:ea typeface=""/>
+        <a:cs typeface=""/>
+        <a:font script="Jpan" typeface="游ゴシック Light"/>
+        <a:font script="Hang" typeface="맑은 고딕"/>
+        <a:font script="Hans" typeface="等线 Light"/>
+        <a:font script="Hant" typeface="新細明體"/>
+        <a:font script="Arab" typeface="Times New Roman"/>
+        <a:font script="Hebr" typeface="Times New Roman"/>
+        <a:font script="Thai" typeface="Angsana New"/>
+        <a:font script="Ethi" typeface="Nyala"/>
+        <a:font script="Beng" typeface="Vrinda"/>
+        <a:font script="Gujr" typeface="Shruti"/>
+        <a:font script="Khmr" typeface="MoolBoran"/>
+        <a:font script="Knda" typeface="Tunga"/>
+        <a:font script="Guru" typeface="Raavi"/>
+        <a:font script="Cans" typeface="Euphemia"/>
+        <a:font script="Cher" typeface="Plantagenet Cherokee"/>
+        <a:font script="Yiii" typeface="Microsoft Yi Baiti"/>
+        <a:font script="Tibt" typeface="Microsoft Himalaya"/>
+        <a:font script="Thaa" typeface="MV Boli"/>
+        <a:font script="Deva" typeface="Mangal"/>
+        <a:font script="Telu" typeface="Gautami"/>
+        <a:font script="Taml" typeface="Latha"/>
+        <a:font script="Syrc" typeface="Estrangelo Edessa"/>
+        <a:font script="Orya" typeface="Kalinga"/>
+        <a:font script="Mlym" typeface="Kartika"/>
+        <a:font script="Laoo" typeface="DokChampa"/>
+        <a:font script="Sinh" typeface="Iskoola Pota"/>
+        <a:font script="Mong" typeface="Mongolian Baiti"/>
+        <a:font script="Viet" typeface="Times New Roman"/>
+        <a:font script="Uigh" typeface="Microsoft Uighur"/>
+        <a:font script="Geor" typeface="Sylfaen"/>
+        <a:font script="Armn" typeface="Arial"/>
+        <a:font script="Bugi" typeface="Leelawadee UI"/>
+        <a:font script="Bopo" typeface="Microsoft JhengHei"/>
+        <a:font script="Java" typeface="Javanese Text"/>
+        <a:font script="Lisu" typeface="Segoe UI"/>
+        <a:font script="Mymr" typeface="Myanmar Text"/>
+        <a:font script="Nkoo" typeface="Ebrima"/>
+        <a:font script="Olck" typeface="Nirmala UI"/>
+        <a:font script="Osma" typeface="Ebrima"/>
+        <a:font script="Phag" typeface="Phagspa"/>
+        <a:font script="Syrn" typeface="Estrangelo Edessa"/>
+        <a:font script="Syrj" typeface="Estrangelo Edessa"/>
+        <a:font script="Syre" typeface="Estrangelo Edessa"/>
+        <a:font script="Sora" typeface="Nirmala UI"/>
+        <a:font script="Tale" typeface="Microsoft Tai Le"/>
+        <a:font script="Talu" typeface="Microsoft New Tai Lue"/>
+        <a:font script="Tfng" typeface="Ebrima"/>
+      </a:majorFont>
+      <a:minorFont>
+        <a:latin typeface="Aptos" panose="02110004020202020204"/>
+        <a:ea typeface=""/>
+        <a:cs typeface=""/>
+        <a:font script="Jpan" typeface="游ゴシック"/>
+        <a:font script="Hang" typeface="맑은 고딕"/>
+        <a:font script="Hans" typeface="等线"/>
+        <a:font script="Hant" typeface="新細明體"/>
+        <a:font script="Arab" typeface="Arial"/>
+        <a:font script="Hebr" typeface="Arial"/>
+        <a:font script="Thai" typeface="Cordia New"/>
+        <a:font script="Ethi" typeface="Nyala"/>
+        <a:font script="Beng" typeface="Vrinda"/>
+        <a:font script="Gujr" typeface="Shruti"/>
+        <a:font script="Khmr" typeface="DaunPenh"/>
+        <a:font script="Knda" typeface="Tunga"/>
+        <a:font script="Guru" typeface="Raavi"/>
+        <a:font script="Cans" typeface="Euphemia"/>
+        <a:font script="Cher" typeface="Plantagenet Cherokee"/>
+        <a:font script="Yiii" typeface="Microsoft Yi Baiti"/>
+        <a:font script="Tibt" typeface="Microsoft Himalaya"/>
+        <a:font script="Thaa" typeface="MV Boli"/>
+        <a:font script="Deva" typeface="Mangal"/>
+        <a:font script="Telu" typeface="Gautami"/>
+        <a:font script="Taml" typeface="Latha"/>
+        <a:font script="Syrc" typeface="Estrangelo Edessa"/>
+        <a:font script="Orya" typeface="Kalinga"/>
+        <a:font script="Mlym" typeface="Kartika"/>
+        <a:font script="Laoo" typeface="DokChampa"/>
+        <a:font script="Sinh" typeface="Iskoola Pota"/>
+        <a:font script="Mong" typeface="Mongolian Baiti"/>
+        <a:font script="Viet" typeface="Arial"/>
+        <a:font script="Uigh" typeface="Microsoft Uighur"/>
+        <a:font script="Geor" typeface="Sylfaen"/>
+        <a:font script="Armn" typeface="Arial"/>
+        <a:font script="Bugi" typeface="Leelawadee UI"/>
+        <a:font script="Bopo" typeface="Microsoft JhengHei"/>
+        <a:font script="Java" typeface="Javanese Text"/>
+        <a:font script="Lisu" typeface="Segoe UI"/>
+        <a:font script="Mymr" typeface="Myanmar Text"/>
+        <a:font script="Nkoo" typeface="Ebrima"/>
+        <a:font script="Olck" typeface="Nirmala UI"/>
+        <a:font script="Osma" typeface="Ebrima"/>
+        <a:font script="Phag" typeface="Phagspa"/>
+        <a:font script="Syrn" typeface="Estrangelo Edessa"/>
+        <a:font script="Syrj" typeface="Estrangelo Edessa"/>
+        <a:font script="Syre" typeface="Estrangelo Edessa"/>
+        <a:font script="Sora" typeface="Nirmala UI"/>
+        <a:font script="Tale" typeface="Microsoft Tai Le"/>
+        <a:font script="Talu" typeface="Microsoft New Tai Lue"/>
+        <a:font script="Tfng" typeface="Ebrima"/>
+      </a:minorFont>
+    </a:fontScheme>
+    <a:fmtScheme name="Стандартная">
+      <a:fillStyleLst>
+        <a:solidFill>
+          <a:schemeClr val="phClr"/>
+        </a:solidFill>
+        <a:gradFill rotWithShape="1">
+          <a:gsLst>
+            <a:gs pos="0">
+              <a:schemeClr val="phClr">
+                <a:lumMod val="110000"/>
+                <a:satMod val="105000"/>
+                <a:tint val="67000"/>
+              </a:schemeClr>
+            </a:gs>
+            <a:gs pos="50000">
+              <a:schemeClr val="phClr">
+                <a:lumMod val="105000"/>
+                <a:satMod val="103000"/>
+                <a:tint val="73000"/>
+              </a:schemeClr>
+            </a:gs>
+            <a:gs pos="100000">
+              <a:schemeClr val="phClr">
+                <a:lumMod val="105000"/>
+                <a:satMod val="109000"/>
+                <a:tint val="81000"/>
+              </a:schemeClr>
+            </a:gs>
+          </a:gsLst>
+          <a:lin ang="5400000" scaled="0"/>
+        </a:gradFill>
+        <a:gradFill rotWithShape="1">
+          <a:gsLst>
+            <a:gs pos="0">
+              <a:schemeClr val="phClr">
+                <a:satMod val="103000"/>
+                <a:lumMod val="102000"/>
+                <a:tint val="94000"/>
+              </a:schemeClr>
+            </a:gs>
+            <a:gs pos="50000">
+              <a:schemeClr val="phClr">
+                <a:satMod val="110000"/>
+                <a:lumMod val="100000"/>
+                <a:shade val="100000"/>
+              </a:schemeClr>
+            </a:gs>
+            <a:gs pos="100000">
+              <a:schemeClr val="phClr">
+                <a:lumMod val="99000"/>
+                <a:satMod val="120000"/>
+                <a:shade val="78000"/>
+              </a:schemeClr>
+            </a:gs>
+          </a:gsLst>
+          <a:lin ang="5400000" scaled="0"/>
+        </a:gradFill>
+      </a:fillStyleLst>
+      <a:lnStyleLst>
+        <a:ln w="12700" cap="flat" cmpd="sng" algn="ctr">
+          <a:solidFill>
+            <a:schemeClr val="phClr"/>
+          </a:solidFill>
+          <a:prstDash val="solid"/>
+          <a:miter lim="800000"/>
+        </a:ln>
+        <a:ln w="19050" cap="flat" cmpd="sng" algn="ctr">
+          <a:solidFill>
+            <a:schemeClr val="phClr"/>
+          </a:solidFill>
+          <a:prstDash val="solid"/>
+          <a:miter lim="800000"/>
+        </a:ln>
+        <a:ln w="25400" cap="flat" cmpd="sng" algn="ctr">
+          <a:solidFill>
+            <a:schemeClr val="phClr"/>
+          </a:solidFill>
+          <a:prstDash val="solid"/>
+          <a:miter lim="800000"/>
+        </a:ln>
+      </a:lnStyleLst>
+      <a:effectStyleLst>
+        <a:effectStyle>
+          <a:effectLst/>
+        </a:effectStyle>
+        <a:effectStyle>
+          <a:effectLst/>
+        </a:effectStyle>
+        <a:effectStyle>
+          <a:effectLst>
+            <a:outerShdw blurRad="57150" dist="19050" dir="5400000" algn="ctr" rotWithShape="0">
+              <a:srgbClr val="000000">
+                <a:alpha val="63000"/>
+              </a:srgbClr>
+            </a:outerShdw>
+          </a:effectLst>
+        </a:effectStyle>
+      </a:effectStyleLst>
+      <a:bgFillStyleLst>
+        <a:solidFill>
+          <a:schemeClr val="phClr"/>
+        </a:solidFill>
+        <a:solidFill>
+          <a:schemeClr val="phClr">
+            <a:tint val="95000"/>
+            <a:satMod val="170000"/>
+          </a:schemeClr>
+        </a:solidFill>
+        <a:gradFill rotWithShape="1">
+          <a:gsLst>
+            <a:gs pos="0">
+              <a:schemeClr val="phClr">
+                <a:tint val="93000"/>
+                <a:satMod val="150000"/>
+                <a:shade val="98000"/>
+                <a:lumMod val="102000"/>
+              </a:schemeClr>
+            </a:gs>
+            <a:gs pos="50000">
+              <a:schemeClr val="phClr">
+                <a:tint val="98000"/>
+                <a:satMod val="130000"/>
+                <a:shade val="90000"/>
+                <a:lumMod val="103000"/>
+              </a:schemeClr>
+            </a:gs>
+            <a:gs pos="100000">
+              <a:schemeClr val="phClr">
+                <a:shade val="63000"/>
+                <a:satMod val="120000"/>
+              </a:schemeClr>
+            </a:gs>
+          </a:gsLst>
+          <a:lin ang="5400000" scaled="0"/>
+        </a:gradFill>
+      </a:bgFillStyleLst>
+    </a:fmtScheme>
+  </a:themeElements>
+  <a:objectDefaults>
+    <a:lnDef>
+      <a:spPr/>
+      <a:bodyPr/>
+      <a:lstStyle/>
+      <a:style>
+        <a:lnRef idx="2">
+          <a:schemeClr val="accent1"/>
+        </a:lnRef>
+        <a:fillRef idx="0">
+          <a:schemeClr val="accent1"/>
+        </a:fillRef>
+        <a:effectRef idx="1">
+          <a:schemeClr val="accent1"/>
+        </a:effectRef>
+        <a:fontRef idx="minor">
+          <a:schemeClr val="tx1"/>
+        </a:fontRef>
+      </a:style>
+    </a:lnDef>
+  </a:objectDefaults>
+  <a:extraClrSchemeLst/>
+  <a:extLst>
+    <a:ext uri="{05A4C25C-085E-4340-85A3-A5531E510DB2}">
+      <thm15:themeFamily xmlns:thm15="http://schemas.microsoft.com/office/thememl/2012/main" name="Office Theme" id="{2E142A2C-CD16-42D6-873A-C26D2A0506FA}" vid="{1BDDFF52-6CD6-40A5-AB3C-68EB2F1E4D0A}"/>
+    </a:ext>
+  </a:extLst>
+</a:theme>
 </file>
--- a/презентации/мобильная платформа.pptx
+++ b/презентации/мобильная платформа.pptx
@@ -917,8 +917,12 @@
         </a:p>
         <a:p>
           <a:r>
+            <a:rPr lang="ru-RU" dirty="0"/>
+            <a:t>3</a:t>
+          </a:r>
+          <a:r>
             <a:rPr lang="en-US" dirty="0"/>
-            <a:t>2 </a:t>
+            <a:t> </a:t>
           </a:r>
           <a:r>
             <a:rPr lang="en-US" dirty="0" err="1"/>
@@ -1545,8 +1549,12 @@
             <a:buNone/>
           </a:pPr>
           <a:r>
+            <a:rPr lang="ru-RU" sz="2000" kern="1200" dirty="0"/>
+            <a:t>3</a:t>
+          </a:r>
+          <a:r>
             <a:rPr lang="en-US" sz="2000" kern="1200" dirty="0"/>
-            <a:t>2 </a:t>
+            <a:t> </a:t>
           </a:r>
           <a:r>
             <a:rPr lang="en-US" sz="2000" kern="1200" dirty="0" err="1"/>
@@ -7774,8 +7782,8 @@
         </p:blipFill>
         <p:spPr bwMode="auto">
           <a:xfrm>
-            <a:off x="288110" y="1575955"/>
-            <a:ext cx="8784418" cy="5203387"/>
+            <a:off x="537260" y="1577278"/>
+            <a:ext cx="8069480" cy="4779899"/>
           </a:xfrm>
           <a:prstGeom prst="rect">
             <a:avLst/>
@@ -7820,6 +7828,46 @@
                 <a:schemeClr val="tx1"/>
               </a:solidFill>
             </a:endParaRPr>
+          </a:p>
+        </p:txBody>
+      </p:sp>
+      <p:sp>
+        <p:nvSpPr>
+          <p:cNvPr id="3" name="TextBox 2">
+            <a:extLst>
+              <a:ext uri="{FF2B5EF4-FFF2-40B4-BE49-F238E27FC236}">
+                <a16:creationId xmlns:a16="http://schemas.microsoft.com/office/drawing/2014/main" id="{D7309160-7DD3-5F35-F7EE-054E21387591}"/>
+              </a:ext>
+            </a:extLst>
+          </p:cNvPr>
+          <p:cNvSpPr txBox="1"/>
+          <p:nvPr/>
+        </p:nvSpPr>
+        <p:spPr>
+          <a:xfrm>
+            <a:off x="2869075" y="6439984"/>
+            <a:ext cx="5879689" cy="400110"/>
+          </a:xfrm>
+          <a:prstGeom prst="rect">
+            <a:avLst/>
+          </a:prstGeom>
+          <a:noFill/>
+        </p:spPr>
+        <p:txBody>
+          <a:bodyPr wrap="square" rtlCol="0">
+            <a:spAutoFit/>
+          </a:bodyPr>
+          <a:lstStyle/>
+          <a:p>
+            <a:r>
+              <a:rPr lang="ru-RU" sz="2000" kern="0" dirty="0">
+                <a:effectLst/>
+                <a:latin typeface="Times New Roman" panose="02020603050405020304" pitchFamily="18" charset="0"/>
+                <a:ea typeface="Times New Roman" panose="02020603050405020304" pitchFamily="18" charset="0"/>
+              </a:rPr>
+              <a:t>Блок схема алгоритма работы робота</a:t>
+            </a:r>
+            <a:endParaRPr lang="ru-RU" sz="2000" dirty="0"/>
           </a:p>
         </p:txBody>
       </p:sp>
@@ -8839,12 +8887,49 @@
           </a:p>
         </p:txBody>
       </p:sp>
+      <p:sp>
+        <p:nvSpPr>
+          <p:cNvPr id="5" name="Номер слайда 4">
+            <a:extLst>
+              <a:ext uri="{FF2B5EF4-FFF2-40B4-BE49-F238E27FC236}">
+                <a16:creationId xmlns:a16="http://schemas.microsoft.com/office/drawing/2014/main" id="{8B5DA505-3D08-1D94-91C2-AC12EA6BC714}"/>
+              </a:ext>
+            </a:extLst>
+          </p:cNvPr>
+          <p:cNvSpPr>
+            <a:spLocks noGrp="1"/>
+          </p:cNvSpPr>
+          <p:nvPr>
+            <p:ph type="sldNum" sz="quarter" idx="12"/>
+          </p:nvPr>
+        </p:nvSpPr>
+        <p:spPr/>
+        <p:txBody>
+          <a:bodyPr/>
+          <a:lstStyle/>
+          <a:p>
+            <a:fld id="{C1FF6DA9-008F-8B48-92A6-B652298478BF}" type="slidenum">
+              <a:rPr lang="en-US" sz="1400" b="1" smtClean="0">
+                <a:solidFill>
+                  <a:schemeClr val="tx1"/>
+                </a:solidFill>
+              </a:rPr>
+              <a:t>12</a:t>
+            </a:fld>
+            <a:endParaRPr lang="en-US" b="1" dirty="0">
+              <a:solidFill>
+                <a:schemeClr val="tx1"/>
+              </a:solidFill>
+            </a:endParaRPr>
+          </a:p>
+        </p:txBody>
+      </p:sp>
       <p:pic>
         <p:nvPicPr>
-          <p:cNvPr id="3" name="Объект 2">
+          <p:cNvPr id="12" name="Объект 11">
             <a:extLst>
               <a:ext uri="{FF2B5EF4-FFF2-40B4-BE49-F238E27FC236}">
-                <a16:creationId xmlns:a16="http://schemas.microsoft.com/office/drawing/2014/main" id="{B3637A5B-84FB-2E60-856C-818D6E3952A2}"/>
+                <a16:creationId xmlns:a16="http://schemas.microsoft.com/office/drawing/2014/main" id="{402B8B6A-6CD2-6998-237C-0520B464F1C1}"/>
               </a:ext>
             </a:extLst>
           </p:cNvPr>
@@ -8863,48 +8948,64 @@
         </p:blipFill>
         <p:spPr>
           <a:xfrm>
-            <a:off x="1524000" y="1576445"/>
-            <a:ext cx="6990735" cy="5243051"/>
+            <a:off x="1465007" y="1576445"/>
+            <a:ext cx="6765090" cy="4954561"/>
+          </a:xfrm>
+        </p:spPr>
+      </p:pic>
+      <p:sp>
+        <p:nvSpPr>
+          <p:cNvPr id="13" name="TextBox 12">
+            <a:extLst>
+              <a:ext uri="{FF2B5EF4-FFF2-40B4-BE49-F238E27FC236}">
+                <a16:creationId xmlns:a16="http://schemas.microsoft.com/office/drawing/2014/main" id="{5EA54AD7-36EC-73E8-D94D-8A617C81260C}"/>
+              </a:ext>
+            </a:extLst>
+          </p:cNvPr>
+          <p:cNvSpPr txBox="1"/>
+          <p:nvPr/>
+        </p:nvSpPr>
+        <p:spPr>
+          <a:xfrm>
+            <a:off x="2869075" y="6450304"/>
+            <a:ext cx="5080917" cy="400110"/>
           </a:xfrm>
           <a:prstGeom prst="rect">
             <a:avLst/>
           </a:prstGeom>
+          <a:noFill/>
         </p:spPr>
-      </p:pic>
-      <p:sp>
-        <p:nvSpPr>
-          <p:cNvPr id="5" name="Номер слайда 4">
-            <a:extLst>
-              <a:ext uri="{FF2B5EF4-FFF2-40B4-BE49-F238E27FC236}">
-                <a16:creationId xmlns:a16="http://schemas.microsoft.com/office/drawing/2014/main" id="{8B5DA505-3D08-1D94-91C2-AC12EA6BC714}"/>
-              </a:ext>
-            </a:extLst>
-          </p:cNvPr>
-          <p:cNvSpPr>
-            <a:spLocks noGrp="1"/>
-          </p:cNvSpPr>
-          <p:nvPr>
-            <p:ph type="sldNum" sz="quarter" idx="12"/>
-          </p:nvPr>
-        </p:nvSpPr>
-        <p:spPr/>
-        <p:txBody>
-          <a:bodyPr/>
+        <p:txBody>
+          <a:bodyPr wrap="square" rtlCol="0">
+            <a:spAutoFit/>
+          </a:bodyPr>
           <a:lstStyle/>
           <a:p>
-            <a:fld id="{C1FF6DA9-008F-8B48-92A6-B652298478BF}" type="slidenum">
-              <a:rPr lang="en-US" sz="1400" b="1" smtClean="0">
-                <a:solidFill>
-                  <a:schemeClr val="tx1"/>
-                </a:solidFill>
+            <a:r>
+              <a:rPr lang="ru-RU" sz="1800" kern="0" dirty="0">
+                <a:effectLst/>
+                <a:latin typeface="Times New Roman" panose="02020603050405020304" pitchFamily="18" charset="0"/>
+                <a:ea typeface="Times New Roman" panose="02020603050405020304" pitchFamily="18" charset="0"/>
               </a:rPr>
-              <a:t>12</a:t>
-            </a:fld>
-            <a:endParaRPr lang="en-US" b="1" dirty="0">
-              <a:solidFill>
-                <a:schemeClr val="tx1"/>
-              </a:solidFill>
-            </a:endParaRPr>
+              <a:t>Мобильная </a:t>
+            </a:r>
+            <a:r>
+              <a:rPr lang="ru-RU" sz="2000" kern="0" dirty="0">
+                <a:effectLst/>
+                <a:latin typeface="Times New Roman" panose="02020603050405020304" pitchFamily="18" charset="0"/>
+                <a:ea typeface="Times New Roman" panose="02020603050405020304" pitchFamily="18" charset="0"/>
+              </a:rPr>
+              <a:t>платформа</a:t>
+            </a:r>
+            <a:r>
+              <a:rPr lang="ru-RU" sz="1800" kern="0" dirty="0">
+                <a:effectLst/>
+                <a:latin typeface="Times New Roman" panose="02020603050405020304" pitchFamily="18" charset="0"/>
+                <a:ea typeface="Times New Roman" panose="02020603050405020304" pitchFamily="18" charset="0"/>
+              </a:rPr>
+              <a:t> с манипулятором</a:t>
+            </a:r>
+            <a:endParaRPr lang="ru-RU" dirty="0"/>
           </a:p>
         </p:txBody>
       </p:sp>
@@ -10742,7 +10843,7 @@
             <p:ph idx="1"/>
             <p:extLst>
               <p:ext uri="{D42A27DB-BD31-4B8C-83A1-F6EECF244321}">
-                <p14:modId xmlns:p14="http://schemas.microsoft.com/office/powerpoint/2010/main" val="2951150972"/>
+                <p14:modId xmlns:p14="http://schemas.microsoft.com/office/powerpoint/2010/main" val="2301796672"/>
               </p:ext>
             </p:extLst>
           </p:nvPr>
@@ -14497,13 +14598,12 @@
               <a:t> и </a:t>
             </a:r>
             <a:r>
-              <a:rPr lang="en-US" sz="3200" b="1" dirty="0" err="1">
+              <a:rPr lang="ru-RU" sz="3200" b="1" dirty="0">
                 <a:solidFill>
                   <a:srgbClr val="FFFFFF"/>
                 </a:solidFill>
-                <a:effectLst/>
               </a:rPr>
-              <a:t>возможный</a:t>
+              <a:t>методика</a:t>
             </a:r>
             <a:r>
               <a:rPr lang="en-US" sz="3200" b="1" dirty="0">
@@ -14521,25 +14621,16 @@
                 </a:solidFill>
                 <a:effectLst/>
               </a:rPr>
-              <a:t>подход</a:t>
-            </a:r>
-            <a:r>
-              <a:rPr lang="en-US" sz="3200" b="1" dirty="0">
+              <a:t>обучени</a:t>
+            </a:r>
+            <a:r>
+              <a:rPr lang="ru-RU" sz="3200" b="1" dirty="0">
                 <a:solidFill>
                   <a:srgbClr val="FFFFFF"/>
                 </a:solidFill>
                 <a:effectLst/>
               </a:rPr>
-              <a:t> к </a:t>
-            </a:r>
-            <a:r>
-              <a:rPr lang="en-US" sz="3200" b="1" dirty="0" err="1">
-                <a:solidFill>
-                  <a:srgbClr val="FFFFFF"/>
-                </a:solidFill>
-                <a:effectLst/>
-              </a:rPr>
-              <a:t>обучению</a:t>
+              <a:t>я</a:t>
             </a:r>
             <a:endParaRPr lang="en-US" sz="3200" b="1" dirty="0">
               <a:solidFill>
@@ -14571,8 +14662,8 @@
         </p:blipFill>
         <p:spPr>
           <a:xfrm>
-            <a:off x="1297856" y="1575956"/>
-            <a:ext cx="6745279" cy="3945986"/>
+            <a:off x="2003584" y="1568826"/>
+            <a:ext cx="6120407" cy="3580437"/>
           </a:xfrm>
           <a:prstGeom prst="rect">
             <a:avLst/>
@@ -14601,7 +14692,7 @@
         </p:blipFill>
         <p:spPr>
           <a:xfrm>
-            <a:off x="1602658" y="5378343"/>
+            <a:off x="186813" y="5404573"/>
             <a:ext cx="6745279" cy="1382782"/>
           </a:xfrm>
           <a:prstGeom prst="rect">
@@ -14643,6 +14734,79 @@
                 <a:schemeClr val="tx1"/>
               </a:solidFill>
             </a:endParaRPr>
+          </a:p>
+        </p:txBody>
+      </p:sp>
+      <p:sp>
+        <p:nvSpPr>
+          <p:cNvPr id="5" name="TextBox 4">
+            <a:extLst>
+              <a:ext uri="{FF2B5EF4-FFF2-40B4-BE49-F238E27FC236}">
+                <a16:creationId xmlns:a16="http://schemas.microsoft.com/office/drawing/2014/main" id="{8F77D956-64BF-D63F-EEA4-68A97975022D}"/>
+              </a:ext>
+            </a:extLst>
+          </p:cNvPr>
+          <p:cNvSpPr txBox="1"/>
+          <p:nvPr/>
+        </p:nvSpPr>
+        <p:spPr>
+          <a:xfrm>
+            <a:off x="3907347" y="4964597"/>
+            <a:ext cx="2645853" cy="369332"/>
+          </a:xfrm>
+          <a:prstGeom prst="rect">
+            <a:avLst/>
+          </a:prstGeom>
+          <a:noFill/>
+        </p:spPr>
+        <p:txBody>
+          <a:bodyPr wrap="none" rtlCol="0">
+            <a:spAutoFit/>
+          </a:bodyPr>
+          <a:lstStyle/>
+          <a:p>
+            <a:r>
+              <a:rPr lang="ru-RU" dirty="0"/>
+              <a:t>Демонстрационное поле</a:t>
+            </a:r>
+          </a:p>
+        </p:txBody>
+      </p:sp>
+      <p:sp>
+        <p:nvSpPr>
+          <p:cNvPr id="7" name="TextBox 6">
+            <a:extLst>
+              <a:ext uri="{FF2B5EF4-FFF2-40B4-BE49-F238E27FC236}">
+                <a16:creationId xmlns:a16="http://schemas.microsoft.com/office/drawing/2014/main" id="{AB7F4025-F90C-6B3E-3042-393EEFC19F5B}"/>
+              </a:ext>
+            </a:extLst>
+          </p:cNvPr>
+          <p:cNvSpPr txBox="1"/>
+          <p:nvPr/>
+        </p:nvSpPr>
+        <p:spPr>
+          <a:xfrm>
+            <a:off x="6853084" y="5467176"/>
+            <a:ext cx="2232275" cy="1292662"/>
+          </a:xfrm>
+          <a:prstGeom prst="rect">
+            <a:avLst/>
+          </a:prstGeom>
+          <a:noFill/>
+        </p:spPr>
+        <p:txBody>
+          <a:bodyPr wrap="square" rtlCol="0">
+            <a:spAutoFit/>
+          </a:bodyPr>
+          <a:lstStyle/>
+          <a:p>
+            <a:r>
+              <a:rPr lang="ru-RU" sz="2000" dirty="0"/>
+              <a:t>Структура методики обучение</a:t>
+            </a:r>
+          </a:p>
+          <a:p>
+            <a:endParaRPr lang="ru-RU" dirty="0"/>
           </a:p>
         </p:txBody>
       </p:sp>

--- a/презентации/мобильная платформа.pptx
+++ b/презентации/мобильная платформа.pptx
@@ -5,21 +5,22 @@
     <p:sldMasterId id="2147483648" r:id="rId1"/>
   </p:sldMasterIdLst>
   <p:notesMasterIdLst>
-    <p:notesMasterId r:id="rId14"/>
+    <p:notesMasterId r:id="rId15"/>
   </p:notesMasterIdLst>
   <p:sldIdLst>
     <p:sldId id="256" r:id="rId2"/>
-    <p:sldId id="258" r:id="rId3"/>
+    <p:sldId id="277" r:id="rId3"/>
     <p:sldId id="257" r:id="rId4"/>
-    <p:sldId id="259" r:id="rId5"/>
-    <p:sldId id="265" r:id="rId6"/>
-    <p:sldId id="264" r:id="rId7"/>
-    <p:sldId id="275" r:id="rId8"/>
-    <p:sldId id="266" r:id="rId9"/>
-    <p:sldId id="267" r:id="rId10"/>
-    <p:sldId id="269" r:id="rId11"/>
-    <p:sldId id="273" r:id="rId12"/>
-    <p:sldId id="274" r:id="rId13"/>
+    <p:sldId id="258" r:id="rId5"/>
+    <p:sldId id="259" r:id="rId6"/>
+    <p:sldId id="265" r:id="rId7"/>
+    <p:sldId id="264" r:id="rId8"/>
+    <p:sldId id="275" r:id="rId9"/>
+    <p:sldId id="266" r:id="rId10"/>
+    <p:sldId id="267" r:id="rId11"/>
+    <p:sldId id="269" r:id="rId12"/>
+    <p:sldId id="273" r:id="rId13"/>
+    <p:sldId id="274" r:id="rId14"/>
   </p:sldIdLst>
   <p:sldSz cx="9144000" cy="6858000" type="screen4x3"/>
   <p:notesSz cx="6858000" cy="9144000"/>
@@ -3472,7 +3473,7 @@
           <a:p>
             <a:fld id="{5E8C7F5D-C1EC-42DC-8C88-ED95F9B54956}" type="datetimeFigureOut">
               <a:rPr lang="ru-RU" smtClean="0"/>
-              <a:t>12.03.2025</a:t>
+              <a:t>14.03.2025</a:t>
             </a:fld>
             <a:endParaRPr lang="ru-RU"/>
           </a:p>
@@ -3918,7 +3919,7 @@
           <a:p>
             <a:fld id="{56ED42E5-497E-4B13-892A-B07E48017FD4}" type="datetime1">
               <a:rPr lang="en-US" smtClean="0"/>
-              <a:t>3/12/2025</a:t>
+              <a:t>3/14/2025</a:t>
             </a:fld>
             <a:endParaRPr lang="en-US"/>
           </a:p>
@@ -4086,7 +4087,7 @@
           <a:p>
             <a:fld id="{CFF2026A-7B3F-4B1F-914D-1E8356FB8E9F}" type="datetime1">
               <a:rPr lang="en-US" smtClean="0"/>
-              <a:t>3/12/2025</a:t>
+              <a:t>3/14/2025</a:t>
             </a:fld>
             <a:endParaRPr lang="en-US"/>
           </a:p>
@@ -4264,7 +4265,7 @@
           <a:p>
             <a:fld id="{7AE14161-7636-4F8D-87D3-6A03DADF8E41}" type="datetime1">
               <a:rPr lang="en-US" smtClean="0"/>
-              <a:t>3/12/2025</a:t>
+              <a:t>3/14/2025</a:t>
             </a:fld>
             <a:endParaRPr lang="en-US"/>
           </a:p>
@@ -4432,7 +4433,7 @@
           <a:p>
             <a:fld id="{4C71FABA-3A12-4D4A-990E-C57EB7D661BA}" type="datetime1">
               <a:rPr lang="en-US" smtClean="0"/>
-              <a:t>3/12/2025</a:t>
+              <a:t>3/14/2025</a:t>
             </a:fld>
             <a:endParaRPr lang="en-US"/>
           </a:p>
@@ -4677,7 +4678,7 @@
           <a:p>
             <a:fld id="{1EF30C67-C3B8-4999-A365-02ED13AB639D}" type="datetime1">
               <a:rPr lang="en-US" smtClean="0"/>
-              <a:t>3/12/2025</a:t>
+              <a:t>3/14/2025</a:t>
             </a:fld>
             <a:endParaRPr lang="en-US"/>
           </a:p>
@@ -4962,7 +4963,7 @@
           <a:p>
             <a:fld id="{0AB4746E-7A0F-4157-B263-8310D342CDD2}" type="datetime1">
               <a:rPr lang="en-US" smtClean="0"/>
-              <a:t>3/12/2025</a:t>
+              <a:t>3/14/2025</a:t>
             </a:fld>
             <a:endParaRPr lang="en-US"/>
           </a:p>
@@ -5381,7 +5382,7 @@
           <a:p>
             <a:fld id="{CA6E2E77-1798-4E72-92DE-51B41968D635}" type="datetime1">
               <a:rPr lang="en-US" smtClean="0"/>
-              <a:t>3/12/2025</a:t>
+              <a:t>3/14/2025</a:t>
             </a:fld>
             <a:endParaRPr lang="en-US"/>
           </a:p>
@@ -5498,7 +5499,7 @@
           <a:p>
             <a:fld id="{55DDDA39-2B7A-44DA-A579-8FEC7A474B91}" type="datetime1">
               <a:rPr lang="en-US" smtClean="0"/>
-              <a:t>3/12/2025</a:t>
+              <a:t>3/14/2025</a:t>
             </a:fld>
             <a:endParaRPr lang="en-US"/>
           </a:p>
@@ -5593,7 +5594,7 @@
           <a:p>
             <a:fld id="{F5D3C86C-5D3C-456B-9223-E718868EE874}" type="datetime1">
               <a:rPr lang="en-US" smtClean="0"/>
-              <a:t>3/12/2025</a:t>
+              <a:t>3/14/2025</a:t>
             </a:fld>
             <a:endParaRPr lang="en-US"/>
           </a:p>
@@ -5868,7 +5869,7 @@
           <a:p>
             <a:fld id="{CD8F0B18-AF05-4CE1-AC0E-FBBEEAB8057A}" type="datetime1">
               <a:rPr lang="en-US" smtClean="0"/>
-              <a:t>3/12/2025</a:t>
+              <a:t>3/14/2025</a:t>
             </a:fld>
             <a:endParaRPr lang="en-US"/>
           </a:p>
@@ -6120,7 +6121,7 @@
           <a:p>
             <a:fld id="{CE1C0286-1921-4A24-94D1-BFB494B4217F}" type="datetime1">
               <a:rPr lang="en-US" smtClean="0"/>
-              <a:t>3/12/2025</a:t>
+              <a:t>3/14/2025</a:t>
             </a:fld>
             <a:endParaRPr lang="en-US"/>
           </a:p>
@@ -6334,7 +6335,7 @@
           <a:p>
             <a:fld id="{FF7CA5E8-8F2C-4469-BBCF-29BC4FAF5E5D}" type="datetime1">
               <a:rPr lang="en-US" smtClean="0"/>
-              <a:t>3/12/2025</a:t>
+              <a:t>3/14/2025</a:t>
             </a:fld>
             <a:endParaRPr lang="en-US"/>
           </a:p>
@@ -7383,13 +7384,7 @@
     </p:bg>
     <p:spTree>
       <p:nvGrpSpPr>
-        <p:cNvPr id="1" name="">
-          <a:extLst>
-            <a:ext uri="{FF2B5EF4-FFF2-40B4-BE49-F238E27FC236}">
-              <a16:creationId xmlns:a16="http://schemas.microsoft.com/office/drawing/2014/main" id="{9237131F-9EE8-6124-4214-3937CB5A2002}"/>
-            </a:ext>
-          </a:extLst>
-        </p:cNvPr>
+        <p:cNvPr id="1" name=""/>
         <p:cNvGrpSpPr/>
         <p:nvPr/>
       </p:nvGrpSpPr>
@@ -7406,7 +7401,7 @@
           <p:cNvPr id="37" name="Rectangle 36">
             <a:extLst>
               <a:ext uri="{FF2B5EF4-FFF2-40B4-BE49-F238E27FC236}">
-                <a16:creationId xmlns:a16="http://schemas.microsoft.com/office/drawing/2014/main" id="{BEAD4E2D-D12A-81E4-A4A1-AC223C96DEA1}"/>
+                <a16:creationId xmlns:a16="http://schemas.microsoft.com/office/drawing/2014/main" id="{9CB95732-565A-4D2C-A3AB-CC460C0D3826}"/>
               </a:ext>
               <a:ext uri="{C183D7F6-B498-43B3-948B-1728B52AA6E4}">
                 <adec:decorative xmlns:adec="http://schemas.microsoft.com/office/drawing/2017/decorative" val="1"/>
@@ -7482,7 +7477,7 @@
           <p:cNvPr id="39" name="Rectangle 38">
             <a:extLst>
               <a:ext uri="{FF2B5EF4-FFF2-40B4-BE49-F238E27FC236}">
-                <a16:creationId xmlns:a16="http://schemas.microsoft.com/office/drawing/2014/main" id="{FD8A00E1-5395-DA32-AB17-1CFDFED46053}"/>
+                <a16:creationId xmlns:a16="http://schemas.microsoft.com/office/drawing/2014/main" id="{E19B653C-798C-4333-8452-3DF3AE3C1D11}"/>
               </a:ext>
               <a:ext uri="{C183D7F6-B498-43B3-948B-1728B52AA6E4}">
                 <adec:decorative xmlns:adec="http://schemas.microsoft.com/office/drawing/2017/decorative" val="1"/>
@@ -7557,7 +7552,7 @@
           <p:cNvPr id="41" name="Rectangle 40">
             <a:extLst>
               <a:ext uri="{FF2B5EF4-FFF2-40B4-BE49-F238E27FC236}">
-                <a16:creationId xmlns:a16="http://schemas.microsoft.com/office/drawing/2014/main" id="{8E56B86A-2B7F-2A4F-2E1A-5BCBE4862B10}"/>
+                <a16:creationId xmlns:a16="http://schemas.microsoft.com/office/drawing/2014/main" id="{0FE50278-E2EC-42B2-A1F1-921DD39901C4}"/>
               </a:ext>
               <a:ext uri="{C183D7F6-B498-43B3-948B-1728B52AA6E4}">
                 <adec:decorative xmlns:adec="http://schemas.microsoft.com/office/drawing/2017/decorative" val="1"/>
@@ -7632,7 +7627,7 @@
           <p:cNvPr id="43" name="Rectangle 42">
             <a:extLst>
               <a:ext uri="{FF2B5EF4-FFF2-40B4-BE49-F238E27FC236}">
-                <a16:creationId xmlns:a16="http://schemas.microsoft.com/office/drawing/2014/main" id="{C70439B2-0ED3-74EF-FAAC-4E7B0D66DDF0}"/>
+                <a16:creationId xmlns:a16="http://schemas.microsoft.com/office/drawing/2014/main" id="{1236153F-0DB4-40DD-87C6-B40C1B7E282C}"/>
               </a:ext>
               <a:ext uri="{C183D7F6-B498-43B3-948B-1728B52AA6E4}">
                 <adec:decorative xmlns:adec="http://schemas.microsoft.com/office/drawing/2017/decorative" val="1"/>
@@ -7708,6 +7703,634 @@
           <p:cNvPr id="2" name="Заголовок 1">
             <a:extLst>
               <a:ext uri="{FF2B5EF4-FFF2-40B4-BE49-F238E27FC236}">
+                <a16:creationId xmlns:a16="http://schemas.microsoft.com/office/drawing/2014/main" id="{16433F03-0A03-0B8A-CFC6-03EF4B92B5A5}"/>
+              </a:ext>
+            </a:extLst>
+          </p:cNvPr>
+          <p:cNvSpPr>
+            <a:spLocks noGrp="1"/>
+          </p:cNvSpPr>
+          <p:nvPr>
+            <p:ph type="title"/>
+          </p:nvPr>
+        </p:nvSpPr>
+        <p:spPr>
+          <a:xfrm>
+            <a:off x="1818968" y="78657"/>
+            <a:ext cx="5840361" cy="1406013"/>
+          </a:xfrm>
+        </p:spPr>
+        <p:txBody>
+          <a:bodyPr vert="horz" lIns="91440" tIns="45720" rIns="91440" bIns="45720" rtlCol="0" anchor="ctr">
+            <a:noAutofit/>
+          </a:bodyPr>
+          <a:lstStyle/>
+          <a:p>
+            <a:pPr defTabSz="914400">
+              <a:lnSpc>
+                <a:spcPct val="90000"/>
+              </a:lnSpc>
+            </a:pPr>
+            <a:r>
+              <a:rPr lang="en-US" sz="3200" b="1" dirty="0" err="1">
+                <a:solidFill>
+                  <a:srgbClr val="FFFFFF"/>
+                </a:solidFill>
+                <a:effectLst/>
+              </a:rPr>
+              <a:t>Демонстрационная</a:t>
+            </a:r>
+            <a:r>
+              <a:rPr lang="en-US" sz="3200" b="1" dirty="0">
+                <a:solidFill>
+                  <a:srgbClr val="FFFFFF"/>
+                </a:solidFill>
+                <a:effectLst/>
+              </a:rPr>
+              <a:t> </a:t>
+            </a:r>
+            <a:r>
+              <a:rPr lang="en-US" sz="3200" b="1" dirty="0" err="1">
+                <a:solidFill>
+                  <a:srgbClr val="FFFFFF"/>
+                </a:solidFill>
+                <a:effectLst/>
+              </a:rPr>
+              <a:t>задача</a:t>
+            </a:r>
+            <a:r>
+              <a:rPr lang="en-US" sz="3200" b="1" dirty="0">
+                <a:solidFill>
+                  <a:srgbClr val="FFFFFF"/>
+                </a:solidFill>
+                <a:effectLst/>
+              </a:rPr>
+              <a:t> и </a:t>
+            </a:r>
+            <a:r>
+              <a:rPr lang="ru-RU" sz="3200" b="1" dirty="0">
+                <a:solidFill>
+                  <a:srgbClr val="FFFFFF"/>
+                </a:solidFill>
+              </a:rPr>
+              <a:t>методика</a:t>
+            </a:r>
+            <a:r>
+              <a:rPr lang="en-US" sz="3200" b="1" dirty="0">
+                <a:solidFill>
+                  <a:srgbClr val="FFFFFF"/>
+                </a:solidFill>
+                <a:effectLst/>
+              </a:rPr>
+              <a:t> </a:t>
+            </a:r>
+            <a:r>
+              <a:rPr lang="en-US" sz="3200" b="1" dirty="0" err="1">
+                <a:solidFill>
+                  <a:srgbClr val="FFFFFF"/>
+                </a:solidFill>
+                <a:effectLst/>
+              </a:rPr>
+              <a:t>обучени</a:t>
+            </a:r>
+            <a:r>
+              <a:rPr lang="ru-RU" sz="3200" b="1" dirty="0">
+                <a:solidFill>
+                  <a:srgbClr val="FFFFFF"/>
+                </a:solidFill>
+                <a:effectLst/>
+              </a:rPr>
+              <a:t>я</a:t>
+            </a:r>
+            <a:endParaRPr lang="en-US" sz="3200" b="1" dirty="0">
+              <a:solidFill>
+                <a:srgbClr val="FFFFFF"/>
+              </a:solidFill>
+            </a:endParaRPr>
+          </a:p>
+        </p:txBody>
+      </p:sp>
+      <p:pic>
+        <p:nvPicPr>
+          <p:cNvPr id="3" name="Рисунок 2">
+            <a:extLst>
+              <a:ext uri="{FF2B5EF4-FFF2-40B4-BE49-F238E27FC236}">
+                <a16:creationId xmlns:a16="http://schemas.microsoft.com/office/drawing/2014/main" id="{7EE3AFAF-876A-9FBE-39EE-4F900B38817E}"/>
+              </a:ext>
+            </a:extLst>
+          </p:cNvPr>
+          <p:cNvPicPr>
+            <a:picLocks noChangeAspect="1"/>
+          </p:cNvPicPr>
+          <p:nvPr/>
+        </p:nvPicPr>
+        <p:blipFill>
+          <a:blip r:embed="rId2"/>
+          <a:stretch>
+            <a:fillRect/>
+          </a:stretch>
+        </p:blipFill>
+        <p:spPr>
+          <a:xfrm>
+            <a:off x="2003584" y="1568826"/>
+            <a:ext cx="6120407" cy="3580437"/>
+          </a:xfrm>
+          <a:prstGeom prst="rect">
+            <a:avLst/>
+          </a:prstGeom>
+        </p:spPr>
+      </p:pic>
+      <p:pic>
+        <p:nvPicPr>
+          <p:cNvPr id="4" name="Рисунок 3">
+            <a:extLst>
+              <a:ext uri="{FF2B5EF4-FFF2-40B4-BE49-F238E27FC236}">
+                <a16:creationId xmlns:a16="http://schemas.microsoft.com/office/drawing/2014/main" id="{C0912B44-AFBF-432C-49D4-4F42CFC04F07}"/>
+              </a:ext>
+            </a:extLst>
+          </p:cNvPr>
+          <p:cNvPicPr>
+            <a:picLocks noChangeAspect="1"/>
+          </p:cNvPicPr>
+          <p:nvPr/>
+        </p:nvPicPr>
+        <p:blipFill>
+          <a:blip r:embed="rId3"/>
+          <a:stretch>
+            <a:fillRect/>
+          </a:stretch>
+        </p:blipFill>
+        <p:spPr>
+          <a:xfrm>
+            <a:off x="186813" y="5404573"/>
+            <a:ext cx="6745279" cy="1382782"/>
+          </a:xfrm>
+          <a:prstGeom prst="rect">
+            <a:avLst/>
+          </a:prstGeom>
+        </p:spPr>
+      </p:pic>
+      <p:sp>
+        <p:nvSpPr>
+          <p:cNvPr id="6" name="Номер слайда 5">
+            <a:extLst>
+              <a:ext uri="{FF2B5EF4-FFF2-40B4-BE49-F238E27FC236}">
+                <a16:creationId xmlns:a16="http://schemas.microsoft.com/office/drawing/2014/main" id="{0B054A4C-1E87-4D51-6471-7287192C2343}"/>
+              </a:ext>
+            </a:extLst>
+          </p:cNvPr>
+          <p:cNvSpPr>
+            <a:spLocks noGrp="1"/>
+          </p:cNvSpPr>
+          <p:nvPr>
+            <p:ph type="sldNum" sz="quarter" idx="12"/>
+          </p:nvPr>
+        </p:nvSpPr>
+        <p:spPr/>
+        <p:txBody>
+          <a:bodyPr/>
+          <a:lstStyle/>
+          <a:p>
+            <a:fld id="{C1FF6DA9-008F-8B48-92A6-B652298478BF}" type="slidenum">
+              <a:rPr lang="en-US" sz="1400" b="1" smtClean="0">
+                <a:solidFill>
+                  <a:schemeClr val="tx1"/>
+                </a:solidFill>
+              </a:rPr>
+              <a:t>10</a:t>
+            </a:fld>
+            <a:endParaRPr lang="en-US" sz="1400" b="1" dirty="0">
+              <a:solidFill>
+                <a:schemeClr val="tx1"/>
+              </a:solidFill>
+            </a:endParaRPr>
+          </a:p>
+        </p:txBody>
+      </p:sp>
+      <p:sp>
+        <p:nvSpPr>
+          <p:cNvPr id="5" name="TextBox 4">
+            <a:extLst>
+              <a:ext uri="{FF2B5EF4-FFF2-40B4-BE49-F238E27FC236}">
+                <a16:creationId xmlns:a16="http://schemas.microsoft.com/office/drawing/2014/main" id="{8F77D956-64BF-D63F-EEA4-68A97975022D}"/>
+              </a:ext>
+            </a:extLst>
+          </p:cNvPr>
+          <p:cNvSpPr txBox="1"/>
+          <p:nvPr/>
+        </p:nvSpPr>
+        <p:spPr>
+          <a:xfrm>
+            <a:off x="3907347" y="4964597"/>
+            <a:ext cx="2645853" cy="369332"/>
+          </a:xfrm>
+          <a:prstGeom prst="rect">
+            <a:avLst/>
+          </a:prstGeom>
+          <a:noFill/>
+        </p:spPr>
+        <p:txBody>
+          <a:bodyPr wrap="none" rtlCol="0">
+            <a:spAutoFit/>
+          </a:bodyPr>
+          <a:lstStyle/>
+          <a:p>
+            <a:r>
+              <a:rPr lang="ru-RU" dirty="0"/>
+              <a:t>Демонстрационное поле</a:t>
+            </a:r>
+          </a:p>
+        </p:txBody>
+      </p:sp>
+      <p:sp>
+        <p:nvSpPr>
+          <p:cNvPr id="7" name="TextBox 6">
+            <a:extLst>
+              <a:ext uri="{FF2B5EF4-FFF2-40B4-BE49-F238E27FC236}">
+                <a16:creationId xmlns:a16="http://schemas.microsoft.com/office/drawing/2014/main" id="{AB7F4025-F90C-6B3E-3042-393EEFC19F5B}"/>
+              </a:ext>
+            </a:extLst>
+          </p:cNvPr>
+          <p:cNvSpPr txBox="1"/>
+          <p:nvPr/>
+        </p:nvSpPr>
+        <p:spPr>
+          <a:xfrm>
+            <a:off x="6853084" y="5467176"/>
+            <a:ext cx="2232275" cy="1292662"/>
+          </a:xfrm>
+          <a:prstGeom prst="rect">
+            <a:avLst/>
+          </a:prstGeom>
+          <a:noFill/>
+        </p:spPr>
+        <p:txBody>
+          <a:bodyPr wrap="square" rtlCol="0">
+            <a:spAutoFit/>
+          </a:bodyPr>
+          <a:lstStyle/>
+          <a:p>
+            <a:r>
+              <a:rPr lang="ru-RU" sz="2000" dirty="0"/>
+              <a:t>Структура методики обучение</a:t>
+            </a:r>
+          </a:p>
+          <a:p>
+            <a:endParaRPr lang="ru-RU" dirty="0"/>
+          </a:p>
+        </p:txBody>
+      </p:sp>
+    </p:spTree>
+    <p:extLst>
+      <p:ext uri="{BB962C8B-B14F-4D97-AF65-F5344CB8AC3E}">
+        <p14:creationId xmlns:p14="http://schemas.microsoft.com/office/powerpoint/2010/main" val="1016929772"/>
+      </p:ext>
+    </p:extLst>
+  </p:cSld>
+  <p:clrMapOvr>
+    <a:masterClrMapping/>
+  </p:clrMapOvr>
+</p:sld>
+</file>
+
+<file path=ppt/slides/slide11.xml><?xml version="1.0" encoding="utf-8"?>
+<p:sld xmlns:a="http://schemas.openxmlformats.org/drawingml/2006/main" xmlns:r="http://schemas.openxmlformats.org/officeDocument/2006/relationships" xmlns:p="http://schemas.openxmlformats.org/presentationml/2006/main">
+  <p:cSld>
+    <p:bg>
+      <p:bgPr>
+        <a:solidFill>
+          <a:schemeClr val="bg1"/>
+        </a:solidFill>
+        <a:effectLst/>
+      </p:bgPr>
+    </p:bg>
+    <p:spTree>
+      <p:nvGrpSpPr>
+        <p:cNvPr id="1" name="">
+          <a:extLst>
+            <a:ext uri="{FF2B5EF4-FFF2-40B4-BE49-F238E27FC236}">
+              <a16:creationId xmlns:a16="http://schemas.microsoft.com/office/drawing/2014/main" id="{9237131F-9EE8-6124-4214-3937CB5A2002}"/>
+            </a:ext>
+          </a:extLst>
+        </p:cNvPr>
+        <p:cNvGrpSpPr/>
+        <p:nvPr/>
+      </p:nvGrpSpPr>
+      <p:grpSpPr>
+        <a:xfrm>
+          <a:off x="0" y="0"/>
+          <a:ext cx="0" cy="0"/>
+          <a:chOff x="0" y="0"/>
+          <a:chExt cx="0" cy="0"/>
+        </a:xfrm>
+      </p:grpSpPr>
+      <p:sp useBgFill="1">
+        <p:nvSpPr>
+          <p:cNvPr id="37" name="Rectangle 36">
+            <a:extLst>
+              <a:ext uri="{FF2B5EF4-FFF2-40B4-BE49-F238E27FC236}">
+                <a16:creationId xmlns:a16="http://schemas.microsoft.com/office/drawing/2014/main" id="{BEAD4E2D-D12A-81E4-A4A1-AC223C96DEA1}"/>
+              </a:ext>
+              <a:ext uri="{C183D7F6-B498-43B3-948B-1728B52AA6E4}">
+                <adec:decorative xmlns:adec="http://schemas.microsoft.com/office/drawing/2017/decorative" val="1"/>
+              </a:ext>
+            </a:extLst>
+          </p:cNvPr>
+          <p:cNvSpPr>
+            <a:spLocks noGrp="1" noRot="1" noChangeAspect="1" noMove="1" noResize="1" noEditPoints="1" noAdjustHandles="1" noChangeArrowheads="1" noChangeShapeType="1" noTextEdit="1"/>
+          </p:cNvSpPr>
+          <p:nvPr>
+            <p:extLst>
+              <p:ext uri="{386F3935-93C4-4BCD-93E2-E3B085C9AB24}">
+                <p16:designElem xmlns:p16="http://schemas.microsoft.com/office/powerpoint/2015/main" val="1"/>
+              </p:ext>
+            </p:extLst>
+          </p:nvPr>
+        </p:nvSpPr>
+        <p:spPr>
+          <a:xfrm>
+            <a:off x="0" y="0"/>
+            <a:ext cx="9144000" cy="6858000"/>
+          </a:xfrm>
+          <a:prstGeom prst="rect">
+            <a:avLst/>
+          </a:prstGeom>
+          <a:ln w="12700" cap="flat" cmpd="sng" algn="ctr">
+            <a:noFill/>
+            <a:prstDash val="solid"/>
+            <a:miter lim="800000"/>
+          </a:ln>
+          <a:effectLst/>
+          <a:extLst>
+            <a:ext uri="{91240B29-F687-4F45-9708-019B960494DF}">
+              <a14:hiddenLine xmlns:a14="http://schemas.microsoft.com/office/drawing/2010/main" w="12700" cap="flat" cmpd="sng" algn="ctr">
+                <a:solidFill>
+                  <a:schemeClr val="accent1">
+                    <a:shade val="50000"/>
+                  </a:schemeClr>
+                </a:solidFill>
+                <a:prstDash val="solid"/>
+                <a:miter lim="800000"/>
+              </a14:hiddenLine>
+            </a:ext>
+          </a:extLst>
+        </p:spPr>
+        <p:style>
+          <a:lnRef idx="2">
+            <a:schemeClr val="accent1">
+              <a:shade val="50000"/>
+            </a:schemeClr>
+          </a:lnRef>
+          <a:fillRef idx="1">
+            <a:schemeClr val="accent1"/>
+          </a:fillRef>
+          <a:effectRef idx="0">
+            <a:schemeClr val="accent1"/>
+          </a:effectRef>
+          <a:fontRef idx="minor">
+            <a:schemeClr val="lt1"/>
+          </a:fontRef>
+        </p:style>
+        <p:txBody>
+          <a:bodyPr rtlCol="0" anchor="ctr"/>
+          <a:lstStyle/>
+          <a:p>
+            <a:pPr algn="ctr"/>
+            <a:endParaRPr lang="en-US"/>
+          </a:p>
+        </p:txBody>
+      </p:sp>
+      <p:sp>
+        <p:nvSpPr>
+          <p:cNvPr id="39" name="Rectangle 38">
+            <a:extLst>
+              <a:ext uri="{FF2B5EF4-FFF2-40B4-BE49-F238E27FC236}">
+                <a16:creationId xmlns:a16="http://schemas.microsoft.com/office/drawing/2014/main" id="{FD8A00E1-5395-DA32-AB17-1CFDFED46053}"/>
+              </a:ext>
+              <a:ext uri="{C183D7F6-B498-43B3-948B-1728B52AA6E4}">
+                <adec:decorative xmlns:adec="http://schemas.microsoft.com/office/drawing/2017/decorative" val="1"/>
+              </a:ext>
+            </a:extLst>
+          </p:cNvPr>
+          <p:cNvSpPr>
+            <a:spLocks noGrp="1" noRot="1" noChangeAspect="1" noMove="1" noResize="1" noEditPoints="1" noAdjustHandles="1" noChangeArrowheads="1" noChangeShapeType="1" noTextEdit="1"/>
+          </p:cNvSpPr>
+          <p:nvPr>
+            <p:extLst>
+              <p:ext uri="{386F3935-93C4-4BCD-93E2-E3B085C9AB24}">
+                <p16:designElem xmlns:p16="http://schemas.microsoft.com/office/powerpoint/2015/main" val="1"/>
+              </p:ext>
+            </p:extLst>
+          </p:nvPr>
+        </p:nvSpPr>
+        <p:spPr>
+          <a:xfrm rot="10800000" flipH="1">
+            <a:off x="1" y="0"/>
+            <a:ext cx="9143999" cy="1575955"/>
+          </a:xfrm>
+          <a:prstGeom prst="rect">
+            <a:avLst/>
+          </a:prstGeom>
+          <a:gradFill>
+            <a:gsLst>
+              <a:gs pos="0">
+                <a:srgbClr val="000000">
+                  <a:alpha val="96000"/>
+                </a:srgbClr>
+              </a:gs>
+              <a:gs pos="100000">
+                <a:schemeClr val="accent1">
+                  <a:lumMod val="75000"/>
+                </a:schemeClr>
+              </a:gs>
+            </a:gsLst>
+            <a:lin ang="6000000" scaled="0"/>
+          </a:gradFill>
+          <a:ln>
+            <a:noFill/>
+          </a:ln>
+        </p:spPr>
+        <p:style>
+          <a:lnRef idx="2">
+            <a:schemeClr val="accent1">
+              <a:shade val="50000"/>
+            </a:schemeClr>
+          </a:lnRef>
+          <a:fillRef idx="1">
+            <a:schemeClr val="accent1"/>
+          </a:fillRef>
+          <a:effectRef idx="0">
+            <a:schemeClr val="accent1"/>
+          </a:effectRef>
+          <a:fontRef idx="minor">
+            <a:schemeClr val="lt1"/>
+          </a:fontRef>
+        </p:style>
+        <p:txBody>
+          <a:bodyPr rtlCol="0" anchor="ctr"/>
+          <a:lstStyle/>
+          <a:p>
+            <a:pPr algn="ctr"/>
+            <a:endParaRPr lang="en-US"/>
+          </a:p>
+        </p:txBody>
+      </p:sp>
+      <p:sp>
+        <p:nvSpPr>
+          <p:cNvPr id="41" name="Rectangle 40">
+            <a:extLst>
+              <a:ext uri="{FF2B5EF4-FFF2-40B4-BE49-F238E27FC236}">
+                <a16:creationId xmlns:a16="http://schemas.microsoft.com/office/drawing/2014/main" id="{8E56B86A-2B7F-2A4F-2E1A-5BCBE4862B10}"/>
+              </a:ext>
+              <a:ext uri="{C183D7F6-B498-43B3-948B-1728B52AA6E4}">
+                <adec:decorative xmlns:adec="http://schemas.microsoft.com/office/drawing/2017/decorative" val="1"/>
+              </a:ext>
+            </a:extLst>
+          </p:cNvPr>
+          <p:cNvSpPr>
+            <a:spLocks noGrp="1" noRot="1" noChangeAspect="1" noMove="1" noResize="1" noEditPoints="1" noAdjustHandles="1" noChangeArrowheads="1" noChangeShapeType="1" noTextEdit="1"/>
+          </p:cNvSpPr>
+          <p:nvPr>
+            <p:extLst>
+              <p:ext uri="{386F3935-93C4-4BCD-93E2-E3B085C9AB24}">
+                <p16:designElem xmlns:p16="http://schemas.microsoft.com/office/powerpoint/2015/main" val="1"/>
+              </p:ext>
+            </p:extLst>
+          </p:nvPr>
+        </p:nvSpPr>
+        <p:spPr>
+          <a:xfrm rot="16200000">
+            <a:off x="3781994" y="-3786547"/>
+            <a:ext cx="1580014" cy="9144002"/>
+          </a:xfrm>
+          <a:prstGeom prst="rect">
+            <a:avLst/>
+          </a:prstGeom>
+          <a:gradFill>
+            <a:gsLst>
+              <a:gs pos="19000">
+                <a:schemeClr val="accent1">
+                  <a:alpha val="0"/>
+                </a:schemeClr>
+              </a:gs>
+              <a:gs pos="99000">
+                <a:srgbClr val="000000">
+                  <a:alpha val="74000"/>
+                </a:srgbClr>
+              </a:gs>
+            </a:gsLst>
+            <a:lin ang="11400000" scaled="0"/>
+          </a:gradFill>
+          <a:ln>
+            <a:noFill/>
+          </a:ln>
+        </p:spPr>
+        <p:style>
+          <a:lnRef idx="2">
+            <a:schemeClr val="accent1">
+              <a:shade val="50000"/>
+            </a:schemeClr>
+          </a:lnRef>
+          <a:fillRef idx="1">
+            <a:schemeClr val="accent1"/>
+          </a:fillRef>
+          <a:effectRef idx="0">
+            <a:schemeClr val="accent1"/>
+          </a:effectRef>
+          <a:fontRef idx="minor">
+            <a:schemeClr val="lt1"/>
+          </a:fontRef>
+        </p:style>
+        <p:txBody>
+          <a:bodyPr rtlCol="0" anchor="ctr"/>
+          <a:lstStyle/>
+          <a:p>
+            <a:pPr algn="ctr"/>
+            <a:endParaRPr lang="en-US" dirty="0"/>
+          </a:p>
+        </p:txBody>
+      </p:sp>
+      <p:sp>
+        <p:nvSpPr>
+          <p:cNvPr id="43" name="Rectangle 42">
+            <a:extLst>
+              <a:ext uri="{FF2B5EF4-FFF2-40B4-BE49-F238E27FC236}">
+                <a16:creationId xmlns:a16="http://schemas.microsoft.com/office/drawing/2014/main" id="{C70439B2-0ED3-74EF-FAAC-4E7B0D66DDF0}"/>
+              </a:ext>
+              <a:ext uri="{C183D7F6-B498-43B3-948B-1728B52AA6E4}">
+                <adec:decorative xmlns:adec="http://schemas.microsoft.com/office/drawing/2017/decorative" val="1"/>
+              </a:ext>
+            </a:extLst>
+          </p:cNvPr>
+          <p:cNvSpPr>
+            <a:spLocks noGrp="1" noRot="1" noChangeAspect="1" noMove="1" noResize="1" noEditPoints="1" noAdjustHandles="1" noChangeArrowheads="1" noChangeShapeType="1" noTextEdit="1"/>
+          </p:cNvSpPr>
+          <p:nvPr>
+            <p:extLst>
+              <p:ext uri="{386F3935-93C4-4BCD-93E2-E3B085C9AB24}">
+                <p16:designElem xmlns:p16="http://schemas.microsoft.com/office/powerpoint/2015/main" val="1"/>
+              </p:ext>
+            </p:extLst>
+          </p:nvPr>
+        </p:nvSpPr>
+        <p:spPr>
+          <a:xfrm>
+            <a:off x="2869075" y="0"/>
+            <a:ext cx="3227567" cy="1575461"/>
+          </a:xfrm>
+          <a:prstGeom prst="rect">
+            <a:avLst/>
+          </a:prstGeom>
+          <a:gradFill>
+            <a:gsLst>
+              <a:gs pos="0">
+                <a:schemeClr val="accent1">
+                  <a:alpha val="72000"/>
+                </a:schemeClr>
+              </a:gs>
+              <a:gs pos="74000">
+                <a:schemeClr val="accent1">
+                  <a:lumMod val="50000"/>
+                  <a:alpha val="0"/>
+                </a:schemeClr>
+              </a:gs>
+            </a:gsLst>
+            <a:lin ang="14400000" scaled="0"/>
+          </a:gradFill>
+          <a:ln>
+            <a:noFill/>
+          </a:ln>
+        </p:spPr>
+        <p:style>
+          <a:lnRef idx="2">
+            <a:schemeClr val="accent1">
+              <a:shade val="50000"/>
+            </a:schemeClr>
+          </a:lnRef>
+          <a:fillRef idx="1">
+            <a:schemeClr val="accent1"/>
+          </a:fillRef>
+          <a:effectRef idx="0">
+            <a:schemeClr val="accent1"/>
+          </a:effectRef>
+          <a:fontRef idx="minor">
+            <a:schemeClr val="lt1"/>
+          </a:fontRef>
+        </p:style>
+        <p:txBody>
+          <a:bodyPr rtlCol="0" anchor="ctr"/>
+          <a:lstStyle/>
+          <a:p>
+            <a:pPr algn="ctr"/>
+            <a:endParaRPr lang="en-US"/>
+          </a:p>
+        </p:txBody>
+      </p:sp>
+      <p:sp>
+        <p:nvSpPr>
+          <p:cNvPr id="2" name="Заголовок 1">
+            <a:extLst>
+              <a:ext uri="{FF2B5EF4-FFF2-40B4-BE49-F238E27FC236}">
                 <a16:creationId xmlns:a16="http://schemas.microsoft.com/office/drawing/2014/main" id="{CFEC7491-2364-8B19-F99D-07D571F0978C}"/>
               </a:ext>
             </a:extLst>
@@ -7821,7 +8444,7 @@
                   <a:schemeClr val="tx1"/>
                 </a:solidFill>
               </a:rPr>
-              <a:t>10</a:t>
+              <a:t>11</a:t>
             </a:fld>
             <a:endParaRPr lang="en-US" b="1" dirty="0">
               <a:solidFill>
@@ -7884,7 +8507,7 @@
 </p:sld>
 </file>
 
-<file path=ppt/slides/slide11.xml><?xml version="1.0" encoding="utf-8"?>
+<file path=ppt/slides/slide12.xml><?xml version="1.0" encoding="utf-8"?>
 <p:sld xmlns:a="http://schemas.openxmlformats.org/drawingml/2006/main" xmlns:r="http://schemas.openxmlformats.org/officeDocument/2006/relationships" xmlns:p="http://schemas.openxmlformats.org/presentationml/2006/main">
   <p:cSld>
     <p:bg>
@@ -8443,7 +9066,7 @@
                   <a:schemeClr val="tx1"/>
                 </a:solidFill>
               </a:rPr>
-              <a:t>11</a:t>
+              <a:t>12</a:t>
             </a:fld>
             <a:endParaRPr lang="en-US" sz="1400" b="1" dirty="0">
               <a:solidFill>
@@ -8466,7 +9089,7 @@
 </p:sld>
 </file>
 
-<file path=ppt/slides/slide12.xml><?xml version="1.0" encoding="utf-8"?>
+<file path=ppt/slides/slide13.xml><?xml version="1.0" encoding="utf-8"?>
 <p:sld xmlns:a="http://schemas.openxmlformats.org/drawingml/2006/main" xmlns:r="http://schemas.openxmlformats.org/officeDocument/2006/relationships" xmlns:p="http://schemas.openxmlformats.org/presentationml/2006/main">
   <p:cSld>
     <p:bg>
@@ -8914,7 +9537,7 @@
                   <a:schemeClr val="tx1"/>
                 </a:solidFill>
               </a:rPr>
-              <a:t>12</a:t>
+              <a:t>13</a:t>
             </a:fld>
             <a:endParaRPr lang="en-US" b="1" dirty="0">
               <a:solidFill>
@@ -9023,6 +9646,1426 @@
 </file>
 
 <file path=ppt/slides/slide2.xml><?xml version="1.0" encoding="utf-8"?>
+<p:sld xmlns:a="http://schemas.openxmlformats.org/drawingml/2006/main" xmlns:r="http://schemas.openxmlformats.org/officeDocument/2006/relationships" xmlns:p="http://schemas.openxmlformats.org/presentationml/2006/main">
+  <p:cSld>
+    <p:spTree>
+      <p:nvGrpSpPr>
+        <p:cNvPr id="1" name="">
+          <a:extLst>
+            <a:ext uri="{FF2B5EF4-FFF2-40B4-BE49-F238E27FC236}">
+              <a16:creationId xmlns:a16="http://schemas.microsoft.com/office/drawing/2014/main" id="{3C34E462-8BA4-03A7-EF7A-DE7F2ECC0A56}"/>
+            </a:ext>
+          </a:extLst>
+        </p:cNvPr>
+        <p:cNvGrpSpPr/>
+        <p:nvPr/>
+      </p:nvGrpSpPr>
+      <p:grpSpPr>
+        <a:xfrm>
+          <a:off x="0" y="0"/>
+          <a:ext cx="0" cy="0"/>
+          <a:chOff x="0" y="0"/>
+          <a:chExt cx="0" cy="0"/>
+        </a:xfrm>
+      </p:grpSpPr>
+      <p:sp useBgFill="1">
+        <p:nvSpPr>
+          <p:cNvPr id="8" name="Rectangle 7">
+            <a:extLst>
+              <a:ext uri="{FF2B5EF4-FFF2-40B4-BE49-F238E27FC236}">
+                <a16:creationId xmlns:a16="http://schemas.microsoft.com/office/drawing/2014/main" id="{38F0510C-69A2-6EF9-F4CC-638FC8A3A9BB}"/>
+              </a:ext>
+              <a:ext uri="{C183D7F6-B498-43B3-948B-1728B52AA6E4}">
+                <adec:decorative xmlns:adec="http://schemas.microsoft.com/office/drawing/2017/decorative" val="1"/>
+              </a:ext>
+            </a:extLst>
+          </p:cNvPr>
+          <p:cNvSpPr>
+            <a:spLocks noGrp="1" noRot="1" noChangeAspect="1" noMove="1" noResize="1" noEditPoints="1" noAdjustHandles="1" noChangeArrowheads="1" noChangeShapeType="1" noTextEdit="1"/>
+          </p:cNvSpPr>
+          <p:nvPr>
+            <p:extLst>
+              <p:ext uri="{386F3935-93C4-4BCD-93E2-E3B085C9AB24}">
+                <p16:designElem xmlns:p16="http://schemas.microsoft.com/office/powerpoint/2015/main" val="1"/>
+              </p:ext>
+            </p:extLst>
+          </p:nvPr>
+        </p:nvSpPr>
+        <p:spPr>
+          <a:xfrm>
+            <a:off x="0" y="0"/>
+            <a:ext cx="9144000" cy="6858000"/>
+          </a:xfrm>
+          <a:prstGeom prst="rect">
+            <a:avLst/>
+          </a:prstGeom>
+          <a:ln w="12700" cap="flat" cmpd="sng" algn="ctr">
+            <a:noFill/>
+            <a:prstDash val="solid"/>
+            <a:miter lim="800000"/>
+          </a:ln>
+          <a:effectLst/>
+          <a:extLst>
+            <a:ext uri="{91240B29-F687-4F45-9708-019B960494DF}">
+              <a14:hiddenLine xmlns:a14="http://schemas.microsoft.com/office/drawing/2010/main" w="12700" cap="flat" cmpd="sng" algn="ctr">
+                <a:solidFill>
+                  <a:schemeClr val="accent1">
+                    <a:shade val="50000"/>
+                  </a:schemeClr>
+                </a:solidFill>
+                <a:prstDash val="solid"/>
+                <a:miter lim="800000"/>
+              </a14:hiddenLine>
+            </a:ext>
+          </a:extLst>
+        </p:spPr>
+        <p:style>
+          <a:lnRef idx="2">
+            <a:schemeClr val="accent1">
+              <a:shade val="50000"/>
+            </a:schemeClr>
+          </a:lnRef>
+          <a:fillRef idx="1">
+            <a:schemeClr val="accent1"/>
+          </a:fillRef>
+          <a:effectRef idx="0">
+            <a:schemeClr val="accent1"/>
+          </a:effectRef>
+          <a:fontRef idx="minor">
+            <a:schemeClr val="lt1"/>
+          </a:fontRef>
+        </p:style>
+        <p:txBody>
+          <a:bodyPr rtlCol="0" anchor="ctr"/>
+          <a:lstStyle/>
+          <a:p>
+            <a:pPr algn="ctr"/>
+            <a:endParaRPr lang="en-US"/>
+          </a:p>
+        </p:txBody>
+      </p:sp>
+      <p:sp>
+        <p:nvSpPr>
+          <p:cNvPr id="10" name="Rectangle 9">
+            <a:extLst>
+              <a:ext uri="{FF2B5EF4-FFF2-40B4-BE49-F238E27FC236}">
+                <a16:creationId xmlns:a16="http://schemas.microsoft.com/office/drawing/2014/main" id="{5693FC9E-AB70-01CD-CDDB-B1007E02E5BF}"/>
+              </a:ext>
+              <a:ext uri="{C183D7F6-B498-43B3-948B-1728B52AA6E4}">
+                <adec:decorative xmlns:adec="http://schemas.microsoft.com/office/drawing/2017/decorative" val="1"/>
+              </a:ext>
+            </a:extLst>
+          </p:cNvPr>
+          <p:cNvSpPr>
+            <a:spLocks noGrp="1" noRot="1" noChangeAspect="1" noMove="1" noResize="1" noEditPoints="1" noAdjustHandles="1" noChangeArrowheads="1" noChangeShapeType="1" noTextEdit="1"/>
+          </p:cNvSpPr>
+          <p:nvPr>
+            <p:extLst>
+              <p:ext uri="{386F3935-93C4-4BCD-93E2-E3B085C9AB24}">
+                <p16:designElem xmlns:p16="http://schemas.microsoft.com/office/powerpoint/2015/main" val="1"/>
+              </p:ext>
+            </p:extLst>
+          </p:nvPr>
+        </p:nvSpPr>
+        <p:spPr>
+          <a:xfrm flipH="1">
+            <a:off x="0" y="-1"/>
+            <a:ext cx="9143997" cy="1590742"/>
+          </a:xfrm>
+          <a:prstGeom prst="rect">
+            <a:avLst/>
+          </a:prstGeom>
+          <a:gradFill>
+            <a:gsLst>
+              <a:gs pos="0">
+                <a:srgbClr val="000000"/>
+              </a:gs>
+              <a:gs pos="100000">
+                <a:schemeClr val="accent1">
+                  <a:lumMod val="75000"/>
+                </a:schemeClr>
+              </a:gs>
+            </a:gsLst>
+            <a:lin ang="8400000" scaled="0"/>
+          </a:gradFill>
+          <a:ln>
+            <a:noFill/>
+          </a:ln>
+        </p:spPr>
+        <p:style>
+          <a:lnRef idx="2">
+            <a:schemeClr val="accent1">
+              <a:shade val="50000"/>
+            </a:schemeClr>
+          </a:lnRef>
+          <a:fillRef idx="1">
+            <a:schemeClr val="accent1"/>
+          </a:fillRef>
+          <a:effectRef idx="0">
+            <a:schemeClr val="accent1"/>
+          </a:effectRef>
+          <a:fontRef idx="minor">
+            <a:schemeClr val="lt1"/>
+          </a:fontRef>
+        </p:style>
+        <p:txBody>
+          <a:bodyPr rtlCol="0" anchor="ctr"/>
+          <a:lstStyle/>
+          <a:p>
+            <a:pPr algn="ctr"/>
+            <a:endParaRPr lang="en-US"/>
+          </a:p>
+        </p:txBody>
+      </p:sp>
+      <p:sp>
+        <p:nvSpPr>
+          <p:cNvPr id="12" name="Rectangle 11">
+            <a:extLst>
+              <a:ext uri="{FF2B5EF4-FFF2-40B4-BE49-F238E27FC236}">
+                <a16:creationId xmlns:a16="http://schemas.microsoft.com/office/drawing/2014/main" id="{5AF05681-C0FA-AB32-1331-BD4034C16829}"/>
+              </a:ext>
+              <a:ext uri="{C183D7F6-B498-43B3-948B-1728B52AA6E4}">
+                <adec:decorative xmlns:adec="http://schemas.microsoft.com/office/drawing/2017/decorative" val="1"/>
+              </a:ext>
+            </a:extLst>
+          </p:cNvPr>
+          <p:cNvSpPr>
+            <a:spLocks noGrp="1" noRot="1" noChangeAspect="1" noMove="1" noResize="1" noEditPoints="1" noAdjustHandles="1" noChangeArrowheads="1" noChangeShapeType="1" noTextEdit="1"/>
+          </p:cNvSpPr>
+          <p:nvPr>
+            <p:extLst>
+              <p:ext uri="{386F3935-93C4-4BCD-93E2-E3B085C9AB24}">
+                <p16:designElem xmlns:p16="http://schemas.microsoft.com/office/powerpoint/2015/main" val="1"/>
+              </p:ext>
+            </p:extLst>
+          </p:nvPr>
+        </p:nvSpPr>
+        <p:spPr>
+          <a:xfrm rot="10800000" flipH="1">
+            <a:off x="-2" y="0"/>
+            <a:ext cx="6086479" cy="1590742"/>
+          </a:xfrm>
+          <a:prstGeom prst="rect">
+            <a:avLst/>
+          </a:prstGeom>
+          <a:gradFill>
+            <a:gsLst>
+              <a:gs pos="20000">
+                <a:schemeClr val="accent1">
+                  <a:alpha val="0"/>
+                </a:schemeClr>
+              </a:gs>
+              <a:gs pos="100000">
+                <a:schemeClr val="accent1">
+                  <a:lumMod val="50000"/>
+                  <a:alpha val="55000"/>
+                </a:schemeClr>
+              </a:gs>
+            </a:gsLst>
+            <a:lin ang="13800000" scaled="0"/>
+          </a:gradFill>
+          <a:ln>
+            <a:noFill/>
+          </a:ln>
+        </p:spPr>
+        <p:style>
+          <a:lnRef idx="2">
+            <a:schemeClr val="accent1">
+              <a:shade val="50000"/>
+            </a:schemeClr>
+          </a:lnRef>
+          <a:fillRef idx="1">
+            <a:schemeClr val="accent1"/>
+          </a:fillRef>
+          <a:effectRef idx="0">
+            <a:schemeClr val="accent1"/>
+          </a:effectRef>
+          <a:fontRef idx="minor">
+            <a:schemeClr val="lt1"/>
+          </a:fontRef>
+        </p:style>
+        <p:txBody>
+          <a:bodyPr rtlCol="0" anchor="ctr"/>
+          <a:lstStyle/>
+          <a:p>
+            <a:pPr algn="ctr"/>
+            <a:endParaRPr lang="en-US"/>
+          </a:p>
+        </p:txBody>
+      </p:sp>
+      <p:sp>
+        <p:nvSpPr>
+          <p:cNvPr id="14" name="Rectangle 13">
+            <a:extLst>
+              <a:ext uri="{FF2B5EF4-FFF2-40B4-BE49-F238E27FC236}">
+                <a16:creationId xmlns:a16="http://schemas.microsoft.com/office/drawing/2014/main" id="{9AA0EA7E-7D7A-68D5-11CA-A0A4C2D989CA}"/>
+              </a:ext>
+              <a:ext uri="{C183D7F6-B498-43B3-948B-1728B52AA6E4}">
+                <adec:decorative xmlns:adec="http://schemas.microsoft.com/office/drawing/2017/decorative" val="1"/>
+              </a:ext>
+            </a:extLst>
+          </p:cNvPr>
+          <p:cNvSpPr>
+            <a:spLocks noGrp="1" noRot="1" noChangeAspect="1" noMove="1" noResize="1" noEditPoints="1" noAdjustHandles="1" noChangeArrowheads="1" noChangeShapeType="1" noTextEdit="1"/>
+          </p:cNvSpPr>
+          <p:nvPr>
+            <p:extLst>
+              <p:ext uri="{386F3935-93C4-4BCD-93E2-E3B085C9AB24}">
+                <p16:designElem xmlns:p16="http://schemas.microsoft.com/office/powerpoint/2015/main" val="1"/>
+              </p:ext>
+            </p:extLst>
+          </p:nvPr>
+        </p:nvSpPr>
+        <p:spPr>
+          <a:xfrm flipH="1">
+            <a:off x="6086474" y="-1"/>
+            <a:ext cx="3057523" cy="1590742"/>
+          </a:xfrm>
+          <a:prstGeom prst="rect">
+            <a:avLst/>
+          </a:prstGeom>
+          <a:gradFill>
+            <a:gsLst>
+              <a:gs pos="0">
+                <a:schemeClr val="accent1">
+                  <a:alpha val="66000"/>
+                </a:schemeClr>
+              </a:gs>
+              <a:gs pos="100000">
+                <a:srgbClr val="000000">
+                  <a:alpha val="30000"/>
+                </a:srgbClr>
+              </a:gs>
+            </a:gsLst>
+            <a:lin ang="13200000" scaled="0"/>
+          </a:gradFill>
+          <a:ln>
+            <a:noFill/>
+          </a:ln>
+        </p:spPr>
+        <p:style>
+          <a:lnRef idx="2">
+            <a:schemeClr val="accent1">
+              <a:shade val="50000"/>
+            </a:schemeClr>
+          </a:lnRef>
+          <a:fillRef idx="1">
+            <a:schemeClr val="accent1"/>
+          </a:fillRef>
+          <a:effectRef idx="0">
+            <a:schemeClr val="accent1"/>
+          </a:effectRef>
+          <a:fontRef idx="minor">
+            <a:schemeClr val="lt1"/>
+          </a:fontRef>
+        </p:style>
+        <p:txBody>
+          <a:bodyPr rtlCol="0" anchor="ctr"/>
+          <a:lstStyle/>
+          <a:p>
+            <a:pPr algn="ctr"/>
+            <a:endParaRPr lang="en-US"/>
+          </a:p>
+        </p:txBody>
+      </p:sp>
+      <p:sp>
+        <p:nvSpPr>
+          <p:cNvPr id="16" name="Rectangle 15">
+            <a:extLst>
+              <a:ext uri="{FF2B5EF4-FFF2-40B4-BE49-F238E27FC236}">
+                <a16:creationId xmlns:a16="http://schemas.microsoft.com/office/drawing/2014/main" id="{E8480DE1-EC7B-3AF9-A601-8D4BC8D615D0}"/>
+              </a:ext>
+              <a:ext uri="{C183D7F6-B498-43B3-948B-1728B52AA6E4}">
+                <adec:decorative xmlns:adec="http://schemas.microsoft.com/office/drawing/2017/decorative" val="1"/>
+              </a:ext>
+            </a:extLst>
+          </p:cNvPr>
+          <p:cNvSpPr>
+            <a:spLocks noGrp="1" noRot="1" noChangeAspect="1" noMove="1" noResize="1" noEditPoints="1" noAdjustHandles="1" noChangeArrowheads="1" noChangeShapeType="1" noTextEdit="1"/>
+          </p:cNvSpPr>
+          <p:nvPr>
+            <p:extLst>
+              <p:ext uri="{386F3935-93C4-4BCD-93E2-E3B085C9AB24}">
+                <p16:designElem xmlns:p16="http://schemas.microsoft.com/office/powerpoint/2015/main" val="1"/>
+              </p:ext>
+            </p:extLst>
+          </p:nvPr>
+        </p:nvSpPr>
+        <p:spPr>
+          <a:xfrm>
+            <a:off x="344512" y="-1"/>
+            <a:ext cx="8799485" cy="1597433"/>
+          </a:xfrm>
+          <a:prstGeom prst="rect">
+            <a:avLst/>
+          </a:prstGeom>
+          <a:gradFill>
+            <a:gsLst>
+              <a:gs pos="50000">
+                <a:srgbClr val="000000">
+                  <a:alpha val="0"/>
+                </a:srgbClr>
+              </a:gs>
+              <a:gs pos="99000">
+                <a:schemeClr val="accent1">
+                  <a:lumMod val="50000"/>
+                  <a:alpha val="52000"/>
+                </a:schemeClr>
+              </a:gs>
+            </a:gsLst>
+            <a:lin ang="16800000" scaled="0"/>
+          </a:gradFill>
+          <a:ln>
+            <a:noFill/>
+          </a:ln>
+        </p:spPr>
+        <p:style>
+          <a:lnRef idx="2">
+            <a:schemeClr val="accent1">
+              <a:shade val="50000"/>
+            </a:schemeClr>
+          </a:lnRef>
+          <a:fillRef idx="1">
+            <a:schemeClr val="accent1"/>
+          </a:fillRef>
+          <a:effectRef idx="0">
+            <a:schemeClr val="accent1"/>
+          </a:effectRef>
+          <a:fontRef idx="minor">
+            <a:schemeClr val="lt1"/>
+          </a:fontRef>
+        </p:style>
+        <p:txBody>
+          <a:bodyPr rtlCol="0" anchor="ctr"/>
+          <a:lstStyle/>
+          <a:p>
+            <a:pPr algn="ctr"/>
+            <a:endParaRPr lang="en-US"/>
+          </a:p>
+        </p:txBody>
+      </p:sp>
+      <p:sp>
+        <p:nvSpPr>
+          <p:cNvPr id="2" name="Title 1">
+            <a:extLst>
+              <a:ext uri="{FF2B5EF4-FFF2-40B4-BE49-F238E27FC236}">
+                <a16:creationId xmlns:a16="http://schemas.microsoft.com/office/drawing/2014/main" id="{BCD7C717-D0C1-5C31-FA67-932E030DEDAA}"/>
+              </a:ext>
+            </a:extLst>
+          </p:cNvPr>
+          <p:cNvSpPr>
+            <a:spLocks noGrp="1"/>
+          </p:cNvSpPr>
+          <p:nvPr>
+            <p:ph type="title"/>
+          </p:nvPr>
+        </p:nvSpPr>
+        <p:spPr>
+          <a:xfrm>
+            <a:off x="1028699" y="294538"/>
+            <a:ext cx="7421963" cy="1033669"/>
+          </a:xfrm>
+        </p:spPr>
+        <p:txBody>
+          <a:bodyPr>
+            <a:normAutofit/>
+          </a:bodyPr>
+          <a:lstStyle/>
+          <a:p>
+            <a:r>
+              <a:rPr lang="ru-RU" sz="3200" b="1" dirty="0">
+                <a:solidFill>
+                  <a:srgbClr val="FFFFFF"/>
+                </a:solidFill>
+              </a:rPr>
+              <a:t>Актуальность работы</a:t>
+            </a:r>
+          </a:p>
+        </p:txBody>
+      </p:sp>
+      <p:sp>
+        <p:nvSpPr>
+          <p:cNvPr id="3" name="Content Placeholder 2">
+            <a:extLst>
+              <a:ext uri="{FF2B5EF4-FFF2-40B4-BE49-F238E27FC236}">
+                <a16:creationId xmlns:a16="http://schemas.microsoft.com/office/drawing/2014/main" id="{332C8DA4-2EBC-E677-7DDF-B4CC9CB9FDC0}"/>
+              </a:ext>
+            </a:extLst>
+          </p:cNvPr>
+          <p:cNvSpPr>
+            <a:spLocks noGrp="1"/>
+          </p:cNvSpPr>
+          <p:nvPr>
+            <p:ph idx="1"/>
+          </p:nvPr>
+        </p:nvSpPr>
+        <p:spPr>
+          <a:xfrm>
+            <a:off x="246192" y="1622745"/>
+            <a:ext cx="8799485" cy="5235255"/>
+          </a:xfrm>
+        </p:spPr>
+        <p:txBody>
+          <a:bodyPr anchor="ctr">
+            <a:normAutofit/>
+          </a:bodyPr>
+          <a:lstStyle/>
+          <a:p>
+            <a:pPr indent="0" algn="just">
+              <a:lnSpc>
+                <a:spcPct val="150000"/>
+              </a:lnSpc>
+              <a:buNone/>
+            </a:pPr>
+            <a:endParaRPr lang="en-US" sz="1600" dirty="0"/>
+          </a:p>
+          <a:p>
+            <a:pPr marL="628650" indent="-285750" algn="just">
+              <a:lnSpc>
+                <a:spcPct val="150000"/>
+              </a:lnSpc>
+            </a:pPr>
+            <a:r>
+              <a:rPr lang="ru-RU" sz="1600" i="0" dirty="0">
+                <a:effectLst/>
+                <a:highlight>
+                  <a:srgbClr val="00FFFF"/>
+                </a:highlight>
+              </a:rPr>
+              <a:t>Потребность в освоении практических умений.</a:t>
+            </a:r>
+          </a:p>
+          <a:p>
+            <a:pPr marL="628650" indent="-285750" algn="just">
+              <a:lnSpc>
+                <a:spcPct val="150000"/>
+              </a:lnSpc>
+            </a:pPr>
+            <a:r>
+              <a:rPr lang="ru-RU" sz="1600" i="0" dirty="0">
+                <a:effectLst/>
+                <a:highlight>
+                  <a:srgbClr val="00FFFF"/>
+                </a:highlight>
+              </a:rPr>
+              <a:t>Важность использования передовых подходов в робототехнике.</a:t>
+            </a:r>
+            <a:endParaRPr lang="ru-RU" sz="1600" dirty="0">
+              <a:highlight>
+                <a:srgbClr val="00FFFF"/>
+              </a:highlight>
+            </a:endParaRPr>
+          </a:p>
+          <a:p>
+            <a:pPr marL="628650" indent="-285750" algn="just">
+              <a:lnSpc>
+                <a:spcPct val="150000"/>
+              </a:lnSpc>
+            </a:pPr>
+            <a:r>
+              <a:rPr lang="ru-RU" sz="1600" i="0" dirty="0">
+                <a:effectLst/>
+                <a:highlight>
+                  <a:srgbClr val="00FFFF"/>
+                </a:highlight>
+              </a:rPr>
+              <a:t>Формирование критического мышления.</a:t>
+            </a:r>
+            <a:endParaRPr lang="ru-RU" sz="1600" dirty="0">
+              <a:highlight>
+                <a:srgbClr val="00FFFF"/>
+              </a:highlight>
+            </a:endParaRPr>
+          </a:p>
+          <a:p>
+            <a:pPr marL="628650" indent="-285750" algn="just">
+              <a:lnSpc>
+                <a:spcPct val="150000"/>
+              </a:lnSpc>
+            </a:pPr>
+            <a:r>
+              <a:rPr lang="ru-RU" sz="1600" dirty="0">
+                <a:highlight>
+                  <a:srgbClr val="FFFF00"/>
+                </a:highlight>
+              </a:rPr>
+              <a:t>Экономическая доступность.</a:t>
+            </a:r>
+          </a:p>
+          <a:p>
+            <a:pPr marL="628650" indent="-285750" algn="just">
+              <a:lnSpc>
+                <a:spcPct val="150000"/>
+              </a:lnSpc>
+            </a:pPr>
+            <a:r>
+              <a:rPr lang="ru-RU" sz="1600" dirty="0">
+                <a:highlight>
+                  <a:srgbClr val="FFFF00"/>
+                </a:highlight>
+              </a:rPr>
+              <a:t>Отсутствие серийных отечественных решений.</a:t>
+            </a:r>
+            <a:endParaRPr lang="en-US" sz="1600" dirty="0">
+              <a:highlight>
+                <a:srgbClr val="FFFF00"/>
+              </a:highlight>
+            </a:endParaRPr>
+          </a:p>
+          <a:p>
+            <a:pPr marL="628650" indent="-285750" algn="just">
+              <a:lnSpc>
+                <a:spcPct val="150000"/>
+              </a:lnSpc>
+            </a:pPr>
+            <a:endParaRPr lang="ru-RU" sz="1600" dirty="0"/>
+          </a:p>
+          <a:p>
+            <a:pPr indent="0" algn="just">
+              <a:lnSpc>
+                <a:spcPct val="150000"/>
+              </a:lnSpc>
+              <a:buNone/>
+            </a:pPr>
+            <a:endParaRPr lang="ru-RU" sz="1600" dirty="0"/>
+          </a:p>
+          <a:p>
+            <a:pPr marL="628650" indent="-285750" algn="just">
+              <a:lnSpc>
+                <a:spcPct val="150000"/>
+              </a:lnSpc>
+            </a:pPr>
+            <a:endParaRPr lang="ru-RU" sz="1600" dirty="0"/>
+          </a:p>
+          <a:p>
+            <a:pPr indent="0" algn="just">
+              <a:lnSpc>
+                <a:spcPct val="150000"/>
+              </a:lnSpc>
+              <a:buNone/>
+            </a:pPr>
+            <a:endParaRPr lang="ru-RU" sz="1600" dirty="0"/>
+          </a:p>
+          <a:p>
+            <a:pPr marL="628650" indent="-285750" algn="just">
+              <a:lnSpc>
+                <a:spcPct val="150000"/>
+              </a:lnSpc>
+            </a:pPr>
+            <a:endParaRPr lang="ru-RU" sz="1600" dirty="0"/>
+          </a:p>
+          <a:p>
+            <a:pPr marL="628650" indent="-285750" algn="just">
+              <a:lnSpc>
+                <a:spcPct val="150000"/>
+              </a:lnSpc>
+            </a:pPr>
+            <a:endParaRPr lang="ru-RU" sz="1600" dirty="0"/>
+          </a:p>
+          <a:p>
+            <a:pPr marL="628650" indent="-285750" algn="just">
+              <a:lnSpc>
+                <a:spcPct val="150000"/>
+              </a:lnSpc>
+            </a:pPr>
+            <a:endParaRPr lang="ru-RU" sz="1600" dirty="0"/>
+          </a:p>
+        </p:txBody>
+      </p:sp>
+      <p:sp>
+        <p:nvSpPr>
+          <p:cNvPr id="5" name="Номер слайда 4">
+            <a:extLst>
+              <a:ext uri="{FF2B5EF4-FFF2-40B4-BE49-F238E27FC236}">
+                <a16:creationId xmlns:a16="http://schemas.microsoft.com/office/drawing/2014/main" id="{212FF369-1FFB-D9DB-ECAC-BB54F3ED29F7}"/>
+              </a:ext>
+            </a:extLst>
+          </p:cNvPr>
+          <p:cNvSpPr>
+            <a:spLocks noGrp="1"/>
+          </p:cNvSpPr>
+          <p:nvPr>
+            <p:ph type="sldNum" sz="quarter" idx="12"/>
+          </p:nvPr>
+        </p:nvSpPr>
+        <p:spPr/>
+        <p:txBody>
+          <a:bodyPr/>
+          <a:lstStyle/>
+          <a:p>
+            <a:fld id="{C1FF6DA9-008F-8B48-92A6-B652298478BF}" type="slidenum">
+              <a:rPr lang="en-US" sz="1400" b="1" smtClean="0">
+                <a:solidFill>
+                  <a:schemeClr val="tx1"/>
+                </a:solidFill>
+              </a:rPr>
+              <a:t>2</a:t>
+            </a:fld>
+            <a:endParaRPr lang="en-US" sz="1400" b="1" dirty="0">
+              <a:solidFill>
+                <a:schemeClr val="tx1"/>
+              </a:solidFill>
+            </a:endParaRPr>
+          </a:p>
+        </p:txBody>
+      </p:sp>
+    </p:spTree>
+    <p:extLst>
+      <p:ext uri="{BB962C8B-B14F-4D97-AF65-F5344CB8AC3E}">
+        <p14:creationId xmlns:p14="http://schemas.microsoft.com/office/powerpoint/2010/main" val="30053038"/>
+      </p:ext>
+    </p:extLst>
+  </p:cSld>
+  <p:clrMapOvr>
+    <a:masterClrMapping/>
+  </p:clrMapOvr>
+</p:sld>
+</file>
+
+<file path=ppt/slides/slide3.xml><?xml version="1.0" encoding="utf-8"?>
+<p:sld xmlns:a="http://schemas.openxmlformats.org/drawingml/2006/main" xmlns:r="http://schemas.openxmlformats.org/officeDocument/2006/relationships" xmlns:p="http://schemas.openxmlformats.org/presentationml/2006/main">
+  <p:cSld>
+    <p:spTree>
+      <p:nvGrpSpPr>
+        <p:cNvPr id="1" name=""/>
+        <p:cNvGrpSpPr/>
+        <p:nvPr/>
+      </p:nvGrpSpPr>
+      <p:grpSpPr>
+        <a:xfrm>
+          <a:off x="0" y="0"/>
+          <a:ext cx="0" cy="0"/>
+          <a:chOff x="0" y="0"/>
+          <a:chExt cx="0" cy="0"/>
+        </a:xfrm>
+      </p:grpSpPr>
+      <p:sp useBgFill="1">
+        <p:nvSpPr>
+          <p:cNvPr id="8" name="Rectangle 7">
+            <a:extLst>
+              <a:ext uri="{FF2B5EF4-FFF2-40B4-BE49-F238E27FC236}">
+                <a16:creationId xmlns:a16="http://schemas.microsoft.com/office/drawing/2014/main" id="{1B15ED52-F352-441B-82BF-E0EA34836D08}"/>
+              </a:ext>
+              <a:ext uri="{C183D7F6-B498-43B3-948B-1728B52AA6E4}">
+                <adec:decorative xmlns:adec="http://schemas.microsoft.com/office/drawing/2017/decorative" val="1"/>
+              </a:ext>
+            </a:extLst>
+          </p:cNvPr>
+          <p:cNvSpPr>
+            <a:spLocks noGrp="1" noRot="1" noChangeAspect="1" noMove="1" noResize="1" noEditPoints="1" noAdjustHandles="1" noChangeArrowheads="1" noChangeShapeType="1" noTextEdit="1"/>
+          </p:cNvSpPr>
+          <p:nvPr>
+            <p:extLst>
+              <p:ext uri="{386F3935-93C4-4BCD-93E2-E3B085C9AB24}">
+                <p16:designElem xmlns:p16="http://schemas.microsoft.com/office/powerpoint/2015/main" val="1"/>
+              </p:ext>
+            </p:extLst>
+          </p:nvPr>
+        </p:nvSpPr>
+        <p:spPr>
+          <a:xfrm>
+            <a:off x="0" y="0"/>
+            <a:ext cx="9144000" cy="6858000"/>
+          </a:xfrm>
+          <a:prstGeom prst="rect">
+            <a:avLst/>
+          </a:prstGeom>
+          <a:ln w="12700" cap="flat" cmpd="sng" algn="ctr">
+            <a:noFill/>
+            <a:prstDash val="solid"/>
+            <a:miter lim="800000"/>
+          </a:ln>
+          <a:effectLst/>
+          <a:extLst>
+            <a:ext uri="{91240B29-F687-4F45-9708-019B960494DF}">
+              <a14:hiddenLine xmlns:a14="http://schemas.microsoft.com/office/drawing/2010/main" w="12700" cap="flat" cmpd="sng" algn="ctr">
+                <a:solidFill>
+                  <a:schemeClr val="accent1">
+                    <a:shade val="50000"/>
+                  </a:schemeClr>
+                </a:solidFill>
+                <a:prstDash val="solid"/>
+                <a:miter lim="800000"/>
+              </a14:hiddenLine>
+            </a:ext>
+          </a:extLst>
+        </p:spPr>
+        <p:style>
+          <a:lnRef idx="2">
+            <a:schemeClr val="accent1">
+              <a:shade val="50000"/>
+            </a:schemeClr>
+          </a:lnRef>
+          <a:fillRef idx="1">
+            <a:schemeClr val="accent1"/>
+          </a:fillRef>
+          <a:effectRef idx="0">
+            <a:schemeClr val="accent1"/>
+          </a:effectRef>
+          <a:fontRef idx="minor">
+            <a:schemeClr val="lt1"/>
+          </a:fontRef>
+        </p:style>
+        <p:txBody>
+          <a:bodyPr rtlCol="0" anchor="ctr"/>
+          <a:lstStyle/>
+          <a:p>
+            <a:pPr algn="ctr"/>
+            <a:endParaRPr lang="en-US"/>
+          </a:p>
+        </p:txBody>
+      </p:sp>
+      <p:sp>
+        <p:nvSpPr>
+          <p:cNvPr id="10" name="Rectangle 9">
+            <a:extLst>
+              <a:ext uri="{FF2B5EF4-FFF2-40B4-BE49-F238E27FC236}">
+                <a16:creationId xmlns:a16="http://schemas.microsoft.com/office/drawing/2014/main" id="{3B2E3793-BFE6-45A2-9B7B-E18844431C99}"/>
+              </a:ext>
+              <a:ext uri="{C183D7F6-B498-43B3-948B-1728B52AA6E4}">
+                <adec:decorative xmlns:adec="http://schemas.microsoft.com/office/drawing/2017/decorative" val="1"/>
+              </a:ext>
+            </a:extLst>
+          </p:cNvPr>
+          <p:cNvSpPr>
+            <a:spLocks noGrp="1" noRot="1" noChangeAspect="1" noMove="1" noResize="1" noEditPoints="1" noAdjustHandles="1" noChangeArrowheads="1" noChangeShapeType="1" noTextEdit="1"/>
+          </p:cNvSpPr>
+          <p:nvPr>
+            <p:extLst>
+              <p:ext uri="{386F3935-93C4-4BCD-93E2-E3B085C9AB24}">
+                <p16:designElem xmlns:p16="http://schemas.microsoft.com/office/powerpoint/2015/main" val="1"/>
+              </p:ext>
+            </p:extLst>
+          </p:nvPr>
+        </p:nvSpPr>
+        <p:spPr>
+          <a:xfrm flipH="1">
+            <a:off x="0" y="-1"/>
+            <a:ext cx="9143997" cy="1590742"/>
+          </a:xfrm>
+          <a:prstGeom prst="rect">
+            <a:avLst/>
+          </a:prstGeom>
+          <a:gradFill>
+            <a:gsLst>
+              <a:gs pos="0">
+                <a:srgbClr val="000000"/>
+              </a:gs>
+              <a:gs pos="100000">
+                <a:schemeClr val="accent1">
+                  <a:lumMod val="75000"/>
+                </a:schemeClr>
+              </a:gs>
+            </a:gsLst>
+            <a:lin ang="8400000" scaled="0"/>
+          </a:gradFill>
+          <a:ln>
+            <a:noFill/>
+          </a:ln>
+        </p:spPr>
+        <p:style>
+          <a:lnRef idx="2">
+            <a:schemeClr val="accent1">
+              <a:shade val="50000"/>
+            </a:schemeClr>
+          </a:lnRef>
+          <a:fillRef idx="1">
+            <a:schemeClr val="accent1"/>
+          </a:fillRef>
+          <a:effectRef idx="0">
+            <a:schemeClr val="accent1"/>
+          </a:effectRef>
+          <a:fontRef idx="minor">
+            <a:schemeClr val="lt1"/>
+          </a:fontRef>
+        </p:style>
+        <p:txBody>
+          <a:bodyPr rtlCol="0" anchor="ctr"/>
+          <a:lstStyle/>
+          <a:p>
+            <a:pPr algn="ctr"/>
+            <a:endParaRPr lang="en-US"/>
+          </a:p>
+        </p:txBody>
+      </p:sp>
+      <p:sp>
+        <p:nvSpPr>
+          <p:cNvPr id="12" name="Rectangle 11">
+            <a:extLst>
+              <a:ext uri="{FF2B5EF4-FFF2-40B4-BE49-F238E27FC236}">
+                <a16:creationId xmlns:a16="http://schemas.microsoft.com/office/drawing/2014/main" id="{BC4C4868-CB8F-4AF9-9CDB-8108F2C19B67}"/>
+              </a:ext>
+              <a:ext uri="{C183D7F6-B498-43B3-948B-1728B52AA6E4}">
+                <adec:decorative xmlns:adec="http://schemas.microsoft.com/office/drawing/2017/decorative" val="1"/>
+              </a:ext>
+            </a:extLst>
+          </p:cNvPr>
+          <p:cNvSpPr>
+            <a:spLocks noGrp="1" noRot="1" noChangeAspect="1" noMove="1" noResize="1" noEditPoints="1" noAdjustHandles="1" noChangeArrowheads="1" noChangeShapeType="1" noTextEdit="1"/>
+          </p:cNvSpPr>
+          <p:nvPr>
+            <p:extLst>
+              <p:ext uri="{386F3935-93C4-4BCD-93E2-E3B085C9AB24}">
+                <p16:designElem xmlns:p16="http://schemas.microsoft.com/office/powerpoint/2015/main" val="1"/>
+              </p:ext>
+            </p:extLst>
+          </p:nvPr>
+        </p:nvSpPr>
+        <p:spPr>
+          <a:xfrm rot="10800000" flipH="1">
+            <a:off x="-2" y="0"/>
+            <a:ext cx="6086479" cy="1590742"/>
+          </a:xfrm>
+          <a:prstGeom prst="rect">
+            <a:avLst/>
+          </a:prstGeom>
+          <a:gradFill>
+            <a:gsLst>
+              <a:gs pos="20000">
+                <a:schemeClr val="accent1">
+                  <a:alpha val="0"/>
+                </a:schemeClr>
+              </a:gs>
+              <a:gs pos="100000">
+                <a:schemeClr val="accent1">
+                  <a:lumMod val="50000"/>
+                  <a:alpha val="55000"/>
+                </a:schemeClr>
+              </a:gs>
+            </a:gsLst>
+            <a:lin ang="13800000" scaled="0"/>
+          </a:gradFill>
+          <a:ln>
+            <a:noFill/>
+          </a:ln>
+        </p:spPr>
+        <p:style>
+          <a:lnRef idx="2">
+            <a:schemeClr val="accent1">
+              <a:shade val="50000"/>
+            </a:schemeClr>
+          </a:lnRef>
+          <a:fillRef idx="1">
+            <a:schemeClr val="accent1"/>
+          </a:fillRef>
+          <a:effectRef idx="0">
+            <a:schemeClr val="accent1"/>
+          </a:effectRef>
+          <a:fontRef idx="minor">
+            <a:schemeClr val="lt1"/>
+          </a:fontRef>
+        </p:style>
+        <p:txBody>
+          <a:bodyPr rtlCol="0" anchor="ctr"/>
+          <a:lstStyle/>
+          <a:p>
+            <a:pPr algn="ctr"/>
+            <a:endParaRPr lang="en-US"/>
+          </a:p>
+        </p:txBody>
+      </p:sp>
+      <p:sp>
+        <p:nvSpPr>
+          <p:cNvPr id="14" name="Rectangle 13">
+            <a:extLst>
+              <a:ext uri="{FF2B5EF4-FFF2-40B4-BE49-F238E27FC236}">
+                <a16:creationId xmlns:a16="http://schemas.microsoft.com/office/drawing/2014/main" id="{375E0459-6403-40CD-989D-56A4407CA12E}"/>
+              </a:ext>
+              <a:ext uri="{C183D7F6-B498-43B3-948B-1728B52AA6E4}">
+                <adec:decorative xmlns:adec="http://schemas.microsoft.com/office/drawing/2017/decorative" val="1"/>
+              </a:ext>
+            </a:extLst>
+          </p:cNvPr>
+          <p:cNvSpPr>
+            <a:spLocks noGrp="1" noRot="1" noChangeAspect="1" noMove="1" noResize="1" noEditPoints="1" noAdjustHandles="1" noChangeArrowheads="1" noChangeShapeType="1" noTextEdit="1"/>
+          </p:cNvSpPr>
+          <p:nvPr>
+            <p:extLst>
+              <p:ext uri="{386F3935-93C4-4BCD-93E2-E3B085C9AB24}">
+                <p16:designElem xmlns:p16="http://schemas.microsoft.com/office/powerpoint/2015/main" val="1"/>
+              </p:ext>
+            </p:extLst>
+          </p:nvPr>
+        </p:nvSpPr>
+        <p:spPr>
+          <a:xfrm flipH="1">
+            <a:off x="6086474" y="-1"/>
+            <a:ext cx="3057523" cy="1590742"/>
+          </a:xfrm>
+          <a:prstGeom prst="rect">
+            <a:avLst/>
+          </a:prstGeom>
+          <a:gradFill>
+            <a:gsLst>
+              <a:gs pos="0">
+                <a:schemeClr val="accent1">
+                  <a:alpha val="66000"/>
+                </a:schemeClr>
+              </a:gs>
+              <a:gs pos="100000">
+                <a:srgbClr val="000000">
+                  <a:alpha val="30000"/>
+                </a:srgbClr>
+              </a:gs>
+            </a:gsLst>
+            <a:lin ang="13200000" scaled="0"/>
+          </a:gradFill>
+          <a:ln>
+            <a:noFill/>
+          </a:ln>
+        </p:spPr>
+        <p:style>
+          <a:lnRef idx="2">
+            <a:schemeClr val="accent1">
+              <a:shade val="50000"/>
+            </a:schemeClr>
+          </a:lnRef>
+          <a:fillRef idx="1">
+            <a:schemeClr val="accent1"/>
+          </a:fillRef>
+          <a:effectRef idx="0">
+            <a:schemeClr val="accent1"/>
+          </a:effectRef>
+          <a:fontRef idx="minor">
+            <a:schemeClr val="lt1"/>
+          </a:fontRef>
+        </p:style>
+        <p:txBody>
+          <a:bodyPr rtlCol="0" anchor="ctr"/>
+          <a:lstStyle/>
+          <a:p>
+            <a:pPr algn="ctr"/>
+            <a:endParaRPr lang="en-US"/>
+          </a:p>
+        </p:txBody>
+      </p:sp>
+      <p:sp>
+        <p:nvSpPr>
+          <p:cNvPr id="16" name="Rectangle 15">
+            <a:extLst>
+              <a:ext uri="{FF2B5EF4-FFF2-40B4-BE49-F238E27FC236}">
+                <a16:creationId xmlns:a16="http://schemas.microsoft.com/office/drawing/2014/main" id="{53E5B1A8-3AC9-4BD1-9BBC-78CA94F2D1BA}"/>
+              </a:ext>
+              <a:ext uri="{C183D7F6-B498-43B3-948B-1728B52AA6E4}">
+                <adec:decorative xmlns:adec="http://schemas.microsoft.com/office/drawing/2017/decorative" val="1"/>
+              </a:ext>
+            </a:extLst>
+          </p:cNvPr>
+          <p:cNvSpPr>
+            <a:spLocks noGrp="1" noRot="1" noChangeAspect="1" noMove="1" noResize="1" noEditPoints="1" noAdjustHandles="1" noChangeArrowheads="1" noChangeShapeType="1" noTextEdit="1"/>
+          </p:cNvSpPr>
+          <p:nvPr>
+            <p:extLst>
+              <p:ext uri="{386F3935-93C4-4BCD-93E2-E3B085C9AB24}">
+                <p16:designElem xmlns:p16="http://schemas.microsoft.com/office/powerpoint/2015/main" val="1"/>
+              </p:ext>
+            </p:extLst>
+          </p:nvPr>
+        </p:nvSpPr>
+        <p:spPr>
+          <a:xfrm>
+            <a:off x="344512" y="-1"/>
+            <a:ext cx="8799485" cy="1597433"/>
+          </a:xfrm>
+          <a:prstGeom prst="rect">
+            <a:avLst/>
+          </a:prstGeom>
+          <a:gradFill>
+            <a:gsLst>
+              <a:gs pos="50000">
+                <a:srgbClr val="000000">
+                  <a:alpha val="0"/>
+                </a:srgbClr>
+              </a:gs>
+              <a:gs pos="99000">
+                <a:schemeClr val="accent1">
+                  <a:lumMod val="50000"/>
+                  <a:alpha val="52000"/>
+                </a:schemeClr>
+              </a:gs>
+            </a:gsLst>
+            <a:lin ang="16800000" scaled="0"/>
+          </a:gradFill>
+          <a:ln>
+            <a:noFill/>
+          </a:ln>
+        </p:spPr>
+        <p:style>
+          <a:lnRef idx="2">
+            <a:schemeClr val="accent1">
+              <a:shade val="50000"/>
+            </a:schemeClr>
+          </a:lnRef>
+          <a:fillRef idx="1">
+            <a:schemeClr val="accent1"/>
+          </a:fillRef>
+          <a:effectRef idx="0">
+            <a:schemeClr val="accent1"/>
+          </a:effectRef>
+          <a:fontRef idx="minor">
+            <a:schemeClr val="lt1"/>
+          </a:fontRef>
+        </p:style>
+        <p:txBody>
+          <a:bodyPr rtlCol="0" anchor="ctr"/>
+          <a:lstStyle/>
+          <a:p>
+            <a:pPr algn="ctr"/>
+            <a:endParaRPr lang="en-US"/>
+          </a:p>
+        </p:txBody>
+      </p:sp>
+      <p:sp>
+        <p:nvSpPr>
+          <p:cNvPr id="2" name="Title 1"/>
+          <p:cNvSpPr>
+            <a:spLocks noGrp="1"/>
+          </p:cNvSpPr>
+          <p:nvPr>
+            <p:ph type="title"/>
+          </p:nvPr>
+        </p:nvSpPr>
+        <p:spPr>
+          <a:xfrm>
+            <a:off x="1028699" y="294538"/>
+            <a:ext cx="7421963" cy="1033669"/>
+          </a:xfrm>
+        </p:spPr>
+        <p:txBody>
+          <a:bodyPr>
+            <a:normAutofit fontScale="90000"/>
+          </a:bodyPr>
+          <a:lstStyle/>
+          <a:p>
+            <a:r>
+              <a:rPr lang="ru-RU" sz="3500" b="1" dirty="0">
+                <a:solidFill>
+                  <a:srgbClr val="FFFFFF"/>
+                </a:solidFill>
+              </a:rPr>
+              <a:t>Цель и задачи выпускной квалификационной работы</a:t>
+            </a:r>
+          </a:p>
+        </p:txBody>
+      </p:sp>
+      <p:sp>
+        <p:nvSpPr>
+          <p:cNvPr id="3" name="Content Placeholder 2"/>
+          <p:cNvSpPr>
+            <a:spLocks noGrp="1"/>
+          </p:cNvSpPr>
+          <p:nvPr>
+            <p:ph idx="1"/>
+          </p:nvPr>
+        </p:nvSpPr>
+        <p:spPr>
+          <a:xfrm>
+            <a:off x="432619" y="1750142"/>
+            <a:ext cx="8613058" cy="5107858"/>
+          </a:xfrm>
+        </p:spPr>
+        <p:txBody>
+          <a:bodyPr anchor="ctr">
+            <a:normAutofit fontScale="92500" lnSpcReduction="20000"/>
+          </a:bodyPr>
+          <a:lstStyle/>
+          <a:p>
+            <a:pPr indent="450215" algn="just">
+              <a:lnSpc>
+                <a:spcPct val="150000"/>
+              </a:lnSpc>
+              <a:buNone/>
+            </a:pPr>
+            <a:r>
+              <a:rPr lang="ru-RU" sz="1700" b="1" dirty="0">
+                <a:effectLst/>
+                <a:latin typeface="Times New Roman" panose="02020603050405020304" pitchFamily="18" charset="0"/>
+                <a:ea typeface="Times New Roman" panose="02020603050405020304" pitchFamily="18" charset="0"/>
+              </a:rPr>
+              <a:t>Цель:</a:t>
+            </a:r>
+            <a:r>
+              <a:rPr lang="ru-RU" sz="1700" dirty="0">
+                <a:effectLst/>
+                <a:latin typeface="Times New Roman" panose="02020603050405020304" pitchFamily="18" charset="0"/>
+                <a:ea typeface="Times New Roman" panose="02020603050405020304" pitchFamily="18" charset="0"/>
+              </a:rPr>
+              <a:t> Разработка конструкции и программных решений образовательной мобильной роботизированной платформ </a:t>
+            </a:r>
+            <a:r>
+              <a:rPr lang="en-US" sz="1700" dirty="0">
+                <a:effectLst/>
+                <a:latin typeface="Times New Roman" panose="02020603050405020304" pitchFamily="18" charset="0"/>
+                <a:ea typeface="Times New Roman" panose="02020603050405020304" pitchFamily="18" charset="0"/>
+              </a:rPr>
+              <a:t>c</a:t>
+            </a:r>
+            <a:r>
+              <a:rPr lang="ru-RU" sz="1700" dirty="0">
+                <a:effectLst/>
+                <a:latin typeface="Times New Roman" panose="02020603050405020304" pitchFamily="18" charset="0"/>
+                <a:ea typeface="Times New Roman" panose="02020603050405020304" pitchFamily="18" charset="0"/>
+              </a:rPr>
+              <a:t> возможностью совместной работы с манипулятором.</a:t>
+            </a:r>
+          </a:p>
+          <a:p>
+            <a:pPr indent="450215" algn="just">
+              <a:lnSpc>
+                <a:spcPct val="150000"/>
+              </a:lnSpc>
+              <a:buNone/>
+            </a:pPr>
+            <a:r>
+              <a:rPr lang="ru-RU" sz="1700" b="1" dirty="0">
+                <a:effectLst/>
+                <a:latin typeface="Times New Roman" panose="02020603050405020304" pitchFamily="18" charset="0"/>
+                <a:ea typeface="Times New Roman" panose="02020603050405020304" pitchFamily="18" charset="0"/>
+              </a:rPr>
+              <a:t>Задачи:</a:t>
+            </a:r>
+            <a:endParaRPr lang="ru-RU" sz="1700" dirty="0">
+              <a:effectLst/>
+              <a:latin typeface="Times New Roman" panose="02020603050405020304" pitchFamily="18" charset="0"/>
+              <a:ea typeface="Times New Roman" panose="02020603050405020304" pitchFamily="18" charset="0"/>
+            </a:endParaRPr>
+          </a:p>
+          <a:p>
+            <a:pPr algn="just">
+              <a:lnSpc>
+                <a:spcPct val="150000"/>
+              </a:lnSpc>
+              <a:buFont typeface="+mj-lt"/>
+              <a:buAutoNum type="arabicPeriod"/>
+              <a:tabLst>
+                <a:tab pos="457200" algn="l"/>
+              </a:tabLst>
+            </a:pPr>
+            <a:r>
+              <a:rPr lang="ru-RU" sz="1700" dirty="0">
+                <a:effectLst/>
+                <a:highlight>
+                  <a:srgbClr val="00FF00"/>
+                </a:highlight>
+                <a:latin typeface="Times New Roman" panose="02020603050405020304" pitchFamily="18" charset="0"/>
+                <a:ea typeface="Times New Roman" panose="02020603050405020304" pitchFamily="18" charset="0"/>
+              </a:rPr>
+              <a:t>Изучение и анализ современных мобильных платформ с учетом их конструктивных особенностей и функциональных характеристик, а также разработка технического задания на основе полученных данных.</a:t>
+            </a:r>
+            <a:endParaRPr lang="en-US" sz="1700" dirty="0">
+              <a:effectLst/>
+              <a:highlight>
+                <a:srgbClr val="00FF00"/>
+              </a:highlight>
+              <a:latin typeface="Times New Roman" panose="02020603050405020304" pitchFamily="18" charset="0"/>
+              <a:ea typeface="Times New Roman" panose="02020603050405020304" pitchFamily="18" charset="0"/>
+            </a:endParaRPr>
+          </a:p>
+          <a:p>
+            <a:pPr marL="342900" lvl="0" indent="-342900" algn="just">
+              <a:lnSpc>
+                <a:spcPct val="150000"/>
+              </a:lnSpc>
+              <a:buFont typeface="+mj-lt"/>
+              <a:buAutoNum type="arabicPeriod"/>
+              <a:tabLst>
+                <a:tab pos="457200" algn="l"/>
+              </a:tabLst>
+            </a:pPr>
+            <a:r>
+              <a:rPr lang="ru-RU" sz="1700" dirty="0">
+                <a:effectLst/>
+                <a:highlight>
+                  <a:srgbClr val="00FF00"/>
+                </a:highlight>
+                <a:latin typeface="Times New Roman" panose="02020603050405020304" pitchFamily="18" charset="0"/>
+                <a:ea typeface="Times New Roman" panose="02020603050405020304" pitchFamily="18" charset="0"/>
+              </a:rPr>
+              <a:t>Разработка методики обучения и демонстрационного поля с использованием мобильной платформы. </a:t>
+            </a:r>
+          </a:p>
+          <a:p>
+            <a:pPr marL="342900" lvl="0" indent="-342900" algn="just">
+              <a:lnSpc>
+                <a:spcPct val="150000"/>
+              </a:lnSpc>
+              <a:buFont typeface="+mj-lt"/>
+              <a:buAutoNum type="arabicPeriod"/>
+              <a:tabLst>
+                <a:tab pos="457200" algn="l"/>
+              </a:tabLst>
+            </a:pPr>
+            <a:r>
+              <a:rPr lang="ru-RU" sz="1700" dirty="0">
+                <a:effectLst/>
+                <a:highlight>
+                  <a:srgbClr val="00FF00"/>
+                </a:highlight>
+                <a:latin typeface="Times New Roman" panose="02020603050405020304" pitchFamily="18" charset="0"/>
+                <a:ea typeface="Times New Roman" panose="02020603050405020304" pitchFamily="18" charset="0"/>
+              </a:rPr>
+              <a:t>Разработка структурной схемы мобильной платформы.</a:t>
+            </a:r>
+          </a:p>
+          <a:p>
+            <a:pPr marL="342900" lvl="0" indent="-342900" algn="just">
+              <a:lnSpc>
+                <a:spcPct val="150000"/>
+              </a:lnSpc>
+              <a:buFont typeface="+mj-lt"/>
+              <a:buAutoNum type="arabicPeriod"/>
+              <a:tabLst>
+                <a:tab pos="457200" algn="l"/>
+              </a:tabLst>
+            </a:pPr>
+            <a:r>
+              <a:rPr lang="ru-RU" sz="1700" dirty="0">
+                <a:effectLst/>
+                <a:highlight>
+                  <a:srgbClr val="00FF00"/>
+                </a:highlight>
+                <a:latin typeface="Times New Roman" panose="02020603050405020304" pitchFamily="18" charset="0"/>
+                <a:ea typeface="Times New Roman" panose="02020603050405020304" pitchFamily="18" charset="0"/>
+              </a:rPr>
+              <a:t>Проектирование конструкции мобильной платформы и её компонентов. </a:t>
+            </a:r>
+          </a:p>
+          <a:p>
+            <a:pPr marL="342900" lvl="0" indent="-342900" algn="just">
+              <a:lnSpc>
+                <a:spcPct val="150000"/>
+              </a:lnSpc>
+              <a:buFont typeface="+mj-lt"/>
+              <a:buAutoNum type="arabicPeriod"/>
+              <a:tabLst>
+                <a:tab pos="457200" algn="l"/>
+              </a:tabLst>
+            </a:pPr>
+            <a:r>
+              <a:rPr lang="ru-RU" sz="1700" dirty="0">
+                <a:effectLst/>
+                <a:highlight>
+                  <a:srgbClr val="00FF00"/>
+                </a:highlight>
+                <a:latin typeface="Times New Roman" panose="02020603050405020304" pitchFamily="18" charset="0"/>
+                <a:ea typeface="Times New Roman" panose="02020603050405020304" pitchFamily="18" charset="0"/>
+              </a:rPr>
+              <a:t>Выбор электроники и дополнительных компонентов.</a:t>
+            </a:r>
+          </a:p>
+          <a:p>
+            <a:pPr marL="342900" lvl="0" indent="-342900" algn="just">
+              <a:lnSpc>
+                <a:spcPct val="150000"/>
+              </a:lnSpc>
+              <a:buFont typeface="+mj-lt"/>
+              <a:buAutoNum type="arabicPeriod"/>
+              <a:tabLst>
+                <a:tab pos="457200" algn="l"/>
+              </a:tabLst>
+            </a:pPr>
+            <a:r>
+              <a:rPr lang="ru-RU" sz="1700" dirty="0">
+                <a:effectLst/>
+                <a:latin typeface="Times New Roman" panose="02020603050405020304" pitchFamily="18" charset="0"/>
+                <a:ea typeface="Times New Roman" panose="02020603050405020304" pitchFamily="18" charset="0"/>
+              </a:rPr>
+              <a:t>Разработка алгоритмов управления для демонстрационной задачи на основе </a:t>
+            </a:r>
+            <a:r>
+              <a:rPr lang="en-US" sz="1700" dirty="0">
+                <a:effectLst/>
+                <a:latin typeface="Times New Roman" panose="02020603050405020304" pitchFamily="18" charset="0"/>
+                <a:ea typeface="Times New Roman" panose="02020603050405020304" pitchFamily="18" charset="0"/>
+              </a:rPr>
+              <a:t>SLAM</a:t>
+            </a:r>
+            <a:r>
+              <a:rPr lang="ru-RU" sz="1700" dirty="0">
+                <a:effectLst/>
+                <a:latin typeface="Times New Roman" panose="02020603050405020304" pitchFamily="18" charset="0"/>
+                <a:ea typeface="Times New Roman" panose="02020603050405020304" pitchFamily="18" charset="0"/>
+              </a:rPr>
+              <a:t>-навигации и их симуляция в виртуальной среде.</a:t>
+            </a:r>
+          </a:p>
+          <a:p>
+            <a:pPr marL="342900" lvl="0" indent="-342900" algn="just">
+              <a:lnSpc>
+                <a:spcPct val="150000"/>
+              </a:lnSpc>
+              <a:buFont typeface="+mj-lt"/>
+              <a:buAutoNum type="arabicPeriod"/>
+              <a:tabLst>
+                <a:tab pos="457200" algn="l"/>
+              </a:tabLst>
+            </a:pPr>
+            <a:r>
+              <a:rPr lang="ru-RU" sz="1700" dirty="0">
+                <a:effectLst/>
+                <a:latin typeface="Times New Roman" panose="02020603050405020304" pitchFamily="18" charset="0"/>
+                <a:ea typeface="Times New Roman" panose="02020603050405020304" pitchFamily="18" charset="0"/>
+              </a:rPr>
+              <a:t>Проведение регулировочного расчета для одного привода шасси.</a:t>
+            </a:r>
+          </a:p>
+          <a:p>
+            <a:pPr marL="0" indent="0">
+              <a:lnSpc>
+                <a:spcPct val="90000"/>
+              </a:lnSpc>
+              <a:buNone/>
+            </a:pPr>
+            <a:endParaRPr lang="ru-RU" sz="1400" dirty="0"/>
+          </a:p>
+        </p:txBody>
+      </p:sp>
+      <p:sp>
+        <p:nvSpPr>
+          <p:cNvPr id="5" name="Номер слайда 4">
+            <a:extLst>
+              <a:ext uri="{FF2B5EF4-FFF2-40B4-BE49-F238E27FC236}">
+                <a16:creationId xmlns:a16="http://schemas.microsoft.com/office/drawing/2014/main" id="{C5D849F1-DBBA-B6BB-EC8C-FEA0CE212DF2}"/>
+              </a:ext>
+            </a:extLst>
+          </p:cNvPr>
+          <p:cNvSpPr>
+            <a:spLocks noGrp="1"/>
+          </p:cNvSpPr>
+          <p:nvPr>
+            <p:ph type="sldNum" sz="quarter" idx="12"/>
+          </p:nvPr>
+        </p:nvSpPr>
+        <p:spPr/>
+        <p:txBody>
+          <a:bodyPr/>
+          <a:lstStyle/>
+          <a:p>
+            <a:fld id="{C1FF6DA9-008F-8B48-92A6-B652298478BF}" type="slidenum">
+              <a:rPr lang="en-US" sz="1400" b="1" smtClean="0">
+                <a:solidFill>
+                  <a:schemeClr val="tx1"/>
+                </a:solidFill>
+              </a:rPr>
+              <a:t>3</a:t>
+            </a:fld>
+            <a:endParaRPr lang="en-US" sz="1400" b="1" dirty="0">
+              <a:solidFill>
+                <a:schemeClr val="tx1"/>
+              </a:solidFill>
+            </a:endParaRPr>
+          </a:p>
+        </p:txBody>
+      </p:sp>
+    </p:spTree>
+  </p:cSld>
+  <p:clrMapOvr>
+    <a:masterClrMapping/>
+  </p:clrMapOvr>
+</p:sld>
+</file>
+
+<file path=ppt/slides/slide4.xml><?xml version="1.0" encoding="utf-8"?>
 <p:sld xmlns:a="http://schemas.openxmlformats.org/drawingml/2006/main" xmlns:r="http://schemas.openxmlformats.org/officeDocument/2006/relationships" xmlns:p="http://schemas.openxmlformats.org/presentationml/2006/main">
   <p:cSld>
     <p:spTree>
@@ -10018,7 +12061,7 @@
                   <a:schemeClr val="tx1"/>
                 </a:solidFill>
               </a:rPr>
-              <a:t>2</a:t>
+              <a:t>4</a:t>
             </a:fld>
             <a:endParaRPr lang="en-US" sz="1400" b="1" dirty="0">
               <a:solidFill>
@@ -10036,750 +12079,7 @@
 </p:sld>
 </file>
 
-<file path=ppt/slides/slide3.xml><?xml version="1.0" encoding="utf-8"?>
-<p:sld xmlns:a="http://schemas.openxmlformats.org/drawingml/2006/main" xmlns:r="http://schemas.openxmlformats.org/officeDocument/2006/relationships" xmlns:p="http://schemas.openxmlformats.org/presentationml/2006/main">
-  <p:cSld>
-    <p:spTree>
-      <p:nvGrpSpPr>
-        <p:cNvPr id="1" name=""/>
-        <p:cNvGrpSpPr/>
-        <p:nvPr/>
-      </p:nvGrpSpPr>
-      <p:grpSpPr>
-        <a:xfrm>
-          <a:off x="0" y="0"/>
-          <a:ext cx="0" cy="0"/>
-          <a:chOff x="0" y="0"/>
-          <a:chExt cx="0" cy="0"/>
-        </a:xfrm>
-      </p:grpSpPr>
-      <p:sp useBgFill="1">
-        <p:nvSpPr>
-          <p:cNvPr id="8" name="Rectangle 7">
-            <a:extLst>
-              <a:ext uri="{FF2B5EF4-FFF2-40B4-BE49-F238E27FC236}">
-                <a16:creationId xmlns:a16="http://schemas.microsoft.com/office/drawing/2014/main" id="{1B15ED52-F352-441B-82BF-E0EA34836D08}"/>
-              </a:ext>
-              <a:ext uri="{C183D7F6-B498-43B3-948B-1728B52AA6E4}">
-                <adec:decorative xmlns:adec="http://schemas.microsoft.com/office/drawing/2017/decorative" val="1"/>
-              </a:ext>
-            </a:extLst>
-          </p:cNvPr>
-          <p:cNvSpPr>
-            <a:spLocks noGrp="1" noRot="1" noChangeAspect="1" noMove="1" noResize="1" noEditPoints="1" noAdjustHandles="1" noChangeArrowheads="1" noChangeShapeType="1" noTextEdit="1"/>
-          </p:cNvSpPr>
-          <p:nvPr>
-            <p:extLst>
-              <p:ext uri="{386F3935-93C4-4BCD-93E2-E3B085C9AB24}">
-                <p16:designElem xmlns:p16="http://schemas.microsoft.com/office/powerpoint/2015/main" val="1"/>
-              </p:ext>
-            </p:extLst>
-          </p:nvPr>
-        </p:nvSpPr>
-        <p:spPr>
-          <a:xfrm>
-            <a:off x="0" y="0"/>
-            <a:ext cx="9144000" cy="6858000"/>
-          </a:xfrm>
-          <a:prstGeom prst="rect">
-            <a:avLst/>
-          </a:prstGeom>
-          <a:ln w="12700" cap="flat" cmpd="sng" algn="ctr">
-            <a:noFill/>
-            <a:prstDash val="solid"/>
-            <a:miter lim="800000"/>
-          </a:ln>
-          <a:effectLst/>
-          <a:extLst>
-            <a:ext uri="{91240B29-F687-4F45-9708-019B960494DF}">
-              <a14:hiddenLine xmlns:a14="http://schemas.microsoft.com/office/drawing/2010/main" w="12700" cap="flat" cmpd="sng" algn="ctr">
-                <a:solidFill>
-                  <a:schemeClr val="accent1">
-                    <a:shade val="50000"/>
-                  </a:schemeClr>
-                </a:solidFill>
-                <a:prstDash val="solid"/>
-                <a:miter lim="800000"/>
-              </a14:hiddenLine>
-            </a:ext>
-          </a:extLst>
-        </p:spPr>
-        <p:style>
-          <a:lnRef idx="2">
-            <a:schemeClr val="accent1">
-              <a:shade val="50000"/>
-            </a:schemeClr>
-          </a:lnRef>
-          <a:fillRef idx="1">
-            <a:schemeClr val="accent1"/>
-          </a:fillRef>
-          <a:effectRef idx="0">
-            <a:schemeClr val="accent1"/>
-          </a:effectRef>
-          <a:fontRef idx="minor">
-            <a:schemeClr val="lt1"/>
-          </a:fontRef>
-        </p:style>
-        <p:txBody>
-          <a:bodyPr rtlCol="0" anchor="ctr"/>
-          <a:lstStyle/>
-          <a:p>
-            <a:pPr algn="ctr"/>
-            <a:endParaRPr lang="en-US"/>
-          </a:p>
-        </p:txBody>
-      </p:sp>
-      <p:sp>
-        <p:nvSpPr>
-          <p:cNvPr id="10" name="Rectangle 9">
-            <a:extLst>
-              <a:ext uri="{FF2B5EF4-FFF2-40B4-BE49-F238E27FC236}">
-                <a16:creationId xmlns:a16="http://schemas.microsoft.com/office/drawing/2014/main" id="{3B2E3793-BFE6-45A2-9B7B-E18844431C99}"/>
-              </a:ext>
-              <a:ext uri="{C183D7F6-B498-43B3-948B-1728B52AA6E4}">
-                <adec:decorative xmlns:adec="http://schemas.microsoft.com/office/drawing/2017/decorative" val="1"/>
-              </a:ext>
-            </a:extLst>
-          </p:cNvPr>
-          <p:cNvSpPr>
-            <a:spLocks noGrp="1" noRot="1" noChangeAspect="1" noMove="1" noResize="1" noEditPoints="1" noAdjustHandles="1" noChangeArrowheads="1" noChangeShapeType="1" noTextEdit="1"/>
-          </p:cNvSpPr>
-          <p:nvPr>
-            <p:extLst>
-              <p:ext uri="{386F3935-93C4-4BCD-93E2-E3B085C9AB24}">
-                <p16:designElem xmlns:p16="http://schemas.microsoft.com/office/powerpoint/2015/main" val="1"/>
-              </p:ext>
-            </p:extLst>
-          </p:nvPr>
-        </p:nvSpPr>
-        <p:spPr>
-          <a:xfrm flipH="1">
-            <a:off x="0" y="-1"/>
-            <a:ext cx="9143997" cy="1590742"/>
-          </a:xfrm>
-          <a:prstGeom prst="rect">
-            <a:avLst/>
-          </a:prstGeom>
-          <a:gradFill>
-            <a:gsLst>
-              <a:gs pos="0">
-                <a:srgbClr val="000000"/>
-              </a:gs>
-              <a:gs pos="100000">
-                <a:schemeClr val="accent1">
-                  <a:lumMod val="75000"/>
-                </a:schemeClr>
-              </a:gs>
-            </a:gsLst>
-            <a:lin ang="8400000" scaled="0"/>
-          </a:gradFill>
-          <a:ln>
-            <a:noFill/>
-          </a:ln>
-        </p:spPr>
-        <p:style>
-          <a:lnRef idx="2">
-            <a:schemeClr val="accent1">
-              <a:shade val="50000"/>
-            </a:schemeClr>
-          </a:lnRef>
-          <a:fillRef idx="1">
-            <a:schemeClr val="accent1"/>
-          </a:fillRef>
-          <a:effectRef idx="0">
-            <a:schemeClr val="accent1"/>
-          </a:effectRef>
-          <a:fontRef idx="minor">
-            <a:schemeClr val="lt1"/>
-          </a:fontRef>
-        </p:style>
-        <p:txBody>
-          <a:bodyPr rtlCol="0" anchor="ctr"/>
-          <a:lstStyle/>
-          <a:p>
-            <a:pPr algn="ctr"/>
-            <a:endParaRPr lang="en-US"/>
-          </a:p>
-        </p:txBody>
-      </p:sp>
-      <p:sp>
-        <p:nvSpPr>
-          <p:cNvPr id="12" name="Rectangle 11">
-            <a:extLst>
-              <a:ext uri="{FF2B5EF4-FFF2-40B4-BE49-F238E27FC236}">
-                <a16:creationId xmlns:a16="http://schemas.microsoft.com/office/drawing/2014/main" id="{BC4C4868-CB8F-4AF9-9CDB-8108F2C19B67}"/>
-              </a:ext>
-              <a:ext uri="{C183D7F6-B498-43B3-948B-1728B52AA6E4}">
-                <adec:decorative xmlns:adec="http://schemas.microsoft.com/office/drawing/2017/decorative" val="1"/>
-              </a:ext>
-            </a:extLst>
-          </p:cNvPr>
-          <p:cNvSpPr>
-            <a:spLocks noGrp="1" noRot="1" noChangeAspect="1" noMove="1" noResize="1" noEditPoints="1" noAdjustHandles="1" noChangeArrowheads="1" noChangeShapeType="1" noTextEdit="1"/>
-          </p:cNvSpPr>
-          <p:nvPr>
-            <p:extLst>
-              <p:ext uri="{386F3935-93C4-4BCD-93E2-E3B085C9AB24}">
-                <p16:designElem xmlns:p16="http://schemas.microsoft.com/office/powerpoint/2015/main" val="1"/>
-              </p:ext>
-            </p:extLst>
-          </p:nvPr>
-        </p:nvSpPr>
-        <p:spPr>
-          <a:xfrm rot="10800000" flipH="1">
-            <a:off x="-2" y="0"/>
-            <a:ext cx="6086479" cy="1590742"/>
-          </a:xfrm>
-          <a:prstGeom prst="rect">
-            <a:avLst/>
-          </a:prstGeom>
-          <a:gradFill>
-            <a:gsLst>
-              <a:gs pos="20000">
-                <a:schemeClr val="accent1">
-                  <a:alpha val="0"/>
-                </a:schemeClr>
-              </a:gs>
-              <a:gs pos="100000">
-                <a:schemeClr val="accent1">
-                  <a:lumMod val="50000"/>
-                  <a:alpha val="55000"/>
-                </a:schemeClr>
-              </a:gs>
-            </a:gsLst>
-            <a:lin ang="13800000" scaled="0"/>
-          </a:gradFill>
-          <a:ln>
-            <a:noFill/>
-          </a:ln>
-        </p:spPr>
-        <p:style>
-          <a:lnRef idx="2">
-            <a:schemeClr val="accent1">
-              <a:shade val="50000"/>
-            </a:schemeClr>
-          </a:lnRef>
-          <a:fillRef idx="1">
-            <a:schemeClr val="accent1"/>
-          </a:fillRef>
-          <a:effectRef idx="0">
-            <a:schemeClr val="accent1"/>
-          </a:effectRef>
-          <a:fontRef idx="minor">
-            <a:schemeClr val="lt1"/>
-          </a:fontRef>
-        </p:style>
-        <p:txBody>
-          <a:bodyPr rtlCol="0" anchor="ctr"/>
-          <a:lstStyle/>
-          <a:p>
-            <a:pPr algn="ctr"/>
-            <a:endParaRPr lang="en-US"/>
-          </a:p>
-        </p:txBody>
-      </p:sp>
-      <p:sp>
-        <p:nvSpPr>
-          <p:cNvPr id="14" name="Rectangle 13">
-            <a:extLst>
-              <a:ext uri="{FF2B5EF4-FFF2-40B4-BE49-F238E27FC236}">
-                <a16:creationId xmlns:a16="http://schemas.microsoft.com/office/drawing/2014/main" id="{375E0459-6403-40CD-989D-56A4407CA12E}"/>
-              </a:ext>
-              <a:ext uri="{C183D7F6-B498-43B3-948B-1728B52AA6E4}">
-                <adec:decorative xmlns:adec="http://schemas.microsoft.com/office/drawing/2017/decorative" val="1"/>
-              </a:ext>
-            </a:extLst>
-          </p:cNvPr>
-          <p:cNvSpPr>
-            <a:spLocks noGrp="1" noRot="1" noChangeAspect="1" noMove="1" noResize="1" noEditPoints="1" noAdjustHandles="1" noChangeArrowheads="1" noChangeShapeType="1" noTextEdit="1"/>
-          </p:cNvSpPr>
-          <p:nvPr>
-            <p:extLst>
-              <p:ext uri="{386F3935-93C4-4BCD-93E2-E3B085C9AB24}">
-                <p16:designElem xmlns:p16="http://schemas.microsoft.com/office/powerpoint/2015/main" val="1"/>
-              </p:ext>
-            </p:extLst>
-          </p:nvPr>
-        </p:nvSpPr>
-        <p:spPr>
-          <a:xfrm flipH="1">
-            <a:off x="6086474" y="-1"/>
-            <a:ext cx="3057523" cy="1590742"/>
-          </a:xfrm>
-          <a:prstGeom prst="rect">
-            <a:avLst/>
-          </a:prstGeom>
-          <a:gradFill>
-            <a:gsLst>
-              <a:gs pos="0">
-                <a:schemeClr val="accent1">
-                  <a:alpha val="66000"/>
-                </a:schemeClr>
-              </a:gs>
-              <a:gs pos="100000">
-                <a:srgbClr val="000000">
-                  <a:alpha val="30000"/>
-                </a:srgbClr>
-              </a:gs>
-            </a:gsLst>
-            <a:lin ang="13200000" scaled="0"/>
-          </a:gradFill>
-          <a:ln>
-            <a:noFill/>
-          </a:ln>
-        </p:spPr>
-        <p:style>
-          <a:lnRef idx="2">
-            <a:schemeClr val="accent1">
-              <a:shade val="50000"/>
-            </a:schemeClr>
-          </a:lnRef>
-          <a:fillRef idx="1">
-            <a:schemeClr val="accent1"/>
-          </a:fillRef>
-          <a:effectRef idx="0">
-            <a:schemeClr val="accent1"/>
-          </a:effectRef>
-          <a:fontRef idx="minor">
-            <a:schemeClr val="lt1"/>
-          </a:fontRef>
-        </p:style>
-        <p:txBody>
-          <a:bodyPr rtlCol="0" anchor="ctr"/>
-          <a:lstStyle/>
-          <a:p>
-            <a:pPr algn="ctr"/>
-            <a:endParaRPr lang="en-US"/>
-          </a:p>
-        </p:txBody>
-      </p:sp>
-      <p:sp>
-        <p:nvSpPr>
-          <p:cNvPr id="16" name="Rectangle 15">
-            <a:extLst>
-              <a:ext uri="{FF2B5EF4-FFF2-40B4-BE49-F238E27FC236}">
-                <a16:creationId xmlns:a16="http://schemas.microsoft.com/office/drawing/2014/main" id="{53E5B1A8-3AC9-4BD1-9BBC-78CA94F2D1BA}"/>
-              </a:ext>
-              <a:ext uri="{C183D7F6-B498-43B3-948B-1728B52AA6E4}">
-                <adec:decorative xmlns:adec="http://schemas.microsoft.com/office/drawing/2017/decorative" val="1"/>
-              </a:ext>
-            </a:extLst>
-          </p:cNvPr>
-          <p:cNvSpPr>
-            <a:spLocks noGrp="1" noRot="1" noChangeAspect="1" noMove="1" noResize="1" noEditPoints="1" noAdjustHandles="1" noChangeArrowheads="1" noChangeShapeType="1" noTextEdit="1"/>
-          </p:cNvSpPr>
-          <p:nvPr>
-            <p:extLst>
-              <p:ext uri="{386F3935-93C4-4BCD-93E2-E3B085C9AB24}">
-                <p16:designElem xmlns:p16="http://schemas.microsoft.com/office/powerpoint/2015/main" val="1"/>
-              </p:ext>
-            </p:extLst>
-          </p:nvPr>
-        </p:nvSpPr>
-        <p:spPr>
-          <a:xfrm>
-            <a:off x="344512" y="-1"/>
-            <a:ext cx="8799485" cy="1597433"/>
-          </a:xfrm>
-          <a:prstGeom prst="rect">
-            <a:avLst/>
-          </a:prstGeom>
-          <a:gradFill>
-            <a:gsLst>
-              <a:gs pos="50000">
-                <a:srgbClr val="000000">
-                  <a:alpha val="0"/>
-                </a:srgbClr>
-              </a:gs>
-              <a:gs pos="99000">
-                <a:schemeClr val="accent1">
-                  <a:lumMod val="50000"/>
-                  <a:alpha val="52000"/>
-                </a:schemeClr>
-              </a:gs>
-            </a:gsLst>
-            <a:lin ang="16800000" scaled="0"/>
-          </a:gradFill>
-          <a:ln>
-            <a:noFill/>
-          </a:ln>
-        </p:spPr>
-        <p:style>
-          <a:lnRef idx="2">
-            <a:schemeClr val="accent1">
-              <a:shade val="50000"/>
-            </a:schemeClr>
-          </a:lnRef>
-          <a:fillRef idx="1">
-            <a:schemeClr val="accent1"/>
-          </a:fillRef>
-          <a:effectRef idx="0">
-            <a:schemeClr val="accent1"/>
-          </a:effectRef>
-          <a:fontRef idx="minor">
-            <a:schemeClr val="lt1"/>
-          </a:fontRef>
-        </p:style>
-        <p:txBody>
-          <a:bodyPr rtlCol="0" anchor="ctr"/>
-          <a:lstStyle/>
-          <a:p>
-            <a:pPr algn="ctr"/>
-            <a:endParaRPr lang="en-US"/>
-          </a:p>
-        </p:txBody>
-      </p:sp>
-      <p:sp>
-        <p:nvSpPr>
-          <p:cNvPr id="2" name="Title 1"/>
-          <p:cNvSpPr>
-            <a:spLocks noGrp="1"/>
-          </p:cNvSpPr>
-          <p:nvPr>
-            <p:ph type="title"/>
-          </p:nvPr>
-        </p:nvSpPr>
-        <p:spPr>
-          <a:xfrm>
-            <a:off x="1028699" y="294538"/>
-            <a:ext cx="7421963" cy="1033669"/>
-          </a:xfrm>
-        </p:spPr>
-        <p:txBody>
-          <a:bodyPr>
-            <a:normAutofit fontScale="90000"/>
-          </a:bodyPr>
-          <a:lstStyle/>
-          <a:p>
-            <a:r>
-              <a:rPr lang="ru-RU" sz="3500" b="1" dirty="0">
-                <a:solidFill>
-                  <a:srgbClr val="FFFFFF"/>
-                </a:solidFill>
-              </a:rPr>
-              <a:t>Цель и задачи выпускной квалификационной работы</a:t>
-            </a:r>
-          </a:p>
-        </p:txBody>
-      </p:sp>
-      <p:sp>
-        <p:nvSpPr>
-          <p:cNvPr id="3" name="Content Placeholder 2"/>
-          <p:cNvSpPr>
-            <a:spLocks noGrp="1"/>
-          </p:cNvSpPr>
-          <p:nvPr>
-            <p:ph idx="1"/>
-          </p:nvPr>
-        </p:nvSpPr>
-        <p:spPr>
-          <a:xfrm>
-            <a:off x="432619" y="1750142"/>
-            <a:ext cx="8613058" cy="5107858"/>
-          </a:xfrm>
-        </p:spPr>
-        <p:txBody>
-          <a:bodyPr anchor="ctr">
-            <a:normAutofit/>
-          </a:bodyPr>
-          <a:lstStyle/>
-          <a:p>
-            <a:pPr indent="450215" algn="just">
-              <a:lnSpc>
-                <a:spcPct val="150000"/>
-              </a:lnSpc>
-              <a:buNone/>
-            </a:pPr>
-            <a:r>
-              <a:rPr lang="ru-RU" sz="1400" b="1" dirty="0">
-                <a:effectLst/>
-                <a:latin typeface="Times New Roman" panose="02020603050405020304" pitchFamily="18" charset="0"/>
-                <a:ea typeface="Times New Roman" panose="02020603050405020304" pitchFamily="18" charset="0"/>
-              </a:rPr>
-              <a:t>Цель:</a:t>
-            </a:r>
-            <a:r>
-              <a:rPr lang="ru-RU" sz="1400" dirty="0">
-                <a:effectLst/>
-                <a:latin typeface="Times New Roman" panose="02020603050405020304" pitchFamily="18" charset="0"/>
-                <a:ea typeface="Times New Roman" panose="02020603050405020304" pitchFamily="18" charset="0"/>
-              </a:rPr>
-              <a:t> Разработка конструкции и программных решений образовательной мобильной роботизированной платформ </a:t>
-            </a:r>
-            <a:r>
-              <a:rPr lang="en-US" sz="1400" dirty="0">
-                <a:effectLst/>
-                <a:latin typeface="Times New Roman" panose="02020603050405020304" pitchFamily="18" charset="0"/>
-                <a:ea typeface="Times New Roman" panose="02020603050405020304" pitchFamily="18" charset="0"/>
-              </a:rPr>
-              <a:t>c</a:t>
-            </a:r>
-            <a:r>
-              <a:rPr lang="ru-RU" sz="1400" dirty="0">
-                <a:effectLst/>
-                <a:latin typeface="Times New Roman" panose="02020603050405020304" pitchFamily="18" charset="0"/>
-                <a:ea typeface="Times New Roman" panose="02020603050405020304" pitchFamily="18" charset="0"/>
-              </a:rPr>
-              <a:t> возможностью совместной работы с манипулятором.</a:t>
-            </a:r>
-          </a:p>
-          <a:p>
-            <a:pPr indent="450215" algn="just">
-              <a:lnSpc>
-                <a:spcPct val="150000"/>
-              </a:lnSpc>
-              <a:buNone/>
-            </a:pPr>
-            <a:r>
-              <a:rPr lang="ru-RU" sz="1400" b="1" dirty="0">
-                <a:effectLst/>
-                <a:latin typeface="Times New Roman" panose="02020603050405020304" pitchFamily="18" charset="0"/>
-                <a:ea typeface="Times New Roman" panose="02020603050405020304" pitchFamily="18" charset="0"/>
-              </a:rPr>
-              <a:t>Задачи:</a:t>
-            </a:r>
-            <a:endParaRPr lang="ru-RU" sz="1400" dirty="0">
-              <a:effectLst/>
-              <a:latin typeface="Times New Roman" panose="02020603050405020304" pitchFamily="18" charset="0"/>
-              <a:ea typeface="Times New Roman" panose="02020603050405020304" pitchFamily="18" charset="0"/>
-            </a:endParaRPr>
-          </a:p>
-          <a:p>
-            <a:pPr algn="just">
-              <a:lnSpc>
-                <a:spcPct val="150000"/>
-              </a:lnSpc>
-              <a:buFont typeface="+mj-lt"/>
-              <a:buAutoNum type="arabicPeriod"/>
-              <a:tabLst>
-                <a:tab pos="457200" algn="l"/>
-              </a:tabLst>
-            </a:pPr>
-            <a:r>
-              <a:rPr lang="ru-RU" sz="1400" dirty="0">
-                <a:effectLst/>
-                <a:highlight>
-                  <a:srgbClr val="00FF00"/>
-                </a:highlight>
-                <a:latin typeface="Times New Roman" panose="02020603050405020304" pitchFamily="18" charset="0"/>
-                <a:ea typeface="Times New Roman" panose="02020603050405020304" pitchFamily="18" charset="0"/>
-              </a:rPr>
-              <a:t>Изучение и анализ современных мобильных платформ с учетом их конструктивных особенностей и функциональных характеристик, а также разработка технического задания на основе полученных данных.</a:t>
-            </a:r>
-            <a:endParaRPr lang="en-US" sz="1400" dirty="0">
-              <a:effectLst/>
-              <a:highlight>
-                <a:srgbClr val="00FF00"/>
-              </a:highlight>
-              <a:latin typeface="Times New Roman" panose="02020603050405020304" pitchFamily="18" charset="0"/>
-              <a:ea typeface="Times New Roman" panose="02020603050405020304" pitchFamily="18" charset="0"/>
-            </a:endParaRPr>
-          </a:p>
-          <a:p>
-            <a:pPr marL="342900" lvl="0" indent="-342900" algn="just">
-              <a:lnSpc>
-                <a:spcPct val="150000"/>
-              </a:lnSpc>
-              <a:buFont typeface="+mj-lt"/>
-              <a:buAutoNum type="arabicPeriod"/>
-              <a:tabLst>
-                <a:tab pos="457200" algn="l"/>
-              </a:tabLst>
-            </a:pPr>
-            <a:r>
-              <a:rPr lang="ru-RU" sz="1400" dirty="0">
-                <a:effectLst/>
-                <a:highlight>
-                  <a:srgbClr val="00FF00"/>
-                </a:highlight>
-                <a:latin typeface="Times New Roman" panose="02020603050405020304" pitchFamily="18" charset="0"/>
-                <a:ea typeface="Times New Roman" panose="02020603050405020304" pitchFamily="18" charset="0"/>
-              </a:rPr>
-              <a:t>Разработка методики обучения и демонстрационного поля с использованием мобильной платформы. </a:t>
-            </a:r>
-          </a:p>
-          <a:p>
-            <a:pPr marL="342900" lvl="0" indent="-342900" algn="just">
-              <a:lnSpc>
-                <a:spcPct val="150000"/>
-              </a:lnSpc>
-              <a:buFont typeface="+mj-lt"/>
-              <a:buAutoNum type="arabicPeriod"/>
-              <a:tabLst>
-                <a:tab pos="457200" algn="l"/>
-              </a:tabLst>
-            </a:pPr>
-            <a:r>
-              <a:rPr lang="ru-RU" sz="1400" dirty="0">
-                <a:effectLst/>
-                <a:highlight>
-                  <a:srgbClr val="00FF00"/>
-                </a:highlight>
-                <a:latin typeface="Times New Roman" panose="02020603050405020304" pitchFamily="18" charset="0"/>
-                <a:ea typeface="Times New Roman" panose="02020603050405020304" pitchFamily="18" charset="0"/>
-              </a:rPr>
-              <a:t>Разработка структурной схемы мобильной платформы.</a:t>
-            </a:r>
-          </a:p>
-          <a:p>
-            <a:pPr marL="342900" lvl="0" indent="-342900" algn="just">
-              <a:lnSpc>
-                <a:spcPct val="150000"/>
-              </a:lnSpc>
-              <a:buFont typeface="+mj-lt"/>
-              <a:buAutoNum type="arabicPeriod"/>
-              <a:tabLst>
-                <a:tab pos="457200" algn="l"/>
-              </a:tabLst>
-            </a:pPr>
-            <a:r>
-              <a:rPr lang="ru-RU" sz="1400" dirty="0">
-                <a:effectLst/>
-                <a:highlight>
-                  <a:srgbClr val="00FF00"/>
-                </a:highlight>
-                <a:latin typeface="Times New Roman" panose="02020603050405020304" pitchFamily="18" charset="0"/>
-                <a:ea typeface="Times New Roman" panose="02020603050405020304" pitchFamily="18" charset="0"/>
-              </a:rPr>
-              <a:t>Проектирование конструкции мобильной платформы и её компонентов. </a:t>
-            </a:r>
-          </a:p>
-          <a:p>
-            <a:pPr marL="342900" lvl="0" indent="-342900" algn="just">
-              <a:lnSpc>
-                <a:spcPct val="150000"/>
-              </a:lnSpc>
-              <a:buFont typeface="+mj-lt"/>
-              <a:buAutoNum type="arabicPeriod"/>
-              <a:tabLst>
-                <a:tab pos="457200" algn="l"/>
-              </a:tabLst>
-            </a:pPr>
-            <a:r>
-              <a:rPr lang="ru-RU" sz="1400" dirty="0">
-                <a:effectLst/>
-                <a:highlight>
-                  <a:srgbClr val="00FF00"/>
-                </a:highlight>
-                <a:latin typeface="Times New Roman" panose="02020603050405020304" pitchFamily="18" charset="0"/>
-                <a:ea typeface="Times New Roman" panose="02020603050405020304" pitchFamily="18" charset="0"/>
-              </a:rPr>
-              <a:t>Выбор электроники и дополнительных компонентов.</a:t>
-            </a:r>
-          </a:p>
-          <a:p>
-            <a:pPr marL="342900" lvl="0" indent="-342900" algn="just">
-              <a:lnSpc>
-                <a:spcPct val="150000"/>
-              </a:lnSpc>
-              <a:buFont typeface="+mj-lt"/>
-              <a:buAutoNum type="arabicPeriod"/>
-              <a:tabLst>
-                <a:tab pos="457200" algn="l"/>
-              </a:tabLst>
-            </a:pPr>
-            <a:r>
-              <a:rPr lang="ru-RU" sz="1400" dirty="0">
-                <a:effectLst/>
-                <a:latin typeface="Times New Roman" panose="02020603050405020304" pitchFamily="18" charset="0"/>
-                <a:ea typeface="Times New Roman" panose="02020603050405020304" pitchFamily="18" charset="0"/>
-              </a:rPr>
-              <a:t>Разработка алгоритмов управления для демонстрационной задачи на основе </a:t>
-            </a:r>
-            <a:r>
-              <a:rPr lang="en-US" sz="1400" dirty="0">
-                <a:effectLst/>
-                <a:latin typeface="Times New Roman" panose="02020603050405020304" pitchFamily="18" charset="0"/>
-                <a:ea typeface="Times New Roman" panose="02020603050405020304" pitchFamily="18" charset="0"/>
-              </a:rPr>
-              <a:t>SLAM</a:t>
-            </a:r>
-            <a:r>
-              <a:rPr lang="ru-RU" sz="1400" dirty="0">
-                <a:effectLst/>
-                <a:latin typeface="Times New Roman" panose="02020603050405020304" pitchFamily="18" charset="0"/>
-                <a:ea typeface="Times New Roman" panose="02020603050405020304" pitchFamily="18" charset="0"/>
-              </a:rPr>
-              <a:t>-навигации и их симуляция в виртуальной среде.</a:t>
-            </a:r>
-          </a:p>
-          <a:p>
-            <a:pPr marL="342900" lvl="0" indent="-342900" algn="just">
-              <a:lnSpc>
-                <a:spcPct val="150000"/>
-              </a:lnSpc>
-              <a:buFont typeface="+mj-lt"/>
-              <a:buAutoNum type="arabicPeriod"/>
-              <a:tabLst>
-                <a:tab pos="457200" algn="l"/>
-              </a:tabLst>
-            </a:pPr>
-            <a:r>
-              <a:rPr lang="ru-RU" sz="1400" dirty="0">
-                <a:effectLst/>
-                <a:latin typeface="Times New Roman" panose="02020603050405020304" pitchFamily="18" charset="0"/>
-                <a:ea typeface="Times New Roman" panose="02020603050405020304" pitchFamily="18" charset="0"/>
-              </a:rPr>
-              <a:t>Проведение регулировочного расчета для одного привода шасси.</a:t>
-            </a:r>
-          </a:p>
-          <a:p>
-            <a:pPr marL="0" indent="0">
-              <a:lnSpc>
-                <a:spcPct val="90000"/>
-              </a:lnSpc>
-              <a:buNone/>
-            </a:pPr>
-            <a:endParaRPr lang="ru-RU" sz="1400" dirty="0"/>
-          </a:p>
-        </p:txBody>
-      </p:sp>
-      <p:sp>
-        <p:nvSpPr>
-          <p:cNvPr id="5" name="Номер слайда 4">
-            <a:extLst>
-              <a:ext uri="{FF2B5EF4-FFF2-40B4-BE49-F238E27FC236}">
-                <a16:creationId xmlns:a16="http://schemas.microsoft.com/office/drawing/2014/main" id="{C5D849F1-DBBA-B6BB-EC8C-FEA0CE212DF2}"/>
-              </a:ext>
-            </a:extLst>
-          </p:cNvPr>
-          <p:cNvSpPr>
-            <a:spLocks noGrp="1"/>
-          </p:cNvSpPr>
-          <p:nvPr>
-            <p:ph type="sldNum" sz="quarter" idx="12"/>
-          </p:nvPr>
-        </p:nvSpPr>
-        <p:spPr/>
-        <p:txBody>
-          <a:bodyPr/>
-          <a:lstStyle/>
-          <a:p>
-            <a:fld id="{C1FF6DA9-008F-8B48-92A6-B652298478BF}" type="slidenum">
-              <a:rPr lang="en-US" sz="1400" b="1" smtClean="0">
-                <a:solidFill>
-                  <a:schemeClr val="tx1"/>
-                </a:solidFill>
-              </a:rPr>
-              <a:t>3</a:t>
-            </a:fld>
-            <a:endParaRPr lang="en-US" sz="1400" b="1" dirty="0">
-              <a:solidFill>
-                <a:schemeClr val="tx1"/>
-              </a:solidFill>
-            </a:endParaRPr>
-          </a:p>
-        </p:txBody>
-      </p:sp>
-    </p:spTree>
-  </p:cSld>
-  <p:clrMapOvr>
-    <a:masterClrMapping/>
-  </p:clrMapOvr>
-</p:sld>
-</file>
-
-<file path=ppt/slides/slide4.xml><?xml version="1.0" encoding="utf-8"?>
+<file path=ppt/slides/slide5.xml><?xml version="1.0" encoding="utf-8"?>
 <p:sld xmlns:a="http://schemas.openxmlformats.org/drawingml/2006/main" xmlns:r="http://schemas.openxmlformats.org/officeDocument/2006/relationships" xmlns:p="http://schemas.openxmlformats.org/presentationml/2006/main">
   <p:cSld>
     <p:spTree>
@@ -10885,7 +12185,7 @@
                   <a:schemeClr val="tx1"/>
                 </a:solidFill>
               </a:rPr>
-              <a:t>4</a:t>
+              <a:t>5</a:t>
             </a:fld>
             <a:endParaRPr lang="en-US" sz="1400" b="1" dirty="0">
               <a:solidFill>
@@ -10903,7 +12203,7 @@
 </p:sld>
 </file>
 
-<file path=ppt/slides/slide5.xml><?xml version="1.0" encoding="utf-8"?>
+<file path=ppt/slides/slide6.xml><?xml version="1.0" encoding="utf-8"?>
 <p:sld xmlns:a="http://schemas.openxmlformats.org/drawingml/2006/main" xmlns:r="http://schemas.openxmlformats.org/officeDocument/2006/relationships" xmlns:p="http://schemas.openxmlformats.org/presentationml/2006/main">
   <p:cSld>
     <p:bg>
@@ -11864,7 +13164,7 @@
                   <a:schemeClr val="tx1"/>
                 </a:solidFill>
               </a:rPr>
-              <a:t>5</a:t>
+              <a:t>6</a:t>
             </a:fld>
             <a:endParaRPr lang="en-US" sz="1400" b="1" dirty="0">
               <a:solidFill>
@@ -11887,7 +13187,7 @@
 </p:sld>
 </file>
 
-<file path=ppt/slides/slide6.xml><?xml version="1.0" encoding="utf-8"?>
+<file path=ppt/slides/slide7.xml><?xml version="1.0" encoding="utf-8"?>
 <p:sld xmlns:a="http://schemas.openxmlformats.org/drawingml/2006/main" xmlns:r="http://schemas.openxmlformats.org/officeDocument/2006/relationships" xmlns:p="http://schemas.openxmlformats.org/presentationml/2006/main">
   <p:cSld>
     <p:bg>
@@ -13097,7 +14397,7 @@
                   <a:schemeClr val="tx1"/>
                 </a:solidFill>
               </a:rPr>
-              <a:t>6</a:t>
+              <a:t>7</a:t>
             </a:fld>
             <a:endParaRPr lang="en-US" sz="1400" b="1" dirty="0">
               <a:solidFill>
@@ -13120,7 +14420,7 @@
 </p:sld>
 </file>
 
-<file path=ppt/slides/slide7.xml><?xml version="1.0" encoding="utf-8"?>
+<file path=ppt/slides/slide8.xml><?xml version="1.0" encoding="utf-8"?>
 <p:sld xmlns:a="http://schemas.openxmlformats.org/drawingml/2006/main" xmlns:r="http://schemas.openxmlformats.org/officeDocument/2006/relationships" xmlns:p="http://schemas.openxmlformats.org/presentationml/2006/main">
   <p:cSld>
     <p:bg>
@@ -13510,36 +14810,6 @@
           </a:p>
         </p:txBody>
       </p:sp>
-      <p:pic>
-        <p:nvPicPr>
-          <p:cNvPr id="3" name="Объект 9" descr="Изображение выглядит как текст, диаграмма, снимок экрана, черно-белый&#10;&#10;Контент, сгенерированный ИИ, может содержать ошибки.">
-            <a:extLst>
-              <a:ext uri="{FF2B5EF4-FFF2-40B4-BE49-F238E27FC236}">
-                <a16:creationId xmlns:a16="http://schemas.microsoft.com/office/drawing/2014/main" id="{EBA983C1-66BB-2DD8-E286-3AA96770E62F}"/>
-              </a:ext>
-            </a:extLst>
-          </p:cNvPr>
-          <p:cNvPicPr>
-            <a:picLocks noChangeAspect="1"/>
-          </p:cNvPicPr>
-          <p:nvPr/>
-        </p:nvPicPr>
-        <p:blipFill>
-          <a:blip r:embed="rId2"/>
-          <a:stretch>
-            <a:fillRect/>
-          </a:stretch>
-        </p:blipFill>
-        <p:spPr>
-          <a:xfrm>
-            <a:off x="422787" y="1580622"/>
-            <a:ext cx="8355452" cy="5259399"/>
-          </a:xfrm>
-          <a:prstGeom prst="rect">
-            <a:avLst/>
-          </a:prstGeom>
-        </p:spPr>
-      </p:pic>
       <p:sp>
         <p:nvSpPr>
           <p:cNvPr id="4" name="Номер слайда 3">
@@ -13584,7 +14854,7 @@
                   <a:spcPts val="600"/>
                 </a:spcAft>
               </a:pPr>
-              <a:t>7</a:t>
+              <a:t>8</a:t>
             </a:fld>
             <a:endParaRPr lang="en-US" sz="1400" b="1" dirty="0">
               <a:solidFill>
@@ -13594,6 +14864,36 @@
           </a:p>
         </p:txBody>
       </p:sp>
+      <p:pic>
+        <p:nvPicPr>
+          <p:cNvPr id="6" name="Рисунок 5" descr="Изображение выглядит как текст, снимок экрана, диаграмма, Параллельный&#10;&#10;Контент, сгенерированный ИИ, может содержать ошибки.">
+            <a:extLst>
+              <a:ext uri="{FF2B5EF4-FFF2-40B4-BE49-F238E27FC236}">
+                <a16:creationId xmlns:a16="http://schemas.microsoft.com/office/drawing/2014/main" id="{6C440286-39D9-2527-0766-035BA66D8D50}"/>
+              </a:ext>
+            </a:extLst>
+          </p:cNvPr>
+          <p:cNvPicPr>
+            <a:picLocks noChangeAspect="1"/>
+          </p:cNvPicPr>
+          <p:nvPr/>
+        </p:nvPicPr>
+        <p:blipFill>
+          <a:blip r:embed="rId2"/>
+          <a:stretch>
+            <a:fillRect/>
+          </a:stretch>
+        </p:blipFill>
+        <p:spPr>
+          <a:xfrm>
+            <a:off x="524783" y="1574310"/>
+            <a:ext cx="8329661" cy="5246479"/>
+          </a:xfrm>
+          <a:prstGeom prst="rect">
+            <a:avLst/>
+          </a:prstGeom>
+        </p:spPr>
+      </p:pic>
     </p:spTree>
     <p:extLst>
       <p:ext uri="{BB962C8B-B14F-4D97-AF65-F5344CB8AC3E}">
@@ -13607,7 +14907,7 @@
 </p:sld>
 </file>
 
-<file path=ppt/slides/slide8.xml><?xml version="1.0" encoding="utf-8"?>
+<file path=ppt/slides/slide9.xml><?xml version="1.0" encoding="utf-8"?>
 <p:sld xmlns:a="http://schemas.openxmlformats.org/drawingml/2006/main" xmlns:r="http://schemas.openxmlformats.org/officeDocument/2006/relationships" xmlns:p="http://schemas.openxmlformats.org/presentationml/2006/main">
   <p:cSld>
     <p:bg>
@@ -14178,555 +15478,6 @@
                   <a:schemeClr val="tx1"/>
                 </a:solidFill>
               </a:rPr>
-              <a:t>8</a:t>
-            </a:fld>
-            <a:endParaRPr lang="en-US" sz="1400" b="1" dirty="0">
-              <a:solidFill>
-                <a:schemeClr val="tx1"/>
-              </a:solidFill>
-            </a:endParaRPr>
-          </a:p>
-        </p:txBody>
-      </p:sp>
-    </p:spTree>
-    <p:extLst>
-      <p:ext uri="{BB962C8B-B14F-4D97-AF65-F5344CB8AC3E}">
-        <p14:creationId xmlns:p14="http://schemas.microsoft.com/office/powerpoint/2010/main" val="2129045549"/>
-      </p:ext>
-    </p:extLst>
-  </p:cSld>
-  <p:clrMapOvr>
-    <a:masterClrMapping/>
-  </p:clrMapOvr>
-</p:sld>
-</file>
-
-<file path=ppt/slides/slide9.xml><?xml version="1.0" encoding="utf-8"?>
-<p:sld xmlns:a="http://schemas.openxmlformats.org/drawingml/2006/main" xmlns:r="http://schemas.openxmlformats.org/officeDocument/2006/relationships" xmlns:p="http://schemas.openxmlformats.org/presentationml/2006/main">
-  <p:cSld>
-    <p:bg>
-      <p:bgPr>
-        <a:solidFill>
-          <a:schemeClr val="bg1"/>
-        </a:solidFill>
-        <a:effectLst/>
-      </p:bgPr>
-    </p:bg>
-    <p:spTree>
-      <p:nvGrpSpPr>
-        <p:cNvPr id="1" name=""/>
-        <p:cNvGrpSpPr/>
-        <p:nvPr/>
-      </p:nvGrpSpPr>
-      <p:grpSpPr>
-        <a:xfrm>
-          <a:off x="0" y="0"/>
-          <a:ext cx="0" cy="0"/>
-          <a:chOff x="0" y="0"/>
-          <a:chExt cx="0" cy="0"/>
-        </a:xfrm>
-      </p:grpSpPr>
-      <p:sp useBgFill="1">
-        <p:nvSpPr>
-          <p:cNvPr id="37" name="Rectangle 36">
-            <a:extLst>
-              <a:ext uri="{FF2B5EF4-FFF2-40B4-BE49-F238E27FC236}">
-                <a16:creationId xmlns:a16="http://schemas.microsoft.com/office/drawing/2014/main" id="{9CB95732-565A-4D2C-A3AB-CC460C0D3826}"/>
-              </a:ext>
-              <a:ext uri="{C183D7F6-B498-43B3-948B-1728B52AA6E4}">
-                <adec:decorative xmlns:adec="http://schemas.microsoft.com/office/drawing/2017/decorative" val="1"/>
-              </a:ext>
-            </a:extLst>
-          </p:cNvPr>
-          <p:cNvSpPr>
-            <a:spLocks noGrp="1" noRot="1" noChangeAspect="1" noMove="1" noResize="1" noEditPoints="1" noAdjustHandles="1" noChangeArrowheads="1" noChangeShapeType="1" noTextEdit="1"/>
-          </p:cNvSpPr>
-          <p:nvPr>
-            <p:extLst>
-              <p:ext uri="{386F3935-93C4-4BCD-93E2-E3B085C9AB24}">
-                <p16:designElem xmlns:p16="http://schemas.microsoft.com/office/powerpoint/2015/main" val="1"/>
-              </p:ext>
-            </p:extLst>
-          </p:nvPr>
-        </p:nvSpPr>
-        <p:spPr>
-          <a:xfrm>
-            <a:off x="0" y="0"/>
-            <a:ext cx="9144000" cy="6858000"/>
-          </a:xfrm>
-          <a:prstGeom prst="rect">
-            <a:avLst/>
-          </a:prstGeom>
-          <a:ln w="12700" cap="flat" cmpd="sng" algn="ctr">
-            <a:noFill/>
-            <a:prstDash val="solid"/>
-            <a:miter lim="800000"/>
-          </a:ln>
-          <a:effectLst/>
-          <a:extLst>
-            <a:ext uri="{91240B29-F687-4F45-9708-019B960494DF}">
-              <a14:hiddenLine xmlns:a14="http://schemas.microsoft.com/office/drawing/2010/main" w="12700" cap="flat" cmpd="sng" algn="ctr">
-                <a:solidFill>
-                  <a:schemeClr val="accent1">
-                    <a:shade val="50000"/>
-                  </a:schemeClr>
-                </a:solidFill>
-                <a:prstDash val="solid"/>
-                <a:miter lim="800000"/>
-              </a14:hiddenLine>
-            </a:ext>
-          </a:extLst>
-        </p:spPr>
-        <p:style>
-          <a:lnRef idx="2">
-            <a:schemeClr val="accent1">
-              <a:shade val="50000"/>
-            </a:schemeClr>
-          </a:lnRef>
-          <a:fillRef idx="1">
-            <a:schemeClr val="accent1"/>
-          </a:fillRef>
-          <a:effectRef idx="0">
-            <a:schemeClr val="accent1"/>
-          </a:effectRef>
-          <a:fontRef idx="minor">
-            <a:schemeClr val="lt1"/>
-          </a:fontRef>
-        </p:style>
-        <p:txBody>
-          <a:bodyPr rtlCol="0" anchor="ctr"/>
-          <a:lstStyle/>
-          <a:p>
-            <a:pPr algn="ctr"/>
-            <a:endParaRPr lang="en-US"/>
-          </a:p>
-        </p:txBody>
-      </p:sp>
-      <p:sp>
-        <p:nvSpPr>
-          <p:cNvPr id="39" name="Rectangle 38">
-            <a:extLst>
-              <a:ext uri="{FF2B5EF4-FFF2-40B4-BE49-F238E27FC236}">
-                <a16:creationId xmlns:a16="http://schemas.microsoft.com/office/drawing/2014/main" id="{E19B653C-798C-4333-8452-3DF3AE3C1D11}"/>
-              </a:ext>
-              <a:ext uri="{C183D7F6-B498-43B3-948B-1728B52AA6E4}">
-                <adec:decorative xmlns:adec="http://schemas.microsoft.com/office/drawing/2017/decorative" val="1"/>
-              </a:ext>
-            </a:extLst>
-          </p:cNvPr>
-          <p:cNvSpPr>
-            <a:spLocks noGrp="1" noRot="1" noChangeAspect="1" noMove="1" noResize="1" noEditPoints="1" noAdjustHandles="1" noChangeArrowheads="1" noChangeShapeType="1" noTextEdit="1"/>
-          </p:cNvSpPr>
-          <p:nvPr>
-            <p:extLst>
-              <p:ext uri="{386F3935-93C4-4BCD-93E2-E3B085C9AB24}">
-                <p16:designElem xmlns:p16="http://schemas.microsoft.com/office/powerpoint/2015/main" val="1"/>
-              </p:ext>
-            </p:extLst>
-          </p:nvPr>
-        </p:nvSpPr>
-        <p:spPr>
-          <a:xfrm rot="10800000" flipH="1">
-            <a:off x="1" y="0"/>
-            <a:ext cx="9143999" cy="1575955"/>
-          </a:xfrm>
-          <a:prstGeom prst="rect">
-            <a:avLst/>
-          </a:prstGeom>
-          <a:gradFill>
-            <a:gsLst>
-              <a:gs pos="0">
-                <a:srgbClr val="000000">
-                  <a:alpha val="96000"/>
-                </a:srgbClr>
-              </a:gs>
-              <a:gs pos="100000">
-                <a:schemeClr val="accent1">
-                  <a:lumMod val="75000"/>
-                </a:schemeClr>
-              </a:gs>
-            </a:gsLst>
-            <a:lin ang="6000000" scaled="0"/>
-          </a:gradFill>
-          <a:ln>
-            <a:noFill/>
-          </a:ln>
-        </p:spPr>
-        <p:style>
-          <a:lnRef idx="2">
-            <a:schemeClr val="accent1">
-              <a:shade val="50000"/>
-            </a:schemeClr>
-          </a:lnRef>
-          <a:fillRef idx="1">
-            <a:schemeClr val="accent1"/>
-          </a:fillRef>
-          <a:effectRef idx="0">
-            <a:schemeClr val="accent1"/>
-          </a:effectRef>
-          <a:fontRef idx="minor">
-            <a:schemeClr val="lt1"/>
-          </a:fontRef>
-        </p:style>
-        <p:txBody>
-          <a:bodyPr rtlCol="0" anchor="ctr"/>
-          <a:lstStyle/>
-          <a:p>
-            <a:pPr algn="ctr"/>
-            <a:endParaRPr lang="en-US"/>
-          </a:p>
-        </p:txBody>
-      </p:sp>
-      <p:sp>
-        <p:nvSpPr>
-          <p:cNvPr id="41" name="Rectangle 40">
-            <a:extLst>
-              <a:ext uri="{FF2B5EF4-FFF2-40B4-BE49-F238E27FC236}">
-                <a16:creationId xmlns:a16="http://schemas.microsoft.com/office/drawing/2014/main" id="{0FE50278-E2EC-42B2-A1F1-921DD39901C4}"/>
-              </a:ext>
-              <a:ext uri="{C183D7F6-B498-43B3-948B-1728B52AA6E4}">
-                <adec:decorative xmlns:adec="http://schemas.microsoft.com/office/drawing/2017/decorative" val="1"/>
-              </a:ext>
-            </a:extLst>
-          </p:cNvPr>
-          <p:cNvSpPr>
-            <a:spLocks noGrp="1" noRot="1" noChangeAspect="1" noMove="1" noResize="1" noEditPoints="1" noAdjustHandles="1" noChangeArrowheads="1" noChangeShapeType="1" noTextEdit="1"/>
-          </p:cNvSpPr>
-          <p:nvPr>
-            <p:extLst>
-              <p:ext uri="{386F3935-93C4-4BCD-93E2-E3B085C9AB24}">
-                <p16:designElem xmlns:p16="http://schemas.microsoft.com/office/powerpoint/2015/main" val="1"/>
-              </p:ext>
-            </p:extLst>
-          </p:nvPr>
-        </p:nvSpPr>
-        <p:spPr>
-          <a:xfrm rot="16200000">
-            <a:off x="3781994" y="-3786547"/>
-            <a:ext cx="1580014" cy="9144002"/>
-          </a:xfrm>
-          <a:prstGeom prst="rect">
-            <a:avLst/>
-          </a:prstGeom>
-          <a:gradFill>
-            <a:gsLst>
-              <a:gs pos="19000">
-                <a:schemeClr val="accent1">
-                  <a:alpha val="0"/>
-                </a:schemeClr>
-              </a:gs>
-              <a:gs pos="99000">
-                <a:srgbClr val="000000">
-                  <a:alpha val="74000"/>
-                </a:srgbClr>
-              </a:gs>
-            </a:gsLst>
-            <a:lin ang="11400000" scaled="0"/>
-          </a:gradFill>
-          <a:ln>
-            <a:noFill/>
-          </a:ln>
-        </p:spPr>
-        <p:style>
-          <a:lnRef idx="2">
-            <a:schemeClr val="accent1">
-              <a:shade val="50000"/>
-            </a:schemeClr>
-          </a:lnRef>
-          <a:fillRef idx="1">
-            <a:schemeClr val="accent1"/>
-          </a:fillRef>
-          <a:effectRef idx="0">
-            <a:schemeClr val="accent1"/>
-          </a:effectRef>
-          <a:fontRef idx="minor">
-            <a:schemeClr val="lt1"/>
-          </a:fontRef>
-        </p:style>
-        <p:txBody>
-          <a:bodyPr rtlCol="0" anchor="ctr"/>
-          <a:lstStyle/>
-          <a:p>
-            <a:pPr algn="ctr"/>
-            <a:endParaRPr lang="en-US" dirty="0"/>
-          </a:p>
-        </p:txBody>
-      </p:sp>
-      <p:sp>
-        <p:nvSpPr>
-          <p:cNvPr id="43" name="Rectangle 42">
-            <a:extLst>
-              <a:ext uri="{FF2B5EF4-FFF2-40B4-BE49-F238E27FC236}">
-                <a16:creationId xmlns:a16="http://schemas.microsoft.com/office/drawing/2014/main" id="{1236153F-0DB4-40DD-87C6-B40C1B7E282C}"/>
-              </a:ext>
-              <a:ext uri="{C183D7F6-B498-43B3-948B-1728B52AA6E4}">
-                <adec:decorative xmlns:adec="http://schemas.microsoft.com/office/drawing/2017/decorative" val="1"/>
-              </a:ext>
-            </a:extLst>
-          </p:cNvPr>
-          <p:cNvSpPr>
-            <a:spLocks noGrp="1" noRot="1" noChangeAspect="1" noMove="1" noResize="1" noEditPoints="1" noAdjustHandles="1" noChangeArrowheads="1" noChangeShapeType="1" noTextEdit="1"/>
-          </p:cNvSpPr>
-          <p:nvPr>
-            <p:extLst>
-              <p:ext uri="{386F3935-93C4-4BCD-93E2-E3B085C9AB24}">
-                <p16:designElem xmlns:p16="http://schemas.microsoft.com/office/powerpoint/2015/main" val="1"/>
-              </p:ext>
-            </p:extLst>
-          </p:nvPr>
-        </p:nvSpPr>
-        <p:spPr>
-          <a:xfrm>
-            <a:off x="2869075" y="0"/>
-            <a:ext cx="3227567" cy="1575461"/>
-          </a:xfrm>
-          <a:prstGeom prst="rect">
-            <a:avLst/>
-          </a:prstGeom>
-          <a:gradFill>
-            <a:gsLst>
-              <a:gs pos="0">
-                <a:schemeClr val="accent1">
-                  <a:alpha val="72000"/>
-                </a:schemeClr>
-              </a:gs>
-              <a:gs pos="74000">
-                <a:schemeClr val="accent1">
-                  <a:lumMod val="50000"/>
-                  <a:alpha val="0"/>
-                </a:schemeClr>
-              </a:gs>
-            </a:gsLst>
-            <a:lin ang="14400000" scaled="0"/>
-          </a:gradFill>
-          <a:ln>
-            <a:noFill/>
-          </a:ln>
-        </p:spPr>
-        <p:style>
-          <a:lnRef idx="2">
-            <a:schemeClr val="accent1">
-              <a:shade val="50000"/>
-            </a:schemeClr>
-          </a:lnRef>
-          <a:fillRef idx="1">
-            <a:schemeClr val="accent1"/>
-          </a:fillRef>
-          <a:effectRef idx="0">
-            <a:schemeClr val="accent1"/>
-          </a:effectRef>
-          <a:fontRef idx="minor">
-            <a:schemeClr val="lt1"/>
-          </a:fontRef>
-        </p:style>
-        <p:txBody>
-          <a:bodyPr rtlCol="0" anchor="ctr"/>
-          <a:lstStyle/>
-          <a:p>
-            <a:pPr algn="ctr"/>
-            <a:endParaRPr lang="en-US"/>
-          </a:p>
-        </p:txBody>
-      </p:sp>
-      <p:sp>
-        <p:nvSpPr>
-          <p:cNvPr id="2" name="Заголовок 1">
-            <a:extLst>
-              <a:ext uri="{FF2B5EF4-FFF2-40B4-BE49-F238E27FC236}">
-                <a16:creationId xmlns:a16="http://schemas.microsoft.com/office/drawing/2014/main" id="{16433F03-0A03-0B8A-CFC6-03EF4B92B5A5}"/>
-              </a:ext>
-            </a:extLst>
-          </p:cNvPr>
-          <p:cNvSpPr>
-            <a:spLocks noGrp="1"/>
-          </p:cNvSpPr>
-          <p:nvPr>
-            <p:ph type="title"/>
-          </p:nvPr>
-        </p:nvSpPr>
-        <p:spPr>
-          <a:xfrm>
-            <a:off x="1818968" y="78657"/>
-            <a:ext cx="5840361" cy="1406013"/>
-          </a:xfrm>
-        </p:spPr>
-        <p:txBody>
-          <a:bodyPr vert="horz" lIns="91440" tIns="45720" rIns="91440" bIns="45720" rtlCol="0" anchor="ctr">
-            <a:noAutofit/>
-          </a:bodyPr>
-          <a:lstStyle/>
-          <a:p>
-            <a:pPr defTabSz="914400">
-              <a:lnSpc>
-                <a:spcPct val="90000"/>
-              </a:lnSpc>
-            </a:pPr>
-            <a:r>
-              <a:rPr lang="en-US" sz="3200" b="1" dirty="0" err="1">
-                <a:solidFill>
-                  <a:srgbClr val="FFFFFF"/>
-                </a:solidFill>
-                <a:effectLst/>
-              </a:rPr>
-              <a:t>Демонстрационная</a:t>
-            </a:r>
-            <a:r>
-              <a:rPr lang="en-US" sz="3200" b="1" dirty="0">
-                <a:solidFill>
-                  <a:srgbClr val="FFFFFF"/>
-                </a:solidFill>
-                <a:effectLst/>
-              </a:rPr>
-              <a:t> </a:t>
-            </a:r>
-            <a:r>
-              <a:rPr lang="en-US" sz="3200" b="1" dirty="0" err="1">
-                <a:solidFill>
-                  <a:srgbClr val="FFFFFF"/>
-                </a:solidFill>
-                <a:effectLst/>
-              </a:rPr>
-              <a:t>задача</a:t>
-            </a:r>
-            <a:r>
-              <a:rPr lang="en-US" sz="3200" b="1" dirty="0">
-                <a:solidFill>
-                  <a:srgbClr val="FFFFFF"/>
-                </a:solidFill>
-                <a:effectLst/>
-              </a:rPr>
-              <a:t> и </a:t>
-            </a:r>
-            <a:r>
-              <a:rPr lang="ru-RU" sz="3200" b="1" dirty="0">
-                <a:solidFill>
-                  <a:srgbClr val="FFFFFF"/>
-                </a:solidFill>
-              </a:rPr>
-              <a:t>методика</a:t>
-            </a:r>
-            <a:r>
-              <a:rPr lang="en-US" sz="3200" b="1" dirty="0">
-                <a:solidFill>
-                  <a:srgbClr val="FFFFFF"/>
-                </a:solidFill>
-                <a:effectLst/>
-              </a:rPr>
-              <a:t> </a:t>
-            </a:r>
-            <a:r>
-              <a:rPr lang="en-US" sz="3200" b="1" dirty="0" err="1">
-                <a:solidFill>
-                  <a:srgbClr val="FFFFFF"/>
-                </a:solidFill>
-                <a:effectLst/>
-              </a:rPr>
-              <a:t>обучени</a:t>
-            </a:r>
-            <a:r>
-              <a:rPr lang="ru-RU" sz="3200" b="1" dirty="0">
-                <a:solidFill>
-                  <a:srgbClr val="FFFFFF"/>
-                </a:solidFill>
-                <a:effectLst/>
-              </a:rPr>
-              <a:t>я</a:t>
-            </a:r>
-            <a:endParaRPr lang="en-US" sz="3200" b="1" dirty="0">
-              <a:solidFill>
-                <a:srgbClr val="FFFFFF"/>
-              </a:solidFill>
-            </a:endParaRPr>
-          </a:p>
-        </p:txBody>
-      </p:sp>
-      <p:pic>
-        <p:nvPicPr>
-          <p:cNvPr id="3" name="Рисунок 2">
-            <a:extLst>
-              <a:ext uri="{FF2B5EF4-FFF2-40B4-BE49-F238E27FC236}">
-                <a16:creationId xmlns:a16="http://schemas.microsoft.com/office/drawing/2014/main" id="{7EE3AFAF-876A-9FBE-39EE-4F900B38817E}"/>
-              </a:ext>
-            </a:extLst>
-          </p:cNvPr>
-          <p:cNvPicPr>
-            <a:picLocks noChangeAspect="1"/>
-          </p:cNvPicPr>
-          <p:nvPr/>
-        </p:nvPicPr>
-        <p:blipFill>
-          <a:blip r:embed="rId2"/>
-          <a:stretch>
-            <a:fillRect/>
-          </a:stretch>
-        </p:blipFill>
-        <p:spPr>
-          <a:xfrm>
-            <a:off x="2003584" y="1568826"/>
-            <a:ext cx="6120407" cy="3580437"/>
-          </a:xfrm>
-          <a:prstGeom prst="rect">
-            <a:avLst/>
-          </a:prstGeom>
-        </p:spPr>
-      </p:pic>
-      <p:pic>
-        <p:nvPicPr>
-          <p:cNvPr id="4" name="Рисунок 3">
-            <a:extLst>
-              <a:ext uri="{FF2B5EF4-FFF2-40B4-BE49-F238E27FC236}">
-                <a16:creationId xmlns:a16="http://schemas.microsoft.com/office/drawing/2014/main" id="{C0912B44-AFBF-432C-49D4-4F42CFC04F07}"/>
-              </a:ext>
-            </a:extLst>
-          </p:cNvPr>
-          <p:cNvPicPr>
-            <a:picLocks noChangeAspect="1"/>
-          </p:cNvPicPr>
-          <p:nvPr/>
-        </p:nvPicPr>
-        <p:blipFill>
-          <a:blip r:embed="rId3"/>
-          <a:stretch>
-            <a:fillRect/>
-          </a:stretch>
-        </p:blipFill>
-        <p:spPr>
-          <a:xfrm>
-            <a:off x="186813" y="5404573"/>
-            <a:ext cx="6745279" cy="1382782"/>
-          </a:xfrm>
-          <a:prstGeom prst="rect">
-            <a:avLst/>
-          </a:prstGeom>
-        </p:spPr>
-      </p:pic>
-      <p:sp>
-        <p:nvSpPr>
-          <p:cNvPr id="6" name="Номер слайда 5">
-            <a:extLst>
-              <a:ext uri="{FF2B5EF4-FFF2-40B4-BE49-F238E27FC236}">
-                <a16:creationId xmlns:a16="http://schemas.microsoft.com/office/drawing/2014/main" id="{0B054A4C-1E87-4D51-6471-7287192C2343}"/>
-              </a:ext>
-            </a:extLst>
-          </p:cNvPr>
-          <p:cNvSpPr>
-            <a:spLocks noGrp="1"/>
-          </p:cNvSpPr>
-          <p:nvPr>
-            <p:ph type="sldNum" sz="quarter" idx="12"/>
-          </p:nvPr>
-        </p:nvSpPr>
-        <p:spPr/>
-        <p:txBody>
-          <a:bodyPr/>
-          <a:lstStyle/>
-          <a:p>
-            <a:fld id="{C1FF6DA9-008F-8B48-92A6-B652298478BF}" type="slidenum">
-              <a:rPr lang="en-US" sz="1400" b="1" smtClean="0">
-                <a:solidFill>
-                  <a:schemeClr val="tx1"/>
-                </a:solidFill>
-              </a:rPr>
               <a:t>9</a:t>
             </a:fld>
             <a:endParaRPr lang="en-US" sz="1400" b="1" dirty="0">
@@ -14737,83 +15488,10 @@
           </a:p>
         </p:txBody>
       </p:sp>
-      <p:sp>
-        <p:nvSpPr>
-          <p:cNvPr id="5" name="TextBox 4">
-            <a:extLst>
-              <a:ext uri="{FF2B5EF4-FFF2-40B4-BE49-F238E27FC236}">
-                <a16:creationId xmlns:a16="http://schemas.microsoft.com/office/drawing/2014/main" id="{8F77D956-64BF-D63F-EEA4-68A97975022D}"/>
-              </a:ext>
-            </a:extLst>
-          </p:cNvPr>
-          <p:cNvSpPr txBox="1"/>
-          <p:nvPr/>
-        </p:nvSpPr>
-        <p:spPr>
-          <a:xfrm>
-            <a:off x="3907347" y="4964597"/>
-            <a:ext cx="2645853" cy="369332"/>
-          </a:xfrm>
-          <a:prstGeom prst="rect">
-            <a:avLst/>
-          </a:prstGeom>
-          <a:noFill/>
-        </p:spPr>
-        <p:txBody>
-          <a:bodyPr wrap="none" rtlCol="0">
-            <a:spAutoFit/>
-          </a:bodyPr>
-          <a:lstStyle/>
-          <a:p>
-            <a:r>
-              <a:rPr lang="ru-RU" dirty="0"/>
-              <a:t>Демонстрационное поле</a:t>
-            </a:r>
-          </a:p>
-        </p:txBody>
-      </p:sp>
-      <p:sp>
-        <p:nvSpPr>
-          <p:cNvPr id="7" name="TextBox 6">
-            <a:extLst>
-              <a:ext uri="{FF2B5EF4-FFF2-40B4-BE49-F238E27FC236}">
-                <a16:creationId xmlns:a16="http://schemas.microsoft.com/office/drawing/2014/main" id="{AB7F4025-F90C-6B3E-3042-393EEFC19F5B}"/>
-              </a:ext>
-            </a:extLst>
-          </p:cNvPr>
-          <p:cNvSpPr txBox="1"/>
-          <p:nvPr/>
-        </p:nvSpPr>
-        <p:spPr>
-          <a:xfrm>
-            <a:off x="6853084" y="5467176"/>
-            <a:ext cx="2232275" cy="1292662"/>
-          </a:xfrm>
-          <a:prstGeom prst="rect">
-            <a:avLst/>
-          </a:prstGeom>
-          <a:noFill/>
-        </p:spPr>
-        <p:txBody>
-          <a:bodyPr wrap="square" rtlCol="0">
-            <a:spAutoFit/>
-          </a:bodyPr>
-          <a:lstStyle/>
-          <a:p>
-            <a:r>
-              <a:rPr lang="ru-RU" sz="2000" dirty="0"/>
-              <a:t>Структура методики обучение</a:t>
-            </a:r>
-          </a:p>
-          <a:p>
-            <a:endParaRPr lang="ru-RU" dirty="0"/>
-          </a:p>
-        </p:txBody>
-      </p:sp>
     </p:spTree>
     <p:extLst>
       <p:ext uri="{BB962C8B-B14F-4D97-AF65-F5344CB8AC3E}">
-        <p14:creationId xmlns:p14="http://schemas.microsoft.com/office/powerpoint/2010/main" val="1016929772"/>
+        <p14:creationId xmlns:p14="http://schemas.microsoft.com/office/powerpoint/2010/main" val="2129045549"/>
       </p:ext>
     </p:extLst>
   </p:cSld>

--- a/презентации/мобильная платформа.pptx
+++ b/презентации/мобильная платформа.pptx
@@ -5,7 +5,7 @@
     <p:sldMasterId id="2147483648" r:id="rId1"/>
   </p:sldMasterIdLst>
   <p:notesMasterIdLst>
-    <p:notesMasterId r:id="rId15"/>
+    <p:notesMasterId r:id="rId16"/>
   </p:notesMasterIdLst>
   <p:sldIdLst>
     <p:sldId id="256" r:id="rId2"/>
@@ -13,14 +13,15 @@
     <p:sldId id="257" r:id="rId4"/>
     <p:sldId id="258" r:id="rId5"/>
     <p:sldId id="259" r:id="rId6"/>
-    <p:sldId id="265" r:id="rId7"/>
-    <p:sldId id="264" r:id="rId8"/>
-    <p:sldId id="275" r:id="rId9"/>
-    <p:sldId id="266" r:id="rId10"/>
-    <p:sldId id="267" r:id="rId11"/>
-    <p:sldId id="269" r:id="rId12"/>
-    <p:sldId id="273" r:id="rId13"/>
-    <p:sldId id="274" r:id="rId14"/>
+    <p:sldId id="267" r:id="rId7"/>
+    <p:sldId id="269" r:id="rId8"/>
+    <p:sldId id="265" r:id="rId9"/>
+    <p:sldId id="275" r:id="rId10"/>
+    <p:sldId id="264" r:id="rId11"/>
+    <p:sldId id="266" r:id="rId12"/>
+    <p:sldId id="278" r:id="rId13"/>
+    <p:sldId id="273" r:id="rId14"/>
+    <p:sldId id="274" r:id="rId15"/>
   </p:sldIdLst>
   <p:sldSz cx="9144000" cy="6858000" type="screen4x3"/>
   <p:notesSz cx="6858000" cy="9144000"/>
@@ -907,8 +908,8 @@
         <a:lstStyle/>
         <a:p>
           <a:r>
-            <a:rPr lang="en-US" dirty="0" err="1"/>
-            <a:t>Автономность</a:t>
+            <a:rPr lang="ru-RU" dirty="0"/>
+            <a:t>Время работы</a:t>
           </a:r>
           <a:r>
             <a:rPr lang="en-US" dirty="0"/>
@@ -1527,8 +1528,8 @@
             <a:buNone/>
           </a:pPr>
           <a:r>
-            <a:rPr lang="en-US" sz="2000" kern="1200" dirty="0" err="1"/>
-            <a:t>Автономность</a:t>
+            <a:rPr lang="ru-RU" sz="2000" kern="1200" dirty="0"/>
+            <a:t>Время работы</a:t>
           </a:r>
           <a:r>
             <a:rPr lang="en-US" sz="2000" kern="1200" dirty="0"/>
@@ -3473,7 +3474,7 @@
           <a:p>
             <a:fld id="{5E8C7F5D-C1EC-42DC-8C88-ED95F9B54956}" type="datetimeFigureOut">
               <a:rPr lang="ru-RU" smtClean="0"/>
-              <a:t>14.03.2025</a:t>
+              <a:t>16.03.2025</a:t>
             </a:fld>
             <a:endParaRPr lang="ru-RU"/>
           </a:p>
@@ -3919,7 +3920,7 @@
           <a:p>
             <a:fld id="{56ED42E5-497E-4B13-892A-B07E48017FD4}" type="datetime1">
               <a:rPr lang="en-US" smtClean="0"/>
-              <a:t>3/14/2025</a:t>
+              <a:t>3/16/2025</a:t>
             </a:fld>
             <a:endParaRPr lang="en-US"/>
           </a:p>
@@ -4087,7 +4088,7 @@
           <a:p>
             <a:fld id="{CFF2026A-7B3F-4B1F-914D-1E8356FB8E9F}" type="datetime1">
               <a:rPr lang="en-US" smtClean="0"/>
-              <a:t>3/14/2025</a:t>
+              <a:t>3/16/2025</a:t>
             </a:fld>
             <a:endParaRPr lang="en-US"/>
           </a:p>
@@ -4265,7 +4266,7 @@
           <a:p>
             <a:fld id="{7AE14161-7636-4F8D-87D3-6A03DADF8E41}" type="datetime1">
               <a:rPr lang="en-US" smtClean="0"/>
-              <a:t>3/14/2025</a:t>
+              <a:t>3/16/2025</a:t>
             </a:fld>
             <a:endParaRPr lang="en-US"/>
           </a:p>
@@ -4433,7 +4434,7 @@
           <a:p>
             <a:fld id="{4C71FABA-3A12-4D4A-990E-C57EB7D661BA}" type="datetime1">
               <a:rPr lang="en-US" smtClean="0"/>
-              <a:t>3/14/2025</a:t>
+              <a:t>3/16/2025</a:t>
             </a:fld>
             <a:endParaRPr lang="en-US"/>
           </a:p>
@@ -4678,7 +4679,7 @@
           <a:p>
             <a:fld id="{1EF30C67-C3B8-4999-A365-02ED13AB639D}" type="datetime1">
               <a:rPr lang="en-US" smtClean="0"/>
-              <a:t>3/14/2025</a:t>
+              <a:t>3/16/2025</a:t>
             </a:fld>
             <a:endParaRPr lang="en-US"/>
           </a:p>
@@ -4963,7 +4964,7 @@
           <a:p>
             <a:fld id="{0AB4746E-7A0F-4157-B263-8310D342CDD2}" type="datetime1">
               <a:rPr lang="en-US" smtClean="0"/>
-              <a:t>3/14/2025</a:t>
+              <a:t>3/16/2025</a:t>
             </a:fld>
             <a:endParaRPr lang="en-US"/>
           </a:p>
@@ -5382,7 +5383,7 @@
           <a:p>
             <a:fld id="{CA6E2E77-1798-4E72-92DE-51B41968D635}" type="datetime1">
               <a:rPr lang="en-US" smtClean="0"/>
-              <a:t>3/14/2025</a:t>
+              <a:t>3/16/2025</a:t>
             </a:fld>
             <a:endParaRPr lang="en-US"/>
           </a:p>
@@ -5499,7 +5500,7 @@
           <a:p>
             <a:fld id="{55DDDA39-2B7A-44DA-A579-8FEC7A474B91}" type="datetime1">
               <a:rPr lang="en-US" smtClean="0"/>
-              <a:t>3/14/2025</a:t>
+              <a:t>3/16/2025</a:t>
             </a:fld>
             <a:endParaRPr lang="en-US"/>
           </a:p>
@@ -5594,7 +5595,7 @@
           <a:p>
             <a:fld id="{F5D3C86C-5D3C-456B-9223-E718868EE874}" type="datetime1">
               <a:rPr lang="en-US" smtClean="0"/>
-              <a:t>3/14/2025</a:t>
+              <a:t>3/16/2025</a:t>
             </a:fld>
             <a:endParaRPr lang="en-US"/>
           </a:p>
@@ -5869,7 +5870,7 @@
           <a:p>
             <a:fld id="{CD8F0B18-AF05-4CE1-AC0E-FBBEEAB8057A}" type="datetime1">
               <a:rPr lang="en-US" smtClean="0"/>
-              <a:t>3/14/2025</a:t>
+              <a:t>3/16/2025</a:t>
             </a:fld>
             <a:endParaRPr lang="en-US"/>
           </a:p>
@@ -6121,7 +6122,7 @@
           <a:p>
             <a:fld id="{CE1C0286-1921-4A24-94D1-BFB494B4217F}" type="datetime1">
               <a:rPr lang="en-US" smtClean="0"/>
-              <a:t>3/14/2025</a:t>
+              <a:t>3/16/2025</a:t>
             </a:fld>
             <a:endParaRPr lang="en-US"/>
           </a:p>
@@ -6335,7 +6336,7 @@
           <a:p>
             <a:fld id="{FF7CA5E8-8F2C-4469-BBCF-29BC4FAF5E5D}" type="datetime1">
               <a:rPr lang="en-US" smtClean="0"/>
-              <a:t>3/14/2025</a:t>
+              <a:t>3/16/2025</a:t>
             </a:fld>
             <a:endParaRPr lang="en-US"/>
           </a:p>
@@ -7118,8 +7119,21 @@
                   <a:srgbClr val="FFFFFF"/>
                 </a:solidFill>
               </a:rPr>
-              <a:t>Разработка мобильной платформы для обучения</a:t>
+              <a:t>Разработка мобильной платформы для обучения студентов </a:t>
             </a:r>
+            <a:r>
+              <a:rPr lang="ru-RU" sz="4200" dirty="0" err="1">
+                <a:solidFill>
+                  <a:srgbClr val="FFFFFF"/>
+                </a:solidFill>
+              </a:rPr>
+              <a:t>роботехников</a:t>
+            </a:r>
+            <a:endParaRPr lang="ru-RU" sz="4200" dirty="0">
+              <a:solidFill>
+                <a:srgbClr val="FFFFFF"/>
+              </a:solidFill>
+            </a:endParaRPr>
           </a:p>
         </p:txBody>
       </p:sp>
@@ -7398,7 +7412,7 @@
       </p:grpSpPr>
       <p:sp useBgFill="1">
         <p:nvSpPr>
-          <p:cNvPr id="37" name="Rectangle 36">
+          <p:cNvPr id="10" name="Rectangle 9">
             <a:extLst>
               <a:ext uri="{FF2B5EF4-FFF2-40B4-BE49-F238E27FC236}">
                 <a16:creationId xmlns:a16="http://schemas.microsoft.com/office/drawing/2014/main" id="{9CB95732-565A-4D2C-A3AB-CC460C0D3826}"/>
@@ -7474,7 +7488,7 @@
       </p:sp>
       <p:sp>
         <p:nvSpPr>
-          <p:cNvPr id="39" name="Rectangle 38">
+          <p:cNvPr id="12" name="Rectangle 11">
             <a:extLst>
               <a:ext uri="{FF2B5EF4-FFF2-40B4-BE49-F238E27FC236}">
                 <a16:creationId xmlns:a16="http://schemas.microsoft.com/office/drawing/2014/main" id="{E19B653C-798C-4333-8452-3DF3AE3C1D11}"/>
@@ -7549,7 +7563,7 @@
       </p:sp>
       <p:sp>
         <p:nvSpPr>
-          <p:cNvPr id="41" name="Rectangle 40">
+          <p:cNvPr id="14" name="Rectangle 13">
             <a:extLst>
               <a:ext uri="{FF2B5EF4-FFF2-40B4-BE49-F238E27FC236}">
                 <a16:creationId xmlns:a16="http://schemas.microsoft.com/office/drawing/2014/main" id="{0FE50278-E2EC-42B2-A1F1-921DD39901C4}"/>
@@ -7624,7 +7638,7 @@
       </p:sp>
       <p:sp>
         <p:nvSpPr>
-          <p:cNvPr id="43" name="Rectangle 42">
+          <p:cNvPr id="16" name="Rectangle 15">
             <a:extLst>
               <a:ext uri="{FF2B5EF4-FFF2-40B4-BE49-F238E27FC236}">
                 <a16:creationId xmlns:a16="http://schemas.microsoft.com/office/drawing/2014/main" id="{1236153F-0DB4-40DD-87C6-B40C1B7E282C}"/>
@@ -7703,7 +7717,7 @@
           <p:cNvPr id="2" name="Заголовок 1">
             <a:extLst>
               <a:ext uri="{FF2B5EF4-FFF2-40B4-BE49-F238E27FC236}">
-                <a16:creationId xmlns:a16="http://schemas.microsoft.com/office/drawing/2014/main" id="{16433F03-0A03-0B8A-CFC6-03EF4B92B5A5}"/>
+                <a16:creationId xmlns:a16="http://schemas.microsoft.com/office/drawing/2014/main" id="{52377B9A-871F-EA1D-F3AF-A523D61505CA}"/>
               </a:ext>
             </a:extLst>
           </p:cNvPr>
@@ -7716,13 +7730,13 @@
         </p:nvSpPr>
         <p:spPr>
           <a:xfrm>
-            <a:off x="1818968" y="78657"/>
-            <a:ext cx="5840361" cy="1406013"/>
+            <a:off x="524785" y="288404"/>
+            <a:ext cx="8619213" cy="977442"/>
           </a:xfrm>
         </p:spPr>
         <p:txBody>
           <a:bodyPr vert="horz" lIns="91440" tIns="45720" rIns="91440" bIns="45720" rtlCol="0" anchor="ctr">
-            <a:noAutofit/>
+            <a:normAutofit/>
           </a:bodyPr>
           <a:lstStyle/>
           <a:p>
@@ -7731,15 +7745,6 @@
                 <a:spcPct val="90000"/>
               </a:lnSpc>
             </a:pPr>
-            <a:r>
-              <a:rPr lang="en-US" sz="3200" b="1" dirty="0" err="1">
-                <a:solidFill>
-                  <a:srgbClr val="FFFFFF"/>
-                </a:solidFill>
-                <a:effectLst/>
-              </a:rPr>
-              <a:t>Демонстрационная</a:t>
-            </a:r>
             <a:r>
               <a:rPr lang="en-US" sz="3200" b="1" dirty="0">
                 <a:solidFill>
@@ -7747,62 +7752,9 @@
                 </a:solidFill>
                 <a:effectLst/>
               </a:rPr>
-              <a:t> </a:t>
+              <a:t>КОМПОНЕНТЫ МОБИЛЬНОЙ ПЛАТФОРМЫ</a:t>
             </a:r>
-            <a:r>
-              <a:rPr lang="en-US" sz="3200" b="1" dirty="0" err="1">
-                <a:solidFill>
-                  <a:srgbClr val="FFFFFF"/>
-                </a:solidFill>
-                <a:effectLst/>
-              </a:rPr>
-              <a:t>задача</a:t>
-            </a:r>
-            <a:r>
-              <a:rPr lang="en-US" sz="3200" b="1" dirty="0">
-                <a:solidFill>
-                  <a:srgbClr val="FFFFFF"/>
-                </a:solidFill>
-                <a:effectLst/>
-              </a:rPr>
-              <a:t> и </a:t>
-            </a:r>
-            <a:r>
-              <a:rPr lang="ru-RU" sz="3200" b="1" dirty="0">
-                <a:solidFill>
-                  <a:srgbClr val="FFFFFF"/>
-                </a:solidFill>
-              </a:rPr>
-              <a:t>методика</a:t>
-            </a:r>
-            <a:r>
-              <a:rPr lang="en-US" sz="3200" b="1" dirty="0">
-                <a:solidFill>
-                  <a:srgbClr val="FFFFFF"/>
-                </a:solidFill>
-                <a:effectLst/>
-              </a:rPr>
-              <a:t> </a:t>
-            </a:r>
-            <a:r>
-              <a:rPr lang="en-US" sz="3200" b="1" dirty="0" err="1">
-                <a:solidFill>
-                  <a:srgbClr val="FFFFFF"/>
-                </a:solidFill>
-                <a:effectLst/>
-              </a:rPr>
-              <a:t>обучени</a:t>
-            </a:r>
-            <a:r>
-              <a:rPr lang="ru-RU" sz="3200" b="1" dirty="0">
-                <a:solidFill>
-                  <a:srgbClr val="FFFFFF"/>
-                </a:solidFill>
-                <a:effectLst/>
-              </a:rPr>
-              <a:t>я</a:t>
-            </a:r>
-            <a:endParaRPr lang="en-US" sz="3200" b="1" dirty="0">
+            <a:endParaRPr lang="en-US" sz="3200" dirty="0">
               <a:solidFill>
                 <a:srgbClr val="FFFFFF"/>
               </a:solidFill>
@@ -7812,10 +7764,10 @@
       </p:sp>
       <p:pic>
         <p:nvPicPr>
-          <p:cNvPr id="3" name="Рисунок 2">
+          <p:cNvPr id="9" name="Рисунок 8">
             <a:extLst>
               <a:ext uri="{FF2B5EF4-FFF2-40B4-BE49-F238E27FC236}">
-                <a16:creationId xmlns:a16="http://schemas.microsoft.com/office/drawing/2014/main" id="{7EE3AFAF-876A-9FBE-39EE-4F900B38817E}"/>
+                <a16:creationId xmlns:a16="http://schemas.microsoft.com/office/drawing/2014/main" id="{730D112F-05C7-C94E-619E-5979E8DA90F8}"/>
               </a:ext>
             </a:extLst>
           </p:cNvPr>
@@ -7832,20 +7784,179 @@
         </p:blipFill>
         <p:spPr>
           <a:xfrm>
-            <a:off x="2003584" y="1568826"/>
-            <a:ext cx="6120407" cy="3580437"/>
+            <a:off x="5761806" y="3601457"/>
+            <a:ext cx="2814760" cy="1192072"/>
           </a:xfrm>
           <a:prstGeom prst="rect">
             <a:avLst/>
           </a:prstGeom>
         </p:spPr>
       </p:pic>
+      <p:sp>
+        <p:nvSpPr>
+          <p:cNvPr id="11" name="TextBox 10">
+            <a:extLst>
+              <a:ext uri="{FF2B5EF4-FFF2-40B4-BE49-F238E27FC236}">
+                <a16:creationId xmlns:a16="http://schemas.microsoft.com/office/drawing/2014/main" id="{98A68477-CD8C-C633-224C-9AC05F178C42}"/>
+              </a:ext>
+            </a:extLst>
+          </p:cNvPr>
+          <p:cNvSpPr txBox="1"/>
+          <p:nvPr/>
+        </p:nvSpPr>
+        <p:spPr>
+          <a:xfrm>
+            <a:off x="185026" y="4953291"/>
+            <a:ext cx="2912462" cy="369332"/>
+          </a:xfrm>
+          <a:prstGeom prst="rect">
+            <a:avLst/>
+          </a:prstGeom>
+          <a:noFill/>
+        </p:spPr>
+        <p:txBody>
+          <a:bodyPr wrap="square" rtlCol="0">
+            <a:spAutoFit/>
+          </a:bodyPr>
+          <a:lstStyle/>
+          <a:p>
+            <a:r>
+              <a:rPr lang="ru-RU" dirty="0"/>
+              <a:t>Микроконтроллер </a:t>
+            </a:r>
+            <a:r>
+              <a:rPr lang="ru-RU" sz="1800" kern="0" dirty="0">
+                <a:effectLst/>
+                <a:latin typeface="Times New Roman" panose="02020603050405020304" pitchFamily="18" charset="0"/>
+                <a:ea typeface="Times New Roman" panose="02020603050405020304" pitchFamily="18" charset="0"/>
+              </a:rPr>
+              <a:t>STM32</a:t>
+            </a:r>
+            <a:endParaRPr lang="ru-RU" dirty="0"/>
+          </a:p>
+        </p:txBody>
+      </p:sp>
+      <p:sp>
+        <p:nvSpPr>
+          <p:cNvPr id="13" name="TextBox 12">
+            <a:extLst>
+              <a:ext uri="{FF2B5EF4-FFF2-40B4-BE49-F238E27FC236}">
+                <a16:creationId xmlns:a16="http://schemas.microsoft.com/office/drawing/2014/main" id="{1B67CAC9-3847-6609-B04F-FD67CAD01B6A}"/>
+              </a:ext>
+            </a:extLst>
+          </p:cNvPr>
+          <p:cNvSpPr txBox="1"/>
+          <p:nvPr/>
+        </p:nvSpPr>
+        <p:spPr>
+          <a:xfrm>
+            <a:off x="3540287" y="4931105"/>
+            <a:ext cx="1827841" cy="369332"/>
+          </a:xfrm>
+          <a:prstGeom prst="rect">
+            <a:avLst/>
+          </a:prstGeom>
+          <a:noFill/>
+        </p:spPr>
+        <p:txBody>
+          <a:bodyPr wrap="square">
+            <a:spAutoFit/>
+          </a:bodyPr>
+          <a:lstStyle/>
+          <a:p>
+            <a:r>
+              <a:rPr lang="ru-RU" sz="1800" dirty="0" err="1">
+                <a:solidFill>
+                  <a:srgbClr val="000000"/>
+                </a:solidFill>
+                <a:effectLst/>
+                <a:latin typeface="Times New Roman" panose="02020603050405020304" pitchFamily="18" charset="0"/>
+                <a:ea typeface="Calibri" panose="020F0502020204030204" pitchFamily="34" charset="0"/>
+              </a:rPr>
+              <a:t>Raspberry</a:t>
+            </a:r>
+            <a:r>
+              <a:rPr lang="ru-RU" sz="1800" dirty="0">
+                <a:solidFill>
+                  <a:srgbClr val="000000"/>
+                </a:solidFill>
+                <a:effectLst/>
+                <a:latin typeface="Times New Roman" panose="02020603050405020304" pitchFamily="18" charset="0"/>
+                <a:ea typeface="Calibri" panose="020F0502020204030204" pitchFamily="34" charset="0"/>
+              </a:rPr>
+              <a:t> </a:t>
+            </a:r>
+            <a:r>
+              <a:rPr lang="ru-RU" sz="1800" dirty="0" err="1">
+                <a:solidFill>
+                  <a:srgbClr val="000000"/>
+                </a:solidFill>
+                <a:effectLst/>
+                <a:latin typeface="Times New Roman" panose="02020603050405020304" pitchFamily="18" charset="0"/>
+                <a:ea typeface="Calibri" panose="020F0502020204030204" pitchFamily="34" charset="0"/>
+              </a:rPr>
+              <a:t>Pi</a:t>
+            </a:r>
+            <a:r>
+              <a:rPr lang="ru-RU" sz="1800" dirty="0">
+                <a:solidFill>
+                  <a:srgbClr val="000000"/>
+                </a:solidFill>
+                <a:effectLst/>
+                <a:latin typeface="Times New Roman" panose="02020603050405020304" pitchFamily="18" charset="0"/>
+                <a:ea typeface="Calibri" panose="020F0502020204030204" pitchFamily="34" charset="0"/>
+              </a:rPr>
+              <a:t> 5</a:t>
+            </a:r>
+          </a:p>
+        </p:txBody>
+      </p:sp>
+      <p:sp>
+        <p:nvSpPr>
+          <p:cNvPr id="15" name="TextBox 14">
+            <a:extLst>
+              <a:ext uri="{FF2B5EF4-FFF2-40B4-BE49-F238E27FC236}">
+                <a16:creationId xmlns:a16="http://schemas.microsoft.com/office/drawing/2014/main" id="{79F3307A-69D7-8A09-CB27-2997D43655D9}"/>
+              </a:ext>
+            </a:extLst>
+          </p:cNvPr>
+          <p:cNvSpPr txBox="1"/>
+          <p:nvPr/>
+        </p:nvSpPr>
+        <p:spPr>
+          <a:xfrm>
+            <a:off x="5830825" y="4961805"/>
+            <a:ext cx="3982874" cy="369332"/>
+          </a:xfrm>
+          <a:prstGeom prst="rect">
+            <a:avLst/>
+          </a:prstGeom>
+          <a:noFill/>
+        </p:spPr>
+        <p:txBody>
+          <a:bodyPr wrap="square">
+            <a:spAutoFit/>
+          </a:bodyPr>
+          <a:lstStyle/>
+          <a:p>
+            <a:r>
+              <a:rPr lang="ru-RU" sz="1800" kern="0" dirty="0">
+                <a:effectLst/>
+                <a:latin typeface="Times New Roman" panose="02020603050405020304" pitchFamily="18" charset="0"/>
+                <a:ea typeface="Times New Roman" panose="02020603050405020304" pitchFamily="18" charset="0"/>
+              </a:rPr>
+              <a:t>АКБ HRB 6s 6000 мАч</a:t>
+            </a:r>
+            <a:endParaRPr lang="ru-RU" dirty="0"/>
+          </a:p>
+        </p:txBody>
+      </p:sp>
       <p:pic>
         <p:nvPicPr>
-          <p:cNvPr id="4" name="Рисунок 3">
+          <p:cNvPr id="17" name="Рисунок 16">
             <a:extLst>
               <a:ext uri="{FF2B5EF4-FFF2-40B4-BE49-F238E27FC236}">
-                <a16:creationId xmlns:a16="http://schemas.microsoft.com/office/drawing/2014/main" id="{C0912B44-AFBF-432C-49D4-4F42CFC04F07}"/>
+                <a16:creationId xmlns:a16="http://schemas.microsoft.com/office/drawing/2014/main" id="{09EEB240-B447-9D3D-23E0-D36182D00AE5}"/>
               </a:ext>
             </a:extLst>
           </p:cNvPr>
@@ -7862,8 +7973,38 @@
         </p:blipFill>
         <p:spPr>
           <a:xfrm>
-            <a:off x="186813" y="5404573"/>
-            <a:ext cx="6745279" cy="1382782"/>
+            <a:off x="536113" y="3615426"/>
+            <a:ext cx="1946705" cy="1412389"/>
+          </a:xfrm>
+          <a:prstGeom prst="rect">
+            <a:avLst/>
+          </a:prstGeom>
+        </p:spPr>
+      </p:pic>
+      <p:pic>
+        <p:nvPicPr>
+          <p:cNvPr id="18" name="Рисунок 17">
+            <a:extLst>
+              <a:ext uri="{FF2B5EF4-FFF2-40B4-BE49-F238E27FC236}">
+                <a16:creationId xmlns:a16="http://schemas.microsoft.com/office/drawing/2014/main" id="{A3B1833C-BD6D-7948-4985-F3AC91E2BD1C}"/>
+              </a:ext>
+            </a:extLst>
+          </p:cNvPr>
+          <p:cNvPicPr>
+            <a:picLocks noChangeAspect="1"/>
+          </p:cNvPicPr>
+          <p:nvPr/>
+        </p:nvPicPr>
+        <p:blipFill>
+          <a:blip r:embed="rId4"/>
+          <a:stretch>
+            <a:fillRect/>
+          </a:stretch>
+        </p:blipFill>
+        <p:spPr>
+          <a:xfrm>
+            <a:off x="3175095" y="3608274"/>
+            <a:ext cx="1915528" cy="1416966"/>
           </a:xfrm>
           <a:prstGeom prst="rect">
             <a:avLst/>
@@ -7872,10 +8013,567 @@
       </p:pic>
       <p:sp>
         <p:nvSpPr>
-          <p:cNvPr id="6" name="Номер слайда 5">
+          <p:cNvPr id="19" name="TextBox 18">
             <a:extLst>
               <a:ext uri="{FF2B5EF4-FFF2-40B4-BE49-F238E27FC236}">
-                <a16:creationId xmlns:a16="http://schemas.microsoft.com/office/drawing/2014/main" id="{0B054A4C-1E87-4D51-6471-7287192C2343}"/>
+                <a16:creationId xmlns:a16="http://schemas.microsoft.com/office/drawing/2014/main" id="{9E2D4AAD-07FC-577C-F695-AD7A020A75D9}"/>
+              </a:ext>
+            </a:extLst>
+          </p:cNvPr>
+          <p:cNvSpPr txBox="1"/>
+          <p:nvPr/>
+        </p:nvSpPr>
+        <p:spPr>
+          <a:xfrm>
+            <a:off x="372316" y="3366957"/>
+            <a:ext cx="2699686" cy="369332"/>
+          </a:xfrm>
+          <a:prstGeom prst="rect">
+            <a:avLst/>
+          </a:prstGeom>
+          <a:noFill/>
+        </p:spPr>
+        <p:txBody>
+          <a:bodyPr wrap="square" rtlCol="0">
+            <a:spAutoFit/>
+          </a:bodyPr>
+          <a:lstStyle/>
+          <a:p>
+            <a:r>
+              <a:rPr lang="ru-RU" sz="1800" kern="0" dirty="0">
+                <a:effectLst/>
+                <a:latin typeface="Times New Roman" panose="02020603050405020304" pitchFamily="18" charset="0"/>
+                <a:ea typeface="Times New Roman" panose="02020603050405020304" pitchFamily="18" charset="0"/>
+              </a:rPr>
+              <a:t>ЭД CHP-42GP-775 ABHL</a:t>
+            </a:r>
+            <a:endParaRPr lang="ru-RU" dirty="0"/>
+          </a:p>
+        </p:txBody>
+      </p:sp>
+      <p:sp>
+        <p:nvSpPr>
+          <p:cNvPr id="20" name="TextBox 19">
+            <a:extLst>
+              <a:ext uri="{FF2B5EF4-FFF2-40B4-BE49-F238E27FC236}">
+                <a16:creationId xmlns:a16="http://schemas.microsoft.com/office/drawing/2014/main" id="{075691CB-A4EE-CA3A-68D8-7B6C103149BA}"/>
+              </a:ext>
+            </a:extLst>
+          </p:cNvPr>
+          <p:cNvSpPr txBox="1"/>
+          <p:nvPr/>
+        </p:nvSpPr>
+        <p:spPr>
+          <a:xfrm>
+            <a:off x="3774043" y="3366957"/>
+            <a:ext cx="1034913" cy="369332"/>
+          </a:xfrm>
+          <a:prstGeom prst="rect">
+            <a:avLst/>
+          </a:prstGeom>
+          <a:noFill/>
+        </p:spPr>
+        <p:txBody>
+          <a:bodyPr wrap="square" rtlCol="0">
+            <a:spAutoFit/>
+          </a:bodyPr>
+          <a:lstStyle/>
+          <a:p>
+            <a:r>
+              <a:rPr lang="ru-RU" dirty="0"/>
+              <a:t>Энкодер</a:t>
+            </a:r>
+          </a:p>
+        </p:txBody>
+      </p:sp>
+      <p:pic>
+        <p:nvPicPr>
+          <p:cNvPr id="21" name="Рисунок 20">
+            <a:extLst>
+              <a:ext uri="{FF2B5EF4-FFF2-40B4-BE49-F238E27FC236}">
+                <a16:creationId xmlns:a16="http://schemas.microsoft.com/office/drawing/2014/main" id="{7432CFF4-A912-79F7-1B71-C5BFCC026874}"/>
+              </a:ext>
+            </a:extLst>
+          </p:cNvPr>
+          <p:cNvPicPr>
+            <a:picLocks noChangeAspect="1"/>
+          </p:cNvPicPr>
+          <p:nvPr/>
+        </p:nvPicPr>
+        <p:blipFill>
+          <a:blip r:embed="rId5"/>
+          <a:stretch>
+            <a:fillRect/>
+          </a:stretch>
+        </p:blipFill>
+        <p:spPr>
+          <a:xfrm>
+            <a:off x="595741" y="1647436"/>
+            <a:ext cx="1730042" cy="1622719"/>
+          </a:xfrm>
+          <a:prstGeom prst="rect">
+            <a:avLst/>
+          </a:prstGeom>
+        </p:spPr>
+      </p:pic>
+      <p:pic>
+        <p:nvPicPr>
+          <p:cNvPr id="22" name="Рисунок 21">
+            <a:extLst>
+              <a:ext uri="{FF2B5EF4-FFF2-40B4-BE49-F238E27FC236}">
+                <a16:creationId xmlns:a16="http://schemas.microsoft.com/office/drawing/2014/main" id="{9AAD30F4-B52F-2F7A-95A8-2238F82844C5}"/>
+              </a:ext>
+            </a:extLst>
+          </p:cNvPr>
+          <p:cNvPicPr>
+            <a:picLocks noChangeAspect="1"/>
+          </p:cNvPicPr>
+          <p:nvPr/>
+        </p:nvPicPr>
+        <p:blipFill>
+          <a:blip r:embed="rId6"/>
+          <a:stretch>
+            <a:fillRect/>
+          </a:stretch>
+        </p:blipFill>
+        <p:spPr>
+          <a:xfrm>
+            <a:off x="3444318" y="1604012"/>
+            <a:ext cx="1576390" cy="1762945"/>
+          </a:xfrm>
+          <a:prstGeom prst="rect">
+            <a:avLst/>
+          </a:prstGeom>
+        </p:spPr>
+      </p:pic>
+      <p:pic>
+        <p:nvPicPr>
+          <p:cNvPr id="23" name="Рисунок 22">
+            <a:extLst>
+              <a:ext uri="{FF2B5EF4-FFF2-40B4-BE49-F238E27FC236}">
+                <a16:creationId xmlns:a16="http://schemas.microsoft.com/office/drawing/2014/main" id="{3354C2B2-7DAA-77FC-21AE-5008391675C2}"/>
+              </a:ext>
+            </a:extLst>
+          </p:cNvPr>
+          <p:cNvPicPr>
+            <a:picLocks noChangeAspect="1"/>
+          </p:cNvPicPr>
+          <p:nvPr/>
+        </p:nvPicPr>
+        <p:blipFill>
+          <a:blip r:embed="rId7"/>
+          <a:stretch>
+            <a:fillRect/>
+          </a:stretch>
+        </p:blipFill>
+        <p:spPr>
+          <a:xfrm>
+            <a:off x="5735778" y="1575957"/>
+            <a:ext cx="2592251" cy="1762358"/>
+          </a:xfrm>
+          <a:prstGeom prst="rect">
+            <a:avLst/>
+          </a:prstGeom>
+        </p:spPr>
+      </p:pic>
+      <p:sp>
+        <p:nvSpPr>
+          <p:cNvPr id="24" name="TextBox 23">
+            <a:extLst>
+              <a:ext uri="{FF2B5EF4-FFF2-40B4-BE49-F238E27FC236}">
+                <a16:creationId xmlns:a16="http://schemas.microsoft.com/office/drawing/2014/main" id="{71039D8C-E426-686C-B544-76EFD1A71363}"/>
+              </a:ext>
+            </a:extLst>
+          </p:cNvPr>
+          <p:cNvSpPr txBox="1"/>
+          <p:nvPr/>
+        </p:nvSpPr>
+        <p:spPr>
+          <a:xfrm>
+            <a:off x="5896558" y="3366957"/>
+            <a:ext cx="2814760" cy="369332"/>
+          </a:xfrm>
+          <a:prstGeom prst="rect">
+            <a:avLst/>
+          </a:prstGeom>
+          <a:noFill/>
+        </p:spPr>
+        <p:txBody>
+          <a:bodyPr wrap="square" rtlCol="0">
+            <a:spAutoFit/>
+          </a:bodyPr>
+          <a:lstStyle/>
+          <a:p>
+            <a:r>
+              <a:rPr lang="ru-RU" sz="1800" kern="0" dirty="0">
+                <a:effectLst/>
+                <a:latin typeface="Times New Roman" panose="02020603050405020304" pitchFamily="18" charset="0"/>
+                <a:ea typeface="Times New Roman" panose="02020603050405020304" pitchFamily="18" charset="0"/>
+              </a:rPr>
+              <a:t>Драйвер привода </a:t>
+            </a:r>
+            <a:r>
+              <a:rPr lang="en-US" sz="1800" kern="0" dirty="0">
+                <a:effectLst/>
+                <a:latin typeface="Times New Roman" panose="02020603050405020304" pitchFamily="18" charset="0"/>
+                <a:ea typeface="Times New Roman" panose="02020603050405020304" pitchFamily="18" charset="0"/>
+              </a:rPr>
+              <a:t>PWM</a:t>
+            </a:r>
+            <a:endParaRPr lang="ru-RU" dirty="0"/>
+          </a:p>
+        </p:txBody>
+      </p:sp>
+      <p:pic>
+        <p:nvPicPr>
+          <p:cNvPr id="25" name="Рисунок 24">
+            <a:extLst>
+              <a:ext uri="{FF2B5EF4-FFF2-40B4-BE49-F238E27FC236}">
+                <a16:creationId xmlns:a16="http://schemas.microsoft.com/office/drawing/2014/main" id="{09152AF9-498E-FF5E-1650-770E468AB571}"/>
+              </a:ext>
+            </a:extLst>
+          </p:cNvPr>
+          <p:cNvPicPr>
+            <a:picLocks noChangeAspect="1"/>
+          </p:cNvPicPr>
+          <p:nvPr/>
+        </p:nvPicPr>
+        <p:blipFill>
+          <a:blip r:embed="rId8"/>
+          <a:stretch>
+            <a:fillRect/>
+          </a:stretch>
+        </p:blipFill>
+        <p:spPr>
+          <a:xfrm>
+            <a:off x="432697" y="5276284"/>
+            <a:ext cx="1208560" cy="1204572"/>
+          </a:xfrm>
+          <a:prstGeom prst="rect">
+            <a:avLst/>
+          </a:prstGeom>
+        </p:spPr>
+      </p:pic>
+      <p:pic>
+        <p:nvPicPr>
+          <p:cNvPr id="26" name="Рисунок 25">
+            <a:extLst>
+              <a:ext uri="{FF2B5EF4-FFF2-40B4-BE49-F238E27FC236}">
+                <a16:creationId xmlns:a16="http://schemas.microsoft.com/office/drawing/2014/main" id="{B3315609-9E68-1E10-7559-484FCD7D3761}"/>
+              </a:ext>
+            </a:extLst>
+          </p:cNvPr>
+          <p:cNvPicPr>
+            <a:picLocks noChangeAspect="1"/>
+          </p:cNvPicPr>
+          <p:nvPr/>
+        </p:nvPicPr>
+        <p:blipFill>
+          <a:blip r:embed="rId9"/>
+          <a:stretch>
+            <a:fillRect/>
+          </a:stretch>
+        </p:blipFill>
+        <p:spPr>
+          <a:xfrm>
+            <a:off x="2256063" y="5257609"/>
+            <a:ext cx="1495799" cy="1349432"/>
+          </a:xfrm>
+          <a:prstGeom prst="rect">
+            <a:avLst/>
+          </a:prstGeom>
+        </p:spPr>
+      </p:pic>
+      <p:pic>
+        <p:nvPicPr>
+          <p:cNvPr id="28" name="Рисунок 27">
+            <a:extLst>
+              <a:ext uri="{FF2B5EF4-FFF2-40B4-BE49-F238E27FC236}">
+                <a16:creationId xmlns:a16="http://schemas.microsoft.com/office/drawing/2014/main" id="{F8006C67-13B9-17C3-1C62-D0284C124486}"/>
+              </a:ext>
+            </a:extLst>
+          </p:cNvPr>
+          <p:cNvPicPr>
+            <a:picLocks noChangeAspect="1"/>
+          </p:cNvPicPr>
+          <p:nvPr/>
+        </p:nvPicPr>
+        <p:blipFill>
+          <a:blip r:embed="rId10"/>
+          <a:stretch>
+            <a:fillRect/>
+          </a:stretch>
+        </p:blipFill>
+        <p:spPr>
+          <a:xfrm>
+            <a:off x="4228730" y="5273555"/>
+            <a:ext cx="1713118" cy="1303042"/>
+          </a:xfrm>
+          <a:prstGeom prst="rect">
+            <a:avLst/>
+          </a:prstGeom>
+        </p:spPr>
+      </p:pic>
+      <p:sp>
+        <p:nvSpPr>
+          <p:cNvPr id="29" name="TextBox 28">
+            <a:extLst>
+              <a:ext uri="{FF2B5EF4-FFF2-40B4-BE49-F238E27FC236}">
+                <a16:creationId xmlns:a16="http://schemas.microsoft.com/office/drawing/2014/main" id="{6DA27B3E-A452-525C-43F5-7480248409DD}"/>
+              </a:ext>
+            </a:extLst>
+          </p:cNvPr>
+          <p:cNvSpPr txBox="1"/>
+          <p:nvPr/>
+        </p:nvSpPr>
+        <p:spPr>
+          <a:xfrm>
+            <a:off x="261448" y="6544659"/>
+            <a:ext cx="1976844" cy="369332"/>
+          </a:xfrm>
+          <a:prstGeom prst="rect">
+            <a:avLst/>
+          </a:prstGeom>
+          <a:noFill/>
+        </p:spPr>
+        <p:txBody>
+          <a:bodyPr wrap="square">
+            <a:spAutoFit/>
+          </a:bodyPr>
+          <a:lstStyle/>
+          <a:p>
+            <a:r>
+              <a:rPr lang="ru-RU" sz="1800" kern="0" dirty="0">
+                <a:effectLst/>
+                <a:latin typeface="Times New Roman" panose="02020603050405020304" pitchFamily="18" charset="0"/>
+                <a:ea typeface="Times New Roman" panose="02020603050405020304" pitchFamily="18" charset="0"/>
+              </a:rPr>
+              <a:t>Колеса Илона</a:t>
+            </a:r>
+            <a:endParaRPr lang="ru-RU" dirty="0"/>
+          </a:p>
+        </p:txBody>
+      </p:sp>
+      <p:sp>
+        <p:nvSpPr>
+          <p:cNvPr id="30" name="TextBox 29">
+            <a:extLst>
+              <a:ext uri="{FF2B5EF4-FFF2-40B4-BE49-F238E27FC236}">
+                <a16:creationId xmlns:a16="http://schemas.microsoft.com/office/drawing/2014/main" id="{FBE4750F-9E24-0542-4E24-47384C84BC88}"/>
+              </a:ext>
+            </a:extLst>
+          </p:cNvPr>
+          <p:cNvSpPr txBox="1"/>
+          <p:nvPr/>
+        </p:nvSpPr>
+        <p:spPr>
+          <a:xfrm>
+            <a:off x="2349287" y="6524179"/>
+            <a:ext cx="1967995" cy="369332"/>
+          </a:xfrm>
+          <a:prstGeom prst="rect">
+            <a:avLst/>
+          </a:prstGeom>
+          <a:noFill/>
+        </p:spPr>
+        <p:txBody>
+          <a:bodyPr wrap="square">
+            <a:spAutoFit/>
+          </a:bodyPr>
+          <a:lstStyle/>
+          <a:p>
+            <a:r>
+              <a:rPr lang="ru-RU" sz="1800" kern="0" dirty="0">
+                <a:effectLst/>
+                <a:latin typeface="Times New Roman" panose="02020603050405020304" pitchFamily="18" charset="0"/>
+                <a:ea typeface="Times New Roman" panose="02020603050405020304" pitchFamily="18" charset="0"/>
+              </a:rPr>
+              <a:t>RP-</a:t>
+            </a:r>
+            <a:r>
+              <a:rPr lang="ru-RU" sz="1800" kern="0" dirty="0" err="1">
+                <a:effectLst/>
+                <a:latin typeface="Times New Roman" panose="02020603050405020304" pitchFamily="18" charset="0"/>
+                <a:ea typeface="Times New Roman" panose="02020603050405020304" pitchFamily="18" charset="0"/>
+              </a:rPr>
+              <a:t>Lidar</a:t>
+            </a:r>
+            <a:r>
+              <a:rPr lang="ru-RU" sz="1800" kern="0" dirty="0">
+                <a:effectLst/>
+                <a:latin typeface="Times New Roman" panose="02020603050405020304" pitchFamily="18" charset="0"/>
+                <a:ea typeface="Times New Roman" panose="02020603050405020304" pitchFamily="18" charset="0"/>
+              </a:rPr>
+              <a:t> A1</a:t>
+            </a:r>
+            <a:endParaRPr lang="ru-RU" dirty="0"/>
+          </a:p>
+        </p:txBody>
+      </p:sp>
+      <p:sp>
+        <p:nvSpPr>
+          <p:cNvPr id="31" name="TextBox 30">
+            <a:extLst>
+              <a:ext uri="{FF2B5EF4-FFF2-40B4-BE49-F238E27FC236}">
+                <a16:creationId xmlns:a16="http://schemas.microsoft.com/office/drawing/2014/main" id="{452521CD-4B70-8D4E-BF88-53AB9D972217}"/>
+              </a:ext>
+            </a:extLst>
+          </p:cNvPr>
+          <p:cNvSpPr txBox="1"/>
+          <p:nvPr/>
+        </p:nvSpPr>
+        <p:spPr>
+          <a:xfrm>
+            <a:off x="4450721" y="6475667"/>
+            <a:ext cx="1967995" cy="369332"/>
+          </a:xfrm>
+          <a:prstGeom prst="rect">
+            <a:avLst/>
+          </a:prstGeom>
+          <a:noFill/>
+        </p:spPr>
+        <p:txBody>
+          <a:bodyPr wrap="square">
+            <a:spAutoFit/>
+          </a:bodyPr>
+          <a:lstStyle/>
+          <a:p>
+            <a:r>
+              <a:rPr lang="ru-RU" sz="1800" kern="0" dirty="0">
+                <a:effectLst/>
+                <a:latin typeface="Times New Roman" panose="02020603050405020304" pitchFamily="18" charset="0"/>
+                <a:ea typeface="Times New Roman" panose="02020603050405020304" pitchFamily="18" charset="0"/>
+              </a:rPr>
+              <a:t>Датчик </a:t>
+            </a:r>
+            <a:r>
+              <a:rPr lang="en-US" sz="1800" kern="0" dirty="0">
+                <a:effectLst/>
+                <a:latin typeface="Times New Roman" panose="02020603050405020304" pitchFamily="18" charset="0"/>
+                <a:ea typeface="Times New Roman" panose="02020603050405020304" pitchFamily="18" charset="0"/>
+              </a:rPr>
+              <a:t>BNO</a:t>
+            </a:r>
+            <a:r>
+              <a:rPr lang="ru-RU" sz="1800" kern="0" dirty="0">
+                <a:effectLst/>
+                <a:latin typeface="Times New Roman" panose="02020603050405020304" pitchFamily="18" charset="0"/>
+                <a:ea typeface="Times New Roman" panose="02020603050405020304" pitchFamily="18" charset="0"/>
+              </a:rPr>
+              <a:t>055</a:t>
+            </a:r>
+            <a:endParaRPr lang="ru-RU" dirty="0"/>
+          </a:p>
+        </p:txBody>
+      </p:sp>
+      <p:sp>
+        <p:nvSpPr>
+          <p:cNvPr id="32" name="TextBox 31">
+            <a:extLst>
+              <a:ext uri="{FF2B5EF4-FFF2-40B4-BE49-F238E27FC236}">
+                <a16:creationId xmlns:a16="http://schemas.microsoft.com/office/drawing/2014/main" id="{F81C926E-E9D7-6188-23F8-87515DDF567F}"/>
+              </a:ext>
+            </a:extLst>
+          </p:cNvPr>
+          <p:cNvSpPr txBox="1"/>
+          <p:nvPr/>
+        </p:nvSpPr>
+        <p:spPr>
+          <a:xfrm>
+            <a:off x="6254858" y="6456060"/>
+            <a:ext cx="2149328" cy="369332"/>
+          </a:xfrm>
+          <a:prstGeom prst="rect">
+            <a:avLst/>
+          </a:prstGeom>
+          <a:noFill/>
+        </p:spPr>
+        <p:txBody>
+          <a:bodyPr wrap="square">
+            <a:spAutoFit/>
+          </a:bodyPr>
+          <a:lstStyle/>
+          <a:p>
+            <a:r>
+              <a:rPr lang="ru-RU" sz="1800" kern="0" dirty="0">
+                <a:effectLst/>
+                <a:latin typeface="Times New Roman" panose="02020603050405020304" pitchFamily="18" charset="0"/>
+                <a:ea typeface="Times New Roman" panose="02020603050405020304" pitchFamily="18" charset="0"/>
+              </a:rPr>
+              <a:t> </a:t>
+            </a:r>
+            <a:r>
+              <a:rPr lang="ru-RU" sz="1800" kern="0" dirty="0" err="1">
+                <a:effectLst/>
+                <a:latin typeface="Times New Roman" panose="02020603050405020304" pitchFamily="18" charset="0"/>
+                <a:ea typeface="Times New Roman" panose="02020603050405020304" pitchFamily="18" charset="0"/>
+              </a:rPr>
+              <a:t>Camera</a:t>
+            </a:r>
+            <a:r>
+              <a:rPr lang="ru-RU" sz="1800" kern="0" dirty="0">
+                <a:effectLst/>
+                <a:latin typeface="Times New Roman" panose="02020603050405020304" pitchFamily="18" charset="0"/>
+                <a:ea typeface="Times New Roman" panose="02020603050405020304" pitchFamily="18" charset="0"/>
+              </a:rPr>
+              <a:t> </a:t>
+            </a:r>
+            <a:r>
+              <a:rPr lang="ru-RU" sz="1800" kern="0" dirty="0" err="1">
+                <a:effectLst/>
+                <a:latin typeface="Times New Roman" panose="02020603050405020304" pitchFamily="18" charset="0"/>
+                <a:ea typeface="Times New Roman" panose="02020603050405020304" pitchFamily="18" charset="0"/>
+              </a:rPr>
+              <a:t>Module</a:t>
+            </a:r>
+            <a:r>
+              <a:rPr lang="ru-RU" sz="1800" kern="0" dirty="0">
+                <a:effectLst/>
+                <a:latin typeface="Times New Roman" panose="02020603050405020304" pitchFamily="18" charset="0"/>
+                <a:ea typeface="Times New Roman" panose="02020603050405020304" pitchFamily="18" charset="0"/>
+              </a:rPr>
+              <a:t> 2 </a:t>
+            </a:r>
+            <a:endParaRPr lang="ru-RU" dirty="0"/>
+          </a:p>
+        </p:txBody>
+      </p:sp>
+      <p:pic>
+        <p:nvPicPr>
+          <p:cNvPr id="34" name="Рисунок 33">
+            <a:extLst>
+              <a:ext uri="{FF2B5EF4-FFF2-40B4-BE49-F238E27FC236}">
+                <a16:creationId xmlns:a16="http://schemas.microsoft.com/office/drawing/2014/main" id="{6FA5FF1E-E92D-145A-6A75-969FB2FA38F7}"/>
+              </a:ext>
+            </a:extLst>
+          </p:cNvPr>
+          <p:cNvPicPr>
+            <a:picLocks noChangeAspect="1"/>
+          </p:cNvPicPr>
+          <p:nvPr/>
+        </p:nvPicPr>
+        <p:blipFill>
+          <a:blip r:embed="rId11"/>
+          <a:stretch>
+            <a:fillRect/>
+          </a:stretch>
+        </p:blipFill>
+        <p:spPr>
+          <a:xfrm>
+            <a:off x="6497424" y="5257609"/>
+            <a:ext cx="1228896" cy="1200318"/>
+          </a:xfrm>
+          <a:prstGeom prst="rect">
+            <a:avLst/>
+          </a:prstGeom>
+        </p:spPr>
+      </p:pic>
+      <p:sp>
+        <p:nvSpPr>
+          <p:cNvPr id="4" name="Номер слайда 3">
+            <a:extLst>
+              <a:ext uri="{FF2B5EF4-FFF2-40B4-BE49-F238E27FC236}">
+                <a16:creationId xmlns:a16="http://schemas.microsoft.com/office/drawing/2014/main" id="{4DA21946-2734-4983-66C1-F0448FE8CD67}"/>
               </a:ext>
             </a:extLst>
           </p:cNvPr>
@@ -7907,83 +8605,10 @@
           </a:p>
         </p:txBody>
       </p:sp>
-      <p:sp>
-        <p:nvSpPr>
-          <p:cNvPr id="5" name="TextBox 4">
-            <a:extLst>
-              <a:ext uri="{FF2B5EF4-FFF2-40B4-BE49-F238E27FC236}">
-                <a16:creationId xmlns:a16="http://schemas.microsoft.com/office/drawing/2014/main" id="{8F77D956-64BF-D63F-EEA4-68A97975022D}"/>
-              </a:ext>
-            </a:extLst>
-          </p:cNvPr>
-          <p:cNvSpPr txBox="1"/>
-          <p:nvPr/>
-        </p:nvSpPr>
-        <p:spPr>
-          <a:xfrm>
-            <a:off x="3907347" y="4964597"/>
-            <a:ext cx="2645853" cy="369332"/>
-          </a:xfrm>
-          <a:prstGeom prst="rect">
-            <a:avLst/>
-          </a:prstGeom>
-          <a:noFill/>
-        </p:spPr>
-        <p:txBody>
-          <a:bodyPr wrap="none" rtlCol="0">
-            <a:spAutoFit/>
-          </a:bodyPr>
-          <a:lstStyle/>
-          <a:p>
-            <a:r>
-              <a:rPr lang="ru-RU" dirty="0"/>
-              <a:t>Демонстрационное поле</a:t>
-            </a:r>
-          </a:p>
-        </p:txBody>
-      </p:sp>
-      <p:sp>
-        <p:nvSpPr>
-          <p:cNvPr id="7" name="TextBox 6">
-            <a:extLst>
-              <a:ext uri="{FF2B5EF4-FFF2-40B4-BE49-F238E27FC236}">
-                <a16:creationId xmlns:a16="http://schemas.microsoft.com/office/drawing/2014/main" id="{AB7F4025-F90C-6B3E-3042-393EEFC19F5B}"/>
-              </a:ext>
-            </a:extLst>
-          </p:cNvPr>
-          <p:cNvSpPr txBox="1"/>
-          <p:nvPr/>
-        </p:nvSpPr>
-        <p:spPr>
-          <a:xfrm>
-            <a:off x="6853084" y="5467176"/>
-            <a:ext cx="2232275" cy="1292662"/>
-          </a:xfrm>
-          <a:prstGeom prst="rect">
-            <a:avLst/>
-          </a:prstGeom>
-          <a:noFill/>
-        </p:spPr>
-        <p:txBody>
-          <a:bodyPr wrap="square" rtlCol="0">
-            <a:spAutoFit/>
-          </a:bodyPr>
-          <a:lstStyle/>
-          <a:p>
-            <a:r>
-              <a:rPr lang="ru-RU" sz="2000" dirty="0"/>
-              <a:t>Структура методики обучение</a:t>
-            </a:r>
-          </a:p>
-          <a:p>
-            <a:endParaRPr lang="ru-RU" dirty="0"/>
-          </a:p>
-        </p:txBody>
-      </p:sp>
     </p:spTree>
     <p:extLst>
       <p:ext uri="{BB962C8B-B14F-4D97-AF65-F5344CB8AC3E}">
-        <p14:creationId xmlns:p14="http://schemas.microsoft.com/office/powerpoint/2010/main" val="1016929772"/>
+        <p14:creationId xmlns:p14="http://schemas.microsoft.com/office/powerpoint/2010/main" val="1944167056"/>
       </p:ext>
     </p:extLst>
   </p:cSld>
@@ -8006,13 +8631,7 @@
     </p:bg>
     <p:spTree>
       <p:nvGrpSpPr>
-        <p:cNvPr id="1" name="">
-          <a:extLst>
-            <a:ext uri="{FF2B5EF4-FFF2-40B4-BE49-F238E27FC236}">
-              <a16:creationId xmlns:a16="http://schemas.microsoft.com/office/drawing/2014/main" id="{9237131F-9EE8-6124-4214-3937CB5A2002}"/>
-            </a:ext>
-          </a:extLst>
-        </p:cNvPr>
+        <p:cNvPr id="1" name=""/>
         <p:cNvGrpSpPr/>
         <p:nvPr/>
       </p:nvGrpSpPr>
@@ -8026,10 +8645,10 @@
       </p:grpSpPr>
       <p:sp useBgFill="1">
         <p:nvSpPr>
-          <p:cNvPr id="37" name="Rectangle 36">
+          <p:cNvPr id="34" name="Rectangle 33">
             <a:extLst>
               <a:ext uri="{FF2B5EF4-FFF2-40B4-BE49-F238E27FC236}">
-                <a16:creationId xmlns:a16="http://schemas.microsoft.com/office/drawing/2014/main" id="{BEAD4E2D-D12A-81E4-A4A1-AC223C96DEA1}"/>
+                <a16:creationId xmlns:a16="http://schemas.microsoft.com/office/drawing/2014/main" id="{50D1C5B3-B60D-4696-AE60-100D5EC8AB5D}"/>
               </a:ext>
               <a:ext uri="{C183D7F6-B498-43B3-948B-1728B52AA6E4}">
                 <adec:decorative xmlns:adec="http://schemas.microsoft.com/office/drawing/2017/decorative" val="1"/>
@@ -8100,12 +8719,484 @@
           </a:p>
         </p:txBody>
       </p:sp>
+      <p:grpSp>
+        <p:nvGrpSpPr>
+          <p:cNvPr id="36" name="Group 35">
+            <a:extLst>
+              <a:ext uri="{FF2B5EF4-FFF2-40B4-BE49-F238E27FC236}">
+                <a16:creationId xmlns:a16="http://schemas.microsoft.com/office/drawing/2014/main" id="{73EDDF53-0851-48D4-A466-6FE0DCE91E73}"/>
+              </a:ext>
+              <a:ext uri="{C183D7F6-B498-43B3-948B-1728B52AA6E4}">
+                <adec:decorative xmlns:adec="http://schemas.microsoft.com/office/drawing/2017/decorative" val="1"/>
+              </a:ext>
+            </a:extLst>
+          </p:cNvPr>
+          <p:cNvGrpSpPr>
+            <a:grpSpLocks noGrp="1" noUngrp="1" noRot="1" noChangeAspect="1" noMove="1" noResize="1"/>
+          </p:cNvGrpSpPr>
+          <p:nvPr>
+            <p:extLst>
+              <p:ext uri="{386F3935-93C4-4BCD-93E2-E3B085C9AB24}">
+                <p16:designElem xmlns:p16="http://schemas.microsoft.com/office/powerpoint/2015/main" val="1"/>
+              </p:ext>
+            </p:extLst>
+          </p:nvPr>
+        </p:nvGrpSpPr>
+        <p:grpSpPr>
+          <a:xfrm>
+            <a:off x="0" y="0"/>
+            <a:ext cx="9144001" cy="1576446"/>
+            <a:chOff x="0" y="0"/>
+            <a:chExt cx="12192002" cy="1576446"/>
+          </a:xfrm>
+        </p:grpSpPr>
+        <p:sp>
+          <p:nvSpPr>
+            <p:cNvPr id="37" name="Rectangle 36">
+              <a:extLst>
+                <a:ext uri="{FF2B5EF4-FFF2-40B4-BE49-F238E27FC236}">
+                  <a16:creationId xmlns:a16="http://schemas.microsoft.com/office/drawing/2014/main" id="{D074D04C-85E8-4A3E-90D7-86A10AE04827}"/>
+                </a:ext>
+                <a:ext uri="{C183D7F6-B498-43B3-948B-1728B52AA6E4}">
+                  <adec:decorative xmlns:adec="http://schemas.microsoft.com/office/drawing/2017/decorative" val="1"/>
+                </a:ext>
+              </a:extLst>
+            </p:cNvPr>
+            <p:cNvSpPr/>
+            <p:nvPr>
+              <p:extLst>
+                <p:ext uri="{386F3935-93C4-4BCD-93E2-E3B085C9AB24}">
+                  <p16:designElem xmlns:p16="http://schemas.microsoft.com/office/powerpoint/2015/main" val="1"/>
+                </p:ext>
+              </p:extLst>
+            </p:nvPr>
+          </p:nvSpPr>
+          <p:spPr>
+            <a:xfrm rot="10800000" flipH="1">
+              <a:off x="2" y="0"/>
+              <a:ext cx="12191998" cy="1575955"/>
+            </a:xfrm>
+            <a:prstGeom prst="rect">
+              <a:avLst/>
+            </a:prstGeom>
+            <a:gradFill>
+              <a:gsLst>
+                <a:gs pos="0">
+                  <a:srgbClr val="000000">
+                    <a:alpha val="96000"/>
+                  </a:srgbClr>
+                </a:gs>
+                <a:gs pos="100000">
+                  <a:schemeClr val="accent1">
+                    <a:lumMod val="75000"/>
+                  </a:schemeClr>
+                </a:gs>
+              </a:gsLst>
+              <a:lin ang="8400000" scaled="0"/>
+            </a:gradFill>
+            <a:ln>
+              <a:noFill/>
+            </a:ln>
+          </p:spPr>
+          <p:style>
+            <a:lnRef idx="2">
+              <a:schemeClr val="accent1">
+                <a:shade val="50000"/>
+              </a:schemeClr>
+            </a:lnRef>
+            <a:fillRef idx="1">
+              <a:schemeClr val="accent1"/>
+            </a:fillRef>
+            <a:effectRef idx="0">
+              <a:schemeClr val="accent1"/>
+            </a:effectRef>
+            <a:fontRef idx="minor">
+              <a:schemeClr val="lt1"/>
+            </a:fontRef>
+          </p:style>
+          <p:txBody>
+            <a:bodyPr rtlCol="0" anchor="ctr"/>
+            <a:lstStyle/>
+            <a:p>
+              <a:pPr algn="ctr"/>
+              <a:endParaRPr lang="en-US"/>
+            </a:p>
+          </p:txBody>
+        </p:sp>
+        <p:sp>
+          <p:nvSpPr>
+            <p:cNvPr id="38" name="Rectangle 37">
+              <a:extLst>
+                <a:ext uri="{FF2B5EF4-FFF2-40B4-BE49-F238E27FC236}">
+                  <a16:creationId xmlns:a16="http://schemas.microsoft.com/office/drawing/2014/main" id="{4097020A-86B6-43BD-A2AA-66AE72CA3110}"/>
+                </a:ext>
+                <a:ext uri="{C183D7F6-B498-43B3-948B-1728B52AA6E4}">
+                  <adec:decorative xmlns:adec="http://schemas.microsoft.com/office/drawing/2017/decorative" val="1"/>
+                </a:ext>
+              </a:extLst>
+            </p:cNvPr>
+            <p:cNvSpPr/>
+            <p:nvPr>
+              <p:extLst>
+                <p:ext uri="{386F3935-93C4-4BCD-93E2-E3B085C9AB24}">
+                  <p16:designElem xmlns:p16="http://schemas.microsoft.com/office/powerpoint/2015/main" val="1"/>
+                </p:ext>
+              </p:extLst>
+            </p:nvPr>
+          </p:nvSpPr>
+          <p:spPr>
+            <a:xfrm rot="16200000">
+              <a:off x="5307778" y="-5307778"/>
+              <a:ext cx="1576446" cy="12192002"/>
+            </a:xfrm>
+            <a:prstGeom prst="rect">
+              <a:avLst/>
+            </a:prstGeom>
+            <a:gradFill>
+              <a:gsLst>
+                <a:gs pos="45000">
+                  <a:schemeClr val="accent1">
+                    <a:alpha val="0"/>
+                  </a:schemeClr>
+                </a:gs>
+                <a:gs pos="99000">
+                  <a:srgbClr val="000000">
+                    <a:alpha val="74000"/>
+                  </a:srgbClr>
+                </a:gs>
+              </a:gsLst>
+              <a:lin ang="11400000" scaled="0"/>
+            </a:gradFill>
+            <a:ln>
+              <a:noFill/>
+            </a:ln>
+          </p:spPr>
+          <p:style>
+            <a:lnRef idx="2">
+              <a:schemeClr val="accent1">
+                <a:shade val="50000"/>
+              </a:schemeClr>
+            </a:lnRef>
+            <a:fillRef idx="1">
+              <a:schemeClr val="accent1"/>
+            </a:fillRef>
+            <a:effectRef idx="0">
+              <a:schemeClr val="accent1"/>
+            </a:effectRef>
+            <a:fontRef idx="minor">
+              <a:schemeClr val="lt1"/>
+            </a:fontRef>
+          </p:style>
+          <p:txBody>
+            <a:bodyPr rtlCol="0" anchor="ctr"/>
+            <a:lstStyle/>
+            <a:p>
+              <a:pPr algn="ctr"/>
+              <a:endParaRPr lang="en-US" dirty="0"/>
+            </a:p>
+          </p:txBody>
+        </p:sp>
+        <p:sp>
+          <p:nvSpPr>
+            <p:cNvPr id="39" name="Rectangle 38">
+              <a:extLst>
+                <a:ext uri="{FF2B5EF4-FFF2-40B4-BE49-F238E27FC236}">
+                  <a16:creationId xmlns:a16="http://schemas.microsoft.com/office/drawing/2014/main" id="{20C6C743-32FE-4E24-AA22-45D3B1C7C0A1}"/>
+                </a:ext>
+                <a:ext uri="{C183D7F6-B498-43B3-948B-1728B52AA6E4}">
+                  <adec:decorative xmlns:adec="http://schemas.microsoft.com/office/drawing/2017/decorative" val="1"/>
+                </a:ext>
+              </a:extLst>
+            </p:cNvPr>
+            <p:cNvSpPr/>
+            <p:nvPr>
+              <p:extLst>
+                <p:ext uri="{386F3935-93C4-4BCD-93E2-E3B085C9AB24}">
+                  <p16:designElem xmlns:p16="http://schemas.microsoft.com/office/powerpoint/2015/main" val="1"/>
+                </p:ext>
+              </p:extLst>
+            </p:nvPr>
+          </p:nvSpPr>
+          <p:spPr>
+            <a:xfrm>
+              <a:off x="3825434" y="0"/>
+              <a:ext cx="4303422" cy="1575461"/>
+            </a:xfrm>
+            <a:prstGeom prst="rect">
+              <a:avLst/>
+            </a:prstGeom>
+            <a:gradFill>
+              <a:gsLst>
+                <a:gs pos="0">
+                  <a:schemeClr val="accent1">
+                    <a:alpha val="17000"/>
+                  </a:schemeClr>
+                </a:gs>
+                <a:gs pos="74000">
+                  <a:schemeClr val="accent1">
+                    <a:lumMod val="50000"/>
+                    <a:alpha val="0"/>
+                  </a:schemeClr>
+                </a:gs>
+              </a:gsLst>
+              <a:lin ang="14400000" scaled="0"/>
+            </a:gradFill>
+            <a:ln>
+              <a:noFill/>
+            </a:ln>
+          </p:spPr>
+          <p:style>
+            <a:lnRef idx="2">
+              <a:schemeClr val="accent1">
+                <a:shade val="50000"/>
+              </a:schemeClr>
+            </a:lnRef>
+            <a:fillRef idx="1">
+              <a:schemeClr val="accent1"/>
+            </a:fillRef>
+            <a:effectRef idx="0">
+              <a:schemeClr val="accent1"/>
+            </a:effectRef>
+            <a:fontRef idx="minor">
+              <a:schemeClr val="lt1"/>
+            </a:fontRef>
+          </p:style>
+          <p:txBody>
+            <a:bodyPr rtlCol="0" anchor="ctr"/>
+            <a:lstStyle/>
+            <a:p>
+              <a:pPr algn="ctr"/>
+              <a:endParaRPr lang="en-US"/>
+            </a:p>
+          </p:txBody>
+        </p:sp>
+      </p:grpSp>
       <p:sp>
         <p:nvSpPr>
-          <p:cNvPr id="39" name="Rectangle 38">
+          <p:cNvPr id="2" name="Заголовок 1">
             <a:extLst>
               <a:ext uri="{FF2B5EF4-FFF2-40B4-BE49-F238E27FC236}">
-                <a16:creationId xmlns:a16="http://schemas.microsoft.com/office/drawing/2014/main" id="{FD8A00E1-5395-DA32-AB17-1CFDFED46053}"/>
+                <a16:creationId xmlns:a16="http://schemas.microsoft.com/office/drawing/2014/main" id="{3F2513CC-CA88-2A33-FE13-6CFD81C1FBA6}"/>
+              </a:ext>
+            </a:extLst>
+          </p:cNvPr>
+          <p:cNvSpPr>
+            <a:spLocks noGrp="1"/>
+          </p:cNvSpPr>
+          <p:nvPr>
+            <p:ph type="title"/>
+          </p:nvPr>
+        </p:nvSpPr>
+        <p:spPr>
+          <a:xfrm>
+            <a:off x="304801" y="407695"/>
+            <a:ext cx="8662218" cy="834251"/>
+          </a:xfrm>
+        </p:spPr>
+        <p:txBody>
+          <a:bodyPr vert="horz" lIns="91440" tIns="45720" rIns="91440" bIns="45720" rtlCol="0" anchor="ctr">
+            <a:normAutofit fontScale="90000"/>
+          </a:bodyPr>
+          <a:lstStyle/>
+          <a:p>
+            <a:pPr defTabSz="914400"/>
+            <a:r>
+              <a:rPr lang="ru-RU" sz="3600" b="1" dirty="0">
+                <a:solidFill>
+                  <a:schemeClr val="bg1"/>
+                </a:solidFill>
+                <a:effectLst/>
+                <a:latin typeface="+mn-lt"/>
+                <a:ea typeface="Calibri" panose="020F0502020204030204" pitchFamily="34" charset="0"/>
+                <a:cs typeface="Times New Roman" panose="02020603050405020304" pitchFamily="18" charset="0"/>
+              </a:rPr>
+              <a:t>Конструкция привода и мобильной платформы</a:t>
+            </a:r>
+            <a:br>
+              <a:rPr lang="ru-RU" sz="1800" dirty="0">
+                <a:effectLst/>
+                <a:latin typeface="Calibri" panose="020F0502020204030204" pitchFamily="34" charset="0"/>
+                <a:ea typeface="Calibri" panose="020F0502020204030204" pitchFamily="34" charset="0"/>
+                <a:cs typeface="Times New Roman" panose="02020603050405020304" pitchFamily="18" charset="0"/>
+              </a:rPr>
+            </a:br>
+            <a:br>
+              <a:rPr lang="ru-RU" sz="1800" b="1" kern="0" dirty="0">
+                <a:solidFill>
+                  <a:srgbClr val="000000"/>
+                </a:solidFill>
+                <a:effectLst/>
+                <a:latin typeface="Times New Roman" panose="02020603050405020304" pitchFamily="18" charset="0"/>
+                <a:ea typeface="Times New Roman" panose="02020603050405020304" pitchFamily="18" charset="0"/>
+                <a:cs typeface="Times New Roman" panose="02020603050405020304" pitchFamily="18" charset="0"/>
+              </a:rPr>
+            </a:br>
+            <a:endParaRPr lang="en-US" sz="3500" kern="1200" dirty="0">
+              <a:solidFill>
+                <a:srgbClr val="FFFFFF"/>
+              </a:solidFill>
+              <a:latin typeface="+mj-lt"/>
+              <a:ea typeface="+mj-ea"/>
+              <a:cs typeface="+mj-cs"/>
+            </a:endParaRPr>
+          </a:p>
+        </p:txBody>
+      </p:sp>
+      <p:pic>
+        <p:nvPicPr>
+          <p:cNvPr id="16" name="Рисунок 15">
+            <a:extLst>
+              <a:ext uri="{FF2B5EF4-FFF2-40B4-BE49-F238E27FC236}">
+                <a16:creationId xmlns:a16="http://schemas.microsoft.com/office/drawing/2014/main" id="{FB502C03-E183-3E92-2F06-16CCFB1B2089}"/>
+              </a:ext>
+            </a:extLst>
+          </p:cNvPr>
+          <p:cNvPicPr>
+            <a:picLocks noChangeAspect="1"/>
+          </p:cNvPicPr>
+          <p:nvPr/>
+        </p:nvPicPr>
+        <p:blipFill>
+          <a:blip r:embed="rId2"/>
+          <a:stretch>
+            <a:fillRect/>
+          </a:stretch>
+        </p:blipFill>
+        <p:spPr>
+          <a:xfrm>
+            <a:off x="1322161" y="1554344"/>
+            <a:ext cx="6793140" cy="4823128"/>
+          </a:xfrm>
+          <a:prstGeom prst="rect">
+            <a:avLst/>
+          </a:prstGeom>
+        </p:spPr>
+      </p:pic>
+      <p:sp>
+        <p:nvSpPr>
+          <p:cNvPr id="4" name="Номер слайда 3">
+            <a:extLst>
+              <a:ext uri="{FF2B5EF4-FFF2-40B4-BE49-F238E27FC236}">
+                <a16:creationId xmlns:a16="http://schemas.microsoft.com/office/drawing/2014/main" id="{0375C969-EAB3-5803-0C32-6267143999D8}"/>
+              </a:ext>
+            </a:extLst>
+          </p:cNvPr>
+          <p:cNvSpPr>
+            <a:spLocks noGrp="1"/>
+          </p:cNvSpPr>
+          <p:nvPr>
+            <p:ph type="sldNum" sz="quarter" idx="12"/>
+          </p:nvPr>
+        </p:nvSpPr>
+        <p:spPr/>
+        <p:txBody>
+          <a:bodyPr/>
+          <a:lstStyle/>
+          <a:p>
+            <a:fld id="{C1FF6DA9-008F-8B48-92A6-B652298478BF}" type="slidenum">
+              <a:rPr lang="en-US" sz="1400" b="1" smtClean="0">
+                <a:solidFill>
+                  <a:schemeClr val="tx1"/>
+                </a:solidFill>
+              </a:rPr>
+              <a:t>11</a:t>
+            </a:fld>
+            <a:endParaRPr lang="en-US" sz="1400" b="1" dirty="0">
+              <a:solidFill>
+                <a:schemeClr val="tx1"/>
+              </a:solidFill>
+            </a:endParaRPr>
+          </a:p>
+        </p:txBody>
+      </p:sp>
+      <p:sp>
+        <p:nvSpPr>
+          <p:cNvPr id="3" name="TextBox 2">
+            <a:extLst>
+              <a:ext uri="{FF2B5EF4-FFF2-40B4-BE49-F238E27FC236}">
+                <a16:creationId xmlns:a16="http://schemas.microsoft.com/office/drawing/2014/main" id="{552685E1-51F3-57E4-1688-9BBBEDDBD49A}"/>
+              </a:ext>
+            </a:extLst>
+          </p:cNvPr>
+          <p:cNvSpPr txBox="1"/>
+          <p:nvPr/>
+        </p:nvSpPr>
+        <p:spPr>
+          <a:xfrm>
+            <a:off x="3873909" y="6398589"/>
+            <a:ext cx="2922595" cy="369332"/>
+          </a:xfrm>
+          <a:prstGeom prst="rect">
+            <a:avLst/>
+          </a:prstGeom>
+          <a:noFill/>
+        </p:spPr>
+        <p:txBody>
+          <a:bodyPr wrap="none" rtlCol="0">
+            <a:spAutoFit/>
+          </a:bodyPr>
+          <a:lstStyle/>
+          <a:p>
+            <a:r>
+              <a:rPr lang="ru-RU" dirty="0">
+                <a:latin typeface="Times New Roman" panose="02020603050405020304" pitchFamily="18" charset="0"/>
+                <a:cs typeface="Times New Roman" panose="02020603050405020304" pitchFamily="18" charset="0"/>
+              </a:rPr>
+              <a:t>Сборочный чертеж привода</a:t>
+            </a:r>
+          </a:p>
+        </p:txBody>
+      </p:sp>
+    </p:spTree>
+    <p:extLst>
+      <p:ext uri="{BB962C8B-B14F-4D97-AF65-F5344CB8AC3E}">
+        <p14:creationId xmlns:p14="http://schemas.microsoft.com/office/powerpoint/2010/main" val="2129045549"/>
+      </p:ext>
+    </p:extLst>
+  </p:cSld>
+  <p:clrMapOvr>
+    <a:masterClrMapping/>
+  </p:clrMapOvr>
+</p:sld>
+</file>
+
+<file path=ppt/slides/slide12.xml><?xml version="1.0" encoding="utf-8"?>
+<p:sld xmlns:a="http://schemas.openxmlformats.org/drawingml/2006/main" xmlns:r="http://schemas.openxmlformats.org/officeDocument/2006/relationships" xmlns:p="http://schemas.openxmlformats.org/presentationml/2006/main">
+  <p:cSld>
+    <p:bg>
+      <p:bgPr>
+        <a:solidFill>
+          <a:schemeClr val="bg1"/>
+        </a:solidFill>
+        <a:effectLst/>
+      </p:bgPr>
+    </p:bg>
+    <p:spTree>
+      <p:nvGrpSpPr>
+        <p:cNvPr id="1" name="">
+          <a:extLst>
+            <a:ext uri="{FF2B5EF4-FFF2-40B4-BE49-F238E27FC236}">
+              <a16:creationId xmlns:a16="http://schemas.microsoft.com/office/drawing/2014/main" id="{CF65C327-9D98-0698-7995-39AEE0106ABD}"/>
+            </a:ext>
+          </a:extLst>
+        </p:cNvPr>
+        <p:cNvGrpSpPr/>
+        <p:nvPr/>
+      </p:nvGrpSpPr>
+      <p:grpSpPr>
+        <a:xfrm>
+          <a:off x="0" y="0"/>
+          <a:ext cx="0" cy="0"/>
+          <a:chOff x="0" y="0"/>
+          <a:chExt cx="0" cy="0"/>
+        </a:xfrm>
+      </p:grpSpPr>
+      <p:sp useBgFill="1">
+        <p:nvSpPr>
+          <p:cNvPr id="34" name="Rectangle 33">
+            <a:extLst>
+              <a:ext uri="{FF2B5EF4-FFF2-40B4-BE49-F238E27FC236}">
+                <a16:creationId xmlns:a16="http://schemas.microsoft.com/office/drawing/2014/main" id="{138CD3A2-78BF-3359-FAA2-B18369599686}"/>
               </a:ext>
               <a:ext uri="{C183D7F6-B498-43B3-948B-1728B52AA6E4}">
                 <adec:decorative xmlns:adec="http://schemas.microsoft.com/office/drawing/2017/decorative" val="1"/>
@@ -8124,31 +9215,32 @@
           </p:nvPr>
         </p:nvSpPr>
         <p:spPr>
-          <a:xfrm rot="10800000" flipH="1">
-            <a:off x="1" y="0"/>
-            <a:ext cx="9143999" cy="1575955"/>
+          <a:xfrm>
+            <a:off x="0" y="0"/>
+            <a:ext cx="9144000" cy="6858000"/>
           </a:xfrm>
           <a:prstGeom prst="rect">
             <a:avLst/>
           </a:prstGeom>
-          <a:gradFill>
-            <a:gsLst>
-              <a:gs pos="0">
-                <a:srgbClr val="000000">
-                  <a:alpha val="96000"/>
-                </a:srgbClr>
-              </a:gs>
-              <a:gs pos="100000">
-                <a:schemeClr val="accent1">
-                  <a:lumMod val="75000"/>
-                </a:schemeClr>
-              </a:gs>
-            </a:gsLst>
-            <a:lin ang="6000000" scaled="0"/>
-          </a:gradFill>
-          <a:ln>
+          <a:ln w="12700" cap="flat" cmpd="sng" algn="ctr">
             <a:noFill/>
+            <a:prstDash val="solid"/>
+            <a:miter lim="800000"/>
           </a:ln>
+          <a:effectLst/>
+          <a:extLst>
+            <a:ext uri="{91240B29-F687-4F45-9708-019B960494DF}">
+              <a14:hiddenLine xmlns:a14="http://schemas.microsoft.com/office/drawing/2010/main" w="12700" cap="flat" cmpd="sng" algn="ctr">
+                <a:solidFill>
+                  <a:schemeClr val="accent1">
+                    <a:shade val="50000"/>
+                  </a:schemeClr>
+                </a:solidFill>
+                <a:prstDash val="solid"/>
+                <a:miter lim="800000"/>
+              </a14:hiddenLine>
+            </a:ext>
+          </a:extLst>
         </p:spPr>
         <p:style>
           <a:lnRef idx="2">
@@ -8175,21 +9267,21 @@
           </a:p>
         </p:txBody>
       </p:sp>
-      <p:sp>
-        <p:nvSpPr>
-          <p:cNvPr id="41" name="Rectangle 40">
+      <p:grpSp>
+        <p:nvGrpSpPr>
+          <p:cNvPr id="36" name="Group 35">
             <a:extLst>
               <a:ext uri="{FF2B5EF4-FFF2-40B4-BE49-F238E27FC236}">
-                <a16:creationId xmlns:a16="http://schemas.microsoft.com/office/drawing/2014/main" id="{8E56B86A-2B7F-2A4F-2E1A-5BCBE4862B10}"/>
+                <a16:creationId xmlns:a16="http://schemas.microsoft.com/office/drawing/2014/main" id="{B99BDAFA-223E-502E-FE4E-063D56B6E9A0}"/>
               </a:ext>
               <a:ext uri="{C183D7F6-B498-43B3-948B-1728B52AA6E4}">
                 <adec:decorative xmlns:adec="http://schemas.microsoft.com/office/drawing/2017/decorative" val="1"/>
               </a:ext>
             </a:extLst>
           </p:cNvPr>
-          <p:cNvSpPr>
-            <a:spLocks noGrp="1" noRot="1" noChangeAspect="1" noMove="1" noResize="1" noEditPoints="1" noAdjustHandles="1" noChangeArrowheads="1" noChangeShapeType="1" noTextEdit="1"/>
-          </p:cNvSpPr>
+          <p:cNvGrpSpPr>
+            <a:grpSpLocks noGrp="1" noUngrp="1" noRot="1" noChangeAspect="1" noMove="1" noResize="1"/>
+          </p:cNvGrpSpPr>
           <p:nvPr>
             <p:extLst>
               <p:ext uri="{386F3935-93C4-4BCD-93E2-E3B085C9AB24}">
@@ -8197,141 +9289,242 @@
               </p:ext>
             </p:extLst>
           </p:nvPr>
-        </p:nvSpPr>
-        <p:spPr>
-          <a:xfrm rot="16200000">
-            <a:off x="3781994" y="-3786547"/>
-            <a:ext cx="1580014" cy="9144002"/>
+        </p:nvGrpSpPr>
+        <p:grpSpPr>
+          <a:xfrm>
+            <a:off x="0" y="0"/>
+            <a:ext cx="9144001" cy="1576446"/>
+            <a:chOff x="0" y="0"/>
+            <a:chExt cx="12192002" cy="1576446"/>
           </a:xfrm>
-          <a:prstGeom prst="rect">
-            <a:avLst/>
-          </a:prstGeom>
-          <a:gradFill>
-            <a:gsLst>
-              <a:gs pos="19000">
-                <a:schemeClr val="accent1">
-                  <a:alpha val="0"/>
-                </a:schemeClr>
-              </a:gs>
-              <a:gs pos="99000">
-                <a:srgbClr val="000000">
-                  <a:alpha val="74000"/>
-                </a:srgbClr>
-              </a:gs>
-            </a:gsLst>
-            <a:lin ang="11400000" scaled="0"/>
-          </a:gradFill>
-          <a:ln>
-            <a:noFill/>
-          </a:ln>
-        </p:spPr>
-        <p:style>
-          <a:lnRef idx="2">
-            <a:schemeClr val="accent1">
-              <a:shade val="50000"/>
-            </a:schemeClr>
-          </a:lnRef>
-          <a:fillRef idx="1">
-            <a:schemeClr val="accent1"/>
-          </a:fillRef>
-          <a:effectRef idx="0">
-            <a:schemeClr val="accent1"/>
-          </a:effectRef>
-          <a:fontRef idx="minor">
-            <a:schemeClr val="lt1"/>
-          </a:fontRef>
-        </p:style>
-        <p:txBody>
-          <a:bodyPr rtlCol="0" anchor="ctr"/>
-          <a:lstStyle/>
-          <a:p>
-            <a:pPr algn="ctr"/>
-            <a:endParaRPr lang="en-US" dirty="0"/>
-          </a:p>
-        </p:txBody>
-      </p:sp>
-      <p:sp>
-        <p:nvSpPr>
-          <p:cNvPr id="43" name="Rectangle 42">
-            <a:extLst>
-              <a:ext uri="{FF2B5EF4-FFF2-40B4-BE49-F238E27FC236}">
-                <a16:creationId xmlns:a16="http://schemas.microsoft.com/office/drawing/2014/main" id="{C70439B2-0ED3-74EF-FAAC-4E7B0D66DDF0}"/>
-              </a:ext>
-              <a:ext uri="{C183D7F6-B498-43B3-948B-1728B52AA6E4}">
-                <adec:decorative xmlns:adec="http://schemas.microsoft.com/office/drawing/2017/decorative" val="1"/>
-              </a:ext>
-            </a:extLst>
-          </p:cNvPr>
-          <p:cNvSpPr>
-            <a:spLocks noGrp="1" noRot="1" noChangeAspect="1" noMove="1" noResize="1" noEditPoints="1" noAdjustHandles="1" noChangeArrowheads="1" noChangeShapeType="1" noTextEdit="1"/>
-          </p:cNvSpPr>
-          <p:nvPr>
-            <p:extLst>
-              <p:ext uri="{386F3935-93C4-4BCD-93E2-E3B085C9AB24}">
-                <p16:designElem xmlns:p16="http://schemas.microsoft.com/office/powerpoint/2015/main" val="1"/>
-              </p:ext>
-            </p:extLst>
-          </p:nvPr>
-        </p:nvSpPr>
-        <p:spPr>
-          <a:xfrm>
-            <a:off x="2869075" y="0"/>
-            <a:ext cx="3227567" cy="1575461"/>
-          </a:xfrm>
-          <a:prstGeom prst="rect">
-            <a:avLst/>
-          </a:prstGeom>
-          <a:gradFill>
-            <a:gsLst>
-              <a:gs pos="0">
-                <a:schemeClr val="accent1">
-                  <a:alpha val="72000"/>
-                </a:schemeClr>
-              </a:gs>
-              <a:gs pos="74000">
-                <a:schemeClr val="accent1">
-                  <a:lumMod val="50000"/>
-                  <a:alpha val="0"/>
-                </a:schemeClr>
-              </a:gs>
-            </a:gsLst>
-            <a:lin ang="14400000" scaled="0"/>
-          </a:gradFill>
-          <a:ln>
-            <a:noFill/>
-          </a:ln>
-        </p:spPr>
-        <p:style>
-          <a:lnRef idx="2">
-            <a:schemeClr val="accent1">
-              <a:shade val="50000"/>
-            </a:schemeClr>
-          </a:lnRef>
-          <a:fillRef idx="1">
-            <a:schemeClr val="accent1"/>
-          </a:fillRef>
-          <a:effectRef idx="0">
-            <a:schemeClr val="accent1"/>
-          </a:effectRef>
-          <a:fontRef idx="minor">
-            <a:schemeClr val="lt1"/>
-          </a:fontRef>
-        </p:style>
-        <p:txBody>
-          <a:bodyPr rtlCol="0" anchor="ctr"/>
-          <a:lstStyle/>
-          <a:p>
-            <a:pPr algn="ctr"/>
-            <a:endParaRPr lang="en-US"/>
-          </a:p>
-        </p:txBody>
-      </p:sp>
+        </p:grpSpPr>
+        <p:sp>
+          <p:nvSpPr>
+            <p:cNvPr id="37" name="Rectangle 36">
+              <a:extLst>
+                <a:ext uri="{FF2B5EF4-FFF2-40B4-BE49-F238E27FC236}">
+                  <a16:creationId xmlns:a16="http://schemas.microsoft.com/office/drawing/2014/main" id="{47514451-F84F-EB68-40A2-332C5D0D5E48}"/>
+                </a:ext>
+                <a:ext uri="{C183D7F6-B498-43B3-948B-1728B52AA6E4}">
+                  <adec:decorative xmlns:adec="http://schemas.microsoft.com/office/drawing/2017/decorative" val="1"/>
+                </a:ext>
+              </a:extLst>
+            </p:cNvPr>
+            <p:cNvSpPr/>
+            <p:nvPr>
+              <p:extLst>
+                <p:ext uri="{386F3935-93C4-4BCD-93E2-E3B085C9AB24}">
+                  <p16:designElem xmlns:p16="http://schemas.microsoft.com/office/powerpoint/2015/main" val="1"/>
+                </p:ext>
+              </p:extLst>
+            </p:nvPr>
+          </p:nvSpPr>
+          <p:spPr>
+            <a:xfrm rot="10800000" flipH="1">
+              <a:off x="2" y="0"/>
+              <a:ext cx="12191998" cy="1575955"/>
+            </a:xfrm>
+            <a:prstGeom prst="rect">
+              <a:avLst/>
+            </a:prstGeom>
+            <a:gradFill>
+              <a:gsLst>
+                <a:gs pos="0">
+                  <a:srgbClr val="000000">
+                    <a:alpha val="96000"/>
+                  </a:srgbClr>
+                </a:gs>
+                <a:gs pos="100000">
+                  <a:schemeClr val="accent1">
+                    <a:lumMod val="75000"/>
+                  </a:schemeClr>
+                </a:gs>
+              </a:gsLst>
+              <a:lin ang="8400000" scaled="0"/>
+            </a:gradFill>
+            <a:ln>
+              <a:noFill/>
+            </a:ln>
+          </p:spPr>
+          <p:style>
+            <a:lnRef idx="2">
+              <a:schemeClr val="accent1">
+                <a:shade val="50000"/>
+              </a:schemeClr>
+            </a:lnRef>
+            <a:fillRef idx="1">
+              <a:schemeClr val="accent1"/>
+            </a:fillRef>
+            <a:effectRef idx="0">
+              <a:schemeClr val="accent1"/>
+            </a:effectRef>
+            <a:fontRef idx="minor">
+              <a:schemeClr val="lt1"/>
+            </a:fontRef>
+          </p:style>
+          <p:txBody>
+            <a:bodyPr rtlCol="0" anchor="ctr"/>
+            <a:lstStyle/>
+            <a:p>
+              <a:pPr algn="ctr"/>
+              <a:endParaRPr lang="en-US"/>
+            </a:p>
+          </p:txBody>
+        </p:sp>
+        <p:sp>
+          <p:nvSpPr>
+            <p:cNvPr id="38" name="Rectangle 37">
+              <a:extLst>
+                <a:ext uri="{FF2B5EF4-FFF2-40B4-BE49-F238E27FC236}">
+                  <a16:creationId xmlns:a16="http://schemas.microsoft.com/office/drawing/2014/main" id="{7CD69C4C-04A9-18CF-54C5-4FEC25132513}"/>
+                </a:ext>
+                <a:ext uri="{C183D7F6-B498-43B3-948B-1728B52AA6E4}">
+                  <adec:decorative xmlns:adec="http://schemas.microsoft.com/office/drawing/2017/decorative" val="1"/>
+                </a:ext>
+              </a:extLst>
+            </p:cNvPr>
+            <p:cNvSpPr/>
+            <p:nvPr>
+              <p:extLst>
+                <p:ext uri="{386F3935-93C4-4BCD-93E2-E3B085C9AB24}">
+                  <p16:designElem xmlns:p16="http://schemas.microsoft.com/office/powerpoint/2015/main" val="1"/>
+                </p:ext>
+              </p:extLst>
+            </p:nvPr>
+          </p:nvSpPr>
+          <p:spPr>
+            <a:xfrm rot="16200000">
+              <a:off x="5307778" y="-5307778"/>
+              <a:ext cx="1576446" cy="12192002"/>
+            </a:xfrm>
+            <a:prstGeom prst="rect">
+              <a:avLst/>
+            </a:prstGeom>
+            <a:gradFill>
+              <a:gsLst>
+                <a:gs pos="45000">
+                  <a:schemeClr val="accent1">
+                    <a:alpha val="0"/>
+                  </a:schemeClr>
+                </a:gs>
+                <a:gs pos="99000">
+                  <a:srgbClr val="000000">
+                    <a:alpha val="74000"/>
+                  </a:srgbClr>
+                </a:gs>
+              </a:gsLst>
+              <a:lin ang="11400000" scaled="0"/>
+            </a:gradFill>
+            <a:ln>
+              <a:noFill/>
+            </a:ln>
+          </p:spPr>
+          <p:style>
+            <a:lnRef idx="2">
+              <a:schemeClr val="accent1">
+                <a:shade val="50000"/>
+              </a:schemeClr>
+            </a:lnRef>
+            <a:fillRef idx="1">
+              <a:schemeClr val="accent1"/>
+            </a:fillRef>
+            <a:effectRef idx="0">
+              <a:schemeClr val="accent1"/>
+            </a:effectRef>
+            <a:fontRef idx="minor">
+              <a:schemeClr val="lt1"/>
+            </a:fontRef>
+          </p:style>
+          <p:txBody>
+            <a:bodyPr rtlCol="0" anchor="ctr"/>
+            <a:lstStyle/>
+            <a:p>
+              <a:pPr algn="ctr"/>
+              <a:endParaRPr lang="en-US" dirty="0"/>
+            </a:p>
+          </p:txBody>
+        </p:sp>
+        <p:sp>
+          <p:nvSpPr>
+            <p:cNvPr id="39" name="Rectangle 38">
+              <a:extLst>
+                <a:ext uri="{FF2B5EF4-FFF2-40B4-BE49-F238E27FC236}">
+                  <a16:creationId xmlns:a16="http://schemas.microsoft.com/office/drawing/2014/main" id="{8DEA7761-20F2-6582-7E23-1005BBF82974}"/>
+                </a:ext>
+                <a:ext uri="{C183D7F6-B498-43B3-948B-1728B52AA6E4}">
+                  <adec:decorative xmlns:adec="http://schemas.microsoft.com/office/drawing/2017/decorative" val="1"/>
+                </a:ext>
+              </a:extLst>
+            </p:cNvPr>
+            <p:cNvSpPr/>
+            <p:nvPr>
+              <p:extLst>
+                <p:ext uri="{386F3935-93C4-4BCD-93E2-E3B085C9AB24}">
+                  <p16:designElem xmlns:p16="http://schemas.microsoft.com/office/powerpoint/2015/main" val="1"/>
+                </p:ext>
+              </p:extLst>
+            </p:nvPr>
+          </p:nvSpPr>
+          <p:spPr>
+            <a:xfrm>
+              <a:off x="3825434" y="0"/>
+              <a:ext cx="4303422" cy="1575461"/>
+            </a:xfrm>
+            <a:prstGeom prst="rect">
+              <a:avLst/>
+            </a:prstGeom>
+            <a:gradFill>
+              <a:gsLst>
+                <a:gs pos="0">
+                  <a:schemeClr val="accent1">
+                    <a:alpha val="17000"/>
+                  </a:schemeClr>
+                </a:gs>
+                <a:gs pos="74000">
+                  <a:schemeClr val="accent1">
+                    <a:lumMod val="50000"/>
+                    <a:alpha val="0"/>
+                  </a:schemeClr>
+                </a:gs>
+              </a:gsLst>
+              <a:lin ang="14400000" scaled="0"/>
+            </a:gradFill>
+            <a:ln>
+              <a:noFill/>
+            </a:ln>
+          </p:spPr>
+          <p:style>
+            <a:lnRef idx="2">
+              <a:schemeClr val="accent1">
+                <a:shade val="50000"/>
+              </a:schemeClr>
+            </a:lnRef>
+            <a:fillRef idx="1">
+              <a:schemeClr val="accent1"/>
+            </a:fillRef>
+            <a:effectRef idx="0">
+              <a:schemeClr val="accent1"/>
+            </a:effectRef>
+            <a:fontRef idx="minor">
+              <a:schemeClr val="lt1"/>
+            </a:fontRef>
+          </p:style>
+          <p:txBody>
+            <a:bodyPr rtlCol="0" anchor="ctr"/>
+            <a:lstStyle/>
+            <a:p>
+              <a:pPr algn="ctr"/>
+              <a:endParaRPr lang="en-US"/>
+            </a:p>
+          </p:txBody>
+        </p:sp>
+      </p:grpSp>
       <p:sp>
         <p:nvSpPr>
           <p:cNvPr id="2" name="Заголовок 1">
             <a:extLst>
               <a:ext uri="{FF2B5EF4-FFF2-40B4-BE49-F238E27FC236}">
-                <a16:creationId xmlns:a16="http://schemas.microsoft.com/office/drawing/2014/main" id="{CFEC7491-2364-8B19-F99D-07D571F0978C}"/>
+                <a16:creationId xmlns:a16="http://schemas.microsoft.com/office/drawing/2014/main" id="{39D5F228-1894-DF91-9482-CAB4E622BAE9}"/>
               </a:ext>
             </a:extLst>
           </p:cNvPr>
@@ -8344,44 +9537,65 @@
         </p:nvSpPr>
         <p:spPr>
           <a:xfrm>
-            <a:off x="1818968" y="78657"/>
-            <a:ext cx="5840361" cy="1406013"/>
+            <a:off x="304801" y="407695"/>
+            <a:ext cx="8662218" cy="834251"/>
           </a:xfrm>
         </p:spPr>
         <p:txBody>
           <a:bodyPr vert="horz" lIns="91440" tIns="45720" rIns="91440" bIns="45720" rtlCol="0" anchor="ctr">
-            <a:noAutofit/>
+            <a:normAutofit fontScale="90000"/>
           </a:bodyPr>
           <a:lstStyle/>
           <a:p>
-            <a:pPr defTabSz="914400">
-              <a:lnSpc>
-                <a:spcPct val="90000"/>
-              </a:lnSpc>
-            </a:pPr>
+            <a:pPr defTabSz="914400"/>
             <a:r>
-              <a:rPr lang="en-US" sz="3200" b="1">
+              <a:rPr lang="ru-RU" sz="3600" b="1" dirty="0">
                 <a:solidFill>
-                  <a:srgbClr val="FFFFFF"/>
+                  <a:schemeClr val="bg1"/>
                 </a:solidFill>
                 <a:effectLst/>
+                <a:latin typeface="+mn-lt"/>
+                <a:ea typeface="Calibri" panose="020F0502020204030204" pitchFamily="34" charset="0"/>
+                <a:cs typeface="Times New Roman" panose="02020603050405020304" pitchFamily="18" charset="0"/>
               </a:rPr>
-              <a:t>Демонстрационная задача и возможный подход к обучению</a:t>
+              <a:t>Конструкция привода и мобильной платформы</a:t>
             </a:r>
-            <a:endParaRPr lang="en-US" sz="3200" b="1" dirty="0">
+            <a:br>
+              <a:rPr lang="ru-RU" sz="1800" dirty="0">
+                <a:effectLst/>
+                <a:latin typeface="Calibri" panose="020F0502020204030204" pitchFamily="34" charset="0"/>
+                <a:ea typeface="Calibri" panose="020F0502020204030204" pitchFamily="34" charset="0"/>
+                <a:cs typeface="Times New Roman" panose="02020603050405020304" pitchFamily="18" charset="0"/>
+              </a:rPr>
+            </a:br>
+            <a:br>
+              <a:rPr lang="ru-RU" sz="1800" b="1" kern="0" dirty="0">
+                <a:solidFill>
+                  <a:srgbClr val="000000"/>
+                </a:solidFill>
+                <a:effectLst/>
+                <a:latin typeface="Times New Roman" panose="02020603050405020304" pitchFamily="18" charset="0"/>
+                <a:ea typeface="Times New Roman" panose="02020603050405020304" pitchFamily="18" charset="0"/>
+                <a:cs typeface="Times New Roman" panose="02020603050405020304" pitchFamily="18" charset="0"/>
+              </a:rPr>
+            </a:br>
+            <a:endParaRPr lang="en-US" sz="3500" kern="1200" dirty="0">
               <a:solidFill>
                 <a:srgbClr val="FFFFFF"/>
               </a:solidFill>
+              <a:latin typeface="+mj-lt"/>
+              <a:ea typeface="+mj-ea"/>
+              <a:cs typeface="+mj-cs"/>
             </a:endParaRPr>
           </a:p>
         </p:txBody>
       </p:sp>
       <p:pic>
         <p:nvPicPr>
-          <p:cNvPr id="7" name="Рисунок 6" descr="Изображение выглядит как текст, снимок экрана, диаграмма, Шрифт&#10;&#10;Контент, сгенерированный ИИ, может содержать ошибки.">
+          <p:cNvPr id="22" name="Рисунок 21">
             <a:extLst>
               <a:ext uri="{FF2B5EF4-FFF2-40B4-BE49-F238E27FC236}">
-                <a16:creationId xmlns:a16="http://schemas.microsoft.com/office/drawing/2014/main" id="{C3300836-4F76-1500-F734-DC1FE8F2097B}"/>
+                <a16:creationId xmlns:a16="http://schemas.microsoft.com/office/drawing/2014/main" id="{7366E84B-797D-8A2F-6269-95110B36CF37}"/>
               </a:ext>
             </a:extLst>
           </p:cNvPr>
@@ -8391,30 +9605,47 @@
           <p:nvPr/>
         </p:nvPicPr>
         <p:blipFill>
-          <a:blip r:embed="rId2">
-            <a:extLst>
-              <a:ext uri="{28A0092B-C50C-407E-A947-70E740481C1C}">
-                <a14:useLocalDpi xmlns:a14="http://schemas.microsoft.com/office/drawing/2010/main" val="0"/>
-              </a:ext>
-            </a:extLst>
-          </a:blip>
-          <a:srcRect/>
-          <a:stretch>
-            <a:fillRect/>
-          </a:stretch>
+          <a:blip r:embed="rId2"/>
+          <a:srcRect l="2460" t="4556" r="7534" b="6149"/>
+          <a:stretch/>
         </p:blipFill>
-        <p:spPr bwMode="auto">
+        <p:spPr>
           <a:xfrm>
-            <a:off x="537260" y="1577278"/>
-            <a:ext cx="8069480" cy="4779899"/>
+            <a:off x="4876801" y="2344184"/>
+            <a:ext cx="3955408" cy="2907224"/>
           </a:xfrm>
           <a:prstGeom prst="rect">
             <a:avLst/>
           </a:prstGeom>
-          <a:noFill/>
-          <a:ln>
-            <a:noFill/>
-          </a:ln>
+        </p:spPr>
+      </p:pic>
+      <p:pic>
+        <p:nvPicPr>
+          <p:cNvPr id="7" name="Рисунок 6">
+            <a:extLst>
+              <a:ext uri="{FF2B5EF4-FFF2-40B4-BE49-F238E27FC236}">
+                <a16:creationId xmlns:a16="http://schemas.microsoft.com/office/drawing/2014/main" id="{FFE91B07-C8D5-1889-A125-3EFC0FDFB378}"/>
+              </a:ext>
+            </a:extLst>
+          </p:cNvPr>
+          <p:cNvPicPr>
+            <a:picLocks noChangeAspect="1"/>
+          </p:cNvPicPr>
+          <p:nvPr/>
+        </p:nvPicPr>
+        <p:blipFill>
+          <a:blip r:embed="rId3"/>
+          <a:srcRect t="8111" r="4756"/>
+          <a:stretch/>
+        </p:blipFill>
+        <p:spPr>
+          <a:xfrm>
+            <a:off x="304801" y="2180608"/>
+            <a:ext cx="4173581" cy="3071622"/>
+          </a:xfrm>
+          <a:prstGeom prst="rect">
+            <a:avLst/>
+          </a:prstGeom>
         </p:spPr>
       </p:pic>
       <p:sp>
@@ -8422,7 +9653,7 @@
           <p:cNvPr id="4" name="Номер слайда 3">
             <a:extLst>
               <a:ext uri="{FF2B5EF4-FFF2-40B4-BE49-F238E27FC236}">
-                <a16:creationId xmlns:a16="http://schemas.microsoft.com/office/drawing/2014/main" id="{68958925-5E9A-DB82-61E6-E14F3AEEFA35}"/>
+                <a16:creationId xmlns:a16="http://schemas.microsoft.com/office/drawing/2014/main" id="{C7C98142-1133-1B49-ABC9-C6F94AC9B1D1}"/>
               </a:ext>
             </a:extLst>
           </p:cNvPr>
@@ -8444,9 +9675,9 @@
                   <a:schemeClr val="tx1"/>
                 </a:solidFill>
               </a:rPr>
-              <a:t>11</a:t>
+              <a:t>12</a:t>
             </a:fld>
-            <a:endParaRPr lang="en-US" b="1" dirty="0">
+            <a:endParaRPr lang="en-US" sz="1400" b="1" dirty="0">
               <a:solidFill>
                 <a:schemeClr val="tx1"/>
               </a:solidFill>
@@ -8456,10 +9687,10 @@
       </p:sp>
       <p:sp>
         <p:nvSpPr>
-          <p:cNvPr id="3" name="TextBox 2">
+          <p:cNvPr id="5" name="TextBox 4">
             <a:extLst>
               <a:ext uri="{FF2B5EF4-FFF2-40B4-BE49-F238E27FC236}">
-                <a16:creationId xmlns:a16="http://schemas.microsoft.com/office/drawing/2014/main" id="{D7309160-7DD3-5F35-F7EE-054E21387591}"/>
+                <a16:creationId xmlns:a16="http://schemas.microsoft.com/office/drawing/2014/main" id="{1017C9AC-C94E-F6B9-78FF-BF02D5D479A2}"/>
               </a:ext>
             </a:extLst>
           </p:cNvPr>
@@ -8468,8 +9699,8 @@
         </p:nvSpPr>
         <p:spPr>
           <a:xfrm>
-            <a:off x="2869075" y="6439984"/>
-            <a:ext cx="5879689" cy="400110"/>
+            <a:off x="1116752" y="5381876"/>
+            <a:ext cx="2452146" cy="369332"/>
           </a:xfrm>
           <a:prstGeom prst="rect">
             <a:avLst/>
@@ -8477,27 +9708,57 @@
           <a:noFill/>
         </p:spPr>
         <p:txBody>
-          <a:bodyPr wrap="square" rtlCol="0">
+          <a:bodyPr wrap="none" rtlCol="0">
             <a:spAutoFit/>
           </a:bodyPr>
           <a:lstStyle/>
           <a:p>
             <a:r>
-              <a:rPr lang="ru-RU" sz="2000" kern="0" dirty="0">
-                <a:effectLst/>
-                <a:latin typeface="Times New Roman" panose="02020603050405020304" pitchFamily="18" charset="0"/>
-                <a:ea typeface="Times New Roman" panose="02020603050405020304" pitchFamily="18" charset="0"/>
-              </a:rPr>
-              <a:t>Блок схема алгоритма работы робота</a:t>
+              <a:rPr lang="ru-RU" dirty="0"/>
+              <a:t>Изометрия платформы</a:t>
             </a:r>
-            <a:endParaRPr lang="ru-RU" sz="2000" dirty="0"/>
+          </a:p>
+        </p:txBody>
+      </p:sp>
+      <p:sp>
+        <p:nvSpPr>
+          <p:cNvPr id="6" name="TextBox 5">
+            <a:extLst>
+              <a:ext uri="{FF2B5EF4-FFF2-40B4-BE49-F238E27FC236}">
+                <a16:creationId xmlns:a16="http://schemas.microsoft.com/office/drawing/2014/main" id="{858E418B-209C-761E-712E-4FFE6253CC1C}"/>
+              </a:ext>
+            </a:extLst>
+          </p:cNvPr>
+          <p:cNvSpPr txBox="1"/>
+          <p:nvPr/>
+        </p:nvSpPr>
+        <p:spPr>
+          <a:xfrm>
+            <a:off x="6003023" y="5381876"/>
+            <a:ext cx="2447593" cy="369332"/>
+          </a:xfrm>
+          <a:prstGeom prst="rect">
+            <a:avLst/>
+          </a:prstGeom>
+          <a:noFill/>
+        </p:spPr>
+        <p:txBody>
+          <a:bodyPr wrap="none" rtlCol="0">
+            <a:spAutoFit/>
+          </a:bodyPr>
+          <a:lstStyle/>
+          <a:p>
+            <a:r>
+              <a:rPr lang="ru-RU" dirty="0"/>
+              <a:t>Вид сверху платформы</a:t>
+            </a:r>
           </a:p>
         </p:txBody>
       </p:sp>
     </p:spTree>
     <p:extLst>
       <p:ext uri="{BB962C8B-B14F-4D97-AF65-F5344CB8AC3E}">
-        <p14:creationId xmlns:p14="http://schemas.microsoft.com/office/powerpoint/2010/main" val="1344029686"/>
+        <p14:creationId xmlns:p14="http://schemas.microsoft.com/office/powerpoint/2010/main" val="835682644"/>
       </p:ext>
     </p:extLst>
   </p:cSld>
@@ -8507,7 +9768,7 @@
 </p:sld>
 </file>
 
-<file path=ppt/slides/slide12.xml><?xml version="1.0" encoding="utf-8"?>
+<file path=ppt/slides/slide13.xml><?xml version="1.0" encoding="utf-8"?>
 <p:sld xmlns:a="http://schemas.openxmlformats.org/drawingml/2006/main" xmlns:r="http://schemas.openxmlformats.org/officeDocument/2006/relationships" xmlns:p="http://schemas.openxmlformats.org/presentationml/2006/main">
   <p:cSld>
     <p:bg>
@@ -9066,7 +10327,7 @@
                   <a:schemeClr val="tx1"/>
                 </a:solidFill>
               </a:rPr>
-              <a:t>12</a:t>
+              <a:t>13</a:t>
             </a:fld>
             <a:endParaRPr lang="en-US" sz="1400" b="1" dirty="0">
               <a:solidFill>
@@ -9089,7 +10350,7 @@
 </p:sld>
 </file>
 
-<file path=ppt/slides/slide13.xml><?xml version="1.0" encoding="utf-8"?>
+<file path=ppt/slides/slide14.xml><?xml version="1.0" encoding="utf-8"?>
 <p:sld xmlns:a="http://schemas.openxmlformats.org/drawingml/2006/main" xmlns:r="http://schemas.openxmlformats.org/officeDocument/2006/relationships" xmlns:p="http://schemas.openxmlformats.org/presentationml/2006/main">
   <p:cSld>
     <p:bg>
@@ -9537,7 +10798,7 @@
                   <a:schemeClr val="tx1"/>
                 </a:solidFill>
               </a:rPr>
-              <a:t>13</a:t>
+              <a:t>14</a:t>
             </a:fld>
             <a:endParaRPr lang="en-US" b="1" dirty="0">
               <a:solidFill>
@@ -11494,546 +12755,6 @@
           </a:p>
         </p:txBody>
       </p:sp>
-      <p:pic>
-        <p:nvPicPr>
-          <p:cNvPr id="4" name="Рисунок 3" descr="Picture background">
-            <a:extLst>
-              <a:ext uri="{FF2B5EF4-FFF2-40B4-BE49-F238E27FC236}">
-                <a16:creationId xmlns:a16="http://schemas.microsoft.com/office/drawing/2014/main" id="{55330A95-8F6A-743F-B44D-71DDE7898523}"/>
-              </a:ext>
-            </a:extLst>
-          </p:cNvPr>
-          <p:cNvPicPr>
-            <a:picLocks noChangeAspect="1"/>
-          </p:cNvPicPr>
-          <p:nvPr/>
-        </p:nvPicPr>
-        <p:blipFill>
-          <a:blip r:embed="rId2">
-            <a:extLst>
-              <a:ext uri="{28A0092B-C50C-407E-A947-70E740481C1C}">
-                <a14:useLocalDpi xmlns:a14="http://schemas.microsoft.com/office/drawing/2010/main" val="0"/>
-              </a:ext>
-            </a:extLst>
-          </a:blip>
-          <a:srcRect l="18478" r="6526" b="5"/>
-          <a:stretch/>
-        </p:blipFill>
-        <p:spPr bwMode="auto">
-          <a:xfrm>
-            <a:off x="554282" y="1599710"/>
-            <a:ext cx="2243504" cy="2991339"/>
-          </a:xfrm>
-          <a:custGeom>
-            <a:avLst/>
-            <a:gdLst/>
-            <a:ahLst/>
-            <a:cxnLst/>
-            <a:rect l="l" t="t" r="r" b="b"/>
-            <a:pathLst>
-              <a:path w="2593464" h="2593464">
-                <a:moveTo>
-                  <a:pt x="1296732" y="0"/>
-                </a:moveTo>
-                <a:cubicBezTo>
-                  <a:pt x="2012897" y="0"/>
-                  <a:pt x="2593464" y="580567"/>
-                  <a:pt x="2593464" y="1296732"/>
-                </a:cubicBezTo>
-                <a:cubicBezTo>
-                  <a:pt x="2593464" y="2012897"/>
-                  <a:pt x="2012897" y="2593464"/>
-                  <a:pt x="1296732" y="2593464"/>
-                </a:cubicBezTo>
-                <a:cubicBezTo>
-                  <a:pt x="580567" y="2593464"/>
-                  <a:pt x="0" y="2012897"/>
-                  <a:pt x="0" y="1296732"/>
-                </a:cubicBezTo>
-                <a:cubicBezTo>
-                  <a:pt x="0" y="580567"/>
-                  <a:pt x="580567" y="0"/>
-                  <a:pt x="1296732" y="0"/>
-                </a:cubicBezTo>
-                <a:close/>
-              </a:path>
-            </a:pathLst>
-          </a:custGeom>
-          <a:noFill/>
-        </p:spPr>
-      </p:pic>
-      <p:pic>
-        <p:nvPicPr>
-          <p:cNvPr id="5" name="Рисунок 4" descr="Picture background">
-            <a:extLst>
-              <a:ext uri="{FF2B5EF4-FFF2-40B4-BE49-F238E27FC236}">
-                <a16:creationId xmlns:a16="http://schemas.microsoft.com/office/drawing/2014/main" id="{08738933-A6D5-BB4F-B36D-EAC9E6A5039C}"/>
-              </a:ext>
-            </a:extLst>
-          </p:cNvPr>
-          <p:cNvPicPr>
-            <a:picLocks noChangeAspect="1"/>
-          </p:cNvPicPr>
-          <p:nvPr/>
-        </p:nvPicPr>
-        <p:blipFill>
-          <a:blip r:embed="rId3">
-            <a:extLst>
-              <a:ext uri="{28A0092B-C50C-407E-A947-70E740481C1C}">
-                <a14:useLocalDpi xmlns:a14="http://schemas.microsoft.com/office/drawing/2010/main" val="0"/>
-              </a:ext>
-            </a:extLst>
-          </a:blip>
-          <a:srcRect l="10858" r="14146" b="5"/>
-          <a:stretch/>
-        </p:blipFill>
-        <p:spPr bwMode="auto">
-          <a:xfrm>
-            <a:off x="3443335" y="1579115"/>
-            <a:ext cx="2112180" cy="2816240"/>
-          </a:xfrm>
-          <a:custGeom>
-            <a:avLst/>
-            <a:gdLst/>
-            <a:ahLst/>
-            <a:cxnLst/>
-            <a:rect l="l" t="t" r="r" b="b"/>
-            <a:pathLst>
-              <a:path w="2593464" h="2593464">
-                <a:moveTo>
-                  <a:pt x="1296732" y="0"/>
-                </a:moveTo>
-                <a:cubicBezTo>
-                  <a:pt x="2012897" y="0"/>
-                  <a:pt x="2593464" y="580567"/>
-                  <a:pt x="2593464" y="1296732"/>
-                </a:cubicBezTo>
-                <a:cubicBezTo>
-                  <a:pt x="2593464" y="2012897"/>
-                  <a:pt x="2012897" y="2593464"/>
-                  <a:pt x="1296732" y="2593464"/>
-                </a:cubicBezTo>
-                <a:cubicBezTo>
-                  <a:pt x="580567" y="2593464"/>
-                  <a:pt x="0" y="2012897"/>
-                  <a:pt x="0" y="1296732"/>
-                </a:cubicBezTo>
-                <a:cubicBezTo>
-                  <a:pt x="0" y="580567"/>
-                  <a:pt x="580567" y="0"/>
-                  <a:pt x="1296732" y="0"/>
-                </a:cubicBezTo>
-                <a:close/>
-              </a:path>
-            </a:pathLst>
-          </a:custGeom>
-          <a:noFill/>
-        </p:spPr>
-      </p:pic>
-      <p:pic>
-        <p:nvPicPr>
-          <p:cNvPr id="6" name="Рисунок 5" descr="Изображение выглядит как машина, автокомпонент, игрушка, колесо&#10;&#10;Контент, сгенерированный ИИ, может содержать ошибки.">
-            <a:extLst>
-              <a:ext uri="{FF2B5EF4-FFF2-40B4-BE49-F238E27FC236}">
-                <a16:creationId xmlns:a16="http://schemas.microsoft.com/office/drawing/2014/main" id="{FBE34309-CB9E-A63A-D85E-593E24B83230}"/>
-              </a:ext>
-            </a:extLst>
-          </p:cNvPr>
-          <p:cNvPicPr>
-            <a:picLocks noChangeAspect="1"/>
-          </p:cNvPicPr>
-          <p:nvPr/>
-        </p:nvPicPr>
-        <p:blipFill>
-          <a:blip r:embed="rId4"/>
-          <a:srcRect l="25827" r="23174" b="2"/>
-          <a:stretch/>
-        </p:blipFill>
-        <p:spPr>
-          <a:xfrm>
-            <a:off x="6164826" y="1570071"/>
-            <a:ext cx="2157479" cy="2876639"/>
-          </a:xfrm>
-          <a:custGeom>
-            <a:avLst/>
-            <a:gdLst/>
-            <a:ahLst/>
-            <a:cxnLst/>
-            <a:rect l="l" t="t" r="r" b="b"/>
-            <a:pathLst>
-              <a:path w="2593464" h="2593464">
-                <a:moveTo>
-                  <a:pt x="1296732" y="0"/>
-                </a:moveTo>
-                <a:cubicBezTo>
-                  <a:pt x="2012897" y="0"/>
-                  <a:pt x="2593464" y="580567"/>
-                  <a:pt x="2593464" y="1296732"/>
-                </a:cubicBezTo>
-                <a:cubicBezTo>
-                  <a:pt x="2593464" y="2012897"/>
-                  <a:pt x="2012897" y="2593464"/>
-                  <a:pt x="1296732" y="2593464"/>
-                </a:cubicBezTo>
-                <a:cubicBezTo>
-                  <a:pt x="580567" y="2593464"/>
-                  <a:pt x="0" y="2012897"/>
-                  <a:pt x="0" y="1296732"/>
-                </a:cubicBezTo>
-                <a:cubicBezTo>
-                  <a:pt x="0" y="580567"/>
-                  <a:pt x="580567" y="0"/>
-                  <a:pt x="1296732" y="0"/>
-                </a:cubicBezTo>
-                <a:close/>
-              </a:path>
-            </a:pathLst>
-          </a:custGeom>
-        </p:spPr>
-      </p:pic>
-      <p:sp>
-        <p:nvSpPr>
-          <p:cNvPr id="3" name="Content Placeholder 2"/>
-          <p:cNvSpPr>
-            <a:spLocks noGrp="1"/>
-          </p:cNvSpPr>
-          <p:nvPr>
-            <p:ph idx="1"/>
-          </p:nvPr>
-        </p:nvSpPr>
-        <p:spPr>
-          <a:xfrm>
-            <a:off x="462116" y="4510462"/>
-            <a:ext cx="8681884" cy="2047654"/>
-          </a:xfrm>
-        </p:spPr>
-        <p:txBody>
-          <a:bodyPr numCol="3">
-            <a:normAutofit fontScale="32500" lnSpcReduction="20000"/>
-          </a:bodyPr>
-          <a:lstStyle/>
-          <a:p>
-            <a:pPr marL="0" indent="0">
-              <a:lnSpc>
-                <a:spcPct val="90000"/>
-              </a:lnSpc>
-              <a:buNone/>
-            </a:pPr>
-            <a:endParaRPr lang="en-US" sz="1100" dirty="0"/>
-          </a:p>
-          <a:p>
-            <a:pPr marL="0" indent="0">
-              <a:lnSpc>
-                <a:spcPct val="120000"/>
-              </a:lnSpc>
-              <a:buNone/>
-            </a:pPr>
-            <a:endParaRPr lang="ru-RU" sz="3700" dirty="0">
-              <a:latin typeface="Times New Roman" panose="02020603050405020304" pitchFamily="18" charset="0"/>
-              <a:cs typeface="Times New Roman" panose="02020603050405020304" pitchFamily="18" charset="0"/>
-            </a:endParaRPr>
-          </a:p>
-          <a:p>
-            <a:pPr marL="0" indent="0">
-              <a:lnSpc>
-                <a:spcPct val="120000"/>
-              </a:lnSpc>
-              <a:buNone/>
-            </a:pPr>
-            <a:r>
-              <a:rPr lang="ru-RU" sz="3700" dirty="0">
-                <a:latin typeface="Times New Roman" panose="02020603050405020304" pitchFamily="18" charset="0"/>
-                <a:cs typeface="Times New Roman" panose="02020603050405020304" pitchFamily="18" charset="0"/>
-              </a:rPr>
-              <a:t>KUKA </a:t>
-            </a:r>
-            <a:r>
-              <a:rPr lang="ru-RU" sz="3700" dirty="0" err="1">
-                <a:latin typeface="Times New Roman" panose="02020603050405020304" pitchFamily="18" charset="0"/>
-                <a:cs typeface="Times New Roman" panose="02020603050405020304" pitchFamily="18" charset="0"/>
-              </a:rPr>
-              <a:t>youBot</a:t>
-            </a:r>
-            <a:r>
-              <a:rPr lang="ru-RU" sz="3700" dirty="0">
-                <a:latin typeface="Times New Roman" panose="02020603050405020304" pitchFamily="18" charset="0"/>
-                <a:cs typeface="Times New Roman" panose="02020603050405020304" pitchFamily="18" charset="0"/>
-              </a:rPr>
-              <a:t>:</a:t>
-            </a:r>
-          </a:p>
-          <a:p>
-            <a:pPr marL="0" indent="0">
-              <a:lnSpc>
-                <a:spcPct val="120000"/>
-              </a:lnSpc>
-              <a:buNone/>
-            </a:pPr>
-            <a:r>
-              <a:rPr lang="ru-RU" sz="3700" dirty="0">
-                <a:latin typeface="Times New Roman" panose="02020603050405020304" pitchFamily="18" charset="0"/>
-                <a:cs typeface="Times New Roman" panose="02020603050405020304" pitchFamily="18" charset="0"/>
-              </a:rPr>
-              <a:t>- Преимущества: Большое количество датчиков, поддержка ROS, модульность.</a:t>
-            </a:r>
-          </a:p>
-          <a:p>
-            <a:pPr marL="0" indent="0">
-              <a:lnSpc>
-                <a:spcPct val="120000"/>
-              </a:lnSpc>
-              <a:buNone/>
-            </a:pPr>
-            <a:r>
-              <a:rPr lang="ru-RU" sz="3700" dirty="0">
-                <a:latin typeface="Times New Roman" panose="02020603050405020304" pitchFamily="18" charset="0"/>
-                <a:cs typeface="Times New Roman" panose="02020603050405020304" pitchFamily="18" charset="0"/>
-              </a:rPr>
-              <a:t>- Недостатки: Высокая стоимость, отсутствие лидара, сложность для новичков.</a:t>
-            </a:r>
-          </a:p>
-          <a:p>
-            <a:pPr marL="0" indent="0">
-              <a:lnSpc>
-                <a:spcPct val="120000"/>
-              </a:lnSpc>
-              <a:buNone/>
-            </a:pPr>
-            <a:endParaRPr lang="ru-RU" sz="3700" dirty="0">
-              <a:latin typeface="Times New Roman" panose="02020603050405020304" pitchFamily="18" charset="0"/>
-              <a:cs typeface="Times New Roman" panose="02020603050405020304" pitchFamily="18" charset="0"/>
-            </a:endParaRPr>
-          </a:p>
-          <a:p>
-            <a:pPr marL="0" indent="0">
-              <a:lnSpc>
-                <a:spcPct val="120000"/>
-              </a:lnSpc>
-              <a:buNone/>
-            </a:pPr>
-            <a:endParaRPr lang="en-US" sz="3700" dirty="0">
-              <a:latin typeface="Times New Roman" panose="02020603050405020304" pitchFamily="18" charset="0"/>
-              <a:cs typeface="Times New Roman" panose="02020603050405020304" pitchFamily="18" charset="0"/>
-            </a:endParaRPr>
-          </a:p>
-          <a:p>
-            <a:pPr marL="0" indent="0">
-              <a:lnSpc>
-                <a:spcPct val="120000"/>
-              </a:lnSpc>
-              <a:buNone/>
-            </a:pPr>
-            <a:endParaRPr lang="ru-RU" sz="3700" dirty="0">
-              <a:latin typeface="Times New Roman" panose="02020603050405020304" pitchFamily="18" charset="0"/>
-              <a:cs typeface="Times New Roman" panose="02020603050405020304" pitchFamily="18" charset="0"/>
-            </a:endParaRPr>
-          </a:p>
-          <a:p>
-            <a:pPr marL="0" indent="0">
-              <a:lnSpc>
-                <a:spcPct val="120000"/>
-              </a:lnSpc>
-              <a:buNone/>
-            </a:pPr>
-            <a:r>
-              <a:rPr lang="ru-RU" sz="3700" dirty="0">
-                <a:latin typeface="Times New Roman" panose="02020603050405020304" pitchFamily="18" charset="0"/>
-                <a:cs typeface="Times New Roman" panose="02020603050405020304" pitchFamily="18" charset="0"/>
-              </a:rPr>
-              <a:t>DJI </a:t>
-            </a:r>
-            <a:r>
-              <a:rPr lang="ru-RU" sz="3700" dirty="0" err="1">
-                <a:latin typeface="Times New Roman" panose="02020603050405020304" pitchFamily="18" charset="0"/>
-                <a:cs typeface="Times New Roman" panose="02020603050405020304" pitchFamily="18" charset="0"/>
-              </a:rPr>
-              <a:t>RoboMaster</a:t>
-            </a:r>
-            <a:r>
-              <a:rPr lang="ru-RU" sz="3700" dirty="0">
-                <a:latin typeface="Times New Roman" panose="02020603050405020304" pitchFamily="18" charset="0"/>
-                <a:cs typeface="Times New Roman" panose="02020603050405020304" pitchFamily="18" charset="0"/>
-              </a:rPr>
-              <a:t> S1 EP:</a:t>
-            </a:r>
-          </a:p>
-          <a:p>
-            <a:pPr marL="0" indent="0">
-              <a:lnSpc>
-                <a:spcPct val="120000"/>
-              </a:lnSpc>
-              <a:buNone/>
-            </a:pPr>
-            <a:r>
-              <a:rPr lang="ru-RU" sz="3700" dirty="0">
-                <a:latin typeface="Times New Roman" panose="02020603050405020304" pitchFamily="18" charset="0"/>
-                <a:cs typeface="Times New Roman" panose="02020603050405020304" pitchFamily="18" charset="0"/>
-              </a:rPr>
-              <a:t>Преимущества: Языки </a:t>
-            </a:r>
-            <a:r>
-              <a:rPr lang="ru-RU" sz="3700" dirty="0" err="1">
-                <a:latin typeface="Times New Roman" panose="02020603050405020304" pitchFamily="18" charset="0"/>
-                <a:cs typeface="Times New Roman" panose="02020603050405020304" pitchFamily="18" charset="0"/>
-              </a:rPr>
-              <a:t>Scratch</a:t>
-            </a:r>
-            <a:r>
-              <a:rPr lang="ru-RU" sz="3700" dirty="0">
-                <a:latin typeface="Times New Roman" panose="02020603050405020304" pitchFamily="18" charset="0"/>
-                <a:cs typeface="Times New Roman" panose="02020603050405020304" pitchFamily="18" charset="0"/>
-              </a:rPr>
-              <a:t> и Python, совместимость с </a:t>
-            </a:r>
-            <a:r>
-              <a:rPr lang="ru-RU" sz="3700" dirty="0" err="1">
-                <a:latin typeface="Times New Roman" panose="02020603050405020304" pitchFamily="18" charset="0"/>
-                <a:cs typeface="Times New Roman" panose="02020603050405020304" pitchFamily="18" charset="0"/>
-              </a:rPr>
-              <a:t>Arduino</a:t>
-            </a:r>
-            <a:r>
-              <a:rPr lang="ru-RU" sz="3700" dirty="0">
-                <a:latin typeface="Times New Roman" panose="02020603050405020304" pitchFamily="18" charset="0"/>
-                <a:cs typeface="Times New Roman" panose="02020603050405020304" pitchFamily="18" charset="0"/>
-              </a:rPr>
-              <a:t>.</a:t>
-            </a:r>
-          </a:p>
-          <a:p>
-            <a:pPr marL="0" indent="0">
-              <a:lnSpc>
-                <a:spcPct val="120000"/>
-              </a:lnSpc>
-              <a:buNone/>
-            </a:pPr>
-            <a:r>
-              <a:rPr lang="ru-RU" sz="3700" dirty="0">
-                <a:latin typeface="Times New Roman" panose="02020603050405020304" pitchFamily="18" charset="0"/>
-                <a:cs typeface="Times New Roman" panose="02020603050405020304" pitchFamily="18" charset="0"/>
-              </a:rPr>
-              <a:t>Недостатки: Отсутствие лидара, отсутствия поддержки ROS, ограниченное время работы.</a:t>
-            </a:r>
-          </a:p>
-          <a:p>
-            <a:pPr marL="0" indent="0">
-              <a:lnSpc>
-                <a:spcPct val="120000"/>
-              </a:lnSpc>
-              <a:buNone/>
-            </a:pPr>
-            <a:endParaRPr lang="en-US" sz="3700" dirty="0">
-              <a:latin typeface="Times New Roman" panose="02020603050405020304" pitchFamily="18" charset="0"/>
-              <a:cs typeface="Times New Roman" panose="02020603050405020304" pitchFamily="18" charset="0"/>
-            </a:endParaRPr>
-          </a:p>
-          <a:p>
-            <a:pPr marL="0" indent="0">
-              <a:lnSpc>
-                <a:spcPct val="120000"/>
-              </a:lnSpc>
-              <a:buNone/>
-            </a:pPr>
-            <a:endParaRPr lang="en-US" sz="3700" dirty="0">
-              <a:latin typeface="Times New Roman" panose="02020603050405020304" pitchFamily="18" charset="0"/>
-              <a:cs typeface="Times New Roman" panose="02020603050405020304" pitchFamily="18" charset="0"/>
-            </a:endParaRPr>
-          </a:p>
-          <a:p>
-            <a:pPr marL="0" indent="0">
-              <a:lnSpc>
-                <a:spcPct val="120000"/>
-              </a:lnSpc>
-              <a:buNone/>
-            </a:pPr>
-            <a:endParaRPr lang="en-US" sz="3700" dirty="0">
-              <a:latin typeface="Times New Roman" panose="02020603050405020304" pitchFamily="18" charset="0"/>
-              <a:cs typeface="Times New Roman" panose="02020603050405020304" pitchFamily="18" charset="0"/>
-            </a:endParaRPr>
-          </a:p>
-          <a:p>
-            <a:pPr marL="0" indent="0">
-              <a:lnSpc>
-                <a:spcPct val="120000"/>
-              </a:lnSpc>
-              <a:buNone/>
-            </a:pPr>
-            <a:r>
-              <a:rPr lang="ru-RU" sz="3700" dirty="0">
-                <a:latin typeface="Times New Roman" panose="02020603050405020304" pitchFamily="18" charset="0"/>
-                <a:cs typeface="Times New Roman" panose="02020603050405020304" pitchFamily="18" charset="0"/>
-              </a:rPr>
-              <a:t>MYAGV:</a:t>
-            </a:r>
-          </a:p>
-          <a:p>
-            <a:pPr marL="0" indent="0">
-              <a:lnSpc>
-                <a:spcPct val="120000"/>
-              </a:lnSpc>
-              <a:buNone/>
-            </a:pPr>
-            <a:r>
-              <a:rPr lang="ru-RU" sz="3700" dirty="0">
-                <a:latin typeface="Times New Roman" panose="02020603050405020304" pitchFamily="18" charset="0"/>
-                <a:cs typeface="Times New Roman" panose="02020603050405020304" pitchFamily="18" charset="0"/>
-              </a:rPr>
-              <a:t>Преимущества: Компактность, всенаправленные колеса, поддержка ROS.</a:t>
-            </a:r>
-          </a:p>
-          <a:p>
-            <a:pPr marL="0" indent="0">
-              <a:lnSpc>
-                <a:spcPct val="120000"/>
-              </a:lnSpc>
-              <a:buNone/>
-            </a:pPr>
-            <a:r>
-              <a:rPr lang="ru-RU" sz="3700" dirty="0">
-                <a:latin typeface="Times New Roman" panose="02020603050405020304" pitchFamily="18" charset="0"/>
-                <a:cs typeface="Times New Roman" panose="02020603050405020304" pitchFamily="18" charset="0"/>
-              </a:rPr>
-              <a:t>Недостатки: Ограниченная грузоподъемность и время автономной работы,</a:t>
-            </a:r>
-            <a:r>
-              <a:rPr lang="ru-RU" sz="3700" i="0" dirty="0">
-                <a:solidFill>
-                  <a:srgbClr val="212529"/>
-                </a:solidFill>
-                <a:effectLst/>
-                <a:latin typeface="Times New Roman" panose="02020603050405020304" pitchFamily="18" charset="0"/>
-                <a:cs typeface="Times New Roman" panose="02020603050405020304" pitchFamily="18" charset="0"/>
-              </a:rPr>
-              <a:t> </a:t>
-            </a:r>
-            <a:r>
-              <a:rPr lang="ru-RU" sz="3700" dirty="0">
-                <a:solidFill>
-                  <a:srgbClr val="212529"/>
-                </a:solidFill>
-                <a:latin typeface="Times New Roman" panose="02020603050405020304" pitchFamily="18" charset="0"/>
-                <a:cs typeface="Times New Roman" panose="02020603050405020304" pitchFamily="18" charset="0"/>
-              </a:rPr>
-              <a:t>о</a:t>
-            </a:r>
-            <a:r>
-              <a:rPr lang="ru-RU" sz="3700" i="0" dirty="0">
-                <a:solidFill>
-                  <a:srgbClr val="212529"/>
-                </a:solidFill>
-                <a:effectLst/>
-                <a:latin typeface="Times New Roman" panose="02020603050405020304" pitchFamily="18" charset="0"/>
-                <a:cs typeface="Times New Roman" panose="02020603050405020304" pitchFamily="18" charset="0"/>
-              </a:rPr>
-              <a:t>бъём технической документации ограничен.</a:t>
-            </a:r>
-            <a:endParaRPr lang="ru-RU" sz="3700" dirty="0">
-              <a:latin typeface="Times New Roman" panose="02020603050405020304" pitchFamily="18" charset="0"/>
-              <a:cs typeface="Times New Roman" panose="02020603050405020304" pitchFamily="18" charset="0"/>
-            </a:endParaRPr>
-          </a:p>
-        </p:txBody>
-      </p:sp>
       <p:sp>
         <p:nvSpPr>
           <p:cNvPr id="8" name="Номер слайда 7">
@@ -12071,6 +12792,1648 @@
           </a:p>
         </p:txBody>
       </p:sp>
+      <p:graphicFrame>
+        <p:nvGraphicFramePr>
+          <p:cNvPr id="10" name="Таблица 9">
+            <a:extLst>
+              <a:ext uri="{FF2B5EF4-FFF2-40B4-BE49-F238E27FC236}">
+                <a16:creationId xmlns:a16="http://schemas.microsoft.com/office/drawing/2014/main" id="{49CF6823-F1B0-610E-EC4E-40F8BA27F0DA}"/>
+              </a:ext>
+            </a:extLst>
+          </p:cNvPr>
+          <p:cNvGraphicFramePr>
+            <a:graphicFrameLocks noGrp="1"/>
+          </p:cNvGraphicFramePr>
+          <p:nvPr>
+            <p:extLst>
+              <p:ext uri="{D42A27DB-BD31-4B8C-83A1-F6EECF244321}">
+                <p14:modId xmlns:p14="http://schemas.microsoft.com/office/powerpoint/2010/main" val="34905795"/>
+              </p:ext>
+            </p:extLst>
+          </p:nvPr>
+        </p:nvGraphicFramePr>
+        <p:xfrm>
+          <a:off x="0" y="3167765"/>
+          <a:ext cx="8424334" cy="3553710"/>
+        </p:xfrm>
+        <a:graphic>
+          <a:graphicData uri="http://schemas.openxmlformats.org/drawingml/2006/table">
+            <a:tbl>
+              <a:tblPr firstRow="1" firstCol="1" bandRow="1">
+                <a:tableStyleId>{5C22544A-7EE6-4342-B048-85BDC9FD1C3A}</a:tableStyleId>
+              </a:tblPr>
+              <a:tblGrid>
+                <a:gridCol w="2277787">
+                  <a:extLst>
+                    <a:ext uri="{9D8B030D-6E8A-4147-A177-3AD203B41FA5}">
+                      <a16:colId xmlns:a16="http://schemas.microsoft.com/office/drawing/2014/main" val="3501347518"/>
+                    </a:ext>
+                  </a:extLst>
+                </a:gridCol>
+                <a:gridCol w="1750914">
+                  <a:extLst>
+                    <a:ext uri="{9D8B030D-6E8A-4147-A177-3AD203B41FA5}">
+                      <a16:colId xmlns:a16="http://schemas.microsoft.com/office/drawing/2014/main" val="4293527653"/>
+                    </a:ext>
+                  </a:extLst>
+                </a:gridCol>
+                <a:gridCol w="1465211">
+                  <a:extLst>
+                    <a:ext uri="{9D8B030D-6E8A-4147-A177-3AD203B41FA5}">
+                      <a16:colId xmlns:a16="http://schemas.microsoft.com/office/drawing/2014/main" val="237622363"/>
+                    </a:ext>
+                  </a:extLst>
+                </a:gridCol>
+                <a:gridCol w="1465211">
+                  <a:extLst>
+                    <a:ext uri="{9D8B030D-6E8A-4147-A177-3AD203B41FA5}">
+                      <a16:colId xmlns:a16="http://schemas.microsoft.com/office/drawing/2014/main" val="2780001044"/>
+                    </a:ext>
+                  </a:extLst>
+                </a:gridCol>
+                <a:gridCol w="1465211">
+                  <a:extLst>
+                    <a:ext uri="{9D8B030D-6E8A-4147-A177-3AD203B41FA5}">
+                      <a16:colId xmlns:a16="http://schemas.microsoft.com/office/drawing/2014/main" val="2332780814"/>
+                    </a:ext>
+                  </a:extLst>
+                </a:gridCol>
+              </a:tblGrid>
+              <a:tr h="410787">
+                <a:tc>
+                  <a:txBody>
+                    <a:bodyPr/>
+                    <a:lstStyle/>
+                    <a:p>
+                      <a:pPr indent="450215" algn="ctr">
+                        <a:lnSpc>
+                          <a:spcPct val="150000"/>
+                        </a:lnSpc>
+                        <a:buNone/>
+                      </a:pPr>
+                      <a:r>
+                        <a:rPr lang="ru-RU" sz="900" dirty="0">
+                          <a:effectLst/>
+                        </a:rPr>
+                        <a:t>Название робота</a:t>
+                      </a:r>
+                      <a:endParaRPr lang="ru-RU" sz="900" dirty="0">
+                        <a:effectLst/>
+                        <a:latin typeface="Times New Roman" panose="02020603050405020304" pitchFamily="18" charset="0"/>
+                        <a:ea typeface="Times New Roman" panose="02020603050405020304" pitchFamily="18" charset="0"/>
+                      </a:endParaRPr>
+                    </a:p>
+                  </a:txBody>
+                  <a:tcPr marL="29458" marR="29458" marT="0" marB="0" anchor="ctr"/>
+                </a:tc>
+                <a:tc>
+                  <a:txBody>
+                    <a:bodyPr/>
+                    <a:lstStyle/>
+                    <a:p>
+                      <a:pPr indent="450215" algn="ctr">
+                        <a:lnSpc>
+                          <a:spcPct val="150000"/>
+                        </a:lnSpc>
+                        <a:buNone/>
+                      </a:pPr>
+                      <a:r>
+                        <a:rPr lang="en-US" sz="900" dirty="0">
+                          <a:effectLst/>
+                        </a:rPr>
+                        <a:t>Kuka </a:t>
+                      </a:r>
+                      <a:r>
+                        <a:rPr lang="en-US" sz="900" dirty="0" err="1">
+                          <a:effectLst/>
+                        </a:rPr>
+                        <a:t>youBot</a:t>
+                      </a:r>
+                      <a:endParaRPr lang="ru-RU" sz="900" dirty="0">
+                        <a:effectLst/>
+                        <a:latin typeface="Times New Roman" panose="02020603050405020304" pitchFamily="18" charset="0"/>
+                        <a:ea typeface="Times New Roman" panose="02020603050405020304" pitchFamily="18" charset="0"/>
+                      </a:endParaRPr>
+                    </a:p>
+                  </a:txBody>
+                  <a:tcPr marL="29458" marR="29458" marT="0" marB="0" anchor="ctr"/>
+                </a:tc>
+                <a:tc>
+                  <a:txBody>
+                    <a:bodyPr/>
+                    <a:lstStyle/>
+                    <a:p>
+                      <a:pPr indent="450215" algn="ctr">
+                        <a:lnSpc>
+                          <a:spcPct val="150000"/>
+                        </a:lnSpc>
+                        <a:buNone/>
+                      </a:pPr>
+                      <a:r>
+                        <a:rPr lang="ru-RU" sz="900" dirty="0" err="1">
+                          <a:effectLst/>
+                        </a:rPr>
+                        <a:t>RoboMaster</a:t>
+                      </a:r>
+                      <a:r>
+                        <a:rPr lang="ru-RU" sz="900" dirty="0">
+                          <a:effectLst/>
+                        </a:rPr>
+                        <a:t> EP</a:t>
+                      </a:r>
+                      <a:endParaRPr lang="ru-RU" sz="900" dirty="0">
+                        <a:effectLst/>
+                        <a:latin typeface="Times New Roman" panose="02020603050405020304" pitchFamily="18" charset="0"/>
+                        <a:ea typeface="Times New Roman" panose="02020603050405020304" pitchFamily="18" charset="0"/>
+                      </a:endParaRPr>
+                    </a:p>
+                  </a:txBody>
+                  <a:tcPr marL="29458" marR="29458" marT="0" marB="0" anchor="ctr"/>
+                </a:tc>
+                <a:tc>
+                  <a:txBody>
+                    <a:bodyPr/>
+                    <a:lstStyle/>
+                    <a:p>
+                      <a:pPr indent="450215" algn="ctr">
+                        <a:lnSpc>
+                          <a:spcPct val="150000"/>
+                        </a:lnSpc>
+                        <a:buNone/>
+                      </a:pPr>
+                      <a:r>
+                        <a:rPr lang="ru-RU" sz="900">
+                          <a:effectLst/>
+                        </a:rPr>
+                        <a:t>M</a:t>
+                      </a:r>
+                      <a:r>
+                        <a:rPr lang="en-US" sz="900">
+                          <a:effectLst/>
+                        </a:rPr>
+                        <a:t>y</a:t>
+                      </a:r>
+                      <a:r>
+                        <a:rPr lang="ru-RU" sz="900">
+                          <a:effectLst/>
+                        </a:rPr>
+                        <a:t>AGV</a:t>
+                      </a:r>
+                      <a:endParaRPr lang="ru-RU" sz="900">
+                        <a:effectLst/>
+                        <a:latin typeface="Times New Roman" panose="02020603050405020304" pitchFamily="18" charset="0"/>
+                        <a:ea typeface="Times New Roman" panose="02020603050405020304" pitchFamily="18" charset="0"/>
+                      </a:endParaRPr>
+                    </a:p>
+                  </a:txBody>
+                  <a:tcPr marL="29458" marR="29458" marT="0" marB="0" anchor="ctr"/>
+                </a:tc>
+                <a:tc>
+                  <a:txBody>
+                    <a:bodyPr/>
+                    <a:lstStyle/>
+                    <a:p>
+                      <a:pPr indent="450215" algn="ctr">
+                        <a:lnSpc>
+                          <a:spcPct val="150000"/>
+                        </a:lnSpc>
+                        <a:buNone/>
+                      </a:pPr>
+                      <a:r>
+                        <a:rPr lang="ru-RU" sz="900">
+                          <a:effectLst/>
+                        </a:rPr>
+                        <a:t>DOBOT Magician Go</a:t>
+                      </a:r>
+                      <a:endParaRPr lang="ru-RU" sz="900">
+                        <a:effectLst/>
+                        <a:latin typeface="Times New Roman" panose="02020603050405020304" pitchFamily="18" charset="0"/>
+                        <a:ea typeface="Times New Roman" panose="02020603050405020304" pitchFamily="18" charset="0"/>
+                      </a:endParaRPr>
+                    </a:p>
+                  </a:txBody>
+                  <a:tcPr marL="29458" marR="29458" marT="0" marB="0" anchor="ctr"/>
+                </a:tc>
+                <a:extLst>
+                  <a:ext uri="{0D108BD9-81ED-4DB2-BD59-A6C34878D82A}">
+                    <a16:rowId xmlns:a16="http://schemas.microsoft.com/office/drawing/2014/main" val="2242791222"/>
+                  </a:ext>
+                </a:extLst>
+              </a:tr>
+              <a:tr h="197338">
+                <a:tc>
+                  <a:txBody>
+                    <a:bodyPr/>
+                    <a:lstStyle/>
+                    <a:p>
+                      <a:pPr indent="450215" algn="ctr">
+                        <a:lnSpc>
+                          <a:spcPct val="150000"/>
+                        </a:lnSpc>
+                        <a:buNone/>
+                      </a:pPr>
+                      <a:r>
+                        <a:rPr lang="ru-RU" sz="900" dirty="0">
+                          <a:effectLst/>
+                        </a:rPr>
+                        <a:t>Время работы</a:t>
+                      </a:r>
+                      <a:endParaRPr lang="ru-RU" sz="900" dirty="0">
+                        <a:effectLst/>
+                        <a:latin typeface="Times New Roman" panose="02020603050405020304" pitchFamily="18" charset="0"/>
+                        <a:ea typeface="Times New Roman" panose="02020603050405020304" pitchFamily="18" charset="0"/>
+                      </a:endParaRPr>
+                    </a:p>
+                  </a:txBody>
+                  <a:tcPr marL="29458" marR="29458" marT="0" marB="0" anchor="ctr"/>
+                </a:tc>
+                <a:tc>
+                  <a:txBody>
+                    <a:bodyPr/>
+                    <a:lstStyle/>
+                    <a:p>
+                      <a:pPr indent="450215" algn="ctr">
+                        <a:lnSpc>
+                          <a:spcPct val="150000"/>
+                        </a:lnSpc>
+                        <a:buNone/>
+                      </a:pPr>
+                      <a:r>
+                        <a:rPr lang="ru-RU" sz="900" dirty="0">
+                          <a:effectLst/>
+                        </a:rPr>
+                        <a:t>2 часа</a:t>
+                      </a:r>
+                      <a:endParaRPr lang="ru-RU" sz="900" dirty="0">
+                        <a:effectLst/>
+                        <a:latin typeface="Times New Roman" panose="02020603050405020304" pitchFamily="18" charset="0"/>
+                        <a:ea typeface="Times New Roman" panose="02020603050405020304" pitchFamily="18" charset="0"/>
+                      </a:endParaRPr>
+                    </a:p>
+                  </a:txBody>
+                  <a:tcPr marL="29458" marR="29458" marT="0" marB="0" anchor="ctr"/>
+                </a:tc>
+                <a:tc>
+                  <a:txBody>
+                    <a:bodyPr/>
+                    <a:lstStyle/>
+                    <a:p>
+                      <a:pPr indent="450215" algn="ctr">
+                        <a:lnSpc>
+                          <a:spcPct val="150000"/>
+                        </a:lnSpc>
+                        <a:buNone/>
+                      </a:pPr>
+                      <a:r>
+                        <a:rPr lang="ru-RU" sz="900">
+                          <a:effectLst/>
+                        </a:rPr>
+                        <a:t>35 минут</a:t>
+                      </a:r>
+                      <a:endParaRPr lang="ru-RU" sz="900">
+                        <a:effectLst/>
+                        <a:latin typeface="Times New Roman" panose="02020603050405020304" pitchFamily="18" charset="0"/>
+                        <a:ea typeface="Times New Roman" panose="02020603050405020304" pitchFamily="18" charset="0"/>
+                      </a:endParaRPr>
+                    </a:p>
+                  </a:txBody>
+                  <a:tcPr marL="29458" marR="29458" marT="0" marB="0" anchor="ctr"/>
+                </a:tc>
+                <a:tc>
+                  <a:txBody>
+                    <a:bodyPr/>
+                    <a:lstStyle/>
+                    <a:p>
+                      <a:pPr indent="450215" algn="ctr">
+                        <a:lnSpc>
+                          <a:spcPct val="150000"/>
+                        </a:lnSpc>
+                        <a:buNone/>
+                      </a:pPr>
+                      <a:r>
+                        <a:rPr lang="ru-RU" sz="900">
+                          <a:effectLst/>
+                        </a:rPr>
+                        <a:t>1 час</a:t>
+                      </a:r>
+                      <a:endParaRPr lang="ru-RU" sz="900">
+                        <a:effectLst/>
+                        <a:latin typeface="Times New Roman" panose="02020603050405020304" pitchFamily="18" charset="0"/>
+                        <a:ea typeface="Times New Roman" panose="02020603050405020304" pitchFamily="18" charset="0"/>
+                      </a:endParaRPr>
+                    </a:p>
+                  </a:txBody>
+                  <a:tcPr marL="29458" marR="29458" marT="0" marB="0" anchor="ctr"/>
+                </a:tc>
+                <a:tc>
+                  <a:txBody>
+                    <a:bodyPr/>
+                    <a:lstStyle/>
+                    <a:p>
+                      <a:pPr indent="450215" algn="ctr">
+                        <a:lnSpc>
+                          <a:spcPct val="150000"/>
+                        </a:lnSpc>
+                        <a:buNone/>
+                      </a:pPr>
+                      <a:r>
+                        <a:rPr lang="ru-RU" sz="900" dirty="0">
+                          <a:effectLst/>
+                        </a:rPr>
+                        <a:t>1.5 часа</a:t>
+                      </a:r>
+                      <a:endParaRPr lang="ru-RU" sz="900" dirty="0">
+                        <a:effectLst/>
+                        <a:latin typeface="Times New Roman" panose="02020603050405020304" pitchFamily="18" charset="0"/>
+                        <a:ea typeface="Times New Roman" panose="02020603050405020304" pitchFamily="18" charset="0"/>
+                      </a:endParaRPr>
+                    </a:p>
+                  </a:txBody>
+                  <a:tcPr marL="29458" marR="29458" marT="0" marB="0" anchor="ctr"/>
+                </a:tc>
+                <a:extLst>
+                  <a:ext uri="{0D108BD9-81ED-4DB2-BD59-A6C34878D82A}">
+                    <a16:rowId xmlns:a16="http://schemas.microsoft.com/office/drawing/2014/main" val="3468672160"/>
+                  </a:ext>
+                </a:extLst>
+              </a:tr>
+              <a:tr h="627767">
+                <a:tc>
+                  <a:txBody>
+                    <a:bodyPr/>
+                    <a:lstStyle/>
+                    <a:p>
+                      <a:pPr indent="450215" algn="ctr">
+                        <a:lnSpc>
+                          <a:spcPct val="150000"/>
+                        </a:lnSpc>
+                        <a:buNone/>
+                      </a:pPr>
+                      <a:r>
+                        <a:rPr lang="ru-RU" sz="900" dirty="0">
+                          <a:effectLst/>
+                        </a:rPr>
+                        <a:t>Грузоподъемность</a:t>
+                      </a:r>
+                      <a:endParaRPr lang="ru-RU" sz="900" dirty="0">
+                        <a:effectLst/>
+                        <a:latin typeface="Times New Roman" panose="02020603050405020304" pitchFamily="18" charset="0"/>
+                        <a:ea typeface="Times New Roman" panose="02020603050405020304" pitchFamily="18" charset="0"/>
+                      </a:endParaRPr>
+                    </a:p>
+                  </a:txBody>
+                  <a:tcPr marL="29458" marR="29458" marT="0" marB="0" anchor="ctr"/>
+                </a:tc>
+                <a:tc>
+                  <a:txBody>
+                    <a:bodyPr/>
+                    <a:lstStyle/>
+                    <a:p>
+                      <a:pPr indent="450215" algn="ctr">
+                        <a:lnSpc>
+                          <a:spcPct val="150000"/>
+                        </a:lnSpc>
+                        <a:buNone/>
+                      </a:pPr>
+                      <a:r>
+                        <a:rPr lang="ru-RU" sz="900" dirty="0">
+                          <a:effectLst/>
+                        </a:rPr>
+                        <a:t>20 кг</a:t>
+                      </a:r>
+                      <a:endParaRPr lang="ru-RU" sz="900" dirty="0">
+                        <a:effectLst/>
+                        <a:latin typeface="Times New Roman" panose="02020603050405020304" pitchFamily="18" charset="0"/>
+                        <a:ea typeface="Times New Roman" panose="02020603050405020304" pitchFamily="18" charset="0"/>
+                      </a:endParaRPr>
+                    </a:p>
+                  </a:txBody>
+                  <a:tcPr marL="29458" marR="29458" marT="0" marB="0" anchor="ctr"/>
+                </a:tc>
+                <a:tc>
+                  <a:txBody>
+                    <a:bodyPr/>
+                    <a:lstStyle/>
+                    <a:p>
+                      <a:pPr indent="450215" algn="ctr">
+                        <a:lnSpc>
+                          <a:spcPct val="150000"/>
+                        </a:lnSpc>
+                        <a:buNone/>
+                      </a:pPr>
+                      <a:br>
+                        <a:rPr lang="ru-RU" sz="900" dirty="0">
+                          <a:effectLst/>
+                        </a:rPr>
+                      </a:br>
+                      <a:r>
+                        <a:rPr lang="ru-RU" sz="900" dirty="0">
+                          <a:effectLst/>
+                        </a:rPr>
+                        <a:t>                 1 кг</a:t>
+                      </a:r>
+                    </a:p>
+                    <a:p>
+                      <a:pPr indent="450215" algn="ctr">
+                        <a:lnSpc>
+                          <a:spcPct val="150000"/>
+                        </a:lnSpc>
+                        <a:buNone/>
+                      </a:pPr>
+                      <a:r>
+                        <a:rPr lang="ru-RU" sz="900" dirty="0">
+                          <a:effectLst/>
+                        </a:rPr>
+                        <a:t> </a:t>
+                      </a:r>
+                      <a:endParaRPr lang="ru-RU" sz="900" dirty="0">
+                        <a:effectLst/>
+                        <a:latin typeface="Times New Roman" panose="02020603050405020304" pitchFamily="18" charset="0"/>
+                        <a:ea typeface="Times New Roman" panose="02020603050405020304" pitchFamily="18" charset="0"/>
+                      </a:endParaRPr>
+                    </a:p>
+                  </a:txBody>
+                  <a:tcPr marL="29458" marR="29458" marT="0" marB="0" anchor="ctr"/>
+                </a:tc>
+                <a:tc>
+                  <a:txBody>
+                    <a:bodyPr/>
+                    <a:lstStyle/>
+                    <a:p>
+                      <a:pPr indent="450215" algn="ctr">
+                        <a:lnSpc>
+                          <a:spcPct val="150000"/>
+                        </a:lnSpc>
+                        <a:buNone/>
+                      </a:pPr>
+                      <a:br>
+                        <a:rPr lang="ru-RU" sz="900" dirty="0">
+                          <a:effectLst/>
+                        </a:rPr>
+                      </a:br>
+                      <a:r>
+                        <a:rPr lang="ru-RU" sz="900" dirty="0">
+                          <a:effectLst/>
+                        </a:rPr>
+                        <a:t>                    3,6 кг</a:t>
+                      </a:r>
+                    </a:p>
+                    <a:p>
+                      <a:pPr indent="450215" algn="ctr">
+                        <a:lnSpc>
+                          <a:spcPct val="150000"/>
+                        </a:lnSpc>
+                        <a:buNone/>
+                      </a:pPr>
+                      <a:r>
+                        <a:rPr lang="ru-RU" sz="900" dirty="0">
+                          <a:effectLst/>
+                        </a:rPr>
+                        <a:t> </a:t>
+                      </a:r>
+                      <a:endParaRPr lang="ru-RU" sz="900" dirty="0">
+                        <a:effectLst/>
+                        <a:latin typeface="Times New Roman" panose="02020603050405020304" pitchFamily="18" charset="0"/>
+                        <a:ea typeface="Times New Roman" panose="02020603050405020304" pitchFamily="18" charset="0"/>
+                      </a:endParaRPr>
+                    </a:p>
+                  </a:txBody>
+                  <a:tcPr marL="29458" marR="29458" marT="0" marB="0" anchor="ctr"/>
+                </a:tc>
+                <a:tc>
+                  <a:txBody>
+                    <a:bodyPr/>
+                    <a:lstStyle/>
+                    <a:p>
+                      <a:pPr indent="450215" algn="ctr">
+                        <a:lnSpc>
+                          <a:spcPct val="150000"/>
+                        </a:lnSpc>
+                        <a:buNone/>
+                      </a:pPr>
+                      <a:br>
+                        <a:rPr lang="ru-RU" sz="900" dirty="0">
+                          <a:effectLst/>
+                        </a:rPr>
+                      </a:br>
+                      <a:r>
+                        <a:rPr lang="ru-RU" sz="900" dirty="0">
+                          <a:effectLst/>
+                        </a:rPr>
+                        <a:t>                  Н/Д</a:t>
+                      </a:r>
+                    </a:p>
+                    <a:p>
+                      <a:pPr indent="450215" algn="ctr">
+                        <a:lnSpc>
+                          <a:spcPct val="150000"/>
+                        </a:lnSpc>
+                        <a:buNone/>
+                      </a:pPr>
+                      <a:r>
+                        <a:rPr lang="ru-RU" sz="900" dirty="0">
+                          <a:effectLst/>
+                        </a:rPr>
+                        <a:t> </a:t>
+                      </a:r>
+                      <a:endParaRPr lang="ru-RU" sz="900" dirty="0">
+                        <a:effectLst/>
+                        <a:latin typeface="Times New Roman" panose="02020603050405020304" pitchFamily="18" charset="0"/>
+                        <a:ea typeface="Times New Roman" panose="02020603050405020304" pitchFamily="18" charset="0"/>
+                      </a:endParaRPr>
+                    </a:p>
+                  </a:txBody>
+                  <a:tcPr marL="29458" marR="29458" marT="0" marB="0" anchor="ctr"/>
+                </a:tc>
+                <a:extLst>
+                  <a:ext uri="{0D108BD9-81ED-4DB2-BD59-A6C34878D82A}">
+                    <a16:rowId xmlns:a16="http://schemas.microsoft.com/office/drawing/2014/main" val="1113935011"/>
+                  </a:ext>
+                </a:extLst>
+              </a:tr>
+              <a:tr h="410787">
+                <a:tc>
+                  <a:txBody>
+                    <a:bodyPr/>
+                    <a:lstStyle/>
+                    <a:p>
+                      <a:pPr indent="450215" algn="ctr">
+                        <a:lnSpc>
+                          <a:spcPct val="150000"/>
+                        </a:lnSpc>
+                        <a:buNone/>
+                      </a:pPr>
+                      <a:r>
+                        <a:rPr lang="ru-RU" sz="900">
+                          <a:effectLst/>
+                        </a:rPr>
+                        <a:t>Максимальная линейная скорость</a:t>
+                      </a:r>
+                      <a:endParaRPr lang="ru-RU" sz="900">
+                        <a:effectLst/>
+                        <a:latin typeface="Times New Roman" panose="02020603050405020304" pitchFamily="18" charset="0"/>
+                        <a:ea typeface="Times New Roman" panose="02020603050405020304" pitchFamily="18" charset="0"/>
+                      </a:endParaRPr>
+                    </a:p>
+                  </a:txBody>
+                  <a:tcPr marL="29458" marR="29458" marT="0" marB="0" anchor="ctr"/>
+                </a:tc>
+                <a:tc>
+                  <a:txBody>
+                    <a:bodyPr/>
+                    <a:lstStyle/>
+                    <a:p>
+                      <a:pPr indent="450215" algn="ctr">
+                        <a:lnSpc>
+                          <a:spcPct val="150000"/>
+                        </a:lnSpc>
+                        <a:buNone/>
+                      </a:pPr>
+                      <a:r>
+                        <a:rPr lang="ru-RU" sz="900" dirty="0">
+                          <a:effectLst/>
+                        </a:rPr>
+                        <a:t>0.8 м/с</a:t>
+                      </a:r>
+                      <a:endParaRPr lang="ru-RU" sz="900" dirty="0">
+                        <a:effectLst/>
+                        <a:latin typeface="Times New Roman" panose="02020603050405020304" pitchFamily="18" charset="0"/>
+                        <a:ea typeface="Times New Roman" panose="02020603050405020304" pitchFamily="18" charset="0"/>
+                      </a:endParaRPr>
+                    </a:p>
+                  </a:txBody>
+                  <a:tcPr marL="29458" marR="29458" marT="0" marB="0" anchor="ctr"/>
+                </a:tc>
+                <a:tc>
+                  <a:txBody>
+                    <a:bodyPr/>
+                    <a:lstStyle/>
+                    <a:p>
+                      <a:pPr indent="450215" algn="ctr">
+                        <a:lnSpc>
+                          <a:spcPct val="150000"/>
+                        </a:lnSpc>
+                        <a:buNone/>
+                      </a:pPr>
+                      <a:r>
+                        <a:rPr lang="ru-RU" sz="900" dirty="0">
+                          <a:effectLst/>
+                        </a:rPr>
+                        <a:t>1.5 м/с</a:t>
+                      </a:r>
+                      <a:endParaRPr lang="ru-RU" sz="900" dirty="0">
+                        <a:effectLst/>
+                        <a:latin typeface="Times New Roman" panose="02020603050405020304" pitchFamily="18" charset="0"/>
+                        <a:ea typeface="Times New Roman" panose="02020603050405020304" pitchFamily="18" charset="0"/>
+                      </a:endParaRPr>
+                    </a:p>
+                  </a:txBody>
+                  <a:tcPr marL="29458" marR="29458" marT="0" marB="0" anchor="ctr"/>
+                </a:tc>
+                <a:tc>
+                  <a:txBody>
+                    <a:bodyPr/>
+                    <a:lstStyle/>
+                    <a:p>
+                      <a:pPr indent="450215" algn="ctr">
+                        <a:lnSpc>
+                          <a:spcPct val="150000"/>
+                        </a:lnSpc>
+                        <a:buNone/>
+                      </a:pPr>
+                      <a:r>
+                        <a:rPr lang="ru-RU" sz="900">
+                          <a:effectLst/>
+                        </a:rPr>
+                        <a:t>1 м/с</a:t>
+                      </a:r>
+                      <a:endParaRPr lang="ru-RU" sz="900">
+                        <a:effectLst/>
+                        <a:latin typeface="Times New Roman" panose="02020603050405020304" pitchFamily="18" charset="0"/>
+                        <a:ea typeface="Times New Roman" panose="02020603050405020304" pitchFamily="18" charset="0"/>
+                      </a:endParaRPr>
+                    </a:p>
+                  </a:txBody>
+                  <a:tcPr marL="29458" marR="29458" marT="0" marB="0" anchor="ctr"/>
+                </a:tc>
+                <a:tc>
+                  <a:txBody>
+                    <a:bodyPr/>
+                    <a:lstStyle/>
+                    <a:p>
+                      <a:pPr indent="450215" algn="ctr">
+                        <a:lnSpc>
+                          <a:spcPct val="150000"/>
+                        </a:lnSpc>
+                        <a:buNone/>
+                      </a:pPr>
+                      <a:r>
+                        <a:rPr lang="ru-RU" sz="900" dirty="0">
+                          <a:effectLst/>
+                        </a:rPr>
+                        <a:t>0.5 м/с</a:t>
+                      </a:r>
+                      <a:endParaRPr lang="ru-RU" sz="900" dirty="0">
+                        <a:effectLst/>
+                        <a:latin typeface="Times New Roman" panose="02020603050405020304" pitchFamily="18" charset="0"/>
+                        <a:ea typeface="Times New Roman" panose="02020603050405020304" pitchFamily="18" charset="0"/>
+                      </a:endParaRPr>
+                    </a:p>
+                  </a:txBody>
+                  <a:tcPr marL="29458" marR="29458" marT="0" marB="0" anchor="ctr"/>
+                </a:tc>
+                <a:extLst>
+                  <a:ext uri="{0D108BD9-81ED-4DB2-BD59-A6C34878D82A}">
+                    <a16:rowId xmlns:a16="http://schemas.microsoft.com/office/drawing/2014/main" val="681245195"/>
+                  </a:ext>
+                </a:extLst>
+              </a:tr>
+              <a:tr h="222153">
+                <a:tc>
+                  <a:txBody>
+                    <a:bodyPr/>
+                    <a:lstStyle/>
+                    <a:p>
+                      <a:pPr indent="450215" algn="ctr">
+                        <a:lnSpc>
+                          <a:spcPct val="150000"/>
+                        </a:lnSpc>
+                        <a:buNone/>
+                      </a:pPr>
+                      <a:r>
+                        <a:rPr lang="ru-RU" sz="900">
+                          <a:effectLst/>
+                        </a:rPr>
+                        <a:t>Наличие встроенного лидара</a:t>
+                      </a:r>
+                      <a:endParaRPr lang="ru-RU" sz="900">
+                        <a:effectLst/>
+                        <a:latin typeface="Times New Roman" panose="02020603050405020304" pitchFamily="18" charset="0"/>
+                        <a:ea typeface="Times New Roman" panose="02020603050405020304" pitchFamily="18" charset="0"/>
+                      </a:endParaRPr>
+                    </a:p>
+                  </a:txBody>
+                  <a:tcPr marL="29458" marR="29458" marT="0" marB="0" anchor="ctr"/>
+                </a:tc>
+                <a:tc>
+                  <a:txBody>
+                    <a:bodyPr/>
+                    <a:lstStyle/>
+                    <a:p>
+                      <a:pPr indent="450215" algn="ctr">
+                        <a:lnSpc>
+                          <a:spcPct val="150000"/>
+                        </a:lnSpc>
+                        <a:buNone/>
+                      </a:pPr>
+                      <a:r>
+                        <a:rPr lang="ru-RU" sz="900" dirty="0">
+                          <a:effectLst/>
+                        </a:rPr>
+                        <a:t>-</a:t>
+                      </a:r>
+                      <a:endParaRPr lang="ru-RU" sz="900" dirty="0">
+                        <a:effectLst/>
+                        <a:latin typeface="Times New Roman" panose="02020603050405020304" pitchFamily="18" charset="0"/>
+                        <a:ea typeface="Times New Roman" panose="02020603050405020304" pitchFamily="18" charset="0"/>
+                      </a:endParaRPr>
+                    </a:p>
+                  </a:txBody>
+                  <a:tcPr marL="29458" marR="29458" marT="0" marB="0" anchor="ctr"/>
+                </a:tc>
+                <a:tc>
+                  <a:txBody>
+                    <a:bodyPr/>
+                    <a:lstStyle/>
+                    <a:p>
+                      <a:pPr indent="450215" algn="ctr">
+                        <a:lnSpc>
+                          <a:spcPct val="150000"/>
+                        </a:lnSpc>
+                        <a:buNone/>
+                      </a:pPr>
+                      <a:r>
+                        <a:rPr lang="ru-RU" sz="900" dirty="0">
+                          <a:effectLst/>
+                        </a:rPr>
+                        <a:t>-</a:t>
+                      </a:r>
+                      <a:endParaRPr lang="ru-RU" sz="900" dirty="0">
+                        <a:effectLst/>
+                        <a:latin typeface="Times New Roman" panose="02020603050405020304" pitchFamily="18" charset="0"/>
+                        <a:ea typeface="Times New Roman" panose="02020603050405020304" pitchFamily="18" charset="0"/>
+                      </a:endParaRPr>
+                    </a:p>
+                  </a:txBody>
+                  <a:tcPr marL="29458" marR="29458" marT="0" marB="0" anchor="ctr"/>
+                </a:tc>
+                <a:tc>
+                  <a:txBody>
+                    <a:bodyPr/>
+                    <a:lstStyle/>
+                    <a:p>
+                      <a:pPr indent="450215" algn="ctr">
+                        <a:lnSpc>
+                          <a:spcPct val="150000"/>
+                        </a:lnSpc>
+                        <a:buNone/>
+                      </a:pPr>
+                      <a:r>
+                        <a:rPr lang="ru-RU" sz="900">
+                          <a:effectLst/>
+                        </a:rPr>
+                        <a:t>+</a:t>
+                      </a:r>
+                      <a:endParaRPr lang="ru-RU" sz="900">
+                        <a:effectLst/>
+                        <a:latin typeface="Times New Roman" panose="02020603050405020304" pitchFamily="18" charset="0"/>
+                        <a:ea typeface="Times New Roman" panose="02020603050405020304" pitchFamily="18" charset="0"/>
+                      </a:endParaRPr>
+                    </a:p>
+                  </a:txBody>
+                  <a:tcPr marL="29458" marR="29458" marT="0" marB="0" anchor="ctr"/>
+                </a:tc>
+                <a:tc>
+                  <a:txBody>
+                    <a:bodyPr/>
+                    <a:lstStyle/>
+                    <a:p>
+                      <a:pPr indent="450215" algn="ctr">
+                        <a:lnSpc>
+                          <a:spcPct val="150000"/>
+                        </a:lnSpc>
+                        <a:buNone/>
+                      </a:pPr>
+                      <a:r>
+                        <a:rPr lang="ru-RU" sz="900">
+                          <a:effectLst/>
+                        </a:rPr>
+                        <a:t>-</a:t>
+                      </a:r>
+                      <a:endParaRPr lang="ru-RU" sz="900">
+                        <a:effectLst/>
+                        <a:latin typeface="Times New Roman" panose="02020603050405020304" pitchFamily="18" charset="0"/>
+                        <a:ea typeface="Times New Roman" panose="02020603050405020304" pitchFamily="18" charset="0"/>
+                      </a:endParaRPr>
+                    </a:p>
+                  </a:txBody>
+                  <a:tcPr marL="29458" marR="29458" marT="0" marB="0" anchor="ctr"/>
+                </a:tc>
+                <a:extLst>
+                  <a:ext uri="{0D108BD9-81ED-4DB2-BD59-A6C34878D82A}">
+                    <a16:rowId xmlns:a16="http://schemas.microsoft.com/office/drawing/2014/main" val="1655647661"/>
+                  </a:ext>
+                </a:extLst>
+              </a:tr>
+              <a:tr h="452516">
+                <a:tc>
+                  <a:txBody>
+                    <a:bodyPr/>
+                    <a:lstStyle/>
+                    <a:p>
+                      <a:pPr indent="450215" algn="ctr">
+                        <a:lnSpc>
+                          <a:spcPct val="150000"/>
+                        </a:lnSpc>
+                        <a:buNone/>
+                      </a:pPr>
+                      <a:r>
+                        <a:rPr lang="ru-RU" sz="900">
+                          <a:effectLst/>
+                        </a:rPr>
+                        <a:t>Возможность подключения</a:t>
+                      </a:r>
+                    </a:p>
+                    <a:p>
+                      <a:pPr indent="450215" algn="ctr">
+                        <a:lnSpc>
+                          <a:spcPct val="150000"/>
+                        </a:lnSpc>
+                        <a:buNone/>
+                      </a:pPr>
+                      <a:r>
+                        <a:rPr lang="ru-RU" sz="900">
+                          <a:effectLst/>
+                        </a:rPr>
+                        <a:t>дополнительной периферии</a:t>
+                      </a:r>
+                      <a:endParaRPr lang="ru-RU" sz="900">
+                        <a:effectLst/>
+                        <a:latin typeface="Times New Roman" panose="02020603050405020304" pitchFamily="18" charset="0"/>
+                        <a:ea typeface="Times New Roman" panose="02020603050405020304" pitchFamily="18" charset="0"/>
+                      </a:endParaRPr>
+                    </a:p>
+                  </a:txBody>
+                  <a:tcPr marL="29458" marR="29458" marT="0" marB="0" anchor="ctr"/>
+                </a:tc>
+                <a:tc>
+                  <a:txBody>
+                    <a:bodyPr/>
+                    <a:lstStyle/>
+                    <a:p>
+                      <a:pPr indent="450215" algn="ctr">
+                        <a:lnSpc>
+                          <a:spcPct val="150000"/>
+                        </a:lnSpc>
+                        <a:buNone/>
+                      </a:pPr>
+                      <a:r>
+                        <a:rPr lang="ru-RU" sz="900">
+                          <a:effectLst/>
+                        </a:rPr>
+                        <a:t>+</a:t>
+                      </a:r>
+                      <a:endParaRPr lang="ru-RU" sz="900">
+                        <a:effectLst/>
+                        <a:latin typeface="Times New Roman" panose="02020603050405020304" pitchFamily="18" charset="0"/>
+                        <a:ea typeface="Times New Roman" panose="02020603050405020304" pitchFamily="18" charset="0"/>
+                      </a:endParaRPr>
+                    </a:p>
+                  </a:txBody>
+                  <a:tcPr marL="29458" marR="29458" marT="0" marB="0" anchor="ctr"/>
+                </a:tc>
+                <a:tc>
+                  <a:txBody>
+                    <a:bodyPr/>
+                    <a:lstStyle/>
+                    <a:p>
+                      <a:pPr indent="450215" algn="ctr">
+                        <a:lnSpc>
+                          <a:spcPct val="150000"/>
+                        </a:lnSpc>
+                        <a:buNone/>
+                      </a:pPr>
+                      <a:r>
+                        <a:rPr lang="ru-RU" sz="900" dirty="0">
+                          <a:effectLst/>
+                        </a:rPr>
+                        <a:t>-</a:t>
+                      </a:r>
+                      <a:endParaRPr lang="ru-RU" sz="900" dirty="0">
+                        <a:effectLst/>
+                        <a:latin typeface="Times New Roman" panose="02020603050405020304" pitchFamily="18" charset="0"/>
+                        <a:ea typeface="Times New Roman" panose="02020603050405020304" pitchFamily="18" charset="0"/>
+                      </a:endParaRPr>
+                    </a:p>
+                  </a:txBody>
+                  <a:tcPr marL="29458" marR="29458" marT="0" marB="0" anchor="ctr"/>
+                </a:tc>
+                <a:tc>
+                  <a:txBody>
+                    <a:bodyPr/>
+                    <a:lstStyle/>
+                    <a:p>
+                      <a:pPr indent="450215" algn="ctr">
+                        <a:lnSpc>
+                          <a:spcPct val="150000"/>
+                        </a:lnSpc>
+                        <a:buNone/>
+                      </a:pPr>
+                      <a:r>
+                        <a:rPr lang="ru-RU" sz="900" dirty="0">
+                          <a:effectLst/>
+                        </a:rPr>
+                        <a:t>+</a:t>
+                      </a:r>
+                      <a:endParaRPr lang="ru-RU" sz="900" dirty="0">
+                        <a:effectLst/>
+                        <a:latin typeface="Times New Roman" panose="02020603050405020304" pitchFamily="18" charset="0"/>
+                        <a:ea typeface="Times New Roman" panose="02020603050405020304" pitchFamily="18" charset="0"/>
+                      </a:endParaRPr>
+                    </a:p>
+                  </a:txBody>
+                  <a:tcPr marL="29458" marR="29458" marT="0" marB="0" anchor="ctr"/>
+                </a:tc>
+                <a:tc>
+                  <a:txBody>
+                    <a:bodyPr/>
+                    <a:lstStyle/>
+                    <a:p>
+                      <a:pPr indent="450215" algn="ctr">
+                        <a:lnSpc>
+                          <a:spcPct val="150000"/>
+                        </a:lnSpc>
+                        <a:buNone/>
+                      </a:pPr>
+                      <a:r>
+                        <a:rPr lang="ru-RU" sz="900">
+                          <a:effectLst/>
+                        </a:rPr>
+                        <a:t>+</a:t>
+                      </a:r>
+                      <a:endParaRPr lang="ru-RU" sz="900">
+                        <a:effectLst/>
+                        <a:latin typeface="Times New Roman" panose="02020603050405020304" pitchFamily="18" charset="0"/>
+                        <a:ea typeface="Times New Roman" panose="02020603050405020304" pitchFamily="18" charset="0"/>
+                      </a:endParaRPr>
+                    </a:p>
+                  </a:txBody>
+                  <a:tcPr marL="29458" marR="29458" marT="0" marB="0" anchor="ctr"/>
+                </a:tc>
+                <a:extLst>
+                  <a:ext uri="{0D108BD9-81ED-4DB2-BD59-A6C34878D82A}">
+                    <a16:rowId xmlns:a16="http://schemas.microsoft.com/office/drawing/2014/main" val="2488969802"/>
+                  </a:ext>
+                </a:extLst>
+              </a:tr>
+              <a:tr h="410787">
+                <a:tc>
+                  <a:txBody>
+                    <a:bodyPr/>
+                    <a:lstStyle/>
+                    <a:p>
+                      <a:pPr indent="450215" algn="ctr">
+                        <a:lnSpc>
+                          <a:spcPct val="150000"/>
+                        </a:lnSpc>
+                        <a:buNone/>
+                      </a:pPr>
+                      <a:r>
+                        <a:rPr lang="ru-RU" sz="900" dirty="0">
+                          <a:effectLst/>
+                        </a:rPr>
+                        <a:t>Доступность образовательной документации</a:t>
+                      </a:r>
+                      <a:endParaRPr lang="ru-RU" sz="900" dirty="0">
+                        <a:effectLst/>
+                        <a:latin typeface="Times New Roman" panose="02020603050405020304" pitchFamily="18" charset="0"/>
+                        <a:ea typeface="Times New Roman" panose="02020603050405020304" pitchFamily="18" charset="0"/>
+                      </a:endParaRPr>
+                    </a:p>
+                  </a:txBody>
+                  <a:tcPr marL="29458" marR="29458" marT="0" marB="0" anchor="ctr"/>
+                </a:tc>
+                <a:tc>
+                  <a:txBody>
+                    <a:bodyPr/>
+                    <a:lstStyle/>
+                    <a:p>
+                      <a:pPr indent="450215" algn="ctr">
+                        <a:lnSpc>
+                          <a:spcPct val="150000"/>
+                        </a:lnSpc>
+                        <a:buNone/>
+                      </a:pPr>
+                      <a:r>
+                        <a:rPr lang="ru-RU" sz="900">
+                          <a:effectLst/>
+                        </a:rPr>
+                        <a:t>-</a:t>
+                      </a:r>
+                      <a:endParaRPr lang="ru-RU" sz="900">
+                        <a:effectLst/>
+                        <a:latin typeface="Times New Roman" panose="02020603050405020304" pitchFamily="18" charset="0"/>
+                        <a:ea typeface="Times New Roman" panose="02020603050405020304" pitchFamily="18" charset="0"/>
+                      </a:endParaRPr>
+                    </a:p>
+                  </a:txBody>
+                  <a:tcPr marL="29458" marR="29458" marT="0" marB="0" anchor="ctr"/>
+                </a:tc>
+                <a:tc>
+                  <a:txBody>
+                    <a:bodyPr/>
+                    <a:lstStyle/>
+                    <a:p>
+                      <a:pPr indent="450215" algn="ctr">
+                        <a:lnSpc>
+                          <a:spcPct val="150000"/>
+                        </a:lnSpc>
+                        <a:buNone/>
+                      </a:pPr>
+                      <a:r>
+                        <a:rPr lang="ru-RU" sz="900" dirty="0">
+                          <a:effectLst/>
+                        </a:rPr>
+                        <a:t>+</a:t>
+                      </a:r>
+                      <a:endParaRPr lang="ru-RU" sz="900" dirty="0">
+                        <a:effectLst/>
+                        <a:latin typeface="Times New Roman" panose="02020603050405020304" pitchFamily="18" charset="0"/>
+                        <a:ea typeface="Times New Roman" panose="02020603050405020304" pitchFamily="18" charset="0"/>
+                      </a:endParaRPr>
+                    </a:p>
+                  </a:txBody>
+                  <a:tcPr marL="29458" marR="29458" marT="0" marB="0" anchor="ctr"/>
+                </a:tc>
+                <a:tc>
+                  <a:txBody>
+                    <a:bodyPr/>
+                    <a:lstStyle/>
+                    <a:p>
+                      <a:pPr indent="450215" algn="ctr">
+                        <a:lnSpc>
+                          <a:spcPct val="150000"/>
+                        </a:lnSpc>
+                        <a:buNone/>
+                      </a:pPr>
+                      <a:r>
+                        <a:rPr lang="ru-RU" sz="900" dirty="0">
+                          <a:effectLst/>
+                        </a:rPr>
+                        <a:t>+</a:t>
+                      </a:r>
+                      <a:endParaRPr lang="ru-RU" sz="900" dirty="0">
+                        <a:effectLst/>
+                        <a:latin typeface="Times New Roman" panose="02020603050405020304" pitchFamily="18" charset="0"/>
+                        <a:ea typeface="Times New Roman" panose="02020603050405020304" pitchFamily="18" charset="0"/>
+                      </a:endParaRPr>
+                    </a:p>
+                  </a:txBody>
+                  <a:tcPr marL="29458" marR="29458" marT="0" marB="0" anchor="ctr"/>
+                </a:tc>
+                <a:tc>
+                  <a:txBody>
+                    <a:bodyPr/>
+                    <a:lstStyle/>
+                    <a:p>
+                      <a:pPr indent="450215" algn="ctr">
+                        <a:lnSpc>
+                          <a:spcPct val="150000"/>
+                        </a:lnSpc>
+                        <a:buNone/>
+                      </a:pPr>
+                      <a:r>
+                        <a:rPr lang="ru-RU" sz="900">
+                          <a:effectLst/>
+                        </a:rPr>
+                        <a:t>+</a:t>
+                      </a:r>
+                      <a:endParaRPr lang="ru-RU" sz="900">
+                        <a:effectLst/>
+                        <a:latin typeface="Times New Roman" panose="02020603050405020304" pitchFamily="18" charset="0"/>
+                        <a:ea typeface="Times New Roman" panose="02020603050405020304" pitchFamily="18" charset="0"/>
+                      </a:endParaRPr>
+                    </a:p>
+                  </a:txBody>
+                  <a:tcPr marL="29458" marR="29458" marT="0" marB="0" anchor="ctr"/>
+                </a:tc>
+                <a:extLst>
+                  <a:ext uri="{0D108BD9-81ED-4DB2-BD59-A6C34878D82A}">
+                    <a16:rowId xmlns:a16="http://schemas.microsoft.com/office/drawing/2014/main" val="553217207"/>
+                  </a:ext>
+                </a:extLst>
+              </a:tr>
+              <a:tr h="627767">
+                <a:tc>
+                  <a:txBody>
+                    <a:bodyPr/>
+                    <a:lstStyle/>
+                    <a:p>
+                      <a:pPr indent="450215" algn="ctr">
+                        <a:lnSpc>
+                          <a:spcPct val="150000"/>
+                        </a:lnSpc>
+                        <a:buNone/>
+                      </a:pPr>
+                      <a:r>
+                        <a:rPr lang="ru-RU" sz="900">
+                          <a:effectLst/>
+                        </a:rPr>
+                        <a:t>Возможность управления</a:t>
+                      </a:r>
+                      <a:endParaRPr lang="ru-RU" sz="900">
+                        <a:effectLst/>
+                        <a:latin typeface="Times New Roman" panose="02020603050405020304" pitchFamily="18" charset="0"/>
+                        <a:ea typeface="Times New Roman" panose="02020603050405020304" pitchFamily="18" charset="0"/>
+                      </a:endParaRPr>
+                    </a:p>
+                  </a:txBody>
+                  <a:tcPr marL="29458" marR="29458" marT="0" marB="0" anchor="ctr"/>
+                </a:tc>
+                <a:tc>
+                  <a:txBody>
+                    <a:bodyPr/>
+                    <a:lstStyle/>
+                    <a:p>
+                      <a:pPr indent="450215" algn="just">
+                        <a:lnSpc>
+                          <a:spcPct val="150000"/>
+                        </a:lnSpc>
+                        <a:buNone/>
+                      </a:pPr>
+                      <a:r>
+                        <a:rPr lang="en-US" sz="900" dirty="0">
+                          <a:effectLst/>
+                        </a:rPr>
+                        <a:t>KUKA </a:t>
+                      </a:r>
+                      <a:r>
+                        <a:rPr lang="en-US" sz="900" dirty="0" err="1">
+                          <a:effectLst/>
+                        </a:rPr>
+                        <a:t>Sunrise.Workbench</a:t>
+                      </a:r>
+                      <a:r>
+                        <a:rPr lang="en-US" sz="900" dirty="0">
+                          <a:effectLst/>
+                        </a:rPr>
+                        <a:t> (Java), ROS, C++, MATLAB/Simulink</a:t>
+                      </a:r>
+                      <a:endParaRPr lang="ru-RU" sz="900" dirty="0">
+                        <a:effectLst/>
+                      </a:endParaRPr>
+                    </a:p>
+                    <a:p>
+                      <a:pPr indent="450215" algn="just">
+                        <a:lnSpc>
+                          <a:spcPct val="150000"/>
+                        </a:lnSpc>
+                        <a:buNone/>
+                      </a:pPr>
+                      <a:r>
+                        <a:rPr lang="en-US" sz="900" dirty="0">
+                          <a:effectLst/>
+                        </a:rPr>
+                        <a:t> </a:t>
+                      </a:r>
+                      <a:endParaRPr lang="ru-RU" sz="900" dirty="0">
+                        <a:effectLst/>
+                        <a:latin typeface="Times New Roman" panose="02020603050405020304" pitchFamily="18" charset="0"/>
+                        <a:ea typeface="Times New Roman" panose="02020603050405020304" pitchFamily="18" charset="0"/>
+                      </a:endParaRPr>
+                    </a:p>
+                  </a:txBody>
+                  <a:tcPr marL="29458" marR="29458" marT="0" marB="0"/>
+                </a:tc>
+                <a:tc>
+                  <a:txBody>
+                    <a:bodyPr/>
+                    <a:lstStyle/>
+                    <a:p>
+                      <a:pPr indent="450215" algn="just">
+                        <a:lnSpc>
+                          <a:spcPct val="150000"/>
+                        </a:lnSpc>
+                        <a:buNone/>
+                      </a:pPr>
+                      <a:r>
+                        <a:rPr lang="ru-RU" sz="900" dirty="0">
+                          <a:effectLst/>
+                        </a:rPr>
+                        <a:t>Python, C++, </a:t>
+                      </a:r>
+                      <a:r>
+                        <a:rPr lang="en-US" sz="900" dirty="0" err="1">
+                          <a:effectLst/>
+                        </a:rPr>
+                        <a:t>myBlockly</a:t>
+                      </a:r>
+                      <a:endParaRPr lang="ru-RU" sz="900" dirty="0">
+                        <a:effectLst/>
+                        <a:latin typeface="Times New Roman" panose="02020603050405020304" pitchFamily="18" charset="0"/>
+                        <a:ea typeface="Times New Roman" panose="02020603050405020304" pitchFamily="18" charset="0"/>
+                      </a:endParaRPr>
+                    </a:p>
+                  </a:txBody>
+                  <a:tcPr marL="29458" marR="29458" marT="0" marB="0"/>
+                </a:tc>
+                <a:tc>
+                  <a:txBody>
+                    <a:bodyPr/>
+                    <a:lstStyle/>
+                    <a:p>
+                      <a:pPr indent="450215" algn="just">
+                        <a:lnSpc>
+                          <a:spcPct val="150000"/>
+                        </a:lnSpc>
+                        <a:buNone/>
+                      </a:pPr>
+                      <a:r>
+                        <a:rPr lang="en-US" sz="900" dirty="0">
+                          <a:effectLst/>
+                        </a:rPr>
+                        <a:t>Python, C++,C#, JavaScript, ROS, </a:t>
+                      </a:r>
+                      <a:r>
+                        <a:rPr lang="en-US" sz="900" dirty="0" err="1">
+                          <a:effectLst/>
+                        </a:rPr>
+                        <a:t>myBlockly</a:t>
+                      </a:r>
+                      <a:endParaRPr lang="ru-RU" sz="900" dirty="0">
+                        <a:effectLst/>
+                      </a:endParaRPr>
+                    </a:p>
+                    <a:p>
+                      <a:pPr indent="450215" algn="just">
+                        <a:lnSpc>
+                          <a:spcPct val="150000"/>
+                        </a:lnSpc>
+                        <a:buNone/>
+                      </a:pPr>
+                      <a:r>
+                        <a:rPr lang="en-US" sz="900" dirty="0">
+                          <a:effectLst/>
+                        </a:rPr>
+                        <a:t> </a:t>
+                      </a:r>
+                      <a:endParaRPr lang="ru-RU" sz="900" dirty="0">
+                        <a:effectLst/>
+                        <a:latin typeface="Times New Roman" panose="02020603050405020304" pitchFamily="18" charset="0"/>
+                        <a:ea typeface="Times New Roman" panose="02020603050405020304" pitchFamily="18" charset="0"/>
+                      </a:endParaRPr>
+                    </a:p>
+                  </a:txBody>
+                  <a:tcPr marL="29458" marR="29458" marT="0" marB="0"/>
+                </a:tc>
+                <a:tc>
+                  <a:txBody>
+                    <a:bodyPr/>
+                    <a:lstStyle/>
+                    <a:p>
+                      <a:pPr indent="450215" algn="just">
+                        <a:lnSpc>
+                          <a:spcPct val="150000"/>
+                        </a:lnSpc>
+                        <a:buNone/>
+                      </a:pPr>
+                      <a:r>
+                        <a:rPr lang="en-US" sz="900" dirty="0" err="1">
+                          <a:effectLst/>
+                        </a:rPr>
+                        <a:t>Dobot</a:t>
+                      </a:r>
+                      <a:r>
+                        <a:rPr lang="en-US" sz="900" dirty="0">
+                          <a:effectLst/>
+                        </a:rPr>
+                        <a:t> Studio, Python, C++, C#, Processing</a:t>
+                      </a:r>
+                    </a:p>
+                    <a:p>
+                      <a:pPr indent="450215" algn="just">
+                        <a:lnSpc>
+                          <a:spcPct val="150000"/>
+                        </a:lnSpc>
+                        <a:buNone/>
+                      </a:pPr>
+                      <a:r>
+                        <a:rPr lang="en-US" sz="900" dirty="0">
+                          <a:effectLst/>
+                        </a:rPr>
+                        <a:t> </a:t>
+                      </a:r>
+                      <a:endParaRPr lang="ru-RU" sz="900" dirty="0">
+                        <a:effectLst/>
+                        <a:latin typeface="Times New Roman" panose="02020603050405020304" pitchFamily="18" charset="0"/>
+                        <a:ea typeface="Times New Roman" panose="02020603050405020304" pitchFamily="18" charset="0"/>
+                      </a:endParaRPr>
+                    </a:p>
+                  </a:txBody>
+                  <a:tcPr marL="29458" marR="29458" marT="0" marB="0"/>
+                </a:tc>
+                <a:extLst>
+                  <a:ext uri="{0D108BD9-81ED-4DB2-BD59-A6C34878D82A}">
+                    <a16:rowId xmlns:a16="http://schemas.microsoft.com/office/drawing/2014/main" val="3395625632"/>
+                  </a:ext>
+                </a:extLst>
+              </a:tr>
+              <a:tr h="193808">
+                <a:tc>
+                  <a:txBody>
+                    <a:bodyPr/>
+                    <a:lstStyle/>
+                    <a:p>
+                      <a:pPr indent="450215" algn="ctr">
+                        <a:lnSpc>
+                          <a:spcPct val="150000"/>
+                        </a:lnSpc>
+                        <a:buNone/>
+                      </a:pPr>
+                      <a:r>
+                        <a:rPr lang="ru-RU" sz="900" dirty="0">
+                          <a:effectLst/>
+                        </a:rPr>
+                        <a:t>Стоимость</a:t>
+                      </a:r>
+                      <a:endParaRPr lang="ru-RU" sz="900" dirty="0">
+                        <a:effectLst/>
+                        <a:latin typeface="Times New Roman" panose="02020603050405020304" pitchFamily="18" charset="0"/>
+                        <a:ea typeface="Times New Roman" panose="02020603050405020304" pitchFamily="18" charset="0"/>
+                      </a:endParaRPr>
+                    </a:p>
+                  </a:txBody>
+                  <a:tcPr marL="29458" marR="29458" marT="0" marB="0" anchor="ctr"/>
+                </a:tc>
+                <a:tc>
+                  <a:txBody>
+                    <a:bodyPr/>
+                    <a:lstStyle/>
+                    <a:p>
+                      <a:pPr indent="450215" algn="just">
+                        <a:lnSpc>
+                          <a:spcPct val="150000"/>
+                        </a:lnSpc>
+                        <a:buNone/>
+                      </a:pPr>
+                      <a:r>
+                        <a:rPr lang="ru-RU" sz="900" dirty="0">
+                          <a:effectLst/>
+                        </a:rPr>
+                        <a:t>Высокая</a:t>
+                      </a:r>
+                      <a:endParaRPr lang="ru-RU" sz="900" dirty="0">
+                        <a:effectLst/>
+                        <a:latin typeface="Times New Roman" panose="02020603050405020304" pitchFamily="18" charset="0"/>
+                        <a:ea typeface="Times New Roman" panose="02020603050405020304" pitchFamily="18" charset="0"/>
+                      </a:endParaRPr>
+                    </a:p>
+                  </a:txBody>
+                  <a:tcPr marL="29458" marR="29458" marT="0" marB="0" anchor="ctr"/>
+                </a:tc>
+                <a:tc>
+                  <a:txBody>
+                    <a:bodyPr/>
+                    <a:lstStyle/>
+                    <a:p>
+                      <a:pPr indent="450215" algn="ctr">
+                        <a:lnSpc>
+                          <a:spcPct val="150000"/>
+                        </a:lnSpc>
+                        <a:buNone/>
+                      </a:pPr>
+                      <a:r>
+                        <a:rPr lang="ru-RU" sz="900">
+                          <a:effectLst/>
+                        </a:rPr>
+                        <a:t>Средняя</a:t>
+                      </a:r>
+                      <a:endParaRPr lang="ru-RU" sz="900">
+                        <a:effectLst/>
+                        <a:latin typeface="Times New Roman" panose="02020603050405020304" pitchFamily="18" charset="0"/>
+                        <a:ea typeface="Times New Roman" panose="02020603050405020304" pitchFamily="18" charset="0"/>
+                      </a:endParaRPr>
+                    </a:p>
+                  </a:txBody>
+                  <a:tcPr marL="29458" marR="29458" marT="0" marB="0" anchor="ctr"/>
+                </a:tc>
+                <a:tc>
+                  <a:txBody>
+                    <a:bodyPr/>
+                    <a:lstStyle/>
+                    <a:p>
+                      <a:pPr indent="450215" algn="ctr">
+                        <a:lnSpc>
+                          <a:spcPct val="150000"/>
+                        </a:lnSpc>
+                        <a:buNone/>
+                      </a:pPr>
+                      <a:r>
+                        <a:rPr lang="ru-RU" sz="900" dirty="0">
+                          <a:effectLst/>
+                        </a:rPr>
+                        <a:t>Низкая</a:t>
+                      </a:r>
+                      <a:endParaRPr lang="ru-RU" sz="900" dirty="0">
+                        <a:effectLst/>
+                        <a:latin typeface="Times New Roman" panose="02020603050405020304" pitchFamily="18" charset="0"/>
+                        <a:ea typeface="Times New Roman" panose="02020603050405020304" pitchFamily="18" charset="0"/>
+                      </a:endParaRPr>
+                    </a:p>
+                  </a:txBody>
+                  <a:tcPr marL="29458" marR="29458" marT="0" marB="0" anchor="ctr"/>
+                </a:tc>
+                <a:tc>
+                  <a:txBody>
+                    <a:bodyPr/>
+                    <a:lstStyle/>
+                    <a:p>
+                      <a:pPr indent="450215" algn="ctr">
+                        <a:lnSpc>
+                          <a:spcPct val="150000"/>
+                        </a:lnSpc>
+                        <a:buNone/>
+                      </a:pPr>
+                      <a:r>
+                        <a:rPr lang="ru-RU" sz="900" dirty="0">
+                          <a:effectLst/>
+                        </a:rPr>
+                        <a:t>Средняя</a:t>
+                      </a:r>
+                      <a:endParaRPr lang="ru-RU" sz="900" dirty="0">
+                        <a:effectLst/>
+                        <a:latin typeface="Times New Roman" panose="02020603050405020304" pitchFamily="18" charset="0"/>
+                        <a:ea typeface="Times New Roman" panose="02020603050405020304" pitchFamily="18" charset="0"/>
+                      </a:endParaRPr>
+                    </a:p>
+                  </a:txBody>
+                  <a:tcPr marL="29458" marR="29458" marT="0" marB="0" anchor="ctr"/>
+                </a:tc>
+                <a:extLst>
+                  <a:ext uri="{0D108BD9-81ED-4DB2-BD59-A6C34878D82A}">
+                    <a16:rowId xmlns:a16="http://schemas.microsoft.com/office/drawing/2014/main" val="1565929312"/>
+                  </a:ext>
+                </a:extLst>
+              </a:tr>
+            </a:tbl>
+          </a:graphicData>
+        </a:graphic>
+      </p:graphicFrame>
+      <p:pic>
+        <p:nvPicPr>
+          <p:cNvPr id="12" name="Picture 2" descr="DOBOT Magician - роботизированный манипулятор (образовательная версия)">
+            <a:extLst>
+              <a:ext uri="{FF2B5EF4-FFF2-40B4-BE49-F238E27FC236}">
+                <a16:creationId xmlns:a16="http://schemas.microsoft.com/office/drawing/2014/main" id="{D325B447-9AB4-7449-0AB3-4B209AF1B3B9}"/>
+              </a:ext>
+            </a:extLst>
+          </p:cNvPr>
+          <p:cNvPicPr>
+            <a:picLocks noChangeAspect="1" noChangeArrowheads="1"/>
+          </p:cNvPicPr>
+          <p:nvPr/>
+        </p:nvPicPr>
+        <p:blipFill>
+          <a:blip r:embed="rId2">
+            <a:extLst>
+              <a:ext uri="{28A0092B-C50C-407E-A947-70E740481C1C}">
+                <a14:useLocalDpi xmlns:a14="http://schemas.microsoft.com/office/drawing/2010/main" val="0"/>
+              </a:ext>
+            </a:extLst>
+          </a:blip>
+          <a:srcRect/>
+          <a:stretch>
+            <a:fillRect/>
+          </a:stretch>
+        </p:blipFill>
+        <p:spPr bwMode="auto">
+          <a:xfrm>
+            <a:off x="7403596" y="1591264"/>
+            <a:ext cx="1448463" cy="1448463"/>
+          </a:xfrm>
+          <a:prstGeom prst="rect">
+            <a:avLst/>
+          </a:prstGeom>
+          <a:noFill/>
+          <a:extLst>
+            <a:ext uri="{909E8E84-426E-40DD-AFC4-6F175D3DCCD1}">
+              <a14:hiddenFill xmlns:a14="http://schemas.microsoft.com/office/drawing/2010/main">
+                <a:solidFill>
+                  <a:srgbClr val="FFFFFF"/>
+                </a:solidFill>
+              </a14:hiddenFill>
+            </a:ext>
+          </a:extLst>
+        </p:spPr>
+      </p:pic>
+      <p:pic>
+        <p:nvPicPr>
+          <p:cNvPr id="16" name="Рисунок 15" descr="Изображение выглядит как машина, автокомпонент, игрушка, колесо&#10;&#10;Контент, сгенерированный ИИ, может содержать ошибки.">
+            <a:extLst>
+              <a:ext uri="{FF2B5EF4-FFF2-40B4-BE49-F238E27FC236}">
+                <a16:creationId xmlns:a16="http://schemas.microsoft.com/office/drawing/2014/main" id="{C1277F8D-A7A2-D500-9C78-08B28117599B}"/>
+              </a:ext>
+            </a:extLst>
+          </p:cNvPr>
+          <p:cNvPicPr>
+            <a:picLocks noChangeAspect="1"/>
+          </p:cNvPicPr>
+          <p:nvPr/>
+        </p:nvPicPr>
+        <p:blipFill>
+          <a:blip r:embed="rId3"/>
+          <a:stretch>
+            <a:fillRect/>
+          </a:stretch>
+        </p:blipFill>
+        <p:spPr>
+          <a:xfrm>
+            <a:off x="4731764" y="1586233"/>
+            <a:ext cx="2050831" cy="1396043"/>
+          </a:xfrm>
+          <a:prstGeom prst="rect">
+            <a:avLst/>
+          </a:prstGeom>
+        </p:spPr>
+      </p:pic>
+      <p:pic>
+        <p:nvPicPr>
+          <p:cNvPr id="18" name="Picture 12" descr="3D модель Кука Юбот - TurboSquid 1158728">
+            <a:extLst>
+              <a:ext uri="{FF2B5EF4-FFF2-40B4-BE49-F238E27FC236}">
+                <a16:creationId xmlns:a16="http://schemas.microsoft.com/office/drawing/2014/main" id="{8091FBB7-648D-F504-9570-09AF02957DAD}"/>
+              </a:ext>
+            </a:extLst>
+          </p:cNvPr>
+          <p:cNvPicPr>
+            <a:picLocks noChangeAspect="1" noChangeArrowheads="1"/>
+          </p:cNvPicPr>
+          <p:nvPr/>
+        </p:nvPicPr>
+        <p:blipFill>
+          <a:blip r:embed="rId4">
+            <a:extLst>
+              <a:ext uri="{28A0092B-C50C-407E-A947-70E740481C1C}">
+                <a14:useLocalDpi xmlns:a14="http://schemas.microsoft.com/office/drawing/2010/main" val="0"/>
+              </a:ext>
+            </a:extLst>
+          </a:blip>
+          <a:srcRect/>
+          <a:stretch>
+            <a:fillRect/>
+          </a:stretch>
+        </p:blipFill>
+        <p:spPr bwMode="auto">
+          <a:xfrm>
+            <a:off x="601317" y="1586233"/>
+            <a:ext cx="1539240" cy="1539240"/>
+          </a:xfrm>
+          <a:prstGeom prst="rect">
+            <a:avLst/>
+          </a:prstGeom>
+          <a:noFill/>
+          <a:extLst>
+            <a:ext uri="{909E8E84-426E-40DD-AFC4-6F175D3DCCD1}">
+              <a14:hiddenFill xmlns:a14="http://schemas.microsoft.com/office/drawing/2010/main">
+                <a:solidFill>
+                  <a:srgbClr val="FFFFFF"/>
+                </a:solidFill>
+              </a14:hiddenFill>
+            </a:ext>
+          </a:extLst>
+        </p:spPr>
+      </p:pic>
+      <p:pic>
+        <p:nvPicPr>
+          <p:cNvPr id="20" name="Рисунок 19" descr="Picture background">
+            <a:extLst>
+              <a:ext uri="{FF2B5EF4-FFF2-40B4-BE49-F238E27FC236}">
+                <a16:creationId xmlns:a16="http://schemas.microsoft.com/office/drawing/2014/main" id="{576F4673-9DE6-1E10-196F-9412C31DBED8}"/>
+              </a:ext>
+            </a:extLst>
+          </p:cNvPr>
+          <p:cNvPicPr>
+            <a:picLocks noChangeAspect="1"/>
+          </p:cNvPicPr>
+          <p:nvPr/>
+        </p:nvPicPr>
+        <p:blipFill>
+          <a:blip r:embed="rId5">
+            <a:extLst>
+              <a:ext uri="{28A0092B-C50C-407E-A947-70E740481C1C}">
+                <a14:useLocalDpi xmlns:a14="http://schemas.microsoft.com/office/drawing/2010/main" val="0"/>
+              </a:ext>
+            </a:extLst>
+          </a:blip>
+          <a:srcRect/>
+          <a:stretch>
+            <a:fillRect/>
+          </a:stretch>
+        </p:blipFill>
+        <p:spPr bwMode="auto">
+          <a:xfrm>
+            <a:off x="2609174" y="1590453"/>
+            <a:ext cx="1538312" cy="1538312"/>
+          </a:xfrm>
+          <a:prstGeom prst="rect">
+            <a:avLst/>
+          </a:prstGeom>
+          <a:noFill/>
+          <a:ln>
+            <a:noFill/>
+          </a:ln>
+        </p:spPr>
+      </p:pic>
     </p:spTree>
   </p:cSld>
   <p:clrMapOvr>
@@ -12143,7 +14506,7 @@
             <p:ph idx="1"/>
             <p:extLst>
               <p:ext uri="{D42A27DB-BD31-4B8C-83A1-F6EECF244321}">
-                <p14:modId xmlns:p14="http://schemas.microsoft.com/office/powerpoint/2010/main" val="2301796672"/>
+                <p14:modId xmlns:p14="http://schemas.microsoft.com/office/powerpoint/2010/main" val="3488564726"/>
               </p:ext>
             </p:extLst>
           </p:nvPr>
@@ -12204,6 +14567,1142 @@
 </file>
 
 <file path=ppt/slides/slide6.xml><?xml version="1.0" encoding="utf-8"?>
+<p:sld xmlns:a="http://schemas.openxmlformats.org/drawingml/2006/main" xmlns:r="http://schemas.openxmlformats.org/officeDocument/2006/relationships" xmlns:p="http://schemas.openxmlformats.org/presentationml/2006/main">
+  <p:cSld>
+    <p:bg>
+      <p:bgPr>
+        <a:solidFill>
+          <a:schemeClr val="bg1"/>
+        </a:solidFill>
+        <a:effectLst/>
+      </p:bgPr>
+    </p:bg>
+    <p:spTree>
+      <p:nvGrpSpPr>
+        <p:cNvPr id="1" name=""/>
+        <p:cNvGrpSpPr/>
+        <p:nvPr/>
+      </p:nvGrpSpPr>
+      <p:grpSpPr>
+        <a:xfrm>
+          <a:off x="0" y="0"/>
+          <a:ext cx="0" cy="0"/>
+          <a:chOff x="0" y="0"/>
+          <a:chExt cx="0" cy="0"/>
+        </a:xfrm>
+      </p:grpSpPr>
+      <p:sp useBgFill="1">
+        <p:nvSpPr>
+          <p:cNvPr id="37" name="Rectangle 36">
+            <a:extLst>
+              <a:ext uri="{FF2B5EF4-FFF2-40B4-BE49-F238E27FC236}">
+                <a16:creationId xmlns:a16="http://schemas.microsoft.com/office/drawing/2014/main" id="{9CB95732-565A-4D2C-A3AB-CC460C0D3826}"/>
+              </a:ext>
+              <a:ext uri="{C183D7F6-B498-43B3-948B-1728B52AA6E4}">
+                <adec:decorative xmlns:adec="http://schemas.microsoft.com/office/drawing/2017/decorative" val="1"/>
+              </a:ext>
+            </a:extLst>
+          </p:cNvPr>
+          <p:cNvSpPr>
+            <a:spLocks noGrp="1" noRot="1" noChangeAspect="1" noMove="1" noResize="1" noEditPoints="1" noAdjustHandles="1" noChangeArrowheads="1" noChangeShapeType="1" noTextEdit="1"/>
+          </p:cNvSpPr>
+          <p:nvPr>
+            <p:extLst>
+              <p:ext uri="{386F3935-93C4-4BCD-93E2-E3B085C9AB24}">
+                <p16:designElem xmlns:p16="http://schemas.microsoft.com/office/powerpoint/2015/main" val="1"/>
+              </p:ext>
+            </p:extLst>
+          </p:nvPr>
+        </p:nvSpPr>
+        <p:spPr>
+          <a:xfrm>
+            <a:off x="0" y="0"/>
+            <a:ext cx="9144000" cy="6858000"/>
+          </a:xfrm>
+          <a:prstGeom prst="rect">
+            <a:avLst/>
+          </a:prstGeom>
+          <a:ln w="12700" cap="flat" cmpd="sng" algn="ctr">
+            <a:noFill/>
+            <a:prstDash val="solid"/>
+            <a:miter lim="800000"/>
+          </a:ln>
+          <a:effectLst/>
+          <a:extLst>
+            <a:ext uri="{91240B29-F687-4F45-9708-019B960494DF}">
+              <a14:hiddenLine xmlns:a14="http://schemas.microsoft.com/office/drawing/2010/main" w="12700" cap="flat" cmpd="sng" algn="ctr">
+                <a:solidFill>
+                  <a:schemeClr val="accent1">
+                    <a:shade val="50000"/>
+                  </a:schemeClr>
+                </a:solidFill>
+                <a:prstDash val="solid"/>
+                <a:miter lim="800000"/>
+              </a14:hiddenLine>
+            </a:ext>
+          </a:extLst>
+        </p:spPr>
+        <p:style>
+          <a:lnRef idx="2">
+            <a:schemeClr val="accent1">
+              <a:shade val="50000"/>
+            </a:schemeClr>
+          </a:lnRef>
+          <a:fillRef idx="1">
+            <a:schemeClr val="accent1"/>
+          </a:fillRef>
+          <a:effectRef idx="0">
+            <a:schemeClr val="accent1"/>
+          </a:effectRef>
+          <a:fontRef idx="minor">
+            <a:schemeClr val="lt1"/>
+          </a:fontRef>
+        </p:style>
+        <p:txBody>
+          <a:bodyPr rtlCol="0" anchor="ctr"/>
+          <a:lstStyle/>
+          <a:p>
+            <a:pPr algn="ctr"/>
+            <a:endParaRPr lang="en-US"/>
+          </a:p>
+        </p:txBody>
+      </p:sp>
+      <p:sp>
+        <p:nvSpPr>
+          <p:cNvPr id="39" name="Rectangle 38">
+            <a:extLst>
+              <a:ext uri="{FF2B5EF4-FFF2-40B4-BE49-F238E27FC236}">
+                <a16:creationId xmlns:a16="http://schemas.microsoft.com/office/drawing/2014/main" id="{E19B653C-798C-4333-8452-3DF3AE3C1D11}"/>
+              </a:ext>
+              <a:ext uri="{C183D7F6-B498-43B3-948B-1728B52AA6E4}">
+                <adec:decorative xmlns:adec="http://schemas.microsoft.com/office/drawing/2017/decorative" val="1"/>
+              </a:ext>
+            </a:extLst>
+          </p:cNvPr>
+          <p:cNvSpPr>
+            <a:spLocks noGrp="1" noRot="1" noChangeAspect="1" noMove="1" noResize="1" noEditPoints="1" noAdjustHandles="1" noChangeArrowheads="1" noChangeShapeType="1" noTextEdit="1"/>
+          </p:cNvSpPr>
+          <p:nvPr>
+            <p:extLst>
+              <p:ext uri="{386F3935-93C4-4BCD-93E2-E3B085C9AB24}">
+                <p16:designElem xmlns:p16="http://schemas.microsoft.com/office/powerpoint/2015/main" val="1"/>
+              </p:ext>
+            </p:extLst>
+          </p:nvPr>
+        </p:nvSpPr>
+        <p:spPr>
+          <a:xfrm rot="10800000" flipH="1">
+            <a:off x="1" y="0"/>
+            <a:ext cx="9143999" cy="1575955"/>
+          </a:xfrm>
+          <a:prstGeom prst="rect">
+            <a:avLst/>
+          </a:prstGeom>
+          <a:gradFill>
+            <a:gsLst>
+              <a:gs pos="0">
+                <a:srgbClr val="000000">
+                  <a:alpha val="96000"/>
+                </a:srgbClr>
+              </a:gs>
+              <a:gs pos="100000">
+                <a:schemeClr val="accent1">
+                  <a:lumMod val="75000"/>
+                </a:schemeClr>
+              </a:gs>
+            </a:gsLst>
+            <a:lin ang="6000000" scaled="0"/>
+          </a:gradFill>
+          <a:ln>
+            <a:noFill/>
+          </a:ln>
+        </p:spPr>
+        <p:style>
+          <a:lnRef idx="2">
+            <a:schemeClr val="accent1">
+              <a:shade val="50000"/>
+            </a:schemeClr>
+          </a:lnRef>
+          <a:fillRef idx="1">
+            <a:schemeClr val="accent1"/>
+          </a:fillRef>
+          <a:effectRef idx="0">
+            <a:schemeClr val="accent1"/>
+          </a:effectRef>
+          <a:fontRef idx="minor">
+            <a:schemeClr val="lt1"/>
+          </a:fontRef>
+        </p:style>
+        <p:txBody>
+          <a:bodyPr rtlCol="0" anchor="ctr"/>
+          <a:lstStyle/>
+          <a:p>
+            <a:pPr algn="ctr"/>
+            <a:endParaRPr lang="en-US"/>
+          </a:p>
+        </p:txBody>
+      </p:sp>
+      <p:sp>
+        <p:nvSpPr>
+          <p:cNvPr id="41" name="Rectangle 40">
+            <a:extLst>
+              <a:ext uri="{FF2B5EF4-FFF2-40B4-BE49-F238E27FC236}">
+                <a16:creationId xmlns:a16="http://schemas.microsoft.com/office/drawing/2014/main" id="{0FE50278-E2EC-42B2-A1F1-921DD39901C4}"/>
+              </a:ext>
+              <a:ext uri="{C183D7F6-B498-43B3-948B-1728B52AA6E4}">
+                <adec:decorative xmlns:adec="http://schemas.microsoft.com/office/drawing/2017/decorative" val="1"/>
+              </a:ext>
+            </a:extLst>
+          </p:cNvPr>
+          <p:cNvSpPr>
+            <a:spLocks noGrp="1" noRot="1" noChangeAspect="1" noMove="1" noResize="1" noEditPoints="1" noAdjustHandles="1" noChangeArrowheads="1" noChangeShapeType="1" noTextEdit="1"/>
+          </p:cNvSpPr>
+          <p:nvPr>
+            <p:extLst>
+              <p:ext uri="{386F3935-93C4-4BCD-93E2-E3B085C9AB24}">
+                <p16:designElem xmlns:p16="http://schemas.microsoft.com/office/powerpoint/2015/main" val="1"/>
+              </p:ext>
+            </p:extLst>
+          </p:nvPr>
+        </p:nvSpPr>
+        <p:spPr>
+          <a:xfrm rot="16200000">
+            <a:off x="3781994" y="-3786547"/>
+            <a:ext cx="1580014" cy="9144002"/>
+          </a:xfrm>
+          <a:prstGeom prst="rect">
+            <a:avLst/>
+          </a:prstGeom>
+          <a:gradFill>
+            <a:gsLst>
+              <a:gs pos="19000">
+                <a:schemeClr val="accent1">
+                  <a:alpha val="0"/>
+                </a:schemeClr>
+              </a:gs>
+              <a:gs pos="99000">
+                <a:srgbClr val="000000">
+                  <a:alpha val="74000"/>
+                </a:srgbClr>
+              </a:gs>
+            </a:gsLst>
+            <a:lin ang="11400000" scaled="0"/>
+          </a:gradFill>
+          <a:ln>
+            <a:noFill/>
+          </a:ln>
+        </p:spPr>
+        <p:style>
+          <a:lnRef idx="2">
+            <a:schemeClr val="accent1">
+              <a:shade val="50000"/>
+            </a:schemeClr>
+          </a:lnRef>
+          <a:fillRef idx="1">
+            <a:schemeClr val="accent1"/>
+          </a:fillRef>
+          <a:effectRef idx="0">
+            <a:schemeClr val="accent1"/>
+          </a:effectRef>
+          <a:fontRef idx="minor">
+            <a:schemeClr val="lt1"/>
+          </a:fontRef>
+        </p:style>
+        <p:txBody>
+          <a:bodyPr rtlCol="0" anchor="ctr"/>
+          <a:lstStyle/>
+          <a:p>
+            <a:pPr algn="ctr"/>
+            <a:endParaRPr lang="en-US" dirty="0"/>
+          </a:p>
+        </p:txBody>
+      </p:sp>
+      <p:sp>
+        <p:nvSpPr>
+          <p:cNvPr id="43" name="Rectangle 42">
+            <a:extLst>
+              <a:ext uri="{FF2B5EF4-FFF2-40B4-BE49-F238E27FC236}">
+                <a16:creationId xmlns:a16="http://schemas.microsoft.com/office/drawing/2014/main" id="{1236153F-0DB4-40DD-87C6-B40C1B7E282C}"/>
+              </a:ext>
+              <a:ext uri="{C183D7F6-B498-43B3-948B-1728B52AA6E4}">
+                <adec:decorative xmlns:adec="http://schemas.microsoft.com/office/drawing/2017/decorative" val="1"/>
+              </a:ext>
+            </a:extLst>
+          </p:cNvPr>
+          <p:cNvSpPr>
+            <a:spLocks noGrp="1" noRot="1" noChangeAspect="1" noMove="1" noResize="1" noEditPoints="1" noAdjustHandles="1" noChangeArrowheads="1" noChangeShapeType="1" noTextEdit="1"/>
+          </p:cNvSpPr>
+          <p:nvPr>
+            <p:extLst>
+              <p:ext uri="{386F3935-93C4-4BCD-93E2-E3B085C9AB24}">
+                <p16:designElem xmlns:p16="http://schemas.microsoft.com/office/powerpoint/2015/main" val="1"/>
+              </p:ext>
+            </p:extLst>
+          </p:nvPr>
+        </p:nvSpPr>
+        <p:spPr>
+          <a:xfrm>
+            <a:off x="2869075" y="0"/>
+            <a:ext cx="3227567" cy="1575461"/>
+          </a:xfrm>
+          <a:prstGeom prst="rect">
+            <a:avLst/>
+          </a:prstGeom>
+          <a:gradFill>
+            <a:gsLst>
+              <a:gs pos="0">
+                <a:schemeClr val="accent1">
+                  <a:alpha val="72000"/>
+                </a:schemeClr>
+              </a:gs>
+              <a:gs pos="74000">
+                <a:schemeClr val="accent1">
+                  <a:lumMod val="50000"/>
+                  <a:alpha val="0"/>
+                </a:schemeClr>
+              </a:gs>
+            </a:gsLst>
+            <a:lin ang="14400000" scaled="0"/>
+          </a:gradFill>
+          <a:ln>
+            <a:noFill/>
+          </a:ln>
+        </p:spPr>
+        <p:style>
+          <a:lnRef idx="2">
+            <a:schemeClr val="accent1">
+              <a:shade val="50000"/>
+            </a:schemeClr>
+          </a:lnRef>
+          <a:fillRef idx="1">
+            <a:schemeClr val="accent1"/>
+          </a:fillRef>
+          <a:effectRef idx="0">
+            <a:schemeClr val="accent1"/>
+          </a:effectRef>
+          <a:fontRef idx="minor">
+            <a:schemeClr val="lt1"/>
+          </a:fontRef>
+        </p:style>
+        <p:txBody>
+          <a:bodyPr rtlCol="0" anchor="ctr"/>
+          <a:lstStyle/>
+          <a:p>
+            <a:pPr algn="ctr"/>
+            <a:endParaRPr lang="en-US"/>
+          </a:p>
+        </p:txBody>
+      </p:sp>
+      <p:sp>
+        <p:nvSpPr>
+          <p:cNvPr id="2" name="Заголовок 1">
+            <a:extLst>
+              <a:ext uri="{FF2B5EF4-FFF2-40B4-BE49-F238E27FC236}">
+                <a16:creationId xmlns:a16="http://schemas.microsoft.com/office/drawing/2014/main" id="{16433F03-0A03-0B8A-CFC6-03EF4B92B5A5}"/>
+              </a:ext>
+            </a:extLst>
+          </p:cNvPr>
+          <p:cNvSpPr>
+            <a:spLocks noGrp="1"/>
+          </p:cNvSpPr>
+          <p:nvPr>
+            <p:ph type="title"/>
+          </p:nvPr>
+        </p:nvSpPr>
+        <p:spPr>
+          <a:xfrm>
+            <a:off x="1818968" y="78657"/>
+            <a:ext cx="5840361" cy="1406013"/>
+          </a:xfrm>
+        </p:spPr>
+        <p:txBody>
+          <a:bodyPr vert="horz" lIns="91440" tIns="45720" rIns="91440" bIns="45720" rtlCol="0" anchor="ctr">
+            <a:noAutofit/>
+          </a:bodyPr>
+          <a:lstStyle/>
+          <a:p>
+            <a:pPr defTabSz="914400">
+              <a:lnSpc>
+                <a:spcPct val="90000"/>
+              </a:lnSpc>
+            </a:pPr>
+            <a:r>
+              <a:rPr lang="en-US" sz="3200" b="1" dirty="0" err="1">
+                <a:solidFill>
+                  <a:srgbClr val="FFFFFF"/>
+                </a:solidFill>
+                <a:effectLst/>
+              </a:rPr>
+              <a:t>Демонстрационная</a:t>
+            </a:r>
+            <a:r>
+              <a:rPr lang="en-US" sz="3200" b="1" dirty="0">
+                <a:solidFill>
+                  <a:srgbClr val="FFFFFF"/>
+                </a:solidFill>
+                <a:effectLst/>
+              </a:rPr>
+              <a:t> </a:t>
+            </a:r>
+            <a:r>
+              <a:rPr lang="en-US" sz="3200" b="1" dirty="0" err="1">
+                <a:solidFill>
+                  <a:srgbClr val="FFFFFF"/>
+                </a:solidFill>
+                <a:effectLst/>
+              </a:rPr>
+              <a:t>задача</a:t>
+            </a:r>
+            <a:r>
+              <a:rPr lang="en-US" sz="3200" b="1" dirty="0">
+                <a:solidFill>
+                  <a:srgbClr val="FFFFFF"/>
+                </a:solidFill>
+                <a:effectLst/>
+              </a:rPr>
+              <a:t> и </a:t>
+            </a:r>
+            <a:r>
+              <a:rPr lang="ru-RU" sz="3200" b="1" dirty="0">
+                <a:solidFill>
+                  <a:srgbClr val="FFFFFF"/>
+                </a:solidFill>
+              </a:rPr>
+              <a:t>методика</a:t>
+            </a:r>
+            <a:r>
+              <a:rPr lang="en-US" sz="3200" b="1" dirty="0">
+                <a:solidFill>
+                  <a:srgbClr val="FFFFFF"/>
+                </a:solidFill>
+                <a:effectLst/>
+              </a:rPr>
+              <a:t> </a:t>
+            </a:r>
+            <a:r>
+              <a:rPr lang="en-US" sz="3200" b="1" dirty="0" err="1">
+                <a:solidFill>
+                  <a:srgbClr val="FFFFFF"/>
+                </a:solidFill>
+                <a:effectLst/>
+              </a:rPr>
+              <a:t>обучени</a:t>
+            </a:r>
+            <a:r>
+              <a:rPr lang="ru-RU" sz="3200" b="1" dirty="0">
+                <a:solidFill>
+                  <a:srgbClr val="FFFFFF"/>
+                </a:solidFill>
+                <a:effectLst/>
+              </a:rPr>
+              <a:t>я</a:t>
+            </a:r>
+            <a:endParaRPr lang="en-US" sz="3200" b="1" dirty="0">
+              <a:solidFill>
+                <a:srgbClr val="FFFFFF"/>
+              </a:solidFill>
+            </a:endParaRPr>
+          </a:p>
+        </p:txBody>
+      </p:sp>
+      <p:pic>
+        <p:nvPicPr>
+          <p:cNvPr id="4" name="Рисунок 3">
+            <a:extLst>
+              <a:ext uri="{FF2B5EF4-FFF2-40B4-BE49-F238E27FC236}">
+                <a16:creationId xmlns:a16="http://schemas.microsoft.com/office/drawing/2014/main" id="{C0912B44-AFBF-432C-49D4-4F42CFC04F07}"/>
+              </a:ext>
+            </a:extLst>
+          </p:cNvPr>
+          <p:cNvPicPr>
+            <a:picLocks noChangeAspect="1"/>
+          </p:cNvPicPr>
+          <p:nvPr/>
+        </p:nvPicPr>
+        <p:blipFill>
+          <a:blip r:embed="rId2"/>
+          <a:stretch>
+            <a:fillRect/>
+          </a:stretch>
+        </p:blipFill>
+        <p:spPr>
+          <a:xfrm>
+            <a:off x="186813" y="5404573"/>
+            <a:ext cx="6745279" cy="1382782"/>
+          </a:xfrm>
+          <a:prstGeom prst="rect">
+            <a:avLst/>
+          </a:prstGeom>
+        </p:spPr>
+      </p:pic>
+      <p:sp>
+        <p:nvSpPr>
+          <p:cNvPr id="6" name="Номер слайда 5">
+            <a:extLst>
+              <a:ext uri="{FF2B5EF4-FFF2-40B4-BE49-F238E27FC236}">
+                <a16:creationId xmlns:a16="http://schemas.microsoft.com/office/drawing/2014/main" id="{0B054A4C-1E87-4D51-6471-7287192C2343}"/>
+              </a:ext>
+            </a:extLst>
+          </p:cNvPr>
+          <p:cNvSpPr>
+            <a:spLocks noGrp="1"/>
+          </p:cNvSpPr>
+          <p:nvPr>
+            <p:ph type="sldNum" sz="quarter" idx="12"/>
+          </p:nvPr>
+        </p:nvSpPr>
+        <p:spPr/>
+        <p:txBody>
+          <a:bodyPr/>
+          <a:lstStyle/>
+          <a:p>
+            <a:fld id="{C1FF6DA9-008F-8B48-92A6-B652298478BF}" type="slidenum">
+              <a:rPr lang="en-US" sz="1400" b="1" smtClean="0">
+                <a:solidFill>
+                  <a:schemeClr val="tx1"/>
+                </a:solidFill>
+              </a:rPr>
+              <a:t>6</a:t>
+            </a:fld>
+            <a:endParaRPr lang="en-US" sz="1400" b="1" dirty="0">
+              <a:solidFill>
+                <a:schemeClr val="tx1"/>
+              </a:solidFill>
+            </a:endParaRPr>
+          </a:p>
+        </p:txBody>
+      </p:sp>
+      <p:sp>
+        <p:nvSpPr>
+          <p:cNvPr id="5" name="TextBox 4">
+            <a:extLst>
+              <a:ext uri="{FF2B5EF4-FFF2-40B4-BE49-F238E27FC236}">
+                <a16:creationId xmlns:a16="http://schemas.microsoft.com/office/drawing/2014/main" id="{8F77D956-64BF-D63F-EEA4-68A97975022D}"/>
+              </a:ext>
+            </a:extLst>
+          </p:cNvPr>
+          <p:cNvSpPr txBox="1"/>
+          <p:nvPr/>
+        </p:nvSpPr>
+        <p:spPr>
+          <a:xfrm>
+            <a:off x="3907347" y="4964597"/>
+            <a:ext cx="2645853" cy="369332"/>
+          </a:xfrm>
+          <a:prstGeom prst="rect">
+            <a:avLst/>
+          </a:prstGeom>
+          <a:noFill/>
+        </p:spPr>
+        <p:txBody>
+          <a:bodyPr wrap="none" rtlCol="0">
+            <a:spAutoFit/>
+          </a:bodyPr>
+          <a:lstStyle/>
+          <a:p>
+            <a:r>
+              <a:rPr lang="ru-RU" dirty="0"/>
+              <a:t>Демонстрационное поле</a:t>
+            </a:r>
+          </a:p>
+        </p:txBody>
+      </p:sp>
+      <p:sp>
+        <p:nvSpPr>
+          <p:cNvPr id="7" name="TextBox 6">
+            <a:extLst>
+              <a:ext uri="{FF2B5EF4-FFF2-40B4-BE49-F238E27FC236}">
+                <a16:creationId xmlns:a16="http://schemas.microsoft.com/office/drawing/2014/main" id="{AB7F4025-F90C-6B3E-3042-393EEFC19F5B}"/>
+              </a:ext>
+            </a:extLst>
+          </p:cNvPr>
+          <p:cNvSpPr txBox="1"/>
+          <p:nvPr/>
+        </p:nvSpPr>
+        <p:spPr>
+          <a:xfrm>
+            <a:off x="6853084" y="5467176"/>
+            <a:ext cx="2232275" cy="1292662"/>
+          </a:xfrm>
+          <a:prstGeom prst="rect">
+            <a:avLst/>
+          </a:prstGeom>
+          <a:noFill/>
+        </p:spPr>
+        <p:txBody>
+          <a:bodyPr wrap="square" rtlCol="0">
+            <a:spAutoFit/>
+          </a:bodyPr>
+          <a:lstStyle/>
+          <a:p>
+            <a:r>
+              <a:rPr lang="ru-RU" sz="2000" dirty="0"/>
+              <a:t>Структура методики обучение</a:t>
+            </a:r>
+          </a:p>
+          <a:p>
+            <a:endParaRPr lang="ru-RU" dirty="0"/>
+          </a:p>
+        </p:txBody>
+      </p:sp>
+      <p:pic>
+        <p:nvPicPr>
+          <p:cNvPr id="9" name="Рисунок 8" descr="Изображение выглядит как Прямоугольник, дизайн&#10;&#10;Контент, сгенерированный ИИ, может содержать ошибки.">
+            <a:extLst>
+              <a:ext uri="{FF2B5EF4-FFF2-40B4-BE49-F238E27FC236}">
+                <a16:creationId xmlns:a16="http://schemas.microsoft.com/office/drawing/2014/main" id="{E44ACF85-7392-7709-02E8-F818DF8D6B79}"/>
+              </a:ext>
+            </a:extLst>
+          </p:cNvPr>
+          <p:cNvPicPr>
+            <a:picLocks noChangeAspect="1"/>
+          </p:cNvPicPr>
+          <p:nvPr/>
+        </p:nvPicPr>
+        <p:blipFill>
+          <a:blip r:embed="rId3"/>
+          <a:stretch>
+            <a:fillRect/>
+          </a:stretch>
+        </p:blipFill>
+        <p:spPr>
+          <a:xfrm>
+            <a:off x="779206" y="1602317"/>
+            <a:ext cx="7585587" cy="3470286"/>
+          </a:xfrm>
+          <a:prstGeom prst="rect">
+            <a:avLst/>
+          </a:prstGeom>
+        </p:spPr>
+      </p:pic>
+    </p:spTree>
+    <p:extLst>
+      <p:ext uri="{BB962C8B-B14F-4D97-AF65-F5344CB8AC3E}">
+        <p14:creationId xmlns:p14="http://schemas.microsoft.com/office/powerpoint/2010/main" val="1016929772"/>
+      </p:ext>
+    </p:extLst>
+  </p:cSld>
+  <p:clrMapOvr>
+    <a:masterClrMapping/>
+  </p:clrMapOvr>
+</p:sld>
+</file>
+
+<file path=ppt/slides/slide7.xml><?xml version="1.0" encoding="utf-8"?>
+<p:sld xmlns:a="http://schemas.openxmlformats.org/drawingml/2006/main" xmlns:r="http://schemas.openxmlformats.org/officeDocument/2006/relationships" xmlns:p="http://schemas.openxmlformats.org/presentationml/2006/main">
+  <p:cSld>
+    <p:bg>
+      <p:bgPr>
+        <a:solidFill>
+          <a:schemeClr val="bg1"/>
+        </a:solidFill>
+        <a:effectLst/>
+      </p:bgPr>
+    </p:bg>
+    <p:spTree>
+      <p:nvGrpSpPr>
+        <p:cNvPr id="1" name="">
+          <a:extLst>
+            <a:ext uri="{FF2B5EF4-FFF2-40B4-BE49-F238E27FC236}">
+              <a16:creationId xmlns:a16="http://schemas.microsoft.com/office/drawing/2014/main" id="{9237131F-9EE8-6124-4214-3937CB5A2002}"/>
+            </a:ext>
+          </a:extLst>
+        </p:cNvPr>
+        <p:cNvGrpSpPr/>
+        <p:nvPr/>
+      </p:nvGrpSpPr>
+      <p:grpSpPr>
+        <a:xfrm>
+          <a:off x="0" y="0"/>
+          <a:ext cx="0" cy="0"/>
+          <a:chOff x="0" y="0"/>
+          <a:chExt cx="0" cy="0"/>
+        </a:xfrm>
+      </p:grpSpPr>
+      <p:sp useBgFill="1">
+        <p:nvSpPr>
+          <p:cNvPr id="37" name="Rectangle 36">
+            <a:extLst>
+              <a:ext uri="{FF2B5EF4-FFF2-40B4-BE49-F238E27FC236}">
+                <a16:creationId xmlns:a16="http://schemas.microsoft.com/office/drawing/2014/main" id="{BEAD4E2D-D12A-81E4-A4A1-AC223C96DEA1}"/>
+              </a:ext>
+              <a:ext uri="{C183D7F6-B498-43B3-948B-1728B52AA6E4}">
+                <adec:decorative xmlns:adec="http://schemas.microsoft.com/office/drawing/2017/decorative" val="1"/>
+              </a:ext>
+            </a:extLst>
+          </p:cNvPr>
+          <p:cNvSpPr>
+            <a:spLocks noGrp="1" noRot="1" noChangeAspect="1" noMove="1" noResize="1" noEditPoints="1" noAdjustHandles="1" noChangeArrowheads="1" noChangeShapeType="1" noTextEdit="1"/>
+          </p:cNvSpPr>
+          <p:nvPr>
+            <p:extLst>
+              <p:ext uri="{386F3935-93C4-4BCD-93E2-E3B085C9AB24}">
+                <p16:designElem xmlns:p16="http://schemas.microsoft.com/office/powerpoint/2015/main" val="1"/>
+              </p:ext>
+            </p:extLst>
+          </p:nvPr>
+        </p:nvSpPr>
+        <p:spPr>
+          <a:xfrm>
+            <a:off x="0" y="0"/>
+            <a:ext cx="9144000" cy="6858000"/>
+          </a:xfrm>
+          <a:prstGeom prst="rect">
+            <a:avLst/>
+          </a:prstGeom>
+          <a:ln w="12700" cap="flat" cmpd="sng" algn="ctr">
+            <a:noFill/>
+            <a:prstDash val="solid"/>
+            <a:miter lim="800000"/>
+          </a:ln>
+          <a:effectLst/>
+          <a:extLst>
+            <a:ext uri="{91240B29-F687-4F45-9708-019B960494DF}">
+              <a14:hiddenLine xmlns:a14="http://schemas.microsoft.com/office/drawing/2010/main" w="12700" cap="flat" cmpd="sng" algn="ctr">
+                <a:solidFill>
+                  <a:schemeClr val="accent1">
+                    <a:shade val="50000"/>
+                  </a:schemeClr>
+                </a:solidFill>
+                <a:prstDash val="solid"/>
+                <a:miter lim="800000"/>
+              </a14:hiddenLine>
+            </a:ext>
+          </a:extLst>
+        </p:spPr>
+        <p:style>
+          <a:lnRef idx="2">
+            <a:schemeClr val="accent1">
+              <a:shade val="50000"/>
+            </a:schemeClr>
+          </a:lnRef>
+          <a:fillRef idx="1">
+            <a:schemeClr val="accent1"/>
+          </a:fillRef>
+          <a:effectRef idx="0">
+            <a:schemeClr val="accent1"/>
+          </a:effectRef>
+          <a:fontRef idx="minor">
+            <a:schemeClr val="lt1"/>
+          </a:fontRef>
+        </p:style>
+        <p:txBody>
+          <a:bodyPr rtlCol="0" anchor="ctr"/>
+          <a:lstStyle/>
+          <a:p>
+            <a:pPr algn="ctr"/>
+            <a:endParaRPr lang="en-US"/>
+          </a:p>
+        </p:txBody>
+      </p:sp>
+      <p:sp>
+        <p:nvSpPr>
+          <p:cNvPr id="39" name="Rectangle 38">
+            <a:extLst>
+              <a:ext uri="{FF2B5EF4-FFF2-40B4-BE49-F238E27FC236}">
+                <a16:creationId xmlns:a16="http://schemas.microsoft.com/office/drawing/2014/main" id="{FD8A00E1-5395-DA32-AB17-1CFDFED46053}"/>
+              </a:ext>
+              <a:ext uri="{C183D7F6-B498-43B3-948B-1728B52AA6E4}">
+                <adec:decorative xmlns:adec="http://schemas.microsoft.com/office/drawing/2017/decorative" val="1"/>
+              </a:ext>
+            </a:extLst>
+          </p:cNvPr>
+          <p:cNvSpPr>
+            <a:spLocks noGrp="1" noRot="1" noChangeAspect="1" noMove="1" noResize="1" noEditPoints="1" noAdjustHandles="1" noChangeArrowheads="1" noChangeShapeType="1" noTextEdit="1"/>
+          </p:cNvSpPr>
+          <p:nvPr>
+            <p:extLst>
+              <p:ext uri="{386F3935-93C4-4BCD-93E2-E3B085C9AB24}">
+                <p16:designElem xmlns:p16="http://schemas.microsoft.com/office/powerpoint/2015/main" val="1"/>
+              </p:ext>
+            </p:extLst>
+          </p:nvPr>
+        </p:nvSpPr>
+        <p:spPr>
+          <a:xfrm rot="10800000" flipH="1">
+            <a:off x="1" y="0"/>
+            <a:ext cx="9143999" cy="1575955"/>
+          </a:xfrm>
+          <a:prstGeom prst="rect">
+            <a:avLst/>
+          </a:prstGeom>
+          <a:gradFill>
+            <a:gsLst>
+              <a:gs pos="0">
+                <a:srgbClr val="000000">
+                  <a:alpha val="96000"/>
+                </a:srgbClr>
+              </a:gs>
+              <a:gs pos="100000">
+                <a:schemeClr val="accent1">
+                  <a:lumMod val="75000"/>
+                </a:schemeClr>
+              </a:gs>
+            </a:gsLst>
+            <a:lin ang="6000000" scaled="0"/>
+          </a:gradFill>
+          <a:ln>
+            <a:noFill/>
+          </a:ln>
+        </p:spPr>
+        <p:style>
+          <a:lnRef idx="2">
+            <a:schemeClr val="accent1">
+              <a:shade val="50000"/>
+            </a:schemeClr>
+          </a:lnRef>
+          <a:fillRef idx="1">
+            <a:schemeClr val="accent1"/>
+          </a:fillRef>
+          <a:effectRef idx="0">
+            <a:schemeClr val="accent1"/>
+          </a:effectRef>
+          <a:fontRef idx="minor">
+            <a:schemeClr val="lt1"/>
+          </a:fontRef>
+        </p:style>
+        <p:txBody>
+          <a:bodyPr rtlCol="0" anchor="ctr"/>
+          <a:lstStyle/>
+          <a:p>
+            <a:pPr algn="ctr"/>
+            <a:endParaRPr lang="en-US"/>
+          </a:p>
+        </p:txBody>
+      </p:sp>
+      <p:sp>
+        <p:nvSpPr>
+          <p:cNvPr id="41" name="Rectangle 40">
+            <a:extLst>
+              <a:ext uri="{FF2B5EF4-FFF2-40B4-BE49-F238E27FC236}">
+                <a16:creationId xmlns:a16="http://schemas.microsoft.com/office/drawing/2014/main" id="{8E56B86A-2B7F-2A4F-2E1A-5BCBE4862B10}"/>
+              </a:ext>
+              <a:ext uri="{C183D7F6-B498-43B3-948B-1728B52AA6E4}">
+                <adec:decorative xmlns:adec="http://schemas.microsoft.com/office/drawing/2017/decorative" val="1"/>
+              </a:ext>
+            </a:extLst>
+          </p:cNvPr>
+          <p:cNvSpPr>
+            <a:spLocks noGrp="1" noRot="1" noChangeAspect="1" noMove="1" noResize="1" noEditPoints="1" noAdjustHandles="1" noChangeArrowheads="1" noChangeShapeType="1" noTextEdit="1"/>
+          </p:cNvSpPr>
+          <p:nvPr>
+            <p:extLst>
+              <p:ext uri="{386F3935-93C4-4BCD-93E2-E3B085C9AB24}">
+                <p16:designElem xmlns:p16="http://schemas.microsoft.com/office/powerpoint/2015/main" val="1"/>
+              </p:ext>
+            </p:extLst>
+          </p:nvPr>
+        </p:nvSpPr>
+        <p:spPr>
+          <a:xfrm rot="16200000">
+            <a:off x="3781994" y="-3786547"/>
+            <a:ext cx="1580014" cy="9144002"/>
+          </a:xfrm>
+          <a:prstGeom prst="rect">
+            <a:avLst/>
+          </a:prstGeom>
+          <a:gradFill>
+            <a:gsLst>
+              <a:gs pos="19000">
+                <a:schemeClr val="accent1">
+                  <a:alpha val="0"/>
+                </a:schemeClr>
+              </a:gs>
+              <a:gs pos="99000">
+                <a:srgbClr val="000000">
+                  <a:alpha val="74000"/>
+                </a:srgbClr>
+              </a:gs>
+            </a:gsLst>
+            <a:lin ang="11400000" scaled="0"/>
+          </a:gradFill>
+          <a:ln>
+            <a:noFill/>
+          </a:ln>
+        </p:spPr>
+        <p:style>
+          <a:lnRef idx="2">
+            <a:schemeClr val="accent1">
+              <a:shade val="50000"/>
+            </a:schemeClr>
+          </a:lnRef>
+          <a:fillRef idx="1">
+            <a:schemeClr val="accent1"/>
+          </a:fillRef>
+          <a:effectRef idx="0">
+            <a:schemeClr val="accent1"/>
+          </a:effectRef>
+          <a:fontRef idx="minor">
+            <a:schemeClr val="lt1"/>
+          </a:fontRef>
+        </p:style>
+        <p:txBody>
+          <a:bodyPr rtlCol="0" anchor="ctr"/>
+          <a:lstStyle/>
+          <a:p>
+            <a:pPr algn="ctr"/>
+            <a:endParaRPr lang="en-US" dirty="0"/>
+          </a:p>
+        </p:txBody>
+      </p:sp>
+      <p:sp>
+        <p:nvSpPr>
+          <p:cNvPr id="43" name="Rectangle 42">
+            <a:extLst>
+              <a:ext uri="{FF2B5EF4-FFF2-40B4-BE49-F238E27FC236}">
+                <a16:creationId xmlns:a16="http://schemas.microsoft.com/office/drawing/2014/main" id="{C70439B2-0ED3-74EF-FAAC-4E7B0D66DDF0}"/>
+              </a:ext>
+              <a:ext uri="{C183D7F6-B498-43B3-948B-1728B52AA6E4}">
+                <adec:decorative xmlns:adec="http://schemas.microsoft.com/office/drawing/2017/decorative" val="1"/>
+              </a:ext>
+            </a:extLst>
+          </p:cNvPr>
+          <p:cNvSpPr>
+            <a:spLocks noGrp="1" noRot="1" noChangeAspect="1" noMove="1" noResize="1" noEditPoints="1" noAdjustHandles="1" noChangeArrowheads="1" noChangeShapeType="1" noTextEdit="1"/>
+          </p:cNvSpPr>
+          <p:nvPr>
+            <p:extLst>
+              <p:ext uri="{386F3935-93C4-4BCD-93E2-E3B085C9AB24}">
+                <p16:designElem xmlns:p16="http://schemas.microsoft.com/office/powerpoint/2015/main" val="1"/>
+              </p:ext>
+            </p:extLst>
+          </p:nvPr>
+        </p:nvSpPr>
+        <p:spPr>
+          <a:xfrm>
+            <a:off x="2869075" y="0"/>
+            <a:ext cx="3227567" cy="1575461"/>
+          </a:xfrm>
+          <a:prstGeom prst="rect">
+            <a:avLst/>
+          </a:prstGeom>
+          <a:gradFill>
+            <a:gsLst>
+              <a:gs pos="0">
+                <a:schemeClr val="accent1">
+                  <a:alpha val="72000"/>
+                </a:schemeClr>
+              </a:gs>
+              <a:gs pos="74000">
+                <a:schemeClr val="accent1">
+                  <a:lumMod val="50000"/>
+                  <a:alpha val="0"/>
+                </a:schemeClr>
+              </a:gs>
+            </a:gsLst>
+            <a:lin ang="14400000" scaled="0"/>
+          </a:gradFill>
+          <a:ln>
+            <a:noFill/>
+          </a:ln>
+        </p:spPr>
+        <p:style>
+          <a:lnRef idx="2">
+            <a:schemeClr val="accent1">
+              <a:shade val="50000"/>
+            </a:schemeClr>
+          </a:lnRef>
+          <a:fillRef idx="1">
+            <a:schemeClr val="accent1"/>
+          </a:fillRef>
+          <a:effectRef idx="0">
+            <a:schemeClr val="accent1"/>
+          </a:effectRef>
+          <a:fontRef idx="minor">
+            <a:schemeClr val="lt1"/>
+          </a:fontRef>
+        </p:style>
+        <p:txBody>
+          <a:bodyPr rtlCol="0" anchor="ctr"/>
+          <a:lstStyle/>
+          <a:p>
+            <a:pPr algn="ctr"/>
+            <a:endParaRPr lang="en-US"/>
+          </a:p>
+        </p:txBody>
+      </p:sp>
+      <p:sp>
+        <p:nvSpPr>
+          <p:cNvPr id="2" name="Заголовок 1">
+            <a:extLst>
+              <a:ext uri="{FF2B5EF4-FFF2-40B4-BE49-F238E27FC236}">
+                <a16:creationId xmlns:a16="http://schemas.microsoft.com/office/drawing/2014/main" id="{CFEC7491-2364-8B19-F99D-07D571F0978C}"/>
+              </a:ext>
+            </a:extLst>
+          </p:cNvPr>
+          <p:cNvSpPr>
+            <a:spLocks noGrp="1"/>
+          </p:cNvSpPr>
+          <p:nvPr>
+            <p:ph type="title"/>
+          </p:nvPr>
+        </p:nvSpPr>
+        <p:spPr>
+          <a:xfrm>
+            <a:off x="1818968" y="78657"/>
+            <a:ext cx="5840361" cy="1406013"/>
+          </a:xfrm>
+        </p:spPr>
+        <p:txBody>
+          <a:bodyPr vert="horz" lIns="91440" tIns="45720" rIns="91440" bIns="45720" rtlCol="0" anchor="ctr">
+            <a:noAutofit/>
+          </a:bodyPr>
+          <a:lstStyle/>
+          <a:p>
+            <a:pPr defTabSz="914400">
+              <a:lnSpc>
+                <a:spcPct val="90000"/>
+              </a:lnSpc>
+            </a:pPr>
+            <a:r>
+              <a:rPr lang="en-US" sz="3200" b="1">
+                <a:solidFill>
+                  <a:srgbClr val="FFFFFF"/>
+                </a:solidFill>
+                <a:effectLst/>
+              </a:rPr>
+              <a:t>Демонстрационная задача и возможный подход к обучению</a:t>
+            </a:r>
+            <a:endParaRPr lang="en-US" sz="3200" b="1" dirty="0">
+              <a:solidFill>
+                <a:srgbClr val="FFFFFF"/>
+              </a:solidFill>
+            </a:endParaRPr>
+          </a:p>
+        </p:txBody>
+      </p:sp>
+      <p:pic>
+        <p:nvPicPr>
+          <p:cNvPr id="7" name="Рисунок 6" descr="Изображение выглядит как текст, снимок экрана, диаграмма, Шрифт&#10;&#10;Контент, сгенерированный ИИ, может содержать ошибки.">
+            <a:extLst>
+              <a:ext uri="{FF2B5EF4-FFF2-40B4-BE49-F238E27FC236}">
+                <a16:creationId xmlns:a16="http://schemas.microsoft.com/office/drawing/2014/main" id="{C3300836-4F76-1500-F734-DC1FE8F2097B}"/>
+              </a:ext>
+            </a:extLst>
+          </p:cNvPr>
+          <p:cNvPicPr>
+            <a:picLocks noChangeAspect="1"/>
+          </p:cNvPicPr>
+          <p:nvPr/>
+        </p:nvPicPr>
+        <p:blipFill>
+          <a:blip r:embed="rId2">
+            <a:extLst>
+              <a:ext uri="{28A0092B-C50C-407E-A947-70E740481C1C}">
+                <a14:useLocalDpi xmlns:a14="http://schemas.microsoft.com/office/drawing/2010/main" val="0"/>
+              </a:ext>
+            </a:extLst>
+          </a:blip>
+          <a:srcRect/>
+          <a:stretch>
+            <a:fillRect/>
+          </a:stretch>
+        </p:blipFill>
+        <p:spPr bwMode="auto">
+          <a:xfrm>
+            <a:off x="537260" y="1577278"/>
+            <a:ext cx="8069480" cy="4779899"/>
+          </a:xfrm>
+          <a:prstGeom prst="rect">
+            <a:avLst/>
+          </a:prstGeom>
+          <a:noFill/>
+          <a:ln>
+            <a:noFill/>
+          </a:ln>
+        </p:spPr>
+      </p:pic>
+      <p:sp>
+        <p:nvSpPr>
+          <p:cNvPr id="4" name="Номер слайда 3">
+            <a:extLst>
+              <a:ext uri="{FF2B5EF4-FFF2-40B4-BE49-F238E27FC236}">
+                <a16:creationId xmlns:a16="http://schemas.microsoft.com/office/drawing/2014/main" id="{68958925-5E9A-DB82-61E6-E14F3AEEFA35}"/>
+              </a:ext>
+            </a:extLst>
+          </p:cNvPr>
+          <p:cNvSpPr>
+            <a:spLocks noGrp="1"/>
+          </p:cNvSpPr>
+          <p:nvPr>
+            <p:ph type="sldNum" sz="quarter" idx="12"/>
+          </p:nvPr>
+        </p:nvSpPr>
+        <p:spPr/>
+        <p:txBody>
+          <a:bodyPr/>
+          <a:lstStyle/>
+          <a:p>
+            <a:fld id="{C1FF6DA9-008F-8B48-92A6-B652298478BF}" type="slidenum">
+              <a:rPr lang="en-US" sz="1400" b="1" smtClean="0">
+                <a:solidFill>
+                  <a:schemeClr val="tx1"/>
+                </a:solidFill>
+              </a:rPr>
+              <a:t>7</a:t>
+            </a:fld>
+            <a:endParaRPr lang="en-US" b="1" dirty="0">
+              <a:solidFill>
+                <a:schemeClr val="tx1"/>
+              </a:solidFill>
+            </a:endParaRPr>
+          </a:p>
+        </p:txBody>
+      </p:sp>
+      <p:sp>
+        <p:nvSpPr>
+          <p:cNvPr id="3" name="TextBox 2">
+            <a:extLst>
+              <a:ext uri="{FF2B5EF4-FFF2-40B4-BE49-F238E27FC236}">
+                <a16:creationId xmlns:a16="http://schemas.microsoft.com/office/drawing/2014/main" id="{D7309160-7DD3-5F35-F7EE-054E21387591}"/>
+              </a:ext>
+            </a:extLst>
+          </p:cNvPr>
+          <p:cNvSpPr txBox="1"/>
+          <p:nvPr/>
+        </p:nvSpPr>
+        <p:spPr>
+          <a:xfrm>
+            <a:off x="2869075" y="6439984"/>
+            <a:ext cx="5879689" cy="400110"/>
+          </a:xfrm>
+          <a:prstGeom prst="rect">
+            <a:avLst/>
+          </a:prstGeom>
+          <a:noFill/>
+        </p:spPr>
+        <p:txBody>
+          <a:bodyPr wrap="square" rtlCol="0">
+            <a:spAutoFit/>
+          </a:bodyPr>
+          <a:lstStyle/>
+          <a:p>
+            <a:r>
+              <a:rPr lang="ru-RU" sz="2000" kern="0" dirty="0">
+                <a:effectLst/>
+                <a:latin typeface="Times New Roman" panose="02020603050405020304" pitchFamily="18" charset="0"/>
+                <a:ea typeface="Times New Roman" panose="02020603050405020304" pitchFamily="18" charset="0"/>
+              </a:rPr>
+              <a:t>Блок схема алгоритма работы робота</a:t>
+            </a:r>
+            <a:endParaRPr lang="ru-RU" sz="2000" dirty="0"/>
+          </a:p>
+        </p:txBody>
+      </p:sp>
+    </p:spTree>
+    <p:extLst>
+      <p:ext uri="{BB962C8B-B14F-4D97-AF65-F5344CB8AC3E}">
+        <p14:creationId xmlns:p14="http://schemas.microsoft.com/office/powerpoint/2010/main" val="1344029686"/>
+      </p:ext>
+    </p:extLst>
+  </p:cSld>
+  <p:clrMapOvr>
+    <a:masterClrMapping/>
+  </p:clrMapOvr>
+</p:sld>
+</file>
+
+<file path=ppt/slides/slide8.xml><?xml version="1.0" encoding="utf-8"?>
 <p:sld xmlns:a="http://schemas.openxmlformats.org/drawingml/2006/main" xmlns:r="http://schemas.openxmlformats.org/officeDocument/2006/relationships" xmlns:p="http://schemas.openxmlformats.org/presentationml/2006/main">
   <p:cSld>
     <p:bg>
@@ -13164,7 +16663,7 @@
                   <a:schemeClr val="tx1"/>
                 </a:solidFill>
               </a:rPr>
-              <a:t>6</a:t>
+              <a:t>8</a:t>
             </a:fld>
             <a:endParaRPr lang="en-US" sz="1400" b="1" dirty="0">
               <a:solidFill>
@@ -13187,1240 +16686,7 @@
 </p:sld>
 </file>
 
-<file path=ppt/slides/slide7.xml><?xml version="1.0" encoding="utf-8"?>
-<p:sld xmlns:a="http://schemas.openxmlformats.org/drawingml/2006/main" xmlns:r="http://schemas.openxmlformats.org/officeDocument/2006/relationships" xmlns:p="http://schemas.openxmlformats.org/presentationml/2006/main">
-  <p:cSld>
-    <p:bg>
-      <p:bgPr>
-        <a:solidFill>
-          <a:schemeClr val="bg1"/>
-        </a:solidFill>
-        <a:effectLst/>
-      </p:bgPr>
-    </p:bg>
-    <p:spTree>
-      <p:nvGrpSpPr>
-        <p:cNvPr id="1" name=""/>
-        <p:cNvGrpSpPr/>
-        <p:nvPr/>
-      </p:nvGrpSpPr>
-      <p:grpSpPr>
-        <a:xfrm>
-          <a:off x="0" y="0"/>
-          <a:ext cx="0" cy="0"/>
-          <a:chOff x="0" y="0"/>
-          <a:chExt cx="0" cy="0"/>
-        </a:xfrm>
-      </p:grpSpPr>
-      <p:sp useBgFill="1">
-        <p:nvSpPr>
-          <p:cNvPr id="10" name="Rectangle 9">
-            <a:extLst>
-              <a:ext uri="{FF2B5EF4-FFF2-40B4-BE49-F238E27FC236}">
-                <a16:creationId xmlns:a16="http://schemas.microsoft.com/office/drawing/2014/main" id="{9CB95732-565A-4D2C-A3AB-CC460C0D3826}"/>
-              </a:ext>
-              <a:ext uri="{C183D7F6-B498-43B3-948B-1728B52AA6E4}">
-                <adec:decorative xmlns:adec="http://schemas.microsoft.com/office/drawing/2017/decorative" val="1"/>
-              </a:ext>
-            </a:extLst>
-          </p:cNvPr>
-          <p:cNvSpPr>
-            <a:spLocks noGrp="1" noRot="1" noChangeAspect="1" noMove="1" noResize="1" noEditPoints="1" noAdjustHandles="1" noChangeArrowheads="1" noChangeShapeType="1" noTextEdit="1"/>
-          </p:cNvSpPr>
-          <p:nvPr>
-            <p:extLst>
-              <p:ext uri="{386F3935-93C4-4BCD-93E2-E3B085C9AB24}">
-                <p16:designElem xmlns:p16="http://schemas.microsoft.com/office/powerpoint/2015/main" val="1"/>
-              </p:ext>
-            </p:extLst>
-          </p:nvPr>
-        </p:nvSpPr>
-        <p:spPr>
-          <a:xfrm>
-            <a:off x="0" y="0"/>
-            <a:ext cx="9144000" cy="6858000"/>
-          </a:xfrm>
-          <a:prstGeom prst="rect">
-            <a:avLst/>
-          </a:prstGeom>
-          <a:ln w="12700" cap="flat" cmpd="sng" algn="ctr">
-            <a:noFill/>
-            <a:prstDash val="solid"/>
-            <a:miter lim="800000"/>
-          </a:ln>
-          <a:effectLst/>
-          <a:extLst>
-            <a:ext uri="{91240B29-F687-4F45-9708-019B960494DF}">
-              <a14:hiddenLine xmlns:a14="http://schemas.microsoft.com/office/drawing/2010/main" w="12700" cap="flat" cmpd="sng" algn="ctr">
-                <a:solidFill>
-                  <a:schemeClr val="accent1">
-                    <a:shade val="50000"/>
-                  </a:schemeClr>
-                </a:solidFill>
-                <a:prstDash val="solid"/>
-                <a:miter lim="800000"/>
-              </a14:hiddenLine>
-            </a:ext>
-          </a:extLst>
-        </p:spPr>
-        <p:style>
-          <a:lnRef idx="2">
-            <a:schemeClr val="accent1">
-              <a:shade val="50000"/>
-            </a:schemeClr>
-          </a:lnRef>
-          <a:fillRef idx="1">
-            <a:schemeClr val="accent1"/>
-          </a:fillRef>
-          <a:effectRef idx="0">
-            <a:schemeClr val="accent1"/>
-          </a:effectRef>
-          <a:fontRef idx="minor">
-            <a:schemeClr val="lt1"/>
-          </a:fontRef>
-        </p:style>
-        <p:txBody>
-          <a:bodyPr rtlCol="0" anchor="ctr"/>
-          <a:lstStyle/>
-          <a:p>
-            <a:pPr algn="ctr"/>
-            <a:endParaRPr lang="en-US"/>
-          </a:p>
-        </p:txBody>
-      </p:sp>
-      <p:sp>
-        <p:nvSpPr>
-          <p:cNvPr id="12" name="Rectangle 11">
-            <a:extLst>
-              <a:ext uri="{FF2B5EF4-FFF2-40B4-BE49-F238E27FC236}">
-                <a16:creationId xmlns:a16="http://schemas.microsoft.com/office/drawing/2014/main" id="{E19B653C-798C-4333-8452-3DF3AE3C1D11}"/>
-              </a:ext>
-              <a:ext uri="{C183D7F6-B498-43B3-948B-1728B52AA6E4}">
-                <adec:decorative xmlns:adec="http://schemas.microsoft.com/office/drawing/2017/decorative" val="1"/>
-              </a:ext>
-            </a:extLst>
-          </p:cNvPr>
-          <p:cNvSpPr>
-            <a:spLocks noGrp="1" noRot="1" noChangeAspect="1" noMove="1" noResize="1" noEditPoints="1" noAdjustHandles="1" noChangeArrowheads="1" noChangeShapeType="1" noTextEdit="1"/>
-          </p:cNvSpPr>
-          <p:nvPr>
-            <p:extLst>
-              <p:ext uri="{386F3935-93C4-4BCD-93E2-E3B085C9AB24}">
-                <p16:designElem xmlns:p16="http://schemas.microsoft.com/office/powerpoint/2015/main" val="1"/>
-              </p:ext>
-            </p:extLst>
-          </p:nvPr>
-        </p:nvSpPr>
-        <p:spPr>
-          <a:xfrm rot="10800000" flipH="1">
-            <a:off x="1" y="0"/>
-            <a:ext cx="9143999" cy="1575955"/>
-          </a:xfrm>
-          <a:prstGeom prst="rect">
-            <a:avLst/>
-          </a:prstGeom>
-          <a:gradFill>
-            <a:gsLst>
-              <a:gs pos="0">
-                <a:srgbClr val="000000">
-                  <a:alpha val="96000"/>
-                </a:srgbClr>
-              </a:gs>
-              <a:gs pos="100000">
-                <a:schemeClr val="accent1">
-                  <a:lumMod val="75000"/>
-                </a:schemeClr>
-              </a:gs>
-            </a:gsLst>
-            <a:lin ang="6000000" scaled="0"/>
-          </a:gradFill>
-          <a:ln>
-            <a:noFill/>
-          </a:ln>
-        </p:spPr>
-        <p:style>
-          <a:lnRef idx="2">
-            <a:schemeClr val="accent1">
-              <a:shade val="50000"/>
-            </a:schemeClr>
-          </a:lnRef>
-          <a:fillRef idx="1">
-            <a:schemeClr val="accent1"/>
-          </a:fillRef>
-          <a:effectRef idx="0">
-            <a:schemeClr val="accent1"/>
-          </a:effectRef>
-          <a:fontRef idx="minor">
-            <a:schemeClr val="lt1"/>
-          </a:fontRef>
-        </p:style>
-        <p:txBody>
-          <a:bodyPr rtlCol="0" anchor="ctr"/>
-          <a:lstStyle/>
-          <a:p>
-            <a:pPr algn="ctr"/>
-            <a:endParaRPr lang="en-US"/>
-          </a:p>
-        </p:txBody>
-      </p:sp>
-      <p:sp>
-        <p:nvSpPr>
-          <p:cNvPr id="14" name="Rectangle 13">
-            <a:extLst>
-              <a:ext uri="{FF2B5EF4-FFF2-40B4-BE49-F238E27FC236}">
-                <a16:creationId xmlns:a16="http://schemas.microsoft.com/office/drawing/2014/main" id="{0FE50278-E2EC-42B2-A1F1-921DD39901C4}"/>
-              </a:ext>
-              <a:ext uri="{C183D7F6-B498-43B3-948B-1728B52AA6E4}">
-                <adec:decorative xmlns:adec="http://schemas.microsoft.com/office/drawing/2017/decorative" val="1"/>
-              </a:ext>
-            </a:extLst>
-          </p:cNvPr>
-          <p:cNvSpPr>
-            <a:spLocks noGrp="1" noRot="1" noChangeAspect="1" noMove="1" noResize="1" noEditPoints="1" noAdjustHandles="1" noChangeArrowheads="1" noChangeShapeType="1" noTextEdit="1"/>
-          </p:cNvSpPr>
-          <p:nvPr>
-            <p:extLst>
-              <p:ext uri="{386F3935-93C4-4BCD-93E2-E3B085C9AB24}">
-                <p16:designElem xmlns:p16="http://schemas.microsoft.com/office/powerpoint/2015/main" val="1"/>
-              </p:ext>
-            </p:extLst>
-          </p:nvPr>
-        </p:nvSpPr>
-        <p:spPr>
-          <a:xfrm rot="16200000">
-            <a:off x="3781994" y="-3786547"/>
-            <a:ext cx="1580014" cy="9144002"/>
-          </a:xfrm>
-          <a:prstGeom prst="rect">
-            <a:avLst/>
-          </a:prstGeom>
-          <a:gradFill>
-            <a:gsLst>
-              <a:gs pos="19000">
-                <a:schemeClr val="accent1">
-                  <a:alpha val="0"/>
-                </a:schemeClr>
-              </a:gs>
-              <a:gs pos="99000">
-                <a:srgbClr val="000000">
-                  <a:alpha val="74000"/>
-                </a:srgbClr>
-              </a:gs>
-            </a:gsLst>
-            <a:lin ang="11400000" scaled="0"/>
-          </a:gradFill>
-          <a:ln>
-            <a:noFill/>
-          </a:ln>
-        </p:spPr>
-        <p:style>
-          <a:lnRef idx="2">
-            <a:schemeClr val="accent1">
-              <a:shade val="50000"/>
-            </a:schemeClr>
-          </a:lnRef>
-          <a:fillRef idx="1">
-            <a:schemeClr val="accent1"/>
-          </a:fillRef>
-          <a:effectRef idx="0">
-            <a:schemeClr val="accent1"/>
-          </a:effectRef>
-          <a:fontRef idx="minor">
-            <a:schemeClr val="lt1"/>
-          </a:fontRef>
-        </p:style>
-        <p:txBody>
-          <a:bodyPr rtlCol="0" anchor="ctr"/>
-          <a:lstStyle/>
-          <a:p>
-            <a:pPr algn="ctr"/>
-            <a:endParaRPr lang="en-US" dirty="0"/>
-          </a:p>
-        </p:txBody>
-      </p:sp>
-      <p:sp>
-        <p:nvSpPr>
-          <p:cNvPr id="16" name="Rectangle 15">
-            <a:extLst>
-              <a:ext uri="{FF2B5EF4-FFF2-40B4-BE49-F238E27FC236}">
-                <a16:creationId xmlns:a16="http://schemas.microsoft.com/office/drawing/2014/main" id="{1236153F-0DB4-40DD-87C6-B40C1B7E282C}"/>
-              </a:ext>
-              <a:ext uri="{C183D7F6-B498-43B3-948B-1728B52AA6E4}">
-                <adec:decorative xmlns:adec="http://schemas.microsoft.com/office/drawing/2017/decorative" val="1"/>
-              </a:ext>
-            </a:extLst>
-          </p:cNvPr>
-          <p:cNvSpPr>
-            <a:spLocks noGrp="1" noRot="1" noChangeAspect="1" noMove="1" noResize="1" noEditPoints="1" noAdjustHandles="1" noChangeArrowheads="1" noChangeShapeType="1" noTextEdit="1"/>
-          </p:cNvSpPr>
-          <p:nvPr>
-            <p:extLst>
-              <p:ext uri="{386F3935-93C4-4BCD-93E2-E3B085C9AB24}">
-                <p16:designElem xmlns:p16="http://schemas.microsoft.com/office/powerpoint/2015/main" val="1"/>
-              </p:ext>
-            </p:extLst>
-          </p:nvPr>
-        </p:nvSpPr>
-        <p:spPr>
-          <a:xfrm>
-            <a:off x="2869075" y="0"/>
-            <a:ext cx="3227567" cy="1575461"/>
-          </a:xfrm>
-          <a:prstGeom prst="rect">
-            <a:avLst/>
-          </a:prstGeom>
-          <a:gradFill>
-            <a:gsLst>
-              <a:gs pos="0">
-                <a:schemeClr val="accent1">
-                  <a:alpha val="72000"/>
-                </a:schemeClr>
-              </a:gs>
-              <a:gs pos="74000">
-                <a:schemeClr val="accent1">
-                  <a:lumMod val="50000"/>
-                  <a:alpha val="0"/>
-                </a:schemeClr>
-              </a:gs>
-            </a:gsLst>
-            <a:lin ang="14400000" scaled="0"/>
-          </a:gradFill>
-          <a:ln>
-            <a:noFill/>
-          </a:ln>
-        </p:spPr>
-        <p:style>
-          <a:lnRef idx="2">
-            <a:schemeClr val="accent1">
-              <a:shade val="50000"/>
-            </a:schemeClr>
-          </a:lnRef>
-          <a:fillRef idx="1">
-            <a:schemeClr val="accent1"/>
-          </a:fillRef>
-          <a:effectRef idx="0">
-            <a:schemeClr val="accent1"/>
-          </a:effectRef>
-          <a:fontRef idx="minor">
-            <a:schemeClr val="lt1"/>
-          </a:fontRef>
-        </p:style>
-        <p:txBody>
-          <a:bodyPr rtlCol="0" anchor="ctr"/>
-          <a:lstStyle/>
-          <a:p>
-            <a:pPr algn="ctr"/>
-            <a:endParaRPr lang="en-US"/>
-          </a:p>
-        </p:txBody>
-      </p:sp>
-      <p:sp>
-        <p:nvSpPr>
-          <p:cNvPr id="2" name="Заголовок 1">
-            <a:extLst>
-              <a:ext uri="{FF2B5EF4-FFF2-40B4-BE49-F238E27FC236}">
-                <a16:creationId xmlns:a16="http://schemas.microsoft.com/office/drawing/2014/main" id="{52377B9A-871F-EA1D-F3AF-A523D61505CA}"/>
-              </a:ext>
-            </a:extLst>
-          </p:cNvPr>
-          <p:cNvSpPr>
-            <a:spLocks noGrp="1"/>
-          </p:cNvSpPr>
-          <p:nvPr>
-            <p:ph type="title"/>
-          </p:nvPr>
-        </p:nvSpPr>
-        <p:spPr>
-          <a:xfrm>
-            <a:off x="524785" y="288404"/>
-            <a:ext cx="8619213" cy="977442"/>
-          </a:xfrm>
-        </p:spPr>
-        <p:txBody>
-          <a:bodyPr vert="horz" lIns="91440" tIns="45720" rIns="91440" bIns="45720" rtlCol="0" anchor="ctr">
-            <a:normAutofit/>
-          </a:bodyPr>
-          <a:lstStyle/>
-          <a:p>
-            <a:pPr defTabSz="914400">
-              <a:lnSpc>
-                <a:spcPct val="90000"/>
-              </a:lnSpc>
-            </a:pPr>
-            <a:r>
-              <a:rPr lang="en-US" sz="3200" b="1" dirty="0">
-                <a:solidFill>
-                  <a:srgbClr val="FFFFFF"/>
-                </a:solidFill>
-                <a:effectLst/>
-              </a:rPr>
-              <a:t>КОМПОНЕНТЫ МОБИЛЬНОЙ ПЛАТФОРМЫ</a:t>
-            </a:r>
-            <a:endParaRPr lang="en-US" sz="3200" dirty="0">
-              <a:solidFill>
-                <a:srgbClr val="FFFFFF"/>
-              </a:solidFill>
-            </a:endParaRPr>
-          </a:p>
-        </p:txBody>
-      </p:sp>
-      <p:pic>
-        <p:nvPicPr>
-          <p:cNvPr id="9" name="Рисунок 8">
-            <a:extLst>
-              <a:ext uri="{FF2B5EF4-FFF2-40B4-BE49-F238E27FC236}">
-                <a16:creationId xmlns:a16="http://schemas.microsoft.com/office/drawing/2014/main" id="{730D112F-05C7-C94E-619E-5979E8DA90F8}"/>
-              </a:ext>
-            </a:extLst>
-          </p:cNvPr>
-          <p:cNvPicPr>
-            <a:picLocks noChangeAspect="1"/>
-          </p:cNvPicPr>
-          <p:nvPr/>
-        </p:nvPicPr>
-        <p:blipFill>
-          <a:blip r:embed="rId2"/>
-          <a:stretch>
-            <a:fillRect/>
-          </a:stretch>
-        </p:blipFill>
-        <p:spPr>
-          <a:xfrm>
-            <a:off x="5761806" y="3601457"/>
-            <a:ext cx="2814760" cy="1192072"/>
-          </a:xfrm>
-          <a:prstGeom prst="rect">
-            <a:avLst/>
-          </a:prstGeom>
-        </p:spPr>
-      </p:pic>
-      <p:sp>
-        <p:nvSpPr>
-          <p:cNvPr id="11" name="TextBox 10">
-            <a:extLst>
-              <a:ext uri="{FF2B5EF4-FFF2-40B4-BE49-F238E27FC236}">
-                <a16:creationId xmlns:a16="http://schemas.microsoft.com/office/drawing/2014/main" id="{98A68477-CD8C-C633-224C-9AC05F178C42}"/>
-              </a:ext>
-            </a:extLst>
-          </p:cNvPr>
-          <p:cNvSpPr txBox="1"/>
-          <p:nvPr/>
-        </p:nvSpPr>
-        <p:spPr>
-          <a:xfrm>
-            <a:off x="185026" y="4953291"/>
-            <a:ext cx="2912462" cy="369332"/>
-          </a:xfrm>
-          <a:prstGeom prst="rect">
-            <a:avLst/>
-          </a:prstGeom>
-          <a:noFill/>
-        </p:spPr>
-        <p:txBody>
-          <a:bodyPr wrap="square" rtlCol="0">
-            <a:spAutoFit/>
-          </a:bodyPr>
-          <a:lstStyle/>
-          <a:p>
-            <a:r>
-              <a:rPr lang="ru-RU" dirty="0"/>
-              <a:t>Микроконтроллер </a:t>
-            </a:r>
-            <a:r>
-              <a:rPr lang="ru-RU" sz="1800" kern="0" dirty="0">
-                <a:effectLst/>
-                <a:latin typeface="Times New Roman" panose="02020603050405020304" pitchFamily="18" charset="0"/>
-                <a:ea typeface="Times New Roman" panose="02020603050405020304" pitchFamily="18" charset="0"/>
-              </a:rPr>
-              <a:t>STM32</a:t>
-            </a:r>
-            <a:endParaRPr lang="ru-RU" dirty="0"/>
-          </a:p>
-        </p:txBody>
-      </p:sp>
-      <p:sp>
-        <p:nvSpPr>
-          <p:cNvPr id="13" name="TextBox 12">
-            <a:extLst>
-              <a:ext uri="{FF2B5EF4-FFF2-40B4-BE49-F238E27FC236}">
-                <a16:creationId xmlns:a16="http://schemas.microsoft.com/office/drawing/2014/main" id="{1B67CAC9-3847-6609-B04F-FD67CAD01B6A}"/>
-              </a:ext>
-            </a:extLst>
-          </p:cNvPr>
-          <p:cNvSpPr txBox="1"/>
-          <p:nvPr/>
-        </p:nvSpPr>
-        <p:spPr>
-          <a:xfrm>
-            <a:off x="3540287" y="4931105"/>
-            <a:ext cx="1827841" cy="369332"/>
-          </a:xfrm>
-          <a:prstGeom prst="rect">
-            <a:avLst/>
-          </a:prstGeom>
-          <a:noFill/>
-        </p:spPr>
-        <p:txBody>
-          <a:bodyPr wrap="square">
-            <a:spAutoFit/>
-          </a:bodyPr>
-          <a:lstStyle/>
-          <a:p>
-            <a:r>
-              <a:rPr lang="ru-RU" sz="1800" dirty="0" err="1">
-                <a:solidFill>
-                  <a:srgbClr val="000000"/>
-                </a:solidFill>
-                <a:effectLst/>
-                <a:latin typeface="Times New Roman" panose="02020603050405020304" pitchFamily="18" charset="0"/>
-                <a:ea typeface="Calibri" panose="020F0502020204030204" pitchFamily="34" charset="0"/>
-              </a:rPr>
-              <a:t>Raspberry</a:t>
-            </a:r>
-            <a:r>
-              <a:rPr lang="ru-RU" sz="1800" dirty="0">
-                <a:solidFill>
-                  <a:srgbClr val="000000"/>
-                </a:solidFill>
-                <a:effectLst/>
-                <a:latin typeface="Times New Roman" panose="02020603050405020304" pitchFamily="18" charset="0"/>
-                <a:ea typeface="Calibri" panose="020F0502020204030204" pitchFamily="34" charset="0"/>
-              </a:rPr>
-              <a:t> </a:t>
-            </a:r>
-            <a:r>
-              <a:rPr lang="ru-RU" sz="1800" dirty="0" err="1">
-                <a:solidFill>
-                  <a:srgbClr val="000000"/>
-                </a:solidFill>
-                <a:effectLst/>
-                <a:latin typeface="Times New Roman" panose="02020603050405020304" pitchFamily="18" charset="0"/>
-                <a:ea typeface="Calibri" panose="020F0502020204030204" pitchFamily="34" charset="0"/>
-              </a:rPr>
-              <a:t>Pi</a:t>
-            </a:r>
-            <a:r>
-              <a:rPr lang="ru-RU" sz="1800" dirty="0">
-                <a:solidFill>
-                  <a:srgbClr val="000000"/>
-                </a:solidFill>
-                <a:effectLst/>
-                <a:latin typeface="Times New Roman" panose="02020603050405020304" pitchFamily="18" charset="0"/>
-                <a:ea typeface="Calibri" panose="020F0502020204030204" pitchFamily="34" charset="0"/>
-              </a:rPr>
-              <a:t> 5</a:t>
-            </a:r>
-          </a:p>
-        </p:txBody>
-      </p:sp>
-      <p:sp>
-        <p:nvSpPr>
-          <p:cNvPr id="15" name="TextBox 14">
-            <a:extLst>
-              <a:ext uri="{FF2B5EF4-FFF2-40B4-BE49-F238E27FC236}">
-                <a16:creationId xmlns:a16="http://schemas.microsoft.com/office/drawing/2014/main" id="{79F3307A-69D7-8A09-CB27-2997D43655D9}"/>
-              </a:ext>
-            </a:extLst>
-          </p:cNvPr>
-          <p:cNvSpPr txBox="1"/>
-          <p:nvPr/>
-        </p:nvSpPr>
-        <p:spPr>
-          <a:xfrm>
-            <a:off x="5830825" y="4961805"/>
-            <a:ext cx="3982874" cy="369332"/>
-          </a:xfrm>
-          <a:prstGeom prst="rect">
-            <a:avLst/>
-          </a:prstGeom>
-          <a:noFill/>
-        </p:spPr>
-        <p:txBody>
-          <a:bodyPr wrap="square">
-            <a:spAutoFit/>
-          </a:bodyPr>
-          <a:lstStyle/>
-          <a:p>
-            <a:r>
-              <a:rPr lang="ru-RU" sz="1800" kern="0" dirty="0">
-                <a:effectLst/>
-                <a:latin typeface="Times New Roman" panose="02020603050405020304" pitchFamily="18" charset="0"/>
-                <a:ea typeface="Times New Roman" panose="02020603050405020304" pitchFamily="18" charset="0"/>
-              </a:rPr>
-              <a:t>АКБ HRB 6s 6000 мАч</a:t>
-            </a:r>
-            <a:endParaRPr lang="ru-RU" dirty="0"/>
-          </a:p>
-        </p:txBody>
-      </p:sp>
-      <p:pic>
-        <p:nvPicPr>
-          <p:cNvPr id="17" name="Рисунок 16">
-            <a:extLst>
-              <a:ext uri="{FF2B5EF4-FFF2-40B4-BE49-F238E27FC236}">
-                <a16:creationId xmlns:a16="http://schemas.microsoft.com/office/drawing/2014/main" id="{09EEB240-B447-9D3D-23E0-D36182D00AE5}"/>
-              </a:ext>
-            </a:extLst>
-          </p:cNvPr>
-          <p:cNvPicPr>
-            <a:picLocks noChangeAspect="1"/>
-          </p:cNvPicPr>
-          <p:nvPr/>
-        </p:nvPicPr>
-        <p:blipFill>
-          <a:blip r:embed="rId3"/>
-          <a:stretch>
-            <a:fillRect/>
-          </a:stretch>
-        </p:blipFill>
-        <p:spPr>
-          <a:xfrm>
-            <a:off x="536113" y="3615426"/>
-            <a:ext cx="1946705" cy="1412389"/>
-          </a:xfrm>
-          <a:prstGeom prst="rect">
-            <a:avLst/>
-          </a:prstGeom>
-        </p:spPr>
-      </p:pic>
-      <p:pic>
-        <p:nvPicPr>
-          <p:cNvPr id="18" name="Рисунок 17">
-            <a:extLst>
-              <a:ext uri="{FF2B5EF4-FFF2-40B4-BE49-F238E27FC236}">
-                <a16:creationId xmlns:a16="http://schemas.microsoft.com/office/drawing/2014/main" id="{A3B1833C-BD6D-7948-4985-F3AC91E2BD1C}"/>
-              </a:ext>
-            </a:extLst>
-          </p:cNvPr>
-          <p:cNvPicPr>
-            <a:picLocks noChangeAspect="1"/>
-          </p:cNvPicPr>
-          <p:nvPr/>
-        </p:nvPicPr>
-        <p:blipFill>
-          <a:blip r:embed="rId4"/>
-          <a:stretch>
-            <a:fillRect/>
-          </a:stretch>
-        </p:blipFill>
-        <p:spPr>
-          <a:xfrm>
-            <a:off x="3175095" y="3608274"/>
-            <a:ext cx="1915528" cy="1416966"/>
-          </a:xfrm>
-          <a:prstGeom prst="rect">
-            <a:avLst/>
-          </a:prstGeom>
-        </p:spPr>
-      </p:pic>
-      <p:sp>
-        <p:nvSpPr>
-          <p:cNvPr id="19" name="TextBox 18">
-            <a:extLst>
-              <a:ext uri="{FF2B5EF4-FFF2-40B4-BE49-F238E27FC236}">
-                <a16:creationId xmlns:a16="http://schemas.microsoft.com/office/drawing/2014/main" id="{9E2D4AAD-07FC-577C-F695-AD7A020A75D9}"/>
-              </a:ext>
-            </a:extLst>
-          </p:cNvPr>
-          <p:cNvSpPr txBox="1"/>
-          <p:nvPr/>
-        </p:nvSpPr>
-        <p:spPr>
-          <a:xfrm>
-            <a:off x="372316" y="3366957"/>
-            <a:ext cx="2699686" cy="369332"/>
-          </a:xfrm>
-          <a:prstGeom prst="rect">
-            <a:avLst/>
-          </a:prstGeom>
-          <a:noFill/>
-        </p:spPr>
-        <p:txBody>
-          <a:bodyPr wrap="square" rtlCol="0">
-            <a:spAutoFit/>
-          </a:bodyPr>
-          <a:lstStyle/>
-          <a:p>
-            <a:r>
-              <a:rPr lang="ru-RU" sz="1800" kern="0" dirty="0">
-                <a:effectLst/>
-                <a:latin typeface="Times New Roman" panose="02020603050405020304" pitchFamily="18" charset="0"/>
-                <a:ea typeface="Times New Roman" panose="02020603050405020304" pitchFamily="18" charset="0"/>
-              </a:rPr>
-              <a:t>ЭД CHP-42GP-775 ABHL</a:t>
-            </a:r>
-            <a:endParaRPr lang="ru-RU" dirty="0"/>
-          </a:p>
-        </p:txBody>
-      </p:sp>
-      <p:sp>
-        <p:nvSpPr>
-          <p:cNvPr id="20" name="TextBox 19">
-            <a:extLst>
-              <a:ext uri="{FF2B5EF4-FFF2-40B4-BE49-F238E27FC236}">
-                <a16:creationId xmlns:a16="http://schemas.microsoft.com/office/drawing/2014/main" id="{075691CB-A4EE-CA3A-68D8-7B6C103149BA}"/>
-              </a:ext>
-            </a:extLst>
-          </p:cNvPr>
-          <p:cNvSpPr txBox="1"/>
-          <p:nvPr/>
-        </p:nvSpPr>
-        <p:spPr>
-          <a:xfrm>
-            <a:off x="3774043" y="3366957"/>
-            <a:ext cx="1034913" cy="369332"/>
-          </a:xfrm>
-          <a:prstGeom prst="rect">
-            <a:avLst/>
-          </a:prstGeom>
-          <a:noFill/>
-        </p:spPr>
-        <p:txBody>
-          <a:bodyPr wrap="square" rtlCol="0">
-            <a:spAutoFit/>
-          </a:bodyPr>
-          <a:lstStyle/>
-          <a:p>
-            <a:r>
-              <a:rPr lang="ru-RU" dirty="0"/>
-              <a:t>Энкодер</a:t>
-            </a:r>
-          </a:p>
-        </p:txBody>
-      </p:sp>
-      <p:pic>
-        <p:nvPicPr>
-          <p:cNvPr id="21" name="Рисунок 20">
-            <a:extLst>
-              <a:ext uri="{FF2B5EF4-FFF2-40B4-BE49-F238E27FC236}">
-                <a16:creationId xmlns:a16="http://schemas.microsoft.com/office/drawing/2014/main" id="{7432CFF4-A912-79F7-1B71-C5BFCC026874}"/>
-              </a:ext>
-            </a:extLst>
-          </p:cNvPr>
-          <p:cNvPicPr>
-            <a:picLocks noChangeAspect="1"/>
-          </p:cNvPicPr>
-          <p:nvPr/>
-        </p:nvPicPr>
-        <p:blipFill>
-          <a:blip r:embed="rId5"/>
-          <a:stretch>
-            <a:fillRect/>
-          </a:stretch>
-        </p:blipFill>
-        <p:spPr>
-          <a:xfrm>
-            <a:off x="595741" y="1647436"/>
-            <a:ext cx="1730042" cy="1622719"/>
-          </a:xfrm>
-          <a:prstGeom prst="rect">
-            <a:avLst/>
-          </a:prstGeom>
-        </p:spPr>
-      </p:pic>
-      <p:pic>
-        <p:nvPicPr>
-          <p:cNvPr id="22" name="Рисунок 21">
-            <a:extLst>
-              <a:ext uri="{FF2B5EF4-FFF2-40B4-BE49-F238E27FC236}">
-                <a16:creationId xmlns:a16="http://schemas.microsoft.com/office/drawing/2014/main" id="{9AAD30F4-B52F-2F7A-95A8-2238F82844C5}"/>
-              </a:ext>
-            </a:extLst>
-          </p:cNvPr>
-          <p:cNvPicPr>
-            <a:picLocks noChangeAspect="1"/>
-          </p:cNvPicPr>
-          <p:nvPr/>
-        </p:nvPicPr>
-        <p:blipFill>
-          <a:blip r:embed="rId6"/>
-          <a:stretch>
-            <a:fillRect/>
-          </a:stretch>
-        </p:blipFill>
-        <p:spPr>
-          <a:xfrm>
-            <a:off x="3444318" y="1604012"/>
-            <a:ext cx="1576390" cy="1762945"/>
-          </a:xfrm>
-          <a:prstGeom prst="rect">
-            <a:avLst/>
-          </a:prstGeom>
-        </p:spPr>
-      </p:pic>
-      <p:pic>
-        <p:nvPicPr>
-          <p:cNvPr id="23" name="Рисунок 22">
-            <a:extLst>
-              <a:ext uri="{FF2B5EF4-FFF2-40B4-BE49-F238E27FC236}">
-                <a16:creationId xmlns:a16="http://schemas.microsoft.com/office/drawing/2014/main" id="{3354C2B2-7DAA-77FC-21AE-5008391675C2}"/>
-              </a:ext>
-            </a:extLst>
-          </p:cNvPr>
-          <p:cNvPicPr>
-            <a:picLocks noChangeAspect="1"/>
-          </p:cNvPicPr>
-          <p:nvPr/>
-        </p:nvPicPr>
-        <p:blipFill>
-          <a:blip r:embed="rId7"/>
-          <a:stretch>
-            <a:fillRect/>
-          </a:stretch>
-        </p:blipFill>
-        <p:spPr>
-          <a:xfrm>
-            <a:off x="5735778" y="1575957"/>
-            <a:ext cx="2592251" cy="1762358"/>
-          </a:xfrm>
-          <a:prstGeom prst="rect">
-            <a:avLst/>
-          </a:prstGeom>
-        </p:spPr>
-      </p:pic>
-      <p:sp>
-        <p:nvSpPr>
-          <p:cNvPr id="24" name="TextBox 23">
-            <a:extLst>
-              <a:ext uri="{FF2B5EF4-FFF2-40B4-BE49-F238E27FC236}">
-                <a16:creationId xmlns:a16="http://schemas.microsoft.com/office/drawing/2014/main" id="{71039D8C-E426-686C-B544-76EFD1A71363}"/>
-              </a:ext>
-            </a:extLst>
-          </p:cNvPr>
-          <p:cNvSpPr txBox="1"/>
-          <p:nvPr/>
-        </p:nvSpPr>
-        <p:spPr>
-          <a:xfrm>
-            <a:off x="5896558" y="3366957"/>
-            <a:ext cx="2814760" cy="369332"/>
-          </a:xfrm>
-          <a:prstGeom prst="rect">
-            <a:avLst/>
-          </a:prstGeom>
-          <a:noFill/>
-        </p:spPr>
-        <p:txBody>
-          <a:bodyPr wrap="square" rtlCol="0">
-            <a:spAutoFit/>
-          </a:bodyPr>
-          <a:lstStyle/>
-          <a:p>
-            <a:r>
-              <a:rPr lang="ru-RU" sz="1800" kern="0" dirty="0">
-                <a:effectLst/>
-                <a:latin typeface="Times New Roman" panose="02020603050405020304" pitchFamily="18" charset="0"/>
-                <a:ea typeface="Times New Roman" panose="02020603050405020304" pitchFamily="18" charset="0"/>
-              </a:rPr>
-              <a:t>Драйвер привода </a:t>
-            </a:r>
-            <a:r>
-              <a:rPr lang="en-US" sz="1800" kern="0" dirty="0">
-                <a:effectLst/>
-                <a:latin typeface="Times New Roman" panose="02020603050405020304" pitchFamily="18" charset="0"/>
-                <a:ea typeface="Times New Roman" panose="02020603050405020304" pitchFamily="18" charset="0"/>
-              </a:rPr>
-              <a:t>PWM</a:t>
-            </a:r>
-            <a:endParaRPr lang="ru-RU" dirty="0"/>
-          </a:p>
-        </p:txBody>
-      </p:sp>
-      <p:pic>
-        <p:nvPicPr>
-          <p:cNvPr id="25" name="Рисунок 24">
-            <a:extLst>
-              <a:ext uri="{FF2B5EF4-FFF2-40B4-BE49-F238E27FC236}">
-                <a16:creationId xmlns:a16="http://schemas.microsoft.com/office/drawing/2014/main" id="{09152AF9-498E-FF5E-1650-770E468AB571}"/>
-              </a:ext>
-            </a:extLst>
-          </p:cNvPr>
-          <p:cNvPicPr>
-            <a:picLocks noChangeAspect="1"/>
-          </p:cNvPicPr>
-          <p:nvPr/>
-        </p:nvPicPr>
-        <p:blipFill>
-          <a:blip r:embed="rId8"/>
-          <a:stretch>
-            <a:fillRect/>
-          </a:stretch>
-        </p:blipFill>
-        <p:spPr>
-          <a:xfrm>
-            <a:off x="432697" y="5276284"/>
-            <a:ext cx="1208560" cy="1204572"/>
-          </a:xfrm>
-          <a:prstGeom prst="rect">
-            <a:avLst/>
-          </a:prstGeom>
-        </p:spPr>
-      </p:pic>
-      <p:pic>
-        <p:nvPicPr>
-          <p:cNvPr id="26" name="Рисунок 25">
-            <a:extLst>
-              <a:ext uri="{FF2B5EF4-FFF2-40B4-BE49-F238E27FC236}">
-                <a16:creationId xmlns:a16="http://schemas.microsoft.com/office/drawing/2014/main" id="{B3315609-9E68-1E10-7559-484FCD7D3761}"/>
-              </a:ext>
-            </a:extLst>
-          </p:cNvPr>
-          <p:cNvPicPr>
-            <a:picLocks noChangeAspect="1"/>
-          </p:cNvPicPr>
-          <p:nvPr/>
-        </p:nvPicPr>
-        <p:blipFill>
-          <a:blip r:embed="rId9"/>
-          <a:stretch>
-            <a:fillRect/>
-          </a:stretch>
-        </p:blipFill>
-        <p:spPr>
-          <a:xfrm>
-            <a:off x="2256063" y="5257609"/>
-            <a:ext cx="1495799" cy="1349432"/>
-          </a:xfrm>
-          <a:prstGeom prst="rect">
-            <a:avLst/>
-          </a:prstGeom>
-        </p:spPr>
-      </p:pic>
-      <p:pic>
-        <p:nvPicPr>
-          <p:cNvPr id="28" name="Рисунок 27">
-            <a:extLst>
-              <a:ext uri="{FF2B5EF4-FFF2-40B4-BE49-F238E27FC236}">
-                <a16:creationId xmlns:a16="http://schemas.microsoft.com/office/drawing/2014/main" id="{F8006C67-13B9-17C3-1C62-D0284C124486}"/>
-              </a:ext>
-            </a:extLst>
-          </p:cNvPr>
-          <p:cNvPicPr>
-            <a:picLocks noChangeAspect="1"/>
-          </p:cNvPicPr>
-          <p:nvPr/>
-        </p:nvPicPr>
-        <p:blipFill>
-          <a:blip r:embed="rId10"/>
-          <a:stretch>
-            <a:fillRect/>
-          </a:stretch>
-        </p:blipFill>
-        <p:spPr>
-          <a:xfrm>
-            <a:off x="4228730" y="5273555"/>
-            <a:ext cx="1713118" cy="1303042"/>
-          </a:xfrm>
-          <a:prstGeom prst="rect">
-            <a:avLst/>
-          </a:prstGeom>
-        </p:spPr>
-      </p:pic>
-      <p:sp>
-        <p:nvSpPr>
-          <p:cNvPr id="29" name="TextBox 28">
-            <a:extLst>
-              <a:ext uri="{FF2B5EF4-FFF2-40B4-BE49-F238E27FC236}">
-                <a16:creationId xmlns:a16="http://schemas.microsoft.com/office/drawing/2014/main" id="{6DA27B3E-A452-525C-43F5-7480248409DD}"/>
-              </a:ext>
-            </a:extLst>
-          </p:cNvPr>
-          <p:cNvSpPr txBox="1"/>
-          <p:nvPr/>
-        </p:nvSpPr>
-        <p:spPr>
-          <a:xfrm>
-            <a:off x="261448" y="6544659"/>
-            <a:ext cx="1976844" cy="369332"/>
-          </a:xfrm>
-          <a:prstGeom prst="rect">
-            <a:avLst/>
-          </a:prstGeom>
-          <a:noFill/>
-        </p:spPr>
-        <p:txBody>
-          <a:bodyPr wrap="square">
-            <a:spAutoFit/>
-          </a:bodyPr>
-          <a:lstStyle/>
-          <a:p>
-            <a:r>
-              <a:rPr lang="ru-RU" sz="1800" kern="0" dirty="0">
-                <a:effectLst/>
-                <a:latin typeface="Times New Roman" panose="02020603050405020304" pitchFamily="18" charset="0"/>
-                <a:ea typeface="Times New Roman" panose="02020603050405020304" pitchFamily="18" charset="0"/>
-              </a:rPr>
-              <a:t>Колеса Илона</a:t>
-            </a:r>
-            <a:endParaRPr lang="ru-RU" dirty="0"/>
-          </a:p>
-        </p:txBody>
-      </p:sp>
-      <p:sp>
-        <p:nvSpPr>
-          <p:cNvPr id="30" name="TextBox 29">
-            <a:extLst>
-              <a:ext uri="{FF2B5EF4-FFF2-40B4-BE49-F238E27FC236}">
-                <a16:creationId xmlns:a16="http://schemas.microsoft.com/office/drawing/2014/main" id="{FBE4750F-9E24-0542-4E24-47384C84BC88}"/>
-              </a:ext>
-            </a:extLst>
-          </p:cNvPr>
-          <p:cNvSpPr txBox="1"/>
-          <p:nvPr/>
-        </p:nvSpPr>
-        <p:spPr>
-          <a:xfrm>
-            <a:off x="2349287" y="6524179"/>
-            <a:ext cx="1967995" cy="369332"/>
-          </a:xfrm>
-          <a:prstGeom prst="rect">
-            <a:avLst/>
-          </a:prstGeom>
-          <a:noFill/>
-        </p:spPr>
-        <p:txBody>
-          <a:bodyPr wrap="square">
-            <a:spAutoFit/>
-          </a:bodyPr>
-          <a:lstStyle/>
-          <a:p>
-            <a:r>
-              <a:rPr lang="ru-RU" sz="1800" kern="0" dirty="0">
-                <a:effectLst/>
-                <a:latin typeface="Times New Roman" panose="02020603050405020304" pitchFamily="18" charset="0"/>
-                <a:ea typeface="Times New Roman" panose="02020603050405020304" pitchFamily="18" charset="0"/>
-              </a:rPr>
-              <a:t>RP-</a:t>
-            </a:r>
-            <a:r>
-              <a:rPr lang="ru-RU" sz="1800" kern="0" dirty="0" err="1">
-                <a:effectLst/>
-                <a:latin typeface="Times New Roman" panose="02020603050405020304" pitchFamily="18" charset="0"/>
-                <a:ea typeface="Times New Roman" panose="02020603050405020304" pitchFamily="18" charset="0"/>
-              </a:rPr>
-              <a:t>Lidar</a:t>
-            </a:r>
-            <a:r>
-              <a:rPr lang="ru-RU" sz="1800" kern="0" dirty="0">
-                <a:effectLst/>
-                <a:latin typeface="Times New Roman" panose="02020603050405020304" pitchFamily="18" charset="0"/>
-                <a:ea typeface="Times New Roman" panose="02020603050405020304" pitchFamily="18" charset="0"/>
-              </a:rPr>
-              <a:t> A1</a:t>
-            </a:r>
-            <a:endParaRPr lang="ru-RU" dirty="0"/>
-          </a:p>
-        </p:txBody>
-      </p:sp>
-      <p:sp>
-        <p:nvSpPr>
-          <p:cNvPr id="31" name="TextBox 30">
-            <a:extLst>
-              <a:ext uri="{FF2B5EF4-FFF2-40B4-BE49-F238E27FC236}">
-                <a16:creationId xmlns:a16="http://schemas.microsoft.com/office/drawing/2014/main" id="{452521CD-4B70-8D4E-BF88-53AB9D972217}"/>
-              </a:ext>
-            </a:extLst>
-          </p:cNvPr>
-          <p:cNvSpPr txBox="1"/>
-          <p:nvPr/>
-        </p:nvSpPr>
-        <p:spPr>
-          <a:xfrm>
-            <a:off x="4450721" y="6475667"/>
-            <a:ext cx="1967995" cy="369332"/>
-          </a:xfrm>
-          <a:prstGeom prst="rect">
-            <a:avLst/>
-          </a:prstGeom>
-          <a:noFill/>
-        </p:spPr>
-        <p:txBody>
-          <a:bodyPr wrap="square">
-            <a:spAutoFit/>
-          </a:bodyPr>
-          <a:lstStyle/>
-          <a:p>
-            <a:r>
-              <a:rPr lang="ru-RU" sz="1800" kern="0" dirty="0">
-                <a:effectLst/>
-                <a:latin typeface="Times New Roman" panose="02020603050405020304" pitchFamily="18" charset="0"/>
-                <a:ea typeface="Times New Roman" panose="02020603050405020304" pitchFamily="18" charset="0"/>
-              </a:rPr>
-              <a:t>Датчик </a:t>
-            </a:r>
-            <a:r>
-              <a:rPr lang="en-US" sz="1800" kern="0" dirty="0">
-                <a:effectLst/>
-                <a:latin typeface="Times New Roman" panose="02020603050405020304" pitchFamily="18" charset="0"/>
-                <a:ea typeface="Times New Roman" panose="02020603050405020304" pitchFamily="18" charset="0"/>
-              </a:rPr>
-              <a:t>BNO</a:t>
-            </a:r>
-            <a:r>
-              <a:rPr lang="ru-RU" sz="1800" kern="0" dirty="0">
-                <a:effectLst/>
-                <a:latin typeface="Times New Roman" panose="02020603050405020304" pitchFamily="18" charset="0"/>
-                <a:ea typeface="Times New Roman" panose="02020603050405020304" pitchFamily="18" charset="0"/>
-              </a:rPr>
-              <a:t>055</a:t>
-            </a:r>
-            <a:endParaRPr lang="ru-RU" dirty="0"/>
-          </a:p>
-        </p:txBody>
-      </p:sp>
-      <p:sp>
-        <p:nvSpPr>
-          <p:cNvPr id="32" name="TextBox 31">
-            <a:extLst>
-              <a:ext uri="{FF2B5EF4-FFF2-40B4-BE49-F238E27FC236}">
-                <a16:creationId xmlns:a16="http://schemas.microsoft.com/office/drawing/2014/main" id="{F81C926E-E9D7-6188-23F8-87515DDF567F}"/>
-              </a:ext>
-            </a:extLst>
-          </p:cNvPr>
-          <p:cNvSpPr txBox="1"/>
-          <p:nvPr/>
-        </p:nvSpPr>
-        <p:spPr>
-          <a:xfrm>
-            <a:off x="6254858" y="6456060"/>
-            <a:ext cx="2149328" cy="369332"/>
-          </a:xfrm>
-          <a:prstGeom prst="rect">
-            <a:avLst/>
-          </a:prstGeom>
-          <a:noFill/>
-        </p:spPr>
-        <p:txBody>
-          <a:bodyPr wrap="square">
-            <a:spAutoFit/>
-          </a:bodyPr>
-          <a:lstStyle/>
-          <a:p>
-            <a:r>
-              <a:rPr lang="ru-RU" sz="1800" kern="0" dirty="0">
-                <a:effectLst/>
-                <a:latin typeface="Times New Roman" panose="02020603050405020304" pitchFamily="18" charset="0"/>
-                <a:ea typeface="Times New Roman" panose="02020603050405020304" pitchFamily="18" charset="0"/>
-              </a:rPr>
-              <a:t> </a:t>
-            </a:r>
-            <a:r>
-              <a:rPr lang="ru-RU" sz="1800" kern="0" dirty="0" err="1">
-                <a:effectLst/>
-                <a:latin typeface="Times New Roman" panose="02020603050405020304" pitchFamily="18" charset="0"/>
-                <a:ea typeface="Times New Roman" panose="02020603050405020304" pitchFamily="18" charset="0"/>
-              </a:rPr>
-              <a:t>Camera</a:t>
-            </a:r>
-            <a:r>
-              <a:rPr lang="ru-RU" sz="1800" kern="0" dirty="0">
-                <a:effectLst/>
-                <a:latin typeface="Times New Roman" panose="02020603050405020304" pitchFamily="18" charset="0"/>
-                <a:ea typeface="Times New Roman" panose="02020603050405020304" pitchFamily="18" charset="0"/>
-              </a:rPr>
-              <a:t> </a:t>
-            </a:r>
-            <a:r>
-              <a:rPr lang="ru-RU" sz="1800" kern="0" dirty="0" err="1">
-                <a:effectLst/>
-                <a:latin typeface="Times New Roman" panose="02020603050405020304" pitchFamily="18" charset="0"/>
-                <a:ea typeface="Times New Roman" panose="02020603050405020304" pitchFamily="18" charset="0"/>
-              </a:rPr>
-              <a:t>Module</a:t>
-            </a:r>
-            <a:r>
-              <a:rPr lang="ru-RU" sz="1800" kern="0" dirty="0">
-                <a:effectLst/>
-                <a:latin typeface="Times New Roman" panose="02020603050405020304" pitchFamily="18" charset="0"/>
-                <a:ea typeface="Times New Roman" panose="02020603050405020304" pitchFamily="18" charset="0"/>
-              </a:rPr>
-              <a:t> 2 </a:t>
-            </a:r>
-            <a:endParaRPr lang="ru-RU" dirty="0"/>
-          </a:p>
-        </p:txBody>
-      </p:sp>
-      <p:pic>
-        <p:nvPicPr>
-          <p:cNvPr id="34" name="Рисунок 33">
-            <a:extLst>
-              <a:ext uri="{FF2B5EF4-FFF2-40B4-BE49-F238E27FC236}">
-                <a16:creationId xmlns:a16="http://schemas.microsoft.com/office/drawing/2014/main" id="{6FA5FF1E-E92D-145A-6A75-969FB2FA38F7}"/>
-              </a:ext>
-            </a:extLst>
-          </p:cNvPr>
-          <p:cNvPicPr>
-            <a:picLocks noChangeAspect="1"/>
-          </p:cNvPicPr>
-          <p:nvPr/>
-        </p:nvPicPr>
-        <p:blipFill>
-          <a:blip r:embed="rId11"/>
-          <a:stretch>
-            <a:fillRect/>
-          </a:stretch>
-        </p:blipFill>
-        <p:spPr>
-          <a:xfrm>
-            <a:off x="6497424" y="5257609"/>
-            <a:ext cx="1228896" cy="1200318"/>
-          </a:xfrm>
-          <a:prstGeom prst="rect">
-            <a:avLst/>
-          </a:prstGeom>
-        </p:spPr>
-      </p:pic>
-      <p:sp>
-        <p:nvSpPr>
-          <p:cNvPr id="4" name="Номер слайда 3">
-            <a:extLst>
-              <a:ext uri="{FF2B5EF4-FFF2-40B4-BE49-F238E27FC236}">
-                <a16:creationId xmlns:a16="http://schemas.microsoft.com/office/drawing/2014/main" id="{4DA21946-2734-4983-66C1-F0448FE8CD67}"/>
-              </a:ext>
-            </a:extLst>
-          </p:cNvPr>
-          <p:cNvSpPr>
-            <a:spLocks noGrp="1"/>
-          </p:cNvSpPr>
-          <p:nvPr>
-            <p:ph type="sldNum" sz="quarter" idx="12"/>
-          </p:nvPr>
-        </p:nvSpPr>
-        <p:spPr/>
-        <p:txBody>
-          <a:bodyPr/>
-          <a:lstStyle/>
-          <a:p>
-            <a:fld id="{C1FF6DA9-008F-8B48-92A6-B652298478BF}" type="slidenum">
-              <a:rPr lang="en-US" sz="1400" b="1" smtClean="0">
-                <a:solidFill>
-                  <a:schemeClr val="tx1"/>
-                </a:solidFill>
-              </a:rPr>
-              <a:t>7</a:t>
-            </a:fld>
-            <a:endParaRPr lang="en-US" sz="1400" b="1" dirty="0">
-              <a:solidFill>
-                <a:schemeClr val="tx1"/>
-              </a:solidFill>
-            </a:endParaRPr>
-          </a:p>
-        </p:txBody>
-      </p:sp>
-    </p:spTree>
-    <p:extLst>
-      <p:ext uri="{BB962C8B-B14F-4D97-AF65-F5344CB8AC3E}">
-        <p14:creationId xmlns:p14="http://schemas.microsoft.com/office/powerpoint/2010/main" val="1944167056"/>
-      </p:ext>
-    </p:extLst>
-  </p:cSld>
-  <p:clrMapOvr>
-    <a:masterClrMapping/>
-  </p:clrMapOvr>
-</p:sld>
-</file>
-
-<file path=ppt/slides/slide8.xml><?xml version="1.0" encoding="utf-8"?>
+<file path=ppt/slides/slide9.xml><?xml version="1.0" encoding="utf-8"?>
 <p:sld xmlns:a="http://schemas.openxmlformats.org/drawingml/2006/main" xmlns:r="http://schemas.openxmlformats.org/officeDocument/2006/relationships" xmlns:p="http://schemas.openxmlformats.org/presentationml/2006/main">
   <p:cSld>
     <p:bg>
@@ -14834,7 +17100,7 @@
         </p:spPr>
         <p:txBody>
           <a:bodyPr vert="horz" lIns="91440" tIns="45720" rIns="91440" bIns="45720" rtlCol="0" anchor="ctr">
-            <a:normAutofit/>
+            <a:normAutofit fontScale="77500" lnSpcReduction="20000"/>
           </a:bodyPr>
           <a:lstStyle/>
           <a:p>
@@ -14854,7 +17120,7 @@
                   <a:spcPts val="600"/>
                 </a:spcAft>
               </a:pPr>
-              <a:t>8</a:t>
+              <a:t>9</a:t>
             </a:fld>
             <a:endParaRPr lang="en-US" sz="1400" b="1" dirty="0">
               <a:solidFill>
@@ -14898,600 +17164,6 @@
     <p:extLst>
       <p:ext uri="{BB962C8B-B14F-4D97-AF65-F5344CB8AC3E}">
         <p14:creationId xmlns:p14="http://schemas.microsoft.com/office/powerpoint/2010/main" val="3476259911"/>
-      </p:ext>
-    </p:extLst>
-  </p:cSld>
-  <p:clrMapOvr>
-    <a:masterClrMapping/>
-  </p:clrMapOvr>
-</p:sld>
-</file>
-
-<file path=ppt/slides/slide9.xml><?xml version="1.0" encoding="utf-8"?>
-<p:sld xmlns:a="http://schemas.openxmlformats.org/drawingml/2006/main" xmlns:r="http://schemas.openxmlformats.org/officeDocument/2006/relationships" xmlns:p="http://schemas.openxmlformats.org/presentationml/2006/main">
-  <p:cSld>
-    <p:bg>
-      <p:bgPr>
-        <a:solidFill>
-          <a:schemeClr val="bg1"/>
-        </a:solidFill>
-        <a:effectLst/>
-      </p:bgPr>
-    </p:bg>
-    <p:spTree>
-      <p:nvGrpSpPr>
-        <p:cNvPr id="1" name=""/>
-        <p:cNvGrpSpPr/>
-        <p:nvPr/>
-      </p:nvGrpSpPr>
-      <p:grpSpPr>
-        <a:xfrm>
-          <a:off x="0" y="0"/>
-          <a:ext cx="0" cy="0"/>
-          <a:chOff x="0" y="0"/>
-          <a:chExt cx="0" cy="0"/>
-        </a:xfrm>
-      </p:grpSpPr>
-      <p:sp useBgFill="1">
-        <p:nvSpPr>
-          <p:cNvPr id="34" name="Rectangle 33">
-            <a:extLst>
-              <a:ext uri="{FF2B5EF4-FFF2-40B4-BE49-F238E27FC236}">
-                <a16:creationId xmlns:a16="http://schemas.microsoft.com/office/drawing/2014/main" id="{50D1C5B3-B60D-4696-AE60-100D5EC8AB5D}"/>
-              </a:ext>
-              <a:ext uri="{C183D7F6-B498-43B3-948B-1728B52AA6E4}">
-                <adec:decorative xmlns:adec="http://schemas.microsoft.com/office/drawing/2017/decorative" val="1"/>
-              </a:ext>
-            </a:extLst>
-          </p:cNvPr>
-          <p:cNvSpPr>
-            <a:spLocks noGrp="1" noRot="1" noChangeAspect="1" noMove="1" noResize="1" noEditPoints="1" noAdjustHandles="1" noChangeArrowheads="1" noChangeShapeType="1" noTextEdit="1"/>
-          </p:cNvSpPr>
-          <p:nvPr>
-            <p:extLst>
-              <p:ext uri="{386F3935-93C4-4BCD-93E2-E3B085C9AB24}">
-                <p16:designElem xmlns:p16="http://schemas.microsoft.com/office/powerpoint/2015/main" val="1"/>
-              </p:ext>
-            </p:extLst>
-          </p:nvPr>
-        </p:nvSpPr>
-        <p:spPr>
-          <a:xfrm>
-            <a:off x="0" y="0"/>
-            <a:ext cx="9144000" cy="6858000"/>
-          </a:xfrm>
-          <a:prstGeom prst="rect">
-            <a:avLst/>
-          </a:prstGeom>
-          <a:ln w="12700" cap="flat" cmpd="sng" algn="ctr">
-            <a:noFill/>
-            <a:prstDash val="solid"/>
-            <a:miter lim="800000"/>
-          </a:ln>
-          <a:effectLst/>
-          <a:extLst>
-            <a:ext uri="{91240B29-F687-4F45-9708-019B960494DF}">
-              <a14:hiddenLine xmlns:a14="http://schemas.microsoft.com/office/drawing/2010/main" w="12700" cap="flat" cmpd="sng" algn="ctr">
-                <a:solidFill>
-                  <a:schemeClr val="accent1">
-                    <a:shade val="50000"/>
-                  </a:schemeClr>
-                </a:solidFill>
-                <a:prstDash val="solid"/>
-                <a:miter lim="800000"/>
-              </a14:hiddenLine>
-            </a:ext>
-          </a:extLst>
-        </p:spPr>
-        <p:style>
-          <a:lnRef idx="2">
-            <a:schemeClr val="accent1">
-              <a:shade val="50000"/>
-            </a:schemeClr>
-          </a:lnRef>
-          <a:fillRef idx="1">
-            <a:schemeClr val="accent1"/>
-          </a:fillRef>
-          <a:effectRef idx="0">
-            <a:schemeClr val="accent1"/>
-          </a:effectRef>
-          <a:fontRef idx="minor">
-            <a:schemeClr val="lt1"/>
-          </a:fontRef>
-        </p:style>
-        <p:txBody>
-          <a:bodyPr rtlCol="0" anchor="ctr"/>
-          <a:lstStyle/>
-          <a:p>
-            <a:pPr algn="ctr"/>
-            <a:endParaRPr lang="en-US"/>
-          </a:p>
-        </p:txBody>
-      </p:sp>
-      <p:grpSp>
-        <p:nvGrpSpPr>
-          <p:cNvPr id="36" name="Group 35">
-            <a:extLst>
-              <a:ext uri="{FF2B5EF4-FFF2-40B4-BE49-F238E27FC236}">
-                <a16:creationId xmlns:a16="http://schemas.microsoft.com/office/drawing/2014/main" id="{73EDDF53-0851-48D4-A466-6FE0DCE91E73}"/>
-              </a:ext>
-              <a:ext uri="{C183D7F6-B498-43B3-948B-1728B52AA6E4}">
-                <adec:decorative xmlns:adec="http://schemas.microsoft.com/office/drawing/2017/decorative" val="1"/>
-              </a:ext>
-            </a:extLst>
-          </p:cNvPr>
-          <p:cNvGrpSpPr>
-            <a:grpSpLocks noGrp="1" noUngrp="1" noRot="1" noChangeAspect="1" noMove="1" noResize="1"/>
-          </p:cNvGrpSpPr>
-          <p:nvPr>
-            <p:extLst>
-              <p:ext uri="{386F3935-93C4-4BCD-93E2-E3B085C9AB24}">
-                <p16:designElem xmlns:p16="http://schemas.microsoft.com/office/powerpoint/2015/main" val="1"/>
-              </p:ext>
-            </p:extLst>
-          </p:nvPr>
-        </p:nvGrpSpPr>
-        <p:grpSpPr>
-          <a:xfrm>
-            <a:off x="0" y="0"/>
-            <a:ext cx="9144001" cy="1576446"/>
-            <a:chOff x="0" y="0"/>
-            <a:chExt cx="12192002" cy="1576446"/>
-          </a:xfrm>
-        </p:grpSpPr>
-        <p:sp>
-          <p:nvSpPr>
-            <p:cNvPr id="37" name="Rectangle 36">
-              <a:extLst>
-                <a:ext uri="{FF2B5EF4-FFF2-40B4-BE49-F238E27FC236}">
-                  <a16:creationId xmlns:a16="http://schemas.microsoft.com/office/drawing/2014/main" id="{D074D04C-85E8-4A3E-90D7-86A10AE04827}"/>
-                </a:ext>
-                <a:ext uri="{C183D7F6-B498-43B3-948B-1728B52AA6E4}">
-                  <adec:decorative xmlns:adec="http://schemas.microsoft.com/office/drawing/2017/decorative" val="1"/>
-                </a:ext>
-              </a:extLst>
-            </p:cNvPr>
-            <p:cNvSpPr/>
-            <p:nvPr>
-              <p:extLst>
-                <p:ext uri="{386F3935-93C4-4BCD-93E2-E3B085C9AB24}">
-                  <p16:designElem xmlns:p16="http://schemas.microsoft.com/office/powerpoint/2015/main" val="1"/>
-                </p:ext>
-              </p:extLst>
-            </p:nvPr>
-          </p:nvSpPr>
-          <p:spPr>
-            <a:xfrm rot="10800000" flipH="1">
-              <a:off x="2" y="0"/>
-              <a:ext cx="12191998" cy="1575955"/>
-            </a:xfrm>
-            <a:prstGeom prst="rect">
-              <a:avLst/>
-            </a:prstGeom>
-            <a:gradFill>
-              <a:gsLst>
-                <a:gs pos="0">
-                  <a:srgbClr val="000000">
-                    <a:alpha val="96000"/>
-                  </a:srgbClr>
-                </a:gs>
-                <a:gs pos="100000">
-                  <a:schemeClr val="accent1">
-                    <a:lumMod val="75000"/>
-                  </a:schemeClr>
-                </a:gs>
-              </a:gsLst>
-              <a:lin ang="8400000" scaled="0"/>
-            </a:gradFill>
-            <a:ln>
-              <a:noFill/>
-            </a:ln>
-          </p:spPr>
-          <p:style>
-            <a:lnRef idx="2">
-              <a:schemeClr val="accent1">
-                <a:shade val="50000"/>
-              </a:schemeClr>
-            </a:lnRef>
-            <a:fillRef idx="1">
-              <a:schemeClr val="accent1"/>
-            </a:fillRef>
-            <a:effectRef idx="0">
-              <a:schemeClr val="accent1"/>
-            </a:effectRef>
-            <a:fontRef idx="minor">
-              <a:schemeClr val="lt1"/>
-            </a:fontRef>
-          </p:style>
-          <p:txBody>
-            <a:bodyPr rtlCol="0" anchor="ctr"/>
-            <a:lstStyle/>
-            <a:p>
-              <a:pPr algn="ctr"/>
-              <a:endParaRPr lang="en-US"/>
-            </a:p>
-          </p:txBody>
-        </p:sp>
-        <p:sp>
-          <p:nvSpPr>
-            <p:cNvPr id="38" name="Rectangle 37">
-              <a:extLst>
-                <a:ext uri="{FF2B5EF4-FFF2-40B4-BE49-F238E27FC236}">
-                  <a16:creationId xmlns:a16="http://schemas.microsoft.com/office/drawing/2014/main" id="{4097020A-86B6-43BD-A2AA-66AE72CA3110}"/>
-                </a:ext>
-                <a:ext uri="{C183D7F6-B498-43B3-948B-1728B52AA6E4}">
-                  <adec:decorative xmlns:adec="http://schemas.microsoft.com/office/drawing/2017/decorative" val="1"/>
-                </a:ext>
-              </a:extLst>
-            </p:cNvPr>
-            <p:cNvSpPr/>
-            <p:nvPr>
-              <p:extLst>
-                <p:ext uri="{386F3935-93C4-4BCD-93E2-E3B085C9AB24}">
-                  <p16:designElem xmlns:p16="http://schemas.microsoft.com/office/powerpoint/2015/main" val="1"/>
-                </p:ext>
-              </p:extLst>
-            </p:nvPr>
-          </p:nvSpPr>
-          <p:spPr>
-            <a:xfrm rot="16200000">
-              <a:off x="5307778" y="-5307778"/>
-              <a:ext cx="1576446" cy="12192002"/>
-            </a:xfrm>
-            <a:prstGeom prst="rect">
-              <a:avLst/>
-            </a:prstGeom>
-            <a:gradFill>
-              <a:gsLst>
-                <a:gs pos="45000">
-                  <a:schemeClr val="accent1">
-                    <a:alpha val="0"/>
-                  </a:schemeClr>
-                </a:gs>
-                <a:gs pos="99000">
-                  <a:srgbClr val="000000">
-                    <a:alpha val="74000"/>
-                  </a:srgbClr>
-                </a:gs>
-              </a:gsLst>
-              <a:lin ang="11400000" scaled="0"/>
-            </a:gradFill>
-            <a:ln>
-              <a:noFill/>
-            </a:ln>
-          </p:spPr>
-          <p:style>
-            <a:lnRef idx="2">
-              <a:schemeClr val="accent1">
-                <a:shade val="50000"/>
-              </a:schemeClr>
-            </a:lnRef>
-            <a:fillRef idx="1">
-              <a:schemeClr val="accent1"/>
-            </a:fillRef>
-            <a:effectRef idx="0">
-              <a:schemeClr val="accent1"/>
-            </a:effectRef>
-            <a:fontRef idx="minor">
-              <a:schemeClr val="lt1"/>
-            </a:fontRef>
-          </p:style>
-          <p:txBody>
-            <a:bodyPr rtlCol="0" anchor="ctr"/>
-            <a:lstStyle/>
-            <a:p>
-              <a:pPr algn="ctr"/>
-              <a:endParaRPr lang="en-US" dirty="0"/>
-            </a:p>
-          </p:txBody>
-        </p:sp>
-        <p:sp>
-          <p:nvSpPr>
-            <p:cNvPr id="39" name="Rectangle 38">
-              <a:extLst>
-                <a:ext uri="{FF2B5EF4-FFF2-40B4-BE49-F238E27FC236}">
-                  <a16:creationId xmlns:a16="http://schemas.microsoft.com/office/drawing/2014/main" id="{20C6C743-32FE-4E24-AA22-45D3B1C7C0A1}"/>
-                </a:ext>
-                <a:ext uri="{C183D7F6-B498-43B3-948B-1728B52AA6E4}">
-                  <adec:decorative xmlns:adec="http://schemas.microsoft.com/office/drawing/2017/decorative" val="1"/>
-                </a:ext>
-              </a:extLst>
-            </p:cNvPr>
-            <p:cNvSpPr/>
-            <p:nvPr>
-              <p:extLst>
-                <p:ext uri="{386F3935-93C4-4BCD-93E2-E3B085C9AB24}">
-                  <p16:designElem xmlns:p16="http://schemas.microsoft.com/office/powerpoint/2015/main" val="1"/>
-                </p:ext>
-              </p:extLst>
-            </p:nvPr>
-          </p:nvSpPr>
-          <p:spPr>
-            <a:xfrm>
-              <a:off x="3825434" y="0"/>
-              <a:ext cx="4303422" cy="1575461"/>
-            </a:xfrm>
-            <a:prstGeom prst="rect">
-              <a:avLst/>
-            </a:prstGeom>
-            <a:gradFill>
-              <a:gsLst>
-                <a:gs pos="0">
-                  <a:schemeClr val="accent1">
-                    <a:alpha val="17000"/>
-                  </a:schemeClr>
-                </a:gs>
-                <a:gs pos="74000">
-                  <a:schemeClr val="accent1">
-                    <a:lumMod val="50000"/>
-                    <a:alpha val="0"/>
-                  </a:schemeClr>
-                </a:gs>
-              </a:gsLst>
-              <a:lin ang="14400000" scaled="0"/>
-            </a:gradFill>
-            <a:ln>
-              <a:noFill/>
-            </a:ln>
-          </p:spPr>
-          <p:style>
-            <a:lnRef idx="2">
-              <a:schemeClr val="accent1">
-                <a:shade val="50000"/>
-              </a:schemeClr>
-            </a:lnRef>
-            <a:fillRef idx="1">
-              <a:schemeClr val="accent1"/>
-            </a:fillRef>
-            <a:effectRef idx="0">
-              <a:schemeClr val="accent1"/>
-            </a:effectRef>
-            <a:fontRef idx="minor">
-              <a:schemeClr val="lt1"/>
-            </a:fontRef>
-          </p:style>
-          <p:txBody>
-            <a:bodyPr rtlCol="0" anchor="ctr"/>
-            <a:lstStyle/>
-            <a:p>
-              <a:pPr algn="ctr"/>
-              <a:endParaRPr lang="en-US"/>
-            </a:p>
-          </p:txBody>
-        </p:sp>
-      </p:grpSp>
-      <p:sp>
-        <p:nvSpPr>
-          <p:cNvPr id="2" name="Заголовок 1">
-            <a:extLst>
-              <a:ext uri="{FF2B5EF4-FFF2-40B4-BE49-F238E27FC236}">
-                <a16:creationId xmlns:a16="http://schemas.microsoft.com/office/drawing/2014/main" id="{3F2513CC-CA88-2A33-FE13-6CFD81C1FBA6}"/>
-              </a:ext>
-            </a:extLst>
-          </p:cNvPr>
-          <p:cNvSpPr>
-            <a:spLocks noGrp="1"/>
-          </p:cNvSpPr>
-          <p:nvPr>
-            <p:ph type="title"/>
-          </p:nvPr>
-        </p:nvSpPr>
-        <p:spPr>
-          <a:xfrm>
-            <a:off x="304801" y="407695"/>
-            <a:ext cx="8662218" cy="834251"/>
-          </a:xfrm>
-        </p:spPr>
-        <p:txBody>
-          <a:bodyPr vert="horz" lIns="91440" tIns="45720" rIns="91440" bIns="45720" rtlCol="0" anchor="ctr">
-            <a:normAutofit fontScale="90000"/>
-          </a:bodyPr>
-          <a:lstStyle/>
-          <a:p>
-            <a:pPr defTabSz="914400"/>
-            <a:r>
-              <a:rPr lang="ru-RU" sz="3600" b="1" dirty="0">
-                <a:solidFill>
-                  <a:schemeClr val="bg1"/>
-                </a:solidFill>
-                <a:effectLst/>
-                <a:latin typeface="+mn-lt"/>
-                <a:ea typeface="Calibri" panose="020F0502020204030204" pitchFamily="34" charset="0"/>
-                <a:cs typeface="Times New Roman" panose="02020603050405020304" pitchFamily="18" charset="0"/>
-              </a:rPr>
-              <a:t>Конструкция привода и мобильной платформы</a:t>
-            </a:r>
-            <a:br>
-              <a:rPr lang="ru-RU" sz="1800" dirty="0">
-                <a:effectLst/>
-                <a:latin typeface="Calibri" panose="020F0502020204030204" pitchFamily="34" charset="0"/>
-                <a:ea typeface="Calibri" panose="020F0502020204030204" pitchFamily="34" charset="0"/>
-                <a:cs typeface="Times New Roman" panose="02020603050405020304" pitchFamily="18" charset="0"/>
-              </a:rPr>
-            </a:br>
-            <a:br>
-              <a:rPr lang="ru-RU" sz="1800" b="1" kern="0" dirty="0">
-                <a:solidFill>
-                  <a:srgbClr val="000000"/>
-                </a:solidFill>
-                <a:effectLst/>
-                <a:latin typeface="Times New Roman" panose="02020603050405020304" pitchFamily="18" charset="0"/>
-                <a:ea typeface="Times New Roman" panose="02020603050405020304" pitchFamily="18" charset="0"/>
-                <a:cs typeface="Times New Roman" panose="02020603050405020304" pitchFamily="18" charset="0"/>
-              </a:rPr>
-            </a:br>
-            <a:endParaRPr lang="en-US" sz="3500" kern="1200" dirty="0">
-              <a:solidFill>
-                <a:srgbClr val="FFFFFF"/>
-              </a:solidFill>
-              <a:latin typeface="+mj-lt"/>
-              <a:ea typeface="+mj-ea"/>
-              <a:cs typeface="+mj-cs"/>
-            </a:endParaRPr>
-          </a:p>
-        </p:txBody>
-      </p:sp>
-      <p:pic>
-        <p:nvPicPr>
-          <p:cNvPr id="16" name="Рисунок 15">
-            <a:extLst>
-              <a:ext uri="{FF2B5EF4-FFF2-40B4-BE49-F238E27FC236}">
-                <a16:creationId xmlns:a16="http://schemas.microsoft.com/office/drawing/2014/main" id="{FB502C03-E183-3E92-2F06-16CCFB1B2089}"/>
-              </a:ext>
-            </a:extLst>
-          </p:cNvPr>
-          <p:cNvPicPr>
-            <a:picLocks noChangeAspect="1"/>
-          </p:cNvPicPr>
-          <p:nvPr/>
-        </p:nvPicPr>
-        <p:blipFill>
-          <a:blip r:embed="rId2"/>
-          <a:stretch>
-            <a:fillRect/>
-          </a:stretch>
-        </p:blipFill>
-        <p:spPr>
-          <a:xfrm>
-            <a:off x="1" y="2334012"/>
-            <a:ext cx="5715217" cy="4057803"/>
-          </a:xfrm>
-          <a:prstGeom prst="rect">
-            <a:avLst/>
-          </a:prstGeom>
-        </p:spPr>
-      </p:pic>
-      <p:pic>
-        <p:nvPicPr>
-          <p:cNvPr id="22" name="Рисунок 21">
-            <a:extLst>
-              <a:ext uri="{FF2B5EF4-FFF2-40B4-BE49-F238E27FC236}">
-                <a16:creationId xmlns:a16="http://schemas.microsoft.com/office/drawing/2014/main" id="{D86553B4-452F-6B78-B21F-648E741D5A9E}"/>
-              </a:ext>
-            </a:extLst>
-          </p:cNvPr>
-          <p:cNvPicPr>
-            <a:picLocks noChangeAspect="1"/>
-          </p:cNvPicPr>
-          <p:nvPr/>
-        </p:nvPicPr>
-        <p:blipFill>
-          <a:blip r:embed="rId3"/>
-          <a:srcRect l="2460" t="4556" r="7534" b="6149"/>
-          <a:stretch/>
-        </p:blipFill>
-        <p:spPr>
-          <a:xfrm>
-            <a:off x="5715218" y="4247983"/>
-            <a:ext cx="3428779" cy="2520152"/>
-          </a:xfrm>
-          <a:prstGeom prst="rect">
-            <a:avLst/>
-          </a:prstGeom>
-        </p:spPr>
-      </p:pic>
-      <p:pic>
-        <p:nvPicPr>
-          <p:cNvPr id="7" name="Рисунок 6">
-            <a:extLst>
-              <a:ext uri="{FF2B5EF4-FFF2-40B4-BE49-F238E27FC236}">
-                <a16:creationId xmlns:a16="http://schemas.microsoft.com/office/drawing/2014/main" id="{CCFB37F5-7053-417C-2D3C-2835EA8DD630}"/>
-              </a:ext>
-            </a:extLst>
-          </p:cNvPr>
-          <p:cNvPicPr>
-            <a:picLocks noChangeAspect="1"/>
-          </p:cNvPicPr>
-          <p:nvPr/>
-        </p:nvPicPr>
-        <p:blipFill>
-          <a:blip r:embed="rId4"/>
-          <a:srcRect t="8111" r="4756"/>
-          <a:stretch/>
-        </p:blipFill>
-        <p:spPr>
-          <a:xfrm>
-            <a:off x="5726565" y="1642995"/>
-            <a:ext cx="3417437" cy="2515124"/>
-          </a:xfrm>
-          <a:prstGeom prst="rect">
-            <a:avLst/>
-          </a:prstGeom>
-        </p:spPr>
-      </p:pic>
-      <p:sp>
-        <p:nvSpPr>
-          <p:cNvPr id="14" name="Объект 13">
-            <a:extLst>
-              <a:ext uri="{FF2B5EF4-FFF2-40B4-BE49-F238E27FC236}">
-                <a16:creationId xmlns:a16="http://schemas.microsoft.com/office/drawing/2014/main" id="{C2A55417-7D00-64E9-A095-172320CD2E86}"/>
-              </a:ext>
-            </a:extLst>
-          </p:cNvPr>
-          <p:cNvSpPr>
-            <a:spLocks noGrp="1"/>
-          </p:cNvSpPr>
-          <p:nvPr>
-            <p:ph idx="1"/>
-          </p:nvPr>
-        </p:nvSpPr>
-        <p:spPr>
-          <a:xfrm>
-            <a:off x="1028700" y="4786744"/>
-            <a:ext cx="7086600" cy="1442631"/>
-          </a:xfrm>
-        </p:spPr>
-        <p:txBody>
-          <a:bodyPr>
-            <a:normAutofit/>
-          </a:bodyPr>
-          <a:lstStyle/>
-          <a:p>
-            <a:endParaRPr lang="ru-RU" sz="1700" dirty="0"/>
-          </a:p>
-        </p:txBody>
-      </p:sp>
-      <p:sp>
-        <p:nvSpPr>
-          <p:cNvPr id="4" name="Номер слайда 3">
-            <a:extLst>
-              <a:ext uri="{FF2B5EF4-FFF2-40B4-BE49-F238E27FC236}">
-                <a16:creationId xmlns:a16="http://schemas.microsoft.com/office/drawing/2014/main" id="{0375C969-EAB3-5803-0C32-6267143999D8}"/>
-              </a:ext>
-            </a:extLst>
-          </p:cNvPr>
-          <p:cNvSpPr>
-            <a:spLocks noGrp="1"/>
-          </p:cNvSpPr>
-          <p:nvPr>
-            <p:ph type="sldNum" sz="quarter" idx="12"/>
-          </p:nvPr>
-        </p:nvSpPr>
-        <p:spPr/>
-        <p:txBody>
-          <a:bodyPr/>
-          <a:lstStyle/>
-          <a:p>
-            <a:fld id="{C1FF6DA9-008F-8B48-92A6-B652298478BF}" type="slidenum">
-              <a:rPr lang="en-US" sz="1400" b="1" smtClean="0">
-                <a:solidFill>
-                  <a:schemeClr val="tx1"/>
-                </a:solidFill>
-              </a:rPr>
-              <a:t>9</a:t>
-            </a:fld>
-            <a:endParaRPr lang="en-US" sz="1400" b="1" dirty="0">
-              <a:solidFill>
-                <a:schemeClr val="tx1"/>
-              </a:solidFill>
-            </a:endParaRPr>
-          </a:p>
-        </p:txBody>
-      </p:sp>
-    </p:spTree>
-    <p:extLst>
-      <p:ext uri="{BB962C8B-B14F-4D97-AF65-F5344CB8AC3E}">
-        <p14:creationId xmlns:p14="http://schemas.microsoft.com/office/powerpoint/2010/main" val="2129045549"/>
       </p:ext>
     </p:extLst>
   </p:cSld>
